--- a/week12/branch.pptx
+++ b/week12/branch.pptx
@@ -3575,16 +3575,8 @@
           <a:p>
             <a:pPr algn="l"/>
             <a:r>
-              <a:rPr lang="ko-KR" altLang="en-US" sz="11500" dirty="0"/>
-              <a:t>깃 </a:t>
-            </a:r>
-            <a:r>
-              <a:rPr lang="ko-KR" altLang="en-US" sz="11500" dirty="0" err="1"/>
-              <a:t>브랜치</a:t>
-            </a:r>
-            <a:r>
               <a:rPr lang="en-US" altLang="ko-KR" sz="11500" dirty="0"/>
-              <a:t>(Git Branch)</a:t>
+              <a:t>Git Branch</a:t>
             </a:r>
             <a:endParaRPr lang="en-KR" sz="11500" dirty="0"/>
           </a:p>
@@ -3690,22 +3682,9 @@
           <a:lstStyle/>
           <a:p>
             <a:r>
-              <a:rPr lang="ko-KR" altLang="en-US" sz="3600" dirty="0" err="1"/>
-              <a:t>브랜치</a:t>
-            </a:r>
-            <a:r>
-              <a:rPr lang="en-US" altLang="ko-KR" sz="3600" dirty="0"/>
-              <a:t>(</a:t>
-            </a:r>
-            <a:r>
               <a:rPr lang="en-KR" sz="3600" dirty="0"/>
               <a:t>Branch</a:t>
             </a:r>
-            <a:r>
-              <a:rPr lang="en-US" altLang="ko-KR" sz="3600" dirty="0"/>
-              <a:t>)</a:t>
-            </a:r>
-            <a:endParaRPr lang="en-KR" sz="3600" dirty="0"/>
           </a:p>
         </p:txBody>
       </p:sp>
@@ -3768,24 +3747,21 @@
           <a:lstStyle/>
           <a:p>
             <a:r>
-              <a:rPr lang="ko-KR" altLang="en-US" sz="1600" dirty="0"/>
-              <a:t>독립된 작업 공간</a:t>
-            </a:r>
-            <a:endParaRPr lang="en-US" altLang="ko-KR" sz="1600" dirty="0"/>
-          </a:p>
-          <a:p>
-            <a:r>
-              <a:rPr lang="ko-KR" altLang="en-US" sz="1600" dirty="0"/>
-              <a:t>식당에 비유하면 주방 한 켠에 있는 조리실험실 같은 공간</a:t>
-            </a:r>
-            <a:endParaRPr lang="en-US" altLang="ko-KR" sz="1600" dirty="0"/>
-          </a:p>
-          <a:p>
-            <a:r>
-              <a:rPr lang="ko-KR" altLang="en-US" sz="1600" dirty="0"/>
-              <a:t>지금 작업하던 내용을 그대로 유지한채 새로운 개발이 가능</a:t>
-            </a:r>
-            <a:endParaRPr lang="en-US" altLang="ko-KR" sz="1600" dirty="0"/>
+              <a:rPr lang="en-US" altLang="ko-KR" sz="1800" dirty="0"/>
+              <a:t>An independent workspace</a:t>
+            </a:r>
+          </a:p>
+          <a:p>
+            <a:r>
+              <a:rPr lang="en-US" altLang="ko-KR" sz="1800" dirty="0"/>
+              <a:t>Comparable to a cooking lab located in a corner of a kitchen in a restaurant</a:t>
+            </a:r>
+          </a:p>
+          <a:p>
+            <a:r>
+              <a:rPr lang="en-US" altLang="ko-KR" sz="1800" dirty="0"/>
+              <a:t>It is possible to embark on new development while maintaining the content of the work currently in progress</a:t>
+            </a:r>
           </a:p>
         </p:txBody>
       </p:sp>

--- a/week12/branch.pptx
+++ b/week12/branch.pptx
@@ -3575,8 +3575,16 @@
           <a:p>
             <a:pPr algn="l"/>
             <a:r>
+              <a:rPr lang="ko-KR" altLang="en-US" sz="11500" dirty="0"/>
+              <a:t>깃 </a:t>
+            </a:r>
+            <a:r>
+              <a:rPr lang="ko-KR" altLang="en-US" sz="11500" dirty="0" err="1"/>
+              <a:t>브랜치</a:t>
+            </a:r>
+            <a:r>
               <a:rPr lang="en-US" altLang="ko-KR" sz="11500" dirty="0"/>
-              <a:t>Git Branch</a:t>
+              <a:t>(Git Branch)</a:t>
             </a:r>
             <a:endParaRPr lang="en-KR" sz="11500" dirty="0"/>
           </a:p>
@@ -3682,9 +3690,22 @@
           <a:lstStyle/>
           <a:p>
             <a:r>
+              <a:rPr lang="ko-KR" altLang="en-US" sz="3600" dirty="0" err="1"/>
+              <a:t>브랜치</a:t>
+            </a:r>
+            <a:r>
+              <a:rPr lang="en-US" altLang="ko-KR" sz="3600" dirty="0"/>
+              <a:t>(</a:t>
+            </a:r>
+            <a:r>
               <a:rPr lang="en-KR" sz="3600" dirty="0"/>
               <a:t>Branch</a:t>
             </a:r>
+            <a:r>
+              <a:rPr lang="en-US" altLang="ko-KR" sz="3600" dirty="0"/>
+              <a:t>)</a:t>
+            </a:r>
+            <a:endParaRPr lang="en-KR" sz="3600" dirty="0"/>
           </a:p>
         </p:txBody>
       </p:sp>
@@ -3747,21 +3768,24 @@
           <a:lstStyle/>
           <a:p>
             <a:r>
-              <a:rPr lang="en-US" altLang="ko-KR" sz="1800" dirty="0"/>
-              <a:t>An independent workspace</a:t>
-            </a:r>
-          </a:p>
-          <a:p>
-            <a:r>
-              <a:rPr lang="en-US" altLang="ko-KR" sz="1800" dirty="0"/>
-              <a:t>Comparable to a cooking lab located in a corner of a kitchen in a restaurant</a:t>
-            </a:r>
-          </a:p>
-          <a:p>
-            <a:r>
-              <a:rPr lang="en-US" altLang="ko-KR" sz="1800" dirty="0"/>
-              <a:t>It is possible to embark on new development while maintaining the content of the work currently in progress</a:t>
-            </a:r>
+              <a:rPr lang="ko-KR" altLang="en-US" sz="1600" dirty="0"/>
+              <a:t>독립된 작업 공간</a:t>
+            </a:r>
+            <a:endParaRPr lang="en-US" altLang="ko-KR" sz="1600" dirty="0"/>
+          </a:p>
+          <a:p>
+            <a:r>
+              <a:rPr lang="ko-KR" altLang="en-US" sz="1600" dirty="0"/>
+              <a:t>식당에 비유하면 주방 한 켠에 있는 조리실험실 같은 공간</a:t>
+            </a:r>
+            <a:endParaRPr lang="en-US" altLang="ko-KR" sz="1600" dirty="0"/>
+          </a:p>
+          <a:p>
+            <a:r>
+              <a:rPr lang="ko-KR" altLang="en-US" sz="1600" dirty="0"/>
+              <a:t>지금 작업하던 내용을 그대로 유지한채 새로운 개발이 가능</a:t>
+            </a:r>
+            <a:endParaRPr lang="en-US" altLang="ko-KR" sz="1600" dirty="0"/>
           </a:p>
         </p:txBody>
       </p:sp>

--- a/week12/branch.pptx
+++ b/week12/branch.pptx
@@ -7,6 +7,7 @@
   <p:sldIdLst>
     <p:sldId id="256" r:id="rId2"/>
     <p:sldId id="257" r:id="rId3"/>
+    <p:sldId id="258" r:id="rId4"/>
   </p:sldIdLst>
   <p:sldSz cx="12192000" cy="6858000"/>
   <p:notesSz cx="6858000" cy="9144000"/>
@@ -262,7 +263,7 @@
           <a:p>
             <a:fld id="{42AB81E2-2E7B-B344-9159-A676E4F74E42}" type="datetimeFigureOut">
               <a:rPr lang="en-KR" smtClean="0"/>
-              <a:t>11/16/23</a:t>
+              <a:t>2023/11/17</a:t>
             </a:fld>
             <a:endParaRPr lang="en-KR"/>
           </a:p>
@@ -462,7 +463,7 @@
           <a:p>
             <a:fld id="{42AB81E2-2E7B-B344-9159-A676E4F74E42}" type="datetimeFigureOut">
               <a:rPr lang="en-KR" smtClean="0"/>
-              <a:t>11/16/23</a:t>
+              <a:t>2023/11/17</a:t>
             </a:fld>
             <a:endParaRPr lang="en-KR"/>
           </a:p>
@@ -672,7 +673,7 @@
           <a:p>
             <a:fld id="{42AB81E2-2E7B-B344-9159-A676E4F74E42}" type="datetimeFigureOut">
               <a:rPr lang="en-KR" smtClean="0"/>
-              <a:t>11/16/23</a:t>
+              <a:t>2023/11/17</a:t>
             </a:fld>
             <a:endParaRPr lang="en-KR"/>
           </a:p>
@@ -872,7 +873,7 @@
           <a:p>
             <a:fld id="{42AB81E2-2E7B-B344-9159-A676E4F74E42}" type="datetimeFigureOut">
               <a:rPr lang="en-KR" smtClean="0"/>
-              <a:t>11/16/23</a:t>
+              <a:t>2023/11/17</a:t>
             </a:fld>
             <a:endParaRPr lang="en-KR"/>
           </a:p>
@@ -1148,7 +1149,7 @@
           <a:p>
             <a:fld id="{42AB81E2-2E7B-B344-9159-A676E4F74E42}" type="datetimeFigureOut">
               <a:rPr lang="en-KR" smtClean="0"/>
-              <a:t>11/16/23</a:t>
+              <a:t>2023/11/17</a:t>
             </a:fld>
             <a:endParaRPr lang="en-KR"/>
           </a:p>
@@ -1416,7 +1417,7 @@
           <a:p>
             <a:fld id="{42AB81E2-2E7B-B344-9159-A676E4F74E42}" type="datetimeFigureOut">
               <a:rPr lang="en-KR" smtClean="0"/>
-              <a:t>11/16/23</a:t>
+              <a:t>2023/11/17</a:t>
             </a:fld>
             <a:endParaRPr lang="en-KR"/>
           </a:p>
@@ -1831,7 +1832,7 @@
           <a:p>
             <a:fld id="{42AB81E2-2E7B-B344-9159-A676E4F74E42}" type="datetimeFigureOut">
               <a:rPr lang="en-KR" smtClean="0"/>
-              <a:t>11/16/23</a:t>
+              <a:t>2023/11/17</a:t>
             </a:fld>
             <a:endParaRPr lang="en-KR"/>
           </a:p>
@@ -1973,7 +1974,7 @@
           <a:p>
             <a:fld id="{42AB81E2-2E7B-B344-9159-A676E4F74E42}" type="datetimeFigureOut">
               <a:rPr lang="en-KR" smtClean="0"/>
-              <a:t>11/16/23</a:t>
+              <a:t>2023/11/17</a:t>
             </a:fld>
             <a:endParaRPr lang="en-KR"/>
           </a:p>
@@ -2086,7 +2087,7 @@
           <a:p>
             <a:fld id="{42AB81E2-2E7B-B344-9159-A676E4F74E42}" type="datetimeFigureOut">
               <a:rPr lang="en-KR" smtClean="0"/>
-              <a:t>11/16/23</a:t>
+              <a:t>2023/11/17</a:t>
             </a:fld>
             <a:endParaRPr lang="en-KR"/>
           </a:p>
@@ -2399,7 +2400,7 @@
           <a:p>
             <a:fld id="{42AB81E2-2E7B-B344-9159-A676E4F74E42}" type="datetimeFigureOut">
               <a:rPr lang="en-KR" smtClean="0"/>
-              <a:t>11/16/23</a:t>
+              <a:t>2023/11/17</a:t>
             </a:fld>
             <a:endParaRPr lang="en-KR"/>
           </a:p>
@@ -2688,7 +2689,7 @@
           <a:p>
             <a:fld id="{42AB81E2-2E7B-B344-9159-A676E4F74E42}" type="datetimeFigureOut">
               <a:rPr lang="en-KR" smtClean="0"/>
-              <a:t>11/16/23</a:t>
+              <a:t>2023/11/17</a:t>
             </a:fld>
             <a:endParaRPr lang="en-KR"/>
           </a:p>
@@ -2931,7 +2932,7 @@
           <a:p>
             <a:fld id="{42AB81E2-2E7B-B344-9159-A676E4F74E42}" type="datetimeFigureOut">
               <a:rPr lang="en-KR" smtClean="0"/>
-              <a:t>11/16/23</a:t>
+              <a:t>2023/11/17</a:t>
             </a:fld>
             <a:endParaRPr lang="en-KR"/>
           </a:p>
@@ -3802,6 +3803,89 @@
 </p:sld>
 </file>
 
+<file path=ppt/slides/slide3.xml><?xml version="1.0" encoding="utf-8"?>
+<p:sld xmlns:a="http://schemas.openxmlformats.org/drawingml/2006/main" xmlns:r="http://schemas.openxmlformats.org/officeDocument/2006/relationships" xmlns:p="http://schemas.openxmlformats.org/presentationml/2006/main">
+  <p:cSld>
+    <p:spTree>
+      <p:nvGrpSpPr>
+        <p:cNvPr id="1" name=""/>
+        <p:cNvGrpSpPr/>
+        <p:nvPr/>
+      </p:nvGrpSpPr>
+      <p:grpSpPr>
+        <a:xfrm>
+          <a:off x="0" y="0"/>
+          <a:ext cx="0" cy="0"/>
+          <a:chOff x="0" y="0"/>
+          <a:chExt cx="0" cy="0"/>
+        </a:xfrm>
+      </p:grpSpPr>
+      <p:sp>
+        <p:nvSpPr>
+          <p:cNvPr id="2" name="Title 1">
+            <a:extLst>
+              <a:ext uri="{FF2B5EF4-FFF2-40B4-BE49-F238E27FC236}">
+                <a16:creationId xmlns:a16="http://schemas.microsoft.com/office/drawing/2014/main" id="{5ECC5E52-94F6-C413-FB26-122993BFD061}"/>
+              </a:ext>
+            </a:extLst>
+          </p:cNvPr>
+          <p:cNvSpPr>
+            <a:spLocks noGrp="1"/>
+          </p:cNvSpPr>
+          <p:nvPr>
+            <p:ph type="title"/>
+          </p:nvPr>
+        </p:nvSpPr>
+        <p:spPr/>
+        <p:txBody>
+          <a:bodyPr/>
+          <a:lstStyle/>
+          <a:p>
+            <a:r>
+              <a:rPr lang="en-KR" dirty="0"/>
+              <a:t>Thank You</a:t>
+            </a:r>
+          </a:p>
+        </p:txBody>
+      </p:sp>
+      <p:sp>
+        <p:nvSpPr>
+          <p:cNvPr id="3" name="Content Placeholder 2">
+            <a:extLst>
+              <a:ext uri="{FF2B5EF4-FFF2-40B4-BE49-F238E27FC236}">
+                <a16:creationId xmlns:a16="http://schemas.microsoft.com/office/drawing/2014/main" id="{596A2800-309C-3AE1-959A-76383BEEAF21}"/>
+              </a:ext>
+            </a:extLst>
+          </p:cNvPr>
+          <p:cNvSpPr>
+            <a:spLocks noGrp="1"/>
+          </p:cNvSpPr>
+          <p:nvPr>
+            <p:ph idx="1"/>
+          </p:nvPr>
+        </p:nvSpPr>
+        <p:spPr/>
+        <p:txBody>
+          <a:bodyPr/>
+          <a:lstStyle/>
+          <a:p>
+            <a:endParaRPr lang="en-KR"/>
+          </a:p>
+        </p:txBody>
+      </p:sp>
+    </p:spTree>
+    <p:extLst>
+      <p:ext uri="{BB962C8B-B14F-4D97-AF65-F5344CB8AC3E}">
+        <p14:creationId xmlns:p14="http://schemas.microsoft.com/office/powerpoint/2010/main" val="3701531027"/>
+      </p:ext>
+    </p:extLst>
+  </p:cSld>
+  <p:clrMapOvr>
+    <a:masterClrMapping/>
+  </p:clrMapOvr>
+</p:sld>
+</file>
+
 <file path=ppt/theme/theme1.xml><?xml version="1.0" encoding="utf-8"?>
 <a:theme xmlns:a="http://schemas.openxmlformats.org/drawingml/2006/main" name="Office Theme">
   <a:themeElements>

--- a/week12/branch.pptx
+++ b/week12/branch.pptx
@@ -7,6 +7,7 @@
   <p:sldIdLst>
     <p:sldId id="256" r:id="rId2"/>
     <p:sldId id="257" r:id="rId3"/>
+    <p:sldId id="258" r:id="rId4"/>
   </p:sldIdLst>
   <p:sldSz cx="12192000" cy="6858000"/>
   <p:notesSz cx="6858000" cy="9144000"/>
@@ -113,6 +114,35 @@
 </p:presentation>
 </file>
 
+<file path=ppt/changesInfos/changesInfo1.xml><?xml version="1.0" encoding="utf-8"?>
+<pc:chgInfo xmlns:a="http://schemas.openxmlformats.org/drawingml/2006/main" xmlns:r="http://schemas.openxmlformats.org/officeDocument/2006/relationships" xmlns:ac="http://schemas.microsoft.com/office/drawing/2013/main/command" xmlns:pc="http://schemas.microsoft.com/office/powerpoint/2013/main/command">
+  <pc:docChgLst>
+    <pc:chgData name="소윤 박" userId="0cee81e71d2ec952" providerId="LiveId" clId="{202A1A1B-B6F9-40C1-9CA6-5094610D19BE}"/>
+    <pc:docChg chg="addSld modSld">
+      <pc:chgData name="소윤 박" userId="0cee81e71d2ec952" providerId="LiveId" clId="{202A1A1B-B6F9-40C1-9CA6-5094610D19BE}" dt="2023-11-17T03:23:06.448" v="11" actId="20577"/>
+      <pc:docMkLst>
+        <pc:docMk/>
+      </pc:docMkLst>
+      <pc:sldChg chg="modSp new mod">
+        <pc:chgData name="소윤 박" userId="0cee81e71d2ec952" providerId="LiveId" clId="{202A1A1B-B6F9-40C1-9CA6-5094610D19BE}" dt="2023-11-17T03:23:06.448" v="11" actId="20577"/>
+        <pc:sldMkLst>
+          <pc:docMk/>
+          <pc:sldMk cId="1679492283" sldId="258"/>
+        </pc:sldMkLst>
+        <pc:spChg chg="mod">
+          <ac:chgData name="소윤 박" userId="0cee81e71d2ec952" providerId="LiveId" clId="{202A1A1B-B6F9-40C1-9CA6-5094610D19BE}" dt="2023-11-17T03:23:06.448" v="11" actId="20577"/>
+          <ac:spMkLst>
+            <pc:docMk/>
+            <pc:sldMk cId="1679492283" sldId="258"/>
+            <ac:spMk id="3" creationId="{7BDFF071-0647-E669-C161-2E551BD3256E}"/>
+          </ac:spMkLst>
+        </pc:spChg>
+      </pc:sldChg>
+    </pc:docChg>
+  </pc:docChgLst>
+</pc:chgInfo>
+</file>
+
 <file path=ppt/slideLayouts/slideLayout1.xml><?xml version="1.0" encoding="utf-8"?>
 <p:sldLayout xmlns:a="http://schemas.openxmlformats.org/drawingml/2006/main" xmlns:r="http://schemas.openxmlformats.org/officeDocument/2006/relationships" xmlns:p="http://schemas.openxmlformats.org/presentationml/2006/main" type="title" preserve="1">
   <p:cSld name="Title Slide">
@@ -262,7 +292,7 @@
           <a:p>
             <a:fld id="{42AB81E2-2E7B-B344-9159-A676E4F74E42}" type="datetimeFigureOut">
               <a:rPr lang="en-KR" smtClean="0"/>
-              <a:t>11/16/23</a:t>
+              <a:t>11/17/2023</a:t>
             </a:fld>
             <a:endParaRPr lang="en-KR"/>
           </a:p>
@@ -462,7 +492,7 @@
           <a:p>
             <a:fld id="{42AB81E2-2E7B-B344-9159-A676E4F74E42}" type="datetimeFigureOut">
               <a:rPr lang="en-KR" smtClean="0"/>
-              <a:t>11/16/23</a:t>
+              <a:t>11/17/2023</a:t>
             </a:fld>
             <a:endParaRPr lang="en-KR"/>
           </a:p>
@@ -672,7 +702,7 @@
           <a:p>
             <a:fld id="{42AB81E2-2E7B-B344-9159-A676E4F74E42}" type="datetimeFigureOut">
               <a:rPr lang="en-KR" smtClean="0"/>
-              <a:t>11/16/23</a:t>
+              <a:t>11/17/2023</a:t>
             </a:fld>
             <a:endParaRPr lang="en-KR"/>
           </a:p>
@@ -872,7 +902,7 @@
           <a:p>
             <a:fld id="{42AB81E2-2E7B-B344-9159-A676E4F74E42}" type="datetimeFigureOut">
               <a:rPr lang="en-KR" smtClean="0"/>
-              <a:t>11/16/23</a:t>
+              <a:t>11/17/2023</a:t>
             </a:fld>
             <a:endParaRPr lang="en-KR"/>
           </a:p>
@@ -1148,7 +1178,7 @@
           <a:p>
             <a:fld id="{42AB81E2-2E7B-B344-9159-A676E4F74E42}" type="datetimeFigureOut">
               <a:rPr lang="en-KR" smtClean="0"/>
-              <a:t>11/16/23</a:t>
+              <a:t>11/17/2023</a:t>
             </a:fld>
             <a:endParaRPr lang="en-KR"/>
           </a:p>
@@ -1416,7 +1446,7 @@
           <a:p>
             <a:fld id="{42AB81E2-2E7B-B344-9159-A676E4F74E42}" type="datetimeFigureOut">
               <a:rPr lang="en-KR" smtClean="0"/>
-              <a:t>11/16/23</a:t>
+              <a:t>11/17/2023</a:t>
             </a:fld>
             <a:endParaRPr lang="en-KR"/>
           </a:p>
@@ -1831,7 +1861,7 @@
           <a:p>
             <a:fld id="{42AB81E2-2E7B-B344-9159-A676E4F74E42}" type="datetimeFigureOut">
               <a:rPr lang="en-KR" smtClean="0"/>
-              <a:t>11/16/23</a:t>
+              <a:t>11/17/2023</a:t>
             </a:fld>
             <a:endParaRPr lang="en-KR"/>
           </a:p>
@@ -1973,7 +2003,7 @@
           <a:p>
             <a:fld id="{42AB81E2-2E7B-B344-9159-A676E4F74E42}" type="datetimeFigureOut">
               <a:rPr lang="en-KR" smtClean="0"/>
-              <a:t>11/16/23</a:t>
+              <a:t>11/17/2023</a:t>
             </a:fld>
             <a:endParaRPr lang="en-KR"/>
           </a:p>
@@ -2086,7 +2116,7 @@
           <a:p>
             <a:fld id="{42AB81E2-2E7B-B344-9159-A676E4F74E42}" type="datetimeFigureOut">
               <a:rPr lang="en-KR" smtClean="0"/>
-              <a:t>11/16/23</a:t>
+              <a:t>11/17/2023</a:t>
             </a:fld>
             <a:endParaRPr lang="en-KR"/>
           </a:p>
@@ -2399,7 +2429,7 @@
           <a:p>
             <a:fld id="{42AB81E2-2E7B-B344-9159-A676E4F74E42}" type="datetimeFigureOut">
               <a:rPr lang="en-KR" smtClean="0"/>
-              <a:t>11/16/23</a:t>
+              <a:t>11/17/2023</a:t>
             </a:fld>
             <a:endParaRPr lang="en-KR"/>
           </a:p>
@@ -2688,7 +2718,7 @@
           <a:p>
             <a:fld id="{42AB81E2-2E7B-B344-9159-A676E4F74E42}" type="datetimeFigureOut">
               <a:rPr lang="en-KR" smtClean="0"/>
-              <a:t>11/16/23</a:t>
+              <a:t>11/17/2023</a:t>
             </a:fld>
             <a:endParaRPr lang="en-KR"/>
           </a:p>
@@ -2931,7 +2961,7 @@
           <a:p>
             <a:fld id="{42AB81E2-2E7B-B344-9159-A676E4F74E42}" type="datetimeFigureOut">
               <a:rPr lang="en-KR" smtClean="0"/>
-              <a:t>11/16/23</a:t>
+              <a:t>11/17/2023</a:t>
             </a:fld>
             <a:endParaRPr lang="en-KR"/>
           </a:p>
@@ -3802,6 +3832,90 @@
 </p:sld>
 </file>
 
+<file path=ppt/slides/slide3.xml><?xml version="1.0" encoding="utf-8"?>
+<p:sld xmlns:a="http://schemas.openxmlformats.org/drawingml/2006/main" xmlns:r="http://schemas.openxmlformats.org/officeDocument/2006/relationships" xmlns:p="http://schemas.openxmlformats.org/presentationml/2006/main">
+  <p:cSld>
+    <p:spTree>
+      <p:nvGrpSpPr>
+        <p:cNvPr id="1" name=""/>
+        <p:cNvGrpSpPr/>
+        <p:nvPr/>
+      </p:nvGrpSpPr>
+      <p:grpSpPr>
+        <a:xfrm>
+          <a:off x="0" y="0"/>
+          <a:ext cx="0" cy="0"/>
+          <a:chOff x="0" y="0"/>
+          <a:chExt cx="0" cy="0"/>
+        </a:xfrm>
+      </p:grpSpPr>
+      <p:sp>
+        <p:nvSpPr>
+          <p:cNvPr id="2" name="제목 1">
+            <a:extLst>
+              <a:ext uri="{FF2B5EF4-FFF2-40B4-BE49-F238E27FC236}">
+                <a16:creationId xmlns:a16="http://schemas.microsoft.com/office/drawing/2014/main" id="{90511A83-D643-2ADC-0A8E-D1C49A922895}"/>
+              </a:ext>
+            </a:extLst>
+          </p:cNvPr>
+          <p:cNvSpPr>
+            <a:spLocks noGrp="1"/>
+          </p:cNvSpPr>
+          <p:nvPr>
+            <p:ph type="title"/>
+          </p:nvPr>
+        </p:nvSpPr>
+        <p:spPr/>
+        <p:txBody>
+          <a:bodyPr/>
+          <a:lstStyle/>
+          <a:p>
+            <a:endParaRPr lang="ko-KR" altLang="en-US"/>
+          </a:p>
+        </p:txBody>
+      </p:sp>
+      <p:sp>
+        <p:nvSpPr>
+          <p:cNvPr id="3" name="내용 개체 틀 2">
+            <a:extLst>
+              <a:ext uri="{FF2B5EF4-FFF2-40B4-BE49-F238E27FC236}">
+                <a16:creationId xmlns:a16="http://schemas.microsoft.com/office/drawing/2014/main" id="{7BDFF071-0647-E669-C161-2E551BD3256E}"/>
+              </a:ext>
+            </a:extLst>
+          </p:cNvPr>
+          <p:cNvSpPr>
+            <a:spLocks noGrp="1"/>
+          </p:cNvSpPr>
+          <p:nvPr>
+            <p:ph idx="1"/>
+          </p:nvPr>
+        </p:nvSpPr>
+        <p:spPr/>
+        <p:txBody>
+          <a:bodyPr/>
+          <a:lstStyle/>
+          <a:p>
+            <a:r>
+              <a:rPr lang="en-US" altLang="ko-KR"/>
+              <a:t>Thank You</a:t>
+            </a:r>
+            <a:endParaRPr lang="ko-KR" altLang="en-US"/>
+          </a:p>
+        </p:txBody>
+      </p:sp>
+    </p:spTree>
+    <p:extLst>
+      <p:ext uri="{BB962C8B-B14F-4D97-AF65-F5344CB8AC3E}">
+        <p14:creationId xmlns:p14="http://schemas.microsoft.com/office/powerpoint/2010/main" val="1679492283"/>
+      </p:ext>
+    </p:extLst>
+  </p:cSld>
+  <p:clrMapOvr>
+    <a:masterClrMapping/>
+  </p:clrMapOvr>
+</p:sld>
+</file>
+
 <file path=ppt/theme/theme1.xml><?xml version="1.0" encoding="utf-8"?>
 <a:theme xmlns:a="http://schemas.openxmlformats.org/drawingml/2006/main" name="Office Theme">
   <a:themeElements>

--- a/week12/branch.pptx
+++ b/week12/branch.pptx
@@ -7,6 +7,7 @@
   <p:sldIdLst>
     <p:sldId id="256" r:id="rId2"/>
     <p:sldId id="257" r:id="rId3"/>
+    <p:sldId id="258" r:id="rId4"/>
   </p:sldIdLst>
   <p:sldSz cx="12192000" cy="6858000"/>
   <p:notesSz cx="6858000" cy="9144000"/>
@@ -113,6 +114,35 @@
 </p:presentation>
 </file>
 
+<file path=ppt/changesInfos/changesInfo1.xml><?xml version="1.0" encoding="utf-8"?>
+<pc:chgInfo xmlns:a="http://schemas.openxmlformats.org/drawingml/2006/main" xmlns:r="http://schemas.openxmlformats.org/officeDocument/2006/relationships" xmlns:ac="http://schemas.microsoft.com/office/drawing/2013/main/command" xmlns:pc="http://schemas.microsoft.com/office/powerpoint/2013/main/command">
+  <pc:docChgLst>
+    <pc:chgData name="윤정 박" userId="ddfb7ffd907d12ea" providerId="LiveId" clId="{2C78210A-BCAC-4C9B-8433-EFAFB981D5FD}"/>
+    <pc:docChg chg="addSld modSld">
+      <pc:chgData name="윤정 박" userId="ddfb7ffd907d12ea" providerId="LiveId" clId="{2C78210A-BCAC-4C9B-8433-EFAFB981D5FD}" dt="2023-11-17T03:30:50.680" v="33" actId="1076"/>
+      <pc:docMkLst>
+        <pc:docMk/>
+      </pc:docMkLst>
+      <pc:sldChg chg="modSp new mod">
+        <pc:chgData name="윤정 박" userId="ddfb7ffd907d12ea" providerId="LiveId" clId="{2C78210A-BCAC-4C9B-8433-EFAFB981D5FD}" dt="2023-11-17T03:30:50.680" v="33" actId="1076"/>
+        <pc:sldMkLst>
+          <pc:docMk/>
+          <pc:sldMk cId="3789356218" sldId="258"/>
+        </pc:sldMkLst>
+        <pc:spChg chg="mod">
+          <ac:chgData name="윤정 박" userId="ddfb7ffd907d12ea" providerId="LiveId" clId="{2C78210A-BCAC-4C9B-8433-EFAFB981D5FD}" dt="2023-11-17T03:30:50.680" v="33" actId="1076"/>
+          <ac:spMkLst>
+            <pc:docMk/>
+            <pc:sldMk cId="3789356218" sldId="258"/>
+            <ac:spMk id="3" creationId="{645D5361-BB27-73CE-B978-825016AD0D08}"/>
+          </ac:spMkLst>
+        </pc:spChg>
+      </pc:sldChg>
+    </pc:docChg>
+  </pc:docChgLst>
+</pc:chgInfo>
+</file>
+
 <file path=ppt/slideLayouts/slideLayout1.xml><?xml version="1.0" encoding="utf-8"?>
 <p:sldLayout xmlns:a="http://schemas.openxmlformats.org/drawingml/2006/main" xmlns:r="http://schemas.openxmlformats.org/officeDocument/2006/relationships" xmlns:p="http://schemas.openxmlformats.org/presentationml/2006/main" type="title" preserve="1">
   <p:cSld name="Title Slide">
@@ -262,7 +292,7 @@
           <a:p>
             <a:fld id="{42AB81E2-2E7B-B344-9159-A676E4F74E42}" type="datetimeFigureOut">
               <a:rPr lang="en-KR" smtClean="0"/>
-              <a:t>11/16/23</a:t>
+              <a:t>11/17/2023</a:t>
             </a:fld>
             <a:endParaRPr lang="en-KR"/>
           </a:p>
@@ -462,7 +492,7 @@
           <a:p>
             <a:fld id="{42AB81E2-2E7B-B344-9159-A676E4F74E42}" type="datetimeFigureOut">
               <a:rPr lang="en-KR" smtClean="0"/>
-              <a:t>11/16/23</a:t>
+              <a:t>11/17/2023</a:t>
             </a:fld>
             <a:endParaRPr lang="en-KR"/>
           </a:p>
@@ -672,7 +702,7 @@
           <a:p>
             <a:fld id="{42AB81E2-2E7B-B344-9159-A676E4F74E42}" type="datetimeFigureOut">
               <a:rPr lang="en-KR" smtClean="0"/>
-              <a:t>11/16/23</a:t>
+              <a:t>11/17/2023</a:t>
             </a:fld>
             <a:endParaRPr lang="en-KR"/>
           </a:p>
@@ -872,7 +902,7 @@
           <a:p>
             <a:fld id="{42AB81E2-2E7B-B344-9159-A676E4F74E42}" type="datetimeFigureOut">
               <a:rPr lang="en-KR" smtClean="0"/>
-              <a:t>11/16/23</a:t>
+              <a:t>11/17/2023</a:t>
             </a:fld>
             <a:endParaRPr lang="en-KR"/>
           </a:p>
@@ -1148,7 +1178,7 @@
           <a:p>
             <a:fld id="{42AB81E2-2E7B-B344-9159-A676E4F74E42}" type="datetimeFigureOut">
               <a:rPr lang="en-KR" smtClean="0"/>
-              <a:t>11/16/23</a:t>
+              <a:t>11/17/2023</a:t>
             </a:fld>
             <a:endParaRPr lang="en-KR"/>
           </a:p>
@@ -1416,7 +1446,7 @@
           <a:p>
             <a:fld id="{42AB81E2-2E7B-B344-9159-A676E4F74E42}" type="datetimeFigureOut">
               <a:rPr lang="en-KR" smtClean="0"/>
-              <a:t>11/16/23</a:t>
+              <a:t>11/17/2023</a:t>
             </a:fld>
             <a:endParaRPr lang="en-KR"/>
           </a:p>
@@ -1831,7 +1861,7 @@
           <a:p>
             <a:fld id="{42AB81E2-2E7B-B344-9159-A676E4F74E42}" type="datetimeFigureOut">
               <a:rPr lang="en-KR" smtClean="0"/>
-              <a:t>11/16/23</a:t>
+              <a:t>11/17/2023</a:t>
             </a:fld>
             <a:endParaRPr lang="en-KR"/>
           </a:p>
@@ -1973,7 +2003,7 @@
           <a:p>
             <a:fld id="{42AB81E2-2E7B-B344-9159-A676E4F74E42}" type="datetimeFigureOut">
               <a:rPr lang="en-KR" smtClean="0"/>
-              <a:t>11/16/23</a:t>
+              <a:t>11/17/2023</a:t>
             </a:fld>
             <a:endParaRPr lang="en-KR"/>
           </a:p>
@@ -2086,7 +2116,7 @@
           <a:p>
             <a:fld id="{42AB81E2-2E7B-B344-9159-A676E4F74E42}" type="datetimeFigureOut">
               <a:rPr lang="en-KR" smtClean="0"/>
-              <a:t>11/16/23</a:t>
+              <a:t>11/17/2023</a:t>
             </a:fld>
             <a:endParaRPr lang="en-KR"/>
           </a:p>
@@ -2399,7 +2429,7 @@
           <a:p>
             <a:fld id="{42AB81E2-2E7B-B344-9159-A676E4F74E42}" type="datetimeFigureOut">
               <a:rPr lang="en-KR" smtClean="0"/>
-              <a:t>11/16/23</a:t>
+              <a:t>11/17/2023</a:t>
             </a:fld>
             <a:endParaRPr lang="en-KR"/>
           </a:p>
@@ -2688,7 +2718,7 @@
           <a:p>
             <a:fld id="{42AB81E2-2E7B-B344-9159-A676E4F74E42}" type="datetimeFigureOut">
               <a:rPr lang="en-KR" smtClean="0"/>
-              <a:t>11/16/23</a:t>
+              <a:t>11/17/2023</a:t>
             </a:fld>
             <a:endParaRPr lang="en-KR"/>
           </a:p>
@@ -2931,7 +2961,7 @@
           <a:p>
             <a:fld id="{42AB81E2-2E7B-B344-9159-A676E4F74E42}" type="datetimeFigureOut">
               <a:rPr lang="en-KR" smtClean="0"/>
-              <a:t>11/16/23</a:t>
+              <a:t>11/17/2023</a:t>
             </a:fld>
             <a:endParaRPr lang="en-KR"/>
           </a:p>
@@ -3802,6 +3832,100 @@
 </p:sld>
 </file>
 
+<file path=ppt/slides/slide3.xml><?xml version="1.0" encoding="utf-8"?>
+<p:sld xmlns:a="http://schemas.openxmlformats.org/drawingml/2006/main" xmlns:r="http://schemas.openxmlformats.org/officeDocument/2006/relationships" xmlns:p="http://schemas.openxmlformats.org/presentationml/2006/main">
+  <p:cSld>
+    <p:spTree>
+      <p:nvGrpSpPr>
+        <p:cNvPr id="1" name=""/>
+        <p:cNvGrpSpPr/>
+        <p:nvPr/>
+      </p:nvGrpSpPr>
+      <p:grpSpPr>
+        <a:xfrm>
+          <a:off x="0" y="0"/>
+          <a:ext cx="0" cy="0"/>
+          <a:chOff x="0" y="0"/>
+          <a:chExt cx="0" cy="0"/>
+        </a:xfrm>
+      </p:grpSpPr>
+      <p:sp>
+        <p:nvSpPr>
+          <p:cNvPr id="2" name="제목 1">
+            <a:extLst>
+              <a:ext uri="{FF2B5EF4-FFF2-40B4-BE49-F238E27FC236}">
+                <a16:creationId xmlns:a16="http://schemas.microsoft.com/office/drawing/2014/main" id="{E9B683B7-05A9-4FEF-810E-2836535FA3C5}"/>
+              </a:ext>
+            </a:extLst>
+          </p:cNvPr>
+          <p:cNvSpPr>
+            <a:spLocks noGrp="1"/>
+          </p:cNvSpPr>
+          <p:nvPr>
+            <p:ph type="title"/>
+          </p:nvPr>
+        </p:nvSpPr>
+        <p:spPr/>
+        <p:txBody>
+          <a:bodyPr/>
+          <a:lstStyle/>
+          <a:p>
+            <a:endParaRPr lang="ko-KR" altLang="en-US"/>
+          </a:p>
+        </p:txBody>
+      </p:sp>
+      <p:sp>
+        <p:nvSpPr>
+          <p:cNvPr id="3" name="내용 개체 틀 2">
+            <a:extLst>
+              <a:ext uri="{FF2B5EF4-FFF2-40B4-BE49-F238E27FC236}">
+                <a16:creationId xmlns:a16="http://schemas.microsoft.com/office/drawing/2014/main" id="{645D5361-BB27-73CE-B978-825016AD0D08}"/>
+              </a:ext>
+            </a:extLst>
+          </p:cNvPr>
+          <p:cNvSpPr>
+            <a:spLocks noGrp="1"/>
+          </p:cNvSpPr>
+          <p:nvPr>
+            <p:ph idx="1"/>
+          </p:nvPr>
+        </p:nvSpPr>
+        <p:spPr>
+          <a:xfrm>
+            <a:off x="476122" y="984868"/>
+            <a:ext cx="10515600" cy="4351338"/>
+          </a:xfrm>
+        </p:spPr>
+        <p:txBody>
+          <a:bodyPr anchor="ctr">
+            <a:normAutofit/>
+          </a:bodyPr>
+          <a:lstStyle/>
+          <a:p>
+            <a:pPr marL="0" indent="0" algn="ctr">
+              <a:buNone/>
+            </a:pPr>
+            <a:r>
+              <a:rPr lang="en-US" altLang="ko-KR" sz="13800" dirty="0"/>
+              <a:t>Thank You</a:t>
+            </a:r>
+            <a:endParaRPr lang="ko-KR" altLang="en-US" sz="13800" dirty="0"/>
+          </a:p>
+        </p:txBody>
+      </p:sp>
+    </p:spTree>
+    <p:extLst>
+      <p:ext uri="{BB962C8B-B14F-4D97-AF65-F5344CB8AC3E}">
+        <p14:creationId xmlns:p14="http://schemas.microsoft.com/office/powerpoint/2010/main" val="3789356218"/>
+      </p:ext>
+    </p:extLst>
+  </p:cSld>
+  <p:clrMapOvr>
+    <a:masterClrMapping/>
+  </p:clrMapOvr>
+</p:sld>
+</file>
+
 <file path=ppt/theme/theme1.xml><?xml version="1.0" encoding="utf-8"?>
 <a:theme xmlns:a="http://schemas.openxmlformats.org/drawingml/2006/main" name="Office Theme">
   <a:themeElements>

--- a/week12/branch.pptx
+++ b/week12/branch.pptx
@@ -114,27 +114,51 @@
 </p:presentation>
 </file>
 
+<file path=ppt/revisionInfo.xml><?xml version="1.0" encoding="utf-8"?>
+<p1510:revInfo xmlns:a="http://schemas.openxmlformats.org/drawingml/2006/main" xmlns:r="http://schemas.openxmlformats.org/officeDocument/2006/relationships" xmlns:p1510="http://schemas.microsoft.com/office/powerpoint/2015/10/main">
+  <p1510:revLst>
+    <p1510:client id="{202A1A1B-B6F9-40C1-9CA6-5094610D19BE}" v="1" dt="2023-11-17T03:31:15.375"/>
+  </p1510:revLst>
+</p1510:revInfo>
+</file>
+
 <file path=ppt/changesInfos/changesInfo1.xml><?xml version="1.0" encoding="utf-8"?>
 <pc:chgInfo xmlns:a="http://schemas.openxmlformats.org/drawingml/2006/main" xmlns:r="http://schemas.openxmlformats.org/officeDocument/2006/relationships" xmlns:ac="http://schemas.microsoft.com/office/drawing/2013/main/command" xmlns:pc="http://schemas.microsoft.com/office/powerpoint/2013/main/command">
   <pc:docChgLst>
     <pc:chgData name="소윤 박" userId="0cee81e71d2ec952" providerId="LiveId" clId="{202A1A1B-B6F9-40C1-9CA6-5094610D19BE}"/>
-    <pc:docChg chg="addSld modSld">
-      <pc:chgData name="소윤 박" userId="0cee81e71d2ec952" providerId="LiveId" clId="{202A1A1B-B6F9-40C1-9CA6-5094610D19BE}" dt="2023-11-17T03:23:06.448" v="11" actId="20577"/>
+    <pc:docChg chg="custSel addSld modSld">
+      <pc:chgData name="소윤 박" userId="0cee81e71d2ec952" providerId="LiveId" clId="{202A1A1B-B6F9-40C1-9CA6-5094610D19BE}" dt="2023-11-17T03:31:30.740" v="39" actId="14100"/>
       <pc:docMkLst>
         <pc:docMk/>
       </pc:docMkLst>
-      <pc:sldChg chg="modSp new mod">
-        <pc:chgData name="소윤 박" userId="0cee81e71d2ec952" providerId="LiveId" clId="{202A1A1B-B6F9-40C1-9CA6-5094610D19BE}" dt="2023-11-17T03:23:06.448" v="11" actId="20577"/>
+      <pc:sldChg chg="addSp delSp modSp new mod">
+        <pc:chgData name="소윤 박" userId="0cee81e71d2ec952" providerId="LiveId" clId="{202A1A1B-B6F9-40C1-9CA6-5094610D19BE}" dt="2023-11-17T03:31:30.740" v="39" actId="14100"/>
         <pc:sldMkLst>
           <pc:docMk/>
           <pc:sldMk cId="1679492283" sldId="258"/>
         </pc:sldMkLst>
-        <pc:spChg chg="mod">
-          <ac:chgData name="소윤 박" userId="0cee81e71d2ec952" providerId="LiveId" clId="{202A1A1B-B6F9-40C1-9CA6-5094610D19BE}" dt="2023-11-17T03:23:06.448" v="11" actId="20577"/>
+        <pc:spChg chg="del">
+          <ac:chgData name="소윤 박" userId="0cee81e71d2ec952" providerId="LiveId" clId="{202A1A1B-B6F9-40C1-9CA6-5094610D19BE}" dt="2023-11-17T03:30:53.560" v="12" actId="478"/>
+          <ac:spMkLst>
+            <pc:docMk/>
+            <pc:sldMk cId="1679492283" sldId="258"/>
+            <ac:spMk id="2" creationId="{90511A83-D643-2ADC-0A8E-D1C49A922895}"/>
+          </ac:spMkLst>
+        </pc:spChg>
+        <pc:spChg chg="del mod">
+          <ac:chgData name="소윤 박" userId="0cee81e71d2ec952" providerId="LiveId" clId="{202A1A1B-B6F9-40C1-9CA6-5094610D19BE}" dt="2023-11-17T03:30:59.060" v="14" actId="478"/>
           <ac:spMkLst>
             <pc:docMk/>
             <pc:sldMk cId="1679492283" sldId="258"/>
             <ac:spMk id="3" creationId="{7BDFF071-0647-E669-C161-2E551BD3256E}"/>
+          </ac:spMkLst>
+        </pc:spChg>
+        <pc:spChg chg="add mod">
+          <ac:chgData name="소윤 박" userId="0cee81e71d2ec952" providerId="LiveId" clId="{202A1A1B-B6F9-40C1-9CA6-5094610D19BE}" dt="2023-11-17T03:31:30.740" v="39" actId="14100"/>
+          <ac:spMkLst>
+            <pc:docMk/>
+            <pc:sldMk cId="1679492283" sldId="258"/>
+            <ac:spMk id="4" creationId="{EFACDB37-AEF5-FAA6-2D10-1F0D4FED0130}"/>
           </ac:spMkLst>
         </pc:spChg>
       </pc:sldChg>
@@ -3851,55 +3875,37 @@
       </p:grpSpPr>
       <p:sp>
         <p:nvSpPr>
-          <p:cNvPr id="2" name="제목 1">
-            <a:extLst>
-              <a:ext uri="{FF2B5EF4-FFF2-40B4-BE49-F238E27FC236}">
-                <a16:creationId xmlns:a16="http://schemas.microsoft.com/office/drawing/2014/main" id="{90511A83-D643-2ADC-0A8E-D1C49A922895}"/>
-              </a:ext>
-            </a:extLst>
-          </p:cNvPr>
-          <p:cNvSpPr>
-            <a:spLocks noGrp="1"/>
-          </p:cNvSpPr>
-          <p:nvPr>
-            <p:ph type="title"/>
-          </p:nvPr>
-        </p:nvSpPr>
-        <p:spPr/>
-        <p:txBody>
-          <a:bodyPr/>
-          <a:lstStyle/>
-          <a:p>
-            <a:endParaRPr lang="ko-KR" altLang="en-US"/>
-          </a:p>
-        </p:txBody>
-      </p:sp>
-      <p:sp>
-        <p:nvSpPr>
-          <p:cNvPr id="3" name="내용 개체 틀 2">
-            <a:extLst>
-              <a:ext uri="{FF2B5EF4-FFF2-40B4-BE49-F238E27FC236}">
-                <a16:creationId xmlns:a16="http://schemas.microsoft.com/office/drawing/2014/main" id="{7BDFF071-0647-E669-C161-2E551BD3256E}"/>
-              </a:ext>
-            </a:extLst>
-          </p:cNvPr>
-          <p:cNvSpPr>
-            <a:spLocks noGrp="1"/>
-          </p:cNvSpPr>
-          <p:nvPr>
-            <p:ph idx="1"/>
-          </p:nvPr>
-        </p:nvSpPr>
-        <p:spPr/>
-        <p:txBody>
-          <a:bodyPr/>
-          <a:lstStyle/>
-          <a:p>
-            <a:r>
-              <a:rPr lang="en-US" altLang="ko-KR"/>
+          <p:cNvPr id="4" name="TextBox 3">
+            <a:extLst>
+              <a:ext uri="{FF2B5EF4-FFF2-40B4-BE49-F238E27FC236}">
+                <a16:creationId xmlns:a16="http://schemas.microsoft.com/office/drawing/2014/main" id="{EFACDB37-AEF5-FAA6-2D10-1F0D4FED0130}"/>
+              </a:ext>
+            </a:extLst>
+          </p:cNvPr>
+          <p:cNvSpPr txBox="1"/>
+          <p:nvPr/>
+        </p:nvSpPr>
+        <p:spPr>
+          <a:xfrm>
+            <a:off x="2711117" y="1957138"/>
+            <a:ext cx="7539788" cy="1862048"/>
+          </a:xfrm>
+          <a:prstGeom prst="rect">
+            <a:avLst/>
+          </a:prstGeom>
+          <a:noFill/>
+        </p:spPr>
+        <p:txBody>
+          <a:bodyPr wrap="square" rtlCol="0">
+            <a:spAutoFit/>
+          </a:bodyPr>
+          <a:lstStyle/>
+          <a:p>
+            <a:r>
+              <a:rPr lang="en-US" altLang="ko-KR" sz="11500" dirty="0"/>
               <a:t>Thank You</a:t>
             </a:r>
-            <a:endParaRPr lang="ko-KR" altLang="en-US"/>
+            <a:endParaRPr lang="ko-KR" altLang="en-US" sz="11500" dirty="0"/>
           </a:p>
         </p:txBody>
       </p:sp>

--- a/week12/branch.pptx
+++ b/week12/branch.pptx
@@ -7,6 +7,7 @@
   <p:sldIdLst>
     <p:sldId id="256" r:id="rId2"/>
     <p:sldId id="257" r:id="rId3"/>
+    <p:sldId id="258" r:id="rId4"/>
   </p:sldIdLst>
   <p:sldSz cx="12192000" cy="6858000"/>
   <p:notesSz cx="6858000" cy="9144000"/>
@@ -113,6 +114,59 @@
 </p:presentation>
 </file>
 
+<file path=ppt/revisionInfo.xml><?xml version="1.0" encoding="utf-8"?>
+<p1510:revInfo xmlns:a="http://schemas.openxmlformats.org/drawingml/2006/main" xmlns:r="http://schemas.openxmlformats.org/officeDocument/2006/relationships" xmlns:p1510="http://schemas.microsoft.com/office/powerpoint/2015/10/main">
+  <p1510:revLst>
+    <p1510:client id="{8E209211-6B2B-4082-A4AF-4FF01A3CAAAF}" v="1" dt="2023-11-17T03:31:07.926"/>
+  </p1510:revLst>
+</p1510:revInfo>
+</file>
+
+<file path=ppt/changesInfos/changesInfo1.xml><?xml version="1.0" encoding="utf-8"?>
+<pc:chgInfo xmlns:a="http://schemas.openxmlformats.org/drawingml/2006/main" xmlns:r="http://schemas.openxmlformats.org/officeDocument/2006/relationships" xmlns:ac="http://schemas.microsoft.com/office/drawing/2013/main/command" xmlns:pc="http://schemas.microsoft.com/office/powerpoint/2013/main/command">
+  <pc:docChgLst>
+    <pc:chgData name="건영 류" userId="2e70aa39ed99acd7" providerId="LiveId" clId="{8E209211-6B2B-4082-A4AF-4FF01A3CAAAF}"/>
+    <pc:docChg chg="custSel addSld modSld">
+      <pc:chgData name="건영 류" userId="2e70aa39ed99acd7" providerId="LiveId" clId="{8E209211-6B2B-4082-A4AF-4FF01A3CAAAF}" dt="2023-11-17T03:31:34.529" v="39" actId="1076"/>
+      <pc:docMkLst>
+        <pc:docMk/>
+      </pc:docMkLst>
+      <pc:sldChg chg="addSp delSp modSp new mod">
+        <pc:chgData name="건영 류" userId="2e70aa39ed99acd7" providerId="LiveId" clId="{8E209211-6B2B-4082-A4AF-4FF01A3CAAAF}" dt="2023-11-17T03:31:34.529" v="39" actId="1076"/>
+        <pc:sldMkLst>
+          <pc:docMk/>
+          <pc:sldMk cId="2222263351" sldId="258"/>
+        </pc:sldMkLst>
+        <pc:spChg chg="del">
+          <ac:chgData name="건영 류" userId="2e70aa39ed99acd7" providerId="LiveId" clId="{8E209211-6B2B-4082-A4AF-4FF01A3CAAAF}" dt="2023-11-17T03:30:50.869" v="1" actId="478"/>
+          <ac:spMkLst>
+            <pc:docMk/>
+            <pc:sldMk cId="2222263351" sldId="258"/>
+            <ac:spMk id="2" creationId="{D6658849-8809-643D-4679-311611F991AA}"/>
+          </ac:spMkLst>
+        </pc:spChg>
+        <pc:spChg chg="del">
+          <ac:chgData name="건영 류" userId="2e70aa39ed99acd7" providerId="LiveId" clId="{8E209211-6B2B-4082-A4AF-4FF01A3CAAAF}" dt="2023-11-17T03:30:52.031" v="2" actId="478"/>
+          <ac:spMkLst>
+            <pc:docMk/>
+            <pc:sldMk cId="2222263351" sldId="258"/>
+            <ac:spMk id="3" creationId="{963243A9-99E7-4984-4618-4EBEB3C175F2}"/>
+          </ac:spMkLst>
+        </pc:spChg>
+        <pc:spChg chg="add mod">
+          <ac:chgData name="건영 류" userId="2e70aa39ed99acd7" providerId="LiveId" clId="{8E209211-6B2B-4082-A4AF-4FF01A3CAAAF}" dt="2023-11-17T03:31:34.529" v="39" actId="1076"/>
+          <ac:spMkLst>
+            <pc:docMk/>
+            <pc:sldMk cId="2222263351" sldId="258"/>
+            <ac:spMk id="4" creationId="{4C7CA80D-C642-D924-ADF4-E5BB4656ABB4}"/>
+          </ac:spMkLst>
+        </pc:spChg>
+      </pc:sldChg>
+    </pc:docChg>
+  </pc:docChgLst>
+</pc:chgInfo>
+</file>
+
 <file path=ppt/slideLayouts/slideLayout1.xml><?xml version="1.0" encoding="utf-8"?>
 <p:sldLayout xmlns:a="http://schemas.openxmlformats.org/drawingml/2006/main" xmlns:r="http://schemas.openxmlformats.org/officeDocument/2006/relationships" xmlns:p="http://schemas.openxmlformats.org/presentationml/2006/main" type="title" preserve="1">
   <p:cSld name="Title Slide">
@@ -262,7 +316,7 @@
           <a:p>
             <a:fld id="{42AB81E2-2E7B-B344-9159-A676E4F74E42}" type="datetimeFigureOut">
               <a:rPr lang="en-KR" smtClean="0"/>
-              <a:t>11/16/23</a:t>
+              <a:t>11/17/2023</a:t>
             </a:fld>
             <a:endParaRPr lang="en-KR"/>
           </a:p>
@@ -462,7 +516,7 @@
           <a:p>
             <a:fld id="{42AB81E2-2E7B-B344-9159-A676E4F74E42}" type="datetimeFigureOut">
               <a:rPr lang="en-KR" smtClean="0"/>
-              <a:t>11/16/23</a:t>
+              <a:t>11/17/2023</a:t>
             </a:fld>
             <a:endParaRPr lang="en-KR"/>
           </a:p>
@@ -672,7 +726,7 @@
           <a:p>
             <a:fld id="{42AB81E2-2E7B-B344-9159-A676E4F74E42}" type="datetimeFigureOut">
               <a:rPr lang="en-KR" smtClean="0"/>
-              <a:t>11/16/23</a:t>
+              <a:t>11/17/2023</a:t>
             </a:fld>
             <a:endParaRPr lang="en-KR"/>
           </a:p>
@@ -872,7 +926,7 @@
           <a:p>
             <a:fld id="{42AB81E2-2E7B-B344-9159-A676E4F74E42}" type="datetimeFigureOut">
               <a:rPr lang="en-KR" smtClean="0"/>
-              <a:t>11/16/23</a:t>
+              <a:t>11/17/2023</a:t>
             </a:fld>
             <a:endParaRPr lang="en-KR"/>
           </a:p>
@@ -1148,7 +1202,7 @@
           <a:p>
             <a:fld id="{42AB81E2-2E7B-B344-9159-A676E4F74E42}" type="datetimeFigureOut">
               <a:rPr lang="en-KR" smtClean="0"/>
-              <a:t>11/16/23</a:t>
+              <a:t>11/17/2023</a:t>
             </a:fld>
             <a:endParaRPr lang="en-KR"/>
           </a:p>
@@ -1416,7 +1470,7 @@
           <a:p>
             <a:fld id="{42AB81E2-2E7B-B344-9159-A676E4F74E42}" type="datetimeFigureOut">
               <a:rPr lang="en-KR" smtClean="0"/>
-              <a:t>11/16/23</a:t>
+              <a:t>11/17/2023</a:t>
             </a:fld>
             <a:endParaRPr lang="en-KR"/>
           </a:p>
@@ -1831,7 +1885,7 @@
           <a:p>
             <a:fld id="{42AB81E2-2E7B-B344-9159-A676E4F74E42}" type="datetimeFigureOut">
               <a:rPr lang="en-KR" smtClean="0"/>
-              <a:t>11/16/23</a:t>
+              <a:t>11/17/2023</a:t>
             </a:fld>
             <a:endParaRPr lang="en-KR"/>
           </a:p>
@@ -1973,7 +2027,7 @@
           <a:p>
             <a:fld id="{42AB81E2-2E7B-B344-9159-A676E4F74E42}" type="datetimeFigureOut">
               <a:rPr lang="en-KR" smtClean="0"/>
-              <a:t>11/16/23</a:t>
+              <a:t>11/17/2023</a:t>
             </a:fld>
             <a:endParaRPr lang="en-KR"/>
           </a:p>
@@ -2086,7 +2140,7 @@
           <a:p>
             <a:fld id="{42AB81E2-2E7B-B344-9159-A676E4F74E42}" type="datetimeFigureOut">
               <a:rPr lang="en-KR" smtClean="0"/>
-              <a:t>11/16/23</a:t>
+              <a:t>11/17/2023</a:t>
             </a:fld>
             <a:endParaRPr lang="en-KR"/>
           </a:p>
@@ -2399,7 +2453,7 @@
           <a:p>
             <a:fld id="{42AB81E2-2E7B-B344-9159-A676E4F74E42}" type="datetimeFigureOut">
               <a:rPr lang="en-KR" smtClean="0"/>
-              <a:t>11/16/23</a:t>
+              <a:t>11/17/2023</a:t>
             </a:fld>
             <a:endParaRPr lang="en-KR"/>
           </a:p>
@@ -2688,7 +2742,7 @@
           <a:p>
             <a:fld id="{42AB81E2-2E7B-B344-9159-A676E4F74E42}" type="datetimeFigureOut">
               <a:rPr lang="en-KR" smtClean="0"/>
-              <a:t>11/16/23</a:t>
+              <a:t>11/17/2023</a:t>
             </a:fld>
             <a:endParaRPr lang="en-KR"/>
           </a:p>
@@ -2931,7 +2985,7 @@
           <a:p>
             <a:fld id="{42AB81E2-2E7B-B344-9159-A676E4F74E42}" type="datetimeFigureOut">
               <a:rPr lang="en-KR" smtClean="0"/>
-              <a:t>11/16/23</a:t>
+              <a:t>11/17/2023</a:t>
             </a:fld>
             <a:endParaRPr lang="en-KR"/>
           </a:p>
@@ -3802,6 +3856,80 @@
 </p:sld>
 </file>
 
+<file path=ppt/slides/slide3.xml><?xml version="1.0" encoding="utf-8"?>
+<p:sld xmlns:a="http://schemas.openxmlformats.org/drawingml/2006/main" xmlns:r="http://schemas.openxmlformats.org/officeDocument/2006/relationships" xmlns:p="http://schemas.openxmlformats.org/presentationml/2006/main">
+  <p:cSld>
+    <p:spTree>
+      <p:nvGrpSpPr>
+        <p:cNvPr id="1" name=""/>
+        <p:cNvGrpSpPr/>
+        <p:nvPr/>
+      </p:nvGrpSpPr>
+      <p:grpSpPr>
+        <a:xfrm>
+          <a:off x="0" y="0"/>
+          <a:ext cx="0" cy="0"/>
+          <a:chOff x="0" y="0"/>
+          <a:chExt cx="0" cy="0"/>
+        </a:xfrm>
+      </p:grpSpPr>
+      <p:sp>
+        <p:nvSpPr>
+          <p:cNvPr id="4" name="TextBox 3">
+            <a:extLst>
+              <a:ext uri="{FF2B5EF4-FFF2-40B4-BE49-F238E27FC236}">
+                <a16:creationId xmlns:a16="http://schemas.microsoft.com/office/drawing/2014/main" id="{4C7CA80D-C642-D924-ADF4-E5BB4656ABB4}"/>
+              </a:ext>
+            </a:extLst>
+          </p:cNvPr>
+          <p:cNvSpPr txBox="1"/>
+          <p:nvPr/>
+        </p:nvSpPr>
+        <p:spPr>
+          <a:xfrm>
+            <a:off x="4286250" y="2921168"/>
+            <a:ext cx="7353300" cy="1015663"/>
+          </a:xfrm>
+          <a:prstGeom prst="rect">
+            <a:avLst/>
+          </a:prstGeom>
+          <a:noFill/>
+        </p:spPr>
+        <p:txBody>
+          <a:bodyPr wrap="square" rtlCol="0">
+            <a:spAutoFit/>
+          </a:bodyPr>
+          <a:lstStyle/>
+          <a:p>
+            <a:r>
+              <a:rPr lang="en-US" altLang="ko-KR" sz="6000" dirty="0">
+                <a:solidFill>
+                  <a:schemeClr val="accent1"/>
+                </a:solidFill>
+              </a:rPr>
+              <a:t>Thank you</a:t>
+            </a:r>
+            <a:endParaRPr lang="ko-KR" altLang="en-US" sz="6000" dirty="0">
+              <a:solidFill>
+                <a:schemeClr val="accent1"/>
+              </a:solidFill>
+            </a:endParaRPr>
+          </a:p>
+        </p:txBody>
+      </p:sp>
+    </p:spTree>
+    <p:extLst>
+      <p:ext uri="{BB962C8B-B14F-4D97-AF65-F5344CB8AC3E}">
+        <p14:creationId xmlns:p14="http://schemas.microsoft.com/office/powerpoint/2010/main" val="2222263351"/>
+      </p:ext>
+    </p:extLst>
+  </p:cSld>
+  <p:clrMapOvr>
+    <a:masterClrMapping/>
+  </p:clrMapOvr>
+</p:sld>
+</file>
+
 <file path=ppt/theme/theme1.xml><?xml version="1.0" encoding="utf-8"?>
 <a:theme xmlns:a="http://schemas.openxmlformats.org/drawingml/2006/main" name="Office Theme">
   <a:themeElements>

--- a/week12/branch.pptx
+++ b/week12/branch.pptx
@@ -7,6 +7,7 @@
   <p:sldIdLst>
     <p:sldId id="256" r:id="rId2"/>
     <p:sldId id="257" r:id="rId3"/>
+    <p:sldId id="258" r:id="rId4"/>
   </p:sldIdLst>
   <p:sldSz cx="12192000" cy="6858000"/>
   <p:notesSz cx="6858000" cy="9144000"/>
@@ -262,7 +263,7 @@
           <a:p>
             <a:fld id="{42AB81E2-2E7B-B344-9159-A676E4F74E42}" type="datetimeFigureOut">
               <a:rPr lang="en-KR" smtClean="0"/>
-              <a:t>11/16/23</a:t>
+              <a:t>11/17/23</a:t>
             </a:fld>
             <a:endParaRPr lang="en-KR"/>
           </a:p>
@@ -462,7 +463,7 @@
           <a:p>
             <a:fld id="{42AB81E2-2E7B-B344-9159-A676E4F74E42}" type="datetimeFigureOut">
               <a:rPr lang="en-KR" smtClean="0"/>
-              <a:t>11/16/23</a:t>
+              <a:t>11/17/23</a:t>
             </a:fld>
             <a:endParaRPr lang="en-KR"/>
           </a:p>
@@ -672,7 +673,7 @@
           <a:p>
             <a:fld id="{42AB81E2-2E7B-B344-9159-A676E4F74E42}" type="datetimeFigureOut">
               <a:rPr lang="en-KR" smtClean="0"/>
-              <a:t>11/16/23</a:t>
+              <a:t>11/17/23</a:t>
             </a:fld>
             <a:endParaRPr lang="en-KR"/>
           </a:p>
@@ -872,7 +873,7 @@
           <a:p>
             <a:fld id="{42AB81E2-2E7B-B344-9159-A676E4F74E42}" type="datetimeFigureOut">
               <a:rPr lang="en-KR" smtClean="0"/>
-              <a:t>11/16/23</a:t>
+              <a:t>11/17/23</a:t>
             </a:fld>
             <a:endParaRPr lang="en-KR"/>
           </a:p>
@@ -1148,7 +1149,7 @@
           <a:p>
             <a:fld id="{42AB81E2-2E7B-B344-9159-A676E4F74E42}" type="datetimeFigureOut">
               <a:rPr lang="en-KR" smtClean="0"/>
-              <a:t>11/16/23</a:t>
+              <a:t>11/17/23</a:t>
             </a:fld>
             <a:endParaRPr lang="en-KR"/>
           </a:p>
@@ -1416,7 +1417,7 @@
           <a:p>
             <a:fld id="{42AB81E2-2E7B-B344-9159-A676E4F74E42}" type="datetimeFigureOut">
               <a:rPr lang="en-KR" smtClean="0"/>
-              <a:t>11/16/23</a:t>
+              <a:t>11/17/23</a:t>
             </a:fld>
             <a:endParaRPr lang="en-KR"/>
           </a:p>
@@ -1831,7 +1832,7 @@
           <a:p>
             <a:fld id="{42AB81E2-2E7B-B344-9159-A676E4F74E42}" type="datetimeFigureOut">
               <a:rPr lang="en-KR" smtClean="0"/>
-              <a:t>11/16/23</a:t>
+              <a:t>11/17/23</a:t>
             </a:fld>
             <a:endParaRPr lang="en-KR"/>
           </a:p>
@@ -1973,7 +1974,7 @@
           <a:p>
             <a:fld id="{42AB81E2-2E7B-B344-9159-A676E4F74E42}" type="datetimeFigureOut">
               <a:rPr lang="en-KR" smtClean="0"/>
-              <a:t>11/16/23</a:t>
+              <a:t>11/17/23</a:t>
             </a:fld>
             <a:endParaRPr lang="en-KR"/>
           </a:p>
@@ -2086,7 +2087,7 @@
           <a:p>
             <a:fld id="{42AB81E2-2E7B-B344-9159-A676E4F74E42}" type="datetimeFigureOut">
               <a:rPr lang="en-KR" smtClean="0"/>
-              <a:t>11/16/23</a:t>
+              <a:t>11/17/23</a:t>
             </a:fld>
             <a:endParaRPr lang="en-KR"/>
           </a:p>
@@ -2399,7 +2400,7 @@
           <a:p>
             <a:fld id="{42AB81E2-2E7B-B344-9159-A676E4F74E42}" type="datetimeFigureOut">
               <a:rPr lang="en-KR" smtClean="0"/>
-              <a:t>11/16/23</a:t>
+              <a:t>11/17/23</a:t>
             </a:fld>
             <a:endParaRPr lang="en-KR"/>
           </a:p>
@@ -2688,7 +2689,7 @@
           <a:p>
             <a:fld id="{42AB81E2-2E7B-B344-9159-A676E4F74E42}" type="datetimeFigureOut">
               <a:rPr lang="en-KR" smtClean="0"/>
-              <a:t>11/16/23</a:t>
+              <a:t>11/17/23</a:t>
             </a:fld>
             <a:endParaRPr lang="en-KR"/>
           </a:p>
@@ -2931,7 +2932,7 @@
           <a:p>
             <a:fld id="{42AB81E2-2E7B-B344-9159-A676E4F74E42}" type="datetimeFigureOut">
               <a:rPr lang="en-KR" smtClean="0"/>
-              <a:t>11/16/23</a:t>
+              <a:t>11/17/23</a:t>
             </a:fld>
             <a:endParaRPr lang="en-KR"/>
           </a:p>
@@ -3802,6 +3803,78 @@
 </p:sld>
 </file>
 
+<file path=ppt/slides/slide3.xml><?xml version="1.0" encoding="utf-8"?>
+<p:sld xmlns:a="http://schemas.openxmlformats.org/drawingml/2006/main" xmlns:r="http://schemas.openxmlformats.org/officeDocument/2006/relationships" xmlns:p="http://schemas.openxmlformats.org/presentationml/2006/main">
+  <p:cSld>
+    <p:spTree>
+      <p:nvGrpSpPr>
+        <p:cNvPr id="1" name=""/>
+        <p:cNvGrpSpPr/>
+        <p:nvPr/>
+      </p:nvGrpSpPr>
+      <p:grpSpPr>
+        <a:xfrm>
+          <a:off x="0" y="0"/>
+          <a:ext cx="0" cy="0"/>
+          <a:chOff x="0" y="0"/>
+          <a:chExt cx="0" cy="0"/>
+        </a:xfrm>
+      </p:grpSpPr>
+      <p:sp>
+        <p:nvSpPr>
+          <p:cNvPr id="4" name="TextBox 3">
+            <a:extLst>
+              <a:ext uri="{FF2B5EF4-FFF2-40B4-BE49-F238E27FC236}">
+                <a16:creationId xmlns:a16="http://schemas.microsoft.com/office/drawing/2014/main" id="{13C96ABC-2732-431F-7D9A-8A42EAF4DB7D}"/>
+              </a:ext>
+            </a:extLst>
+          </p:cNvPr>
+          <p:cNvSpPr txBox="1"/>
+          <p:nvPr/>
+        </p:nvSpPr>
+        <p:spPr>
+          <a:xfrm>
+            <a:off x="2812152" y="2644170"/>
+            <a:ext cx="6567695" cy="1569660"/>
+          </a:xfrm>
+          <a:prstGeom prst="rect">
+            <a:avLst/>
+          </a:prstGeom>
+          <a:noFill/>
+        </p:spPr>
+        <p:txBody>
+          <a:bodyPr wrap="none" rtlCol="0">
+            <a:spAutoFit/>
+          </a:bodyPr>
+          <a:lstStyle/>
+          <a:p>
+            <a:r>
+              <a:rPr lang="en-KR" sz="9600" dirty="0">
+                <a:solidFill>
+                  <a:schemeClr val="accent1"/>
+                </a:solidFill>
+                <a:latin typeface="KoPubWorldBatang Light" pitchFamily="2" charset="-127"/>
+                <a:ea typeface="KoPubWorldBatang Light" pitchFamily="2" charset="-127"/>
+                <a:cs typeface="KoPubWorldBatang Light" pitchFamily="2" charset="-127"/>
+              </a:rPr>
+              <a:t>Thank You</a:t>
+            </a:r>
+          </a:p>
+        </p:txBody>
+      </p:sp>
+    </p:spTree>
+    <p:extLst>
+      <p:ext uri="{BB962C8B-B14F-4D97-AF65-F5344CB8AC3E}">
+        <p14:creationId xmlns:p14="http://schemas.microsoft.com/office/powerpoint/2010/main" val="2662123001"/>
+      </p:ext>
+    </p:extLst>
+  </p:cSld>
+  <p:clrMapOvr>
+    <a:masterClrMapping/>
+  </p:clrMapOvr>
+</p:sld>
+</file>
+
 <file path=ppt/theme/theme1.xml><?xml version="1.0" encoding="utf-8"?>
 <a:theme xmlns:a="http://schemas.openxmlformats.org/drawingml/2006/main" name="Office Theme">
   <a:themeElements>

--- a/week12/branch.pptx
+++ b/week12/branch.pptx
@@ -7,6 +7,7 @@
   <p:sldIdLst>
     <p:sldId id="256" r:id="rId2"/>
     <p:sldId id="257" r:id="rId3"/>
+    <p:sldId id="258" r:id="rId4"/>
   </p:sldIdLst>
   <p:sldSz cx="12192000" cy="6858000"/>
   <p:notesSz cx="6858000" cy="9144000"/>
@@ -262,7 +263,7 @@
           <a:p>
             <a:fld id="{42AB81E2-2E7B-B344-9159-A676E4F74E42}" type="datetimeFigureOut">
               <a:rPr lang="en-KR" smtClean="0"/>
-              <a:t>11/16/23</a:t>
+              <a:t>11/17/23</a:t>
             </a:fld>
             <a:endParaRPr lang="en-KR"/>
           </a:p>
@@ -462,7 +463,7 @@
           <a:p>
             <a:fld id="{42AB81E2-2E7B-B344-9159-A676E4F74E42}" type="datetimeFigureOut">
               <a:rPr lang="en-KR" smtClean="0"/>
-              <a:t>11/16/23</a:t>
+              <a:t>11/17/23</a:t>
             </a:fld>
             <a:endParaRPr lang="en-KR"/>
           </a:p>
@@ -672,7 +673,7 @@
           <a:p>
             <a:fld id="{42AB81E2-2E7B-B344-9159-A676E4F74E42}" type="datetimeFigureOut">
               <a:rPr lang="en-KR" smtClean="0"/>
-              <a:t>11/16/23</a:t>
+              <a:t>11/17/23</a:t>
             </a:fld>
             <a:endParaRPr lang="en-KR"/>
           </a:p>
@@ -872,7 +873,7 @@
           <a:p>
             <a:fld id="{42AB81E2-2E7B-B344-9159-A676E4F74E42}" type="datetimeFigureOut">
               <a:rPr lang="en-KR" smtClean="0"/>
-              <a:t>11/16/23</a:t>
+              <a:t>11/17/23</a:t>
             </a:fld>
             <a:endParaRPr lang="en-KR"/>
           </a:p>
@@ -1148,7 +1149,7 @@
           <a:p>
             <a:fld id="{42AB81E2-2E7B-B344-9159-A676E4F74E42}" type="datetimeFigureOut">
               <a:rPr lang="en-KR" smtClean="0"/>
-              <a:t>11/16/23</a:t>
+              <a:t>11/17/23</a:t>
             </a:fld>
             <a:endParaRPr lang="en-KR"/>
           </a:p>
@@ -1416,7 +1417,7 @@
           <a:p>
             <a:fld id="{42AB81E2-2E7B-B344-9159-A676E4F74E42}" type="datetimeFigureOut">
               <a:rPr lang="en-KR" smtClean="0"/>
-              <a:t>11/16/23</a:t>
+              <a:t>11/17/23</a:t>
             </a:fld>
             <a:endParaRPr lang="en-KR"/>
           </a:p>
@@ -1831,7 +1832,7 @@
           <a:p>
             <a:fld id="{42AB81E2-2E7B-B344-9159-A676E4F74E42}" type="datetimeFigureOut">
               <a:rPr lang="en-KR" smtClean="0"/>
-              <a:t>11/16/23</a:t>
+              <a:t>11/17/23</a:t>
             </a:fld>
             <a:endParaRPr lang="en-KR"/>
           </a:p>
@@ -1973,7 +1974,7 @@
           <a:p>
             <a:fld id="{42AB81E2-2E7B-B344-9159-A676E4F74E42}" type="datetimeFigureOut">
               <a:rPr lang="en-KR" smtClean="0"/>
-              <a:t>11/16/23</a:t>
+              <a:t>11/17/23</a:t>
             </a:fld>
             <a:endParaRPr lang="en-KR"/>
           </a:p>
@@ -2086,7 +2087,7 @@
           <a:p>
             <a:fld id="{42AB81E2-2E7B-B344-9159-A676E4F74E42}" type="datetimeFigureOut">
               <a:rPr lang="en-KR" smtClean="0"/>
-              <a:t>11/16/23</a:t>
+              <a:t>11/17/23</a:t>
             </a:fld>
             <a:endParaRPr lang="en-KR"/>
           </a:p>
@@ -2399,7 +2400,7 @@
           <a:p>
             <a:fld id="{42AB81E2-2E7B-B344-9159-A676E4F74E42}" type="datetimeFigureOut">
               <a:rPr lang="en-KR" smtClean="0"/>
-              <a:t>11/16/23</a:t>
+              <a:t>11/17/23</a:t>
             </a:fld>
             <a:endParaRPr lang="en-KR"/>
           </a:p>
@@ -2688,7 +2689,7 @@
           <a:p>
             <a:fld id="{42AB81E2-2E7B-B344-9159-A676E4F74E42}" type="datetimeFigureOut">
               <a:rPr lang="en-KR" smtClean="0"/>
-              <a:t>11/16/23</a:t>
+              <a:t>11/17/23</a:t>
             </a:fld>
             <a:endParaRPr lang="en-KR"/>
           </a:p>
@@ -2931,7 +2932,7 @@
           <a:p>
             <a:fld id="{42AB81E2-2E7B-B344-9159-A676E4F74E42}" type="datetimeFigureOut">
               <a:rPr lang="en-KR" smtClean="0"/>
-              <a:t>11/16/23</a:t>
+              <a:t>11/17/23</a:t>
             </a:fld>
             <a:endParaRPr lang="en-KR"/>
           </a:p>
@@ -3802,6 +3803,88 @@
 </p:sld>
 </file>
 
+<file path=ppt/slides/slide3.xml><?xml version="1.0" encoding="utf-8"?>
+<p:sld xmlns:a="http://schemas.openxmlformats.org/drawingml/2006/main" xmlns:r="http://schemas.openxmlformats.org/officeDocument/2006/relationships" xmlns:p="http://schemas.openxmlformats.org/presentationml/2006/main">
+  <p:cSld>
+    <p:spTree>
+      <p:nvGrpSpPr>
+        <p:cNvPr id="1" name=""/>
+        <p:cNvGrpSpPr/>
+        <p:nvPr/>
+      </p:nvGrpSpPr>
+      <p:grpSpPr>
+        <a:xfrm>
+          <a:off x="0" y="0"/>
+          <a:ext cx="0" cy="0"/>
+          <a:chOff x="0" y="0"/>
+          <a:chExt cx="0" cy="0"/>
+        </a:xfrm>
+      </p:grpSpPr>
+      <p:sp>
+        <p:nvSpPr>
+          <p:cNvPr id="4" name="직사각형 3">
+            <a:extLst>
+              <a:ext uri="{FF2B5EF4-FFF2-40B4-BE49-F238E27FC236}">
+                <a16:creationId xmlns:a16="http://schemas.microsoft.com/office/drawing/2014/main" id="{8A925FB9-C4C4-A6A2-DA52-955D019119CA}"/>
+              </a:ext>
+            </a:extLst>
+          </p:cNvPr>
+          <p:cNvSpPr/>
+          <p:nvPr/>
+        </p:nvSpPr>
+        <p:spPr>
+          <a:xfrm>
+            <a:off x="3368234" y="2644170"/>
+            <a:ext cx="5455532" cy="1569660"/>
+          </a:xfrm>
+          <a:prstGeom prst="rect">
+            <a:avLst/>
+          </a:prstGeom>
+          <a:noFill/>
+        </p:spPr>
+        <p:txBody>
+          <a:bodyPr wrap="none" lIns="91440" tIns="45720" rIns="91440" bIns="45720">
+            <a:spAutoFit/>
+          </a:bodyPr>
+          <a:lstStyle/>
+          <a:p>
+            <a:pPr algn="ctr"/>
+            <a:r>
+              <a:rPr lang="en-US" altLang="ko-KR" sz="9600" b="1" cap="none" spc="0" dirty="0">
+                <a:ln w="6600">
+                  <a:solidFill>
+                    <a:schemeClr val="accent2"/>
+                  </a:solidFill>
+                  <a:prstDash val="solid"/>
+                </a:ln>
+                <a:blipFill>
+                  <a:blip r:embed="rId2"/>
+                  <a:tile tx="0" ty="0" sx="100000" sy="100000" flip="none" algn="tl"/>
+                </a:blipFill>
+                <a:effectLst>
+                  <a:outerShdw dist="38100" dir="2700000" algn="tl" rotWithShape="0">
+                    <a:schemeClr val="accent2"/>
+                  </a:outerShdw>
+                </a:effectLst>
+              </a:rPr>
+              <a:t>Thank You</a:t>
+            </a:r>
+          </a:p>
+        </p:txBody>
+      </p:sp>
+    </p:spTree>
+    <p:extLst>
+      <p:ext uri="{BB962C8B-B14F-4D97-AF65-F5344CB8AC3E}">
+        <p14:creationId xmlns:p14="http://schemas.microsoft.com/office/powerpoint/2010/main" val="1365944009"/>
+      </p:ext>
+    </p:extLst>
+  </p:cSld>
+  <p:clrMapOvr>
+    <a:masterClrMapping/>
+  </p:clrMapOvr>
+</p:sld>
+</file>
+
 <file path=ppt/theme/theme1.xml><?xml version="1.0" encoding="utf-8"?>
 <a:theme xmlns:a="http://schemas.openxmlformats.org/drawingml/2006/main" name="Office Theme">
   <a:themeElements>

--- a/week12/branch.pptx
+++ b/week12/branch.pptx
@@ -6,7 +6,8 @@
   </p:sldMasterIdLst>
   <p:sldIdLst>
     <p:sldId id="256" r:id="rId2"/>
-    <p:sldId id="257" r:id="rId3"/>
+    <p:sldId id="258" r:id="rId3"/>
+    <p:sldId id="257" r:id="rId4"/>
   </p:sldIdLst>
   <p:sldSz cx="12192000" cy="6858000"/>
   <p:notesSz cx="6858000" cy="9144000"/>
@@ -262,7 +263,7 @@
           <a:p>
             <a:fld id="{42AB81E2-2E7B-B344-9159-A676E4F74E42}" type="datetimeFigureOut">
               <a:rPr lang="en-KR" smtClean="0"/>
-              <a:t>11/16/23</a:t>
+              <a:t>11/17/23</a:t>
             </a:fld>
             <a:endParaRPr lang="en-KR"/>
           </a:p>
@@ -462,7 +463,7 @@
           <a:p>
             <a:fld id="{42AB81E2-2E7B-B344-9159-A676E4F74E42}" type="datetimeFigureOut">
               <a:rPr lang="en-KR" smtClean="0"/>
-              <a:t>11/16/23</a:t>
+              <a:t>11/17/23</a:t>
             </a:fld>
             <a:endParaRPr lang="en-KR"/>
           </a:p>
@@ -672,7 +673,7 @@
           <a:p>
             <a:fld id="{42AB81E2-2E7B-B344-9159-A676E4F74E42}" type="datetimeFigureOut">
               <a:rPr lang="en-KR" smtClean="0"/>
-              <a:t>11/16/23</a:t>
+              <a:t>11/17/23</a:t>
             </a:fld>
             <a:endParaRPr lang="en-KR"/>
           </a:p>
@@ -872,7 +873,7 @@
           <a:p>
             <a:fld id="{42AB81E2-2E7B-B344-9159-A676E4F74E42}" type="datetimeFigureOut">
               <a:rPr lang="en-KR" smtClean="0"/>
-              <a:t>11/16/23</a:t>
+              <a:t>11/17/23</a:t>
             </a:fld>
             <a:endParaRPr lang="en-KR"/>
           </a:p>
@@ -1148,7 +1149,7 @@
           <a:p>
             <a:fld id="{42AB81E2-2E7B-B344-9159-A676E4F74E42}" type="datetimeFigureOut">
               <a:rPr lang="en-KR" smtClean="0"/>
-              <a:t>11/16/23</a:t>
+              <a:t>11/17/23</a:t>
             </a:fld>
             <a:endParaRPr lang="en-KR"/>
           </a:p>
@@ -1416,7 +1417,7 @@
           <a:p>
             <a:fld id="{42AB81E2-2E7B-B344-9159-A676E4F74E42}" type="datetimeFigureOut">
               <a:rPr lang="en-KR" smtClean="0"/>
-              <a:t>11/16/23</a:t>
+              <a:t>11/17/23</a:t>
             </a:fld>
             <a:endParaRPr lang="en-KR"/>
           </a:p>
@@ -1831,7 +1832,7 @@
           <a:p>
             <a:fld id="{42AB81E2-2E7B-B344-9159-A676E4F74E42}" type="datetimeFigureOut">
               <a:rPr lang="en-KR" smtClean="0"/>
-              <a:t>11/16/23</a:t>
+              <a:t>11/17/23</a:t>
             </a:fld>
             <a:endParaRPr lang="en-KR"/>
           </a:p>
@@ -1973,7 +1974,7 @@
           <a:p>
             <a:fld id="{42AB81E2-2E7B-B344-9159-A676E4F74E42}" type="datetimeFigureOut">
               <a:rPr lang="en-KR" smtClean="0"/>
-              <a:t>11/16/23</a:t>
+              <a:t>11/17/23</a:t>
             </a:fld>
             <a:endParaRPr lang="en-KR"/>
           </a:p>
@@ -2086,7 +2087,7 @@
           <a:p>
             <a:fld id="{42AB81E2-2E7B-B344-9159-A676E4F74E42}" type="datetimeFigureOut">
               <a:rPr lang="en-KR" smtClean="0"/>
-              <a:t>11/16/23</a:t>
+              <a:t>11/17/23</a:t>
             </a:fld>
             <a:endParaRPr lang="en-KR"/>
           </a:p>
@@ -2399,7 +2400,7 @@
           <a:p>
             <a:fld id="{42AB81E2-2E7B-B344-9159-A676E4F74E42}" type="datetimeFigureOut">
               <a:rPr lang="en-KR" smtClean="0"/>
-              <a:t>11/16/23</a:t>
+              <a:t>11/17/23</a:t>
             </a:fld>
             <a:endParaRPr lang="en-KR"/>
           </a:p>
@@ -2688,7 +2689,7 @@
           <a:p>
             <a:fld id="{42AB81E2-2E7B-B344-9159-A676E4F74E42}" type="datetimeFigureOut">
               <a:rPr lang="en-KR" smtClean="0"/>
-              <a:t>11/16/23</a:t>
+              <a:t>11/17/23</a:t>
             </a:fld>
             <a:endParaRPr lang="en-KR"/>
           </a:p>
@@ -2931,7 +2932,7 @@
           <a:p>
             <a:fld id="{42AB81E2-2E7B-B344-9159-A676E4F74E42}" type="datetimeFigureOut">
               <a:rPr lang="en-KR" smtClean="0"/>
-              <a:t>11/16/23</a:t>
+              <a:t>11/17/23</a:t>
             </a:fld>
             <a:endParaRPr lang="en-KR"/>
           </a:p>
@@ -3639,6 +3640,100 @@
 <file path=ppt/slides/slide2.xml><?xml version="1.0" encoding="utf-8"?>
 <p:sld xmlns:a="http://schemas.openxmlformats.org/drawingml/2006/main" xmlns:r="http://schemas.openxmlformats.org/officeDocument/2006/relationships" xmlns:p="http://schemas.openxmlformats.org/presentationml/2006/main">
   <p:cSld>
+    <p:spTree>
+      <p:nvGrpSpPr>
+        <p:cNvPr id="1" name=""/>
+        <p:cNvGrpSpPr/>
+        <p:nvPr/>
+      </p:nvGrpSpPr>
+      <p:grpSpPr>
+        <a:xfrm>
+          <a:off x="0" y="0"/>
+          <a:ext cx="0" cy="0"/>
+          <a:chOff x="0" y="0"/>
+          <a:chExt cx="0" cy="0"/>
+        </a:xfrm>
+      </p:grpSpPr>
+      <p:sp>
+        <p:nvSpPr>
+          <p:cNvPr id="2" name="제목 1">
+            <a:extLst>
+              <a:ext uri="{FF2B5EF4-FFF2-40B4-BE49-F238E27FC236}">
+                <a16:creationId xmlns:a16="http://schemas.microsoft.com/office/drawing/2014/main" id="{4633DCB5-35FE-C6B8-2161-8CCBA781301D}"/>
+              </a:ext>
+            </a:extLst>
+          </p:cNvPr>
+          <p:cNvSpPr>
+            <a:spLocks noGrp="1"/>
+          </p:cNvSpPr>
+          <p:nvPr>
+            <p:ph type="title"/>
+          </p:nvPr>
+        </p:nvSpPr>
+        <p:spPr/>
+        <p:txBody>
+          <a:bodyPr/>
+          <a:lstStyle/>
+          <a:p>
+            <a:endParaRPr kumimoji="1" lang="ko-Kore-KR" altLang="en-US" dirty="0"/>
+          </a:p>
+        </p:txBody>
+      </p:sp>
+      <p:sp>
+        <p:nvSpPr>
+          <p:cNvPr id="3" name="내용 개체 틀 2">
+            <a:extLst>
+              <a:ext uri="{FF2B5EF4-FFF2-40B4-BE49-F238E27FC236}">
+                <a16:creationId xmlns:a16="http://schemas.microsoft.com/office/drawing/2014/main" id="{58AC7D99-5536-6A1A-73B9-403A86ED83C3}"/>
+              </a:ext>
+            </a:extLst>
+          </p:cNvPr>
+          <p:cNvSpPr>
+            <a:spLocks noGrp="1"/>
+          </p:cNvSpPr>
+          <p:nvPr>
+            <p:ph idx="1"/>
+          </p:nvPr>
+        </p:nvSpPr>
+        <p:spPr>
+          <a:xfrm>
+            <a:off x="838200" y="2794453"/>
+            <a:ext cx="10515600" cy="4351338"/>
+          </a:xfrm>
+        </p:spPr>
+        <p:txBody>
+          <a:bodyPr>
+            <a:normAutofit/>
+          </a:bodyPr>
+          <a:lstStyle/>
+          <a:p>
+            <a:pPr marL="0" indent="0" algn="ctr">
+              <a:buNone/>
+            </a:pPr>
+            <a:r>
+              <a:rPr kumimoji="1" lang="en-US" altLang="ko-Kore-KR" sz="9600" dirty="0"/>
+              <a:t>Thank you</a:t>
+            </a:r>
+            <a:endParaRPr kumimoji="1" lang="ko-Kore-KR" altLang="en-US" sz="9600" dirty="0"/>
+          </a:p>
+        </p:txBody>
+      </p:sp>
+    </p:spTree>
+    <p:extLst>
+      <p:ext uri="{BB962C8B-B14F-4D97-AF65-F5344CB8AC3E}">
+        <p14:creationId xmlns:p14="http://schemas.microsoft.com/office/powerpoint/2010/main" val="2458743923"/>
+      </p:ext>
+    </p:extLst>
+  </p:cSld>
+  <p:clrMapOvr>
+    <a:masterClrMapping/>
+  </p:clrMapOvr>
+</p:sld>
+</file>
+
+<file path=ppt/slides/slide3.xml><?xml version="1.0" encoding="utf-8"?>
+<p:sld xmlns:a="http://schemas.openxmlformats.org/drawingml/2006/main" xmlns:r="http://schemas.openxmlformats.org/officeDocument/2006/relationships" xmlns:p="http://schemas.openxmlformats.org/presentationml/2006/main">
+  <p:cSld>
     <p:bg>
       <p:bgPr>
         <a:solidFill>

--- a/week12/branch.pptx
+++ b/week12/branch.pptx
@@ -7,6 +7,7 @@
   <p:sldIdLst>
     <p:sldId id="256" r:id="rId2"/>
     <p:sldId id="257" r:id="rId3"/>
+    <p:sldId id="258" r:id="rId4"/>
   </p:sldIdLst>
   <p:sldSz cx="12192000" cy="6858000"/>
   <p:notesSz cx="6858000" cy="9144000"/>
@@ -262,7 +263,7 @@
           <a:p>
             <a:fld id="{42AB81E2-2E7B-B344-9159-A676E4F74E42}" type="datetimeFigureOut">
               <a:rPr lang="en-KR" smtClean="0"/>
-              <a:t>11/16/23</a:t>
+              <a:t>2023/11/17</a:t>
             </a:fld>
             <a:endParaRPr lang="en-KR"/>
           </a:p>
@@ -462,7 +463,7 @@
           <a:p>
             <a:fld id="{42AB81E2-2E7B-B344-9159-A676E4F74E42}" type="datetimeFigureOut">
               <a:rPr lang="en-KR" smtClean="0"/>
-              <a:t>11/16/23</a:t>
+              <a:t>2023/11/17</a:t>
             </a:fld>
             <a:endParaRPr lang="en-KR"/>
           </a:p>
@@ -672,7 +673,7 @@
           <a:p>
             <a:fld id="{42AB81E2-2E7B-B344-9159-A676E4F74E42}" type="datetimeFigureOut">
               <a:rPr lang="en-KR" smtClean="0"/>
-              <a:t>11/16/23</a:t>
+              <a:t>2023/11/17</a:t>
             </a:fld>
             <a:endParaRPr lang="en-KR"/>
           </a:p>
@@ -872,7 +873,7 @@
           <a:p>
             <a:fld id="{42AB81E2-2E7B-B344-9159-A676E4F74E42}" type="datetimeFigureOut">
               <a:rPr lang="en-KR" smtClean="0"/>
-              <a:t>11/16/23</a:t>
+              <a:t>2023/11/17</a:t>
             </a:fld>
             <a:endParaRPr lang="en-KR"/>
           </a:p>
@@ -1148,7 +1149,7 @@
           <a:p>
             <a:fld id="{42AB81E2-2E7B-B344-9159-A676E4F74E42}" type="datetimeFigureOut">
               <a:rPr lang="en-KR" smtClean="0"/>
-              <a:t>11/16/23</a:t>
+              <a:t>2023/11/17</a:t>
             </a:fld>
             <a:endParaRPr lang="en-KR"/>
           </a:p>
@@ -1416,7 +1417,7 @@
           <a:p>
             <a:fld id="{42AB81E2-2E7B-B344-9159-A676E4F74E42}" type="datetimeFigureOut">
               <a:rPr lang="en-KR" smtClean="0"/>
-              <a:t>11/16/23</a:t>
+              <a:t>2023/11/17</a:t>
             </a:fld>
             <a:endParaRPr lang="en-KR"/>
           </a:p>
@@ -1831,7 +1832,7 @@
           <a:p>
             <a:fld id="{42AB81E2-2E7B-B344-9159-A676E4F74E42}" type="datetimeFigureOut">
               <a:rPr lang="en-KR" smtClean="0"/>
-              <a:t>11/16/23</a:t>
+              <a:t>2023/11/17</a:t>
             </a:fld>
             <a:endParaRPr lang="en-KR"/>
           </a:p>
@@ -1973,7 +1974,7 @@
           <a:p>
             <a:fld id="{42AB81E2-2E7B-B344-9159-A676E4F74E42}" type="datetimeFigureOut">
               <a:rPr lang="en-KR" smtClean="0"/>
-              <a:t>11/16/23</a:t>
+              <a:t>2023/11/17</a:t>
             </a:fld>
             <a:endParaRPr lang="en-KR"/>
           </a:p>
@@ -2086,7 +2087,7 @@
           <a:p>
             <a:fld id="{42AB81E2-2E7B-B344-9159-A676E4F74E42}" type="datetimeFigureOut">
               <a:rPr lang="en-KR" smtClean="0"/>
-              <a:t>11/16/23</a:t>
+              <a:t>2023/11/17</a:t>
             </a:fld>
             <a:endParaRPr lang="en-KR"/>
           </a:p>
@@ -2399,7 +2400,7 @@
           <a:p>
             <a:fld id="{42AB81E2-2E7B-B344-9159-A676E4F74E42}" type="datetimeFigureOut">
               <a:rPr lang="en-KR" smtClean="0"/>
-              <a:t>11/16/23</a:t>
+              <a:t>2023/11/17</a:t>
             </a:fld>
             <a:endParaRPr lang="en-KR"/>
           </a:p>
@@ -2688,7 +2689,7 @@
           <a:p>
             <a:fld id="{42AB81E2-2E7B-B344-9159-A676E4F74E42}" type="datetimeFigureOut">
               <a:rPr lang="en-KR" smtClean="0"/>
-              <a:t>11/16/23</a:t>
+              <a:t>2023/11/17</a:t>
             </a:fld>
             <a:endParaRPr lang="en-KR"/>
           </a:p>
@@ -2931,7 +2932,7 @@
           <a:p>
             <a:fld id="{42AB81E2-2E7B-B344-9159-A676E4F74E42}" type="datetimeFigureOut">
               <a:rPr lang="en-KR" smtClean="0"/>
-              <a:t>11/16/23</a:t>
+              <a:t>2023/11/17</a:t>
             </a:fld>
             <a:endParaRPr lang="en-KR"/>
           </a:p>
@@ -3575,16 +3576,8 @@
           <a:p>
             <a:pPr algn="l"/>
             <a:r>
-              <a:rPr lang="ko-KR" altLang="en-US" sz="11500" dirty="0"/>
-              <a:t>깃 </a:t>
-            </a:r>
-            <a:r>
-              <a:rPr lang="ko-KR" altLang="en-US" sz="11500" dirty="0" err="1"/>
-              <a:t>브랜치</a:t>
-            </a:r>
-            <a:r>
               <a:rPr lang="en-US" altLang="ko-KR" sz="11500" dirty="0"/>
-              <a:t>(Git Branch)</a:t>
+              <a:t>Git Branch</a:t>
             </a:r>
             <a:endParaRPr lang="en-KR" sz="11500" dirty="0"/>
           </a:p>
@@ -3690,22 +3683,9 @@
           <a:lstStyle/>
           <a:p>
             <a:r>
-              <a:rPr lang="ko-KR" altLang="en-US" sz="3600" dirty="0" err="1"/>
-              <a:t>브랜치</a:t>
-            </a:r>
-            <a:r>
-              <a:rPr lang="en-US" altLang="ko-KR" sz="3600" dirty="0"/>
-              <a:t>(</a:t>
-            </a:r>
-            <a:r>
               <a:rPr lang="en-KR" sz="3600" dirty="0"/>
               <a:t>Branch</a:t>
             </a:r>
-            <a:r>
-              <a:rPr lang="en-US" altLang="ko-KR" sz="3600" dirty="0"/>
-              <a:t>)</a:t>
-            </a:r>
-            <a:endParaRPr lang="en-KR" sz="3600" dirty="0"/>
           </a:p>
         </p:txBody>
       </p:sp>
@@ -3768,24 +3748,21 @@
           <a:lstStyle/>
           <a:p>
             <a:r>
-              <a:rPr lang="ko-KR" altLang="en-US" sz="1600" dirty="0"/>
-              <a:t>독립된 작업 공간</a:t>
-            </a:r>
-            <a:endParaRPr lang="en-US" altLang="ko-KR" sz="1600" dirty="0"/>
-          </a:p>
-          <a:p>
-            <a:r>
-              <a:rPr lang="ko-KR" altLang="en-US" sz="1600" dirty="0"/>
-              <a:t>식당에 비유하면 주방 한 켠에 있는 조리실험실 같은 공간</a:t>
-            </a:r>
-            <a:endParaRPr lang="en-US" altLang="ko-KR" sz="1600" dirty="0"/>
-          </a:p>
-          <a:p>
-            <a:r>
-              <a:rPr lang="ko-KR" altLang="en-US" sz="1600" dirty="0"/>
-              <a:t>지금 작업하던 내용을 그대로 유지한채 새로운 개발이 가능</a:t>
-            </a:r>
-            <a:endParaRPr lang="en-US" altLang="ko-KR" sz="1600" dirty="0"/>
+              <a:rPr lang="en-US" altLang="ko-KR" sz="1800" dirty="0"/>
+              <a:t>An independent workspace</a:t>
+            </a:r>
+          </a:p>
+          <a:p>
+            <a:r>
+              <a:rPr lang="en-US" altLang="ko-KR" sz="1800" dirty="0"/>
+              <a:t>Comparable to a cooking lab located in a corner of a kitchen in a restaurant</a:t>
+            </a:r>
+          </a:p>
+          <a:p>
+            <a:r>
+              <a:rPr lang="en-US" altLang="ko-KR" sz="1800" dirty="0"/>
+              <a:t>It is possible to embark on new development while maintaining the content of the work currently in progress</a:t>
+            </a:r>
           </a:p>
         </p:txBody>
       </p:sp>
@@ -3793,6 +3770,70 @@
     <p:extLst>
       <p:ext uri="{BB962C8B-B14F-4D97-AF65-F5344CB8AC3E}">
         <p14:creationId xmlns:p14="http://schemas.microsoft.com/office/powerpoint/2010/main" val="1989476405"/>
+      </p:ext>
+    </p:extLst>
+  </p:cSld>
+  <p:clrMapOvr>
+    <a:masterClrMapping/>
+  </p:clrMapOvr>
+</p:sld>
+</file>
+
+<file path=ppt/slides/slide3.xml><?xml version="1.0" encoding="utf-8"?>
+<p:sld xmlns:a="http://schemas.openxmlformats.org/drawingml/2006/main" xmlns:r="http://schemas.openxmlformats.org/officeDocument/2006/relationships" xmlns:p="http://schemas.openxmlformats.org/presentationml/2006/main">
+  <p:cSld>
+    <p:spTree>
+      <p:nvGrpSpPr>
+        <p:cNvPr id="1" name=""/>
+        <p:cNvGrpSpPr/>
+        <p:nvPr/>
+      </p:nvGrpSpPr>
+      <p:grpSpPr>
+        <a:xfrm>
+          <a:off x="0" y="0"/>
+          <a:ext cx="0" cy="0"/>
+          <a:chOff x="0" y="0"/>
+          <a:chExt cx="0" cy="0"/>
+        </a:xfrm>
+      </p:grpSpPr>
+      <p:sp>
+        <p:nvSpPr>
+          <p:cNvPr id="2" name="Title 1">
+            <a:extLst>
+              <a:ext uri="{FF2B5EF4-FFF2-40B4-BE49-F238E27FC236}">
+                <a16:creationId xmlns:a16="http://schemas.microsoft.com/office/drawing/2014/main" id="{82937BA6-A58A-6E1A-B40E-1EA8AEBE8B45}"/>
+              </a:ext>
+            </a:extLst>
+          </p:cNvPr>
+          <p:cNvSpPr>
+            <a:spLocks noGrp="1"/>
+          </p:cNvSpPr>
+          <p:nvPr>
+            <p:ph type="title"/>
+          </p:nvPr>
+        </p:nvSpPr>
+        <p:spPr>
+          <a:xfrm>
+            <a:off x="838200" y="2584219"/>
+            <a:ext cx="10515600" cy="1325563"/>
+          </a:xfrm>
+        </p:spPr>
+        <p:txBody>
+          <a:bodyPr/>
+          <a:lstStyle/>
+          <a:p>
+            <a:pPr algn="ctr"/>
+            <a:r>
+              <a:rPr lang="en-KR" dirty="0"/>
+              <a:t>Thank You</a:t>
+            </a:r>
+          </a:p>
+        </p:txBody>
+      </p:sp>
+    </p:spTree>
+    <p:extLst>
+      <p:ext uri="{BB962C8B-B14F-4D97-AF65-F5344CB8AC3E}">
+        <p14:creationId xmlns:p14="http://schemas.microsoft.com/office/powerpoint/2010/main" val="3239052694"/>
       </p:ext>
     </p:extLst>
   </p:cSld>

--- a/week12/branch.pptx
+++ b/week12/branch.pptx
@@ -7,6 +7,7 @@
   <p:sldIdLst>
     <p:sldId id="256" r:id="rId2"/>
     <p:sldId id="257" r:id="rId3"/>
+    <p:sldId id="258" r:id="rId4"/>
   </p:sldIdLst>
   <p:sldSz cx="12192000" cy="6858000"/>
   <p:notesSz cx="6858000" cy="9144000"/>
@@ -262,7 +263,7 @@
           <a:p>
             <a:fld id="{42AB81E2-2E7B-B344-9159-A676E4F74E42}" type="datetimeFigureOut">
               <a:rPr lang="en-KR" smtClean="0"/>
-              <a:t>11/16/23</a:t>
+              <a:t>11/17/2023</a:t>
             </a:fld>
             <a:endParaRPr lang="en-KR"/>
           </a:p>
@@ -462,7 +463,7 @@
           <a:p>
             <a:fld id="{42AB81E2-2E7B-B344-9159-A676E4F74E42}" type="datetimeFigureOut">
               <a:rPr lang="en-KR" smtClean="0"/>
-              <a:t>11/16/23</a:t>
+              <a:t>11/17/2023</a:t>
             </a:fld>
             <a:endParaRPr lang="en-KR"/>
           </a:p>
@@ -672,7 +673,7 @@
           <a:p>
             <a:fld id="{42AB81E2-2E7B-B344-9159-A676E4F74E42}" type="datetimeFigureOut">
               <a:rPr lang="en-KR" smtClean="0"/>
-              <a:t>11/16/23</a:t>
+              <a:t>11/17/2023</a:t>
             </a:fld>
             <a:endParaRPr lang="en-KR"/>
           </a:p>
@@ -872,7 +873,7 @@
           <a:p>
             <a:fld id="{42AB81E2-2E7B-B344-9159-A676E4F74E42}" type="datetimeFigureOut">
               <a:rPr lang="en-KR" smtClean="0"/>
-              <a:t>11/16/23</a:t>
+              <a:t>11/17/2023</a:t>
             </a:fld>
             <a:endParaRPr lang="en-KR"/>
           </a:p>
@@ -1148,7 +1149,7 @@
           <a:p>
             <a:fld id="{42AB81E2-2E7B-B344-9159-A676E4F74E42}" type="datetimeFigureOut">
               <a:rPr lang="en-KR" smtClean="0"/>
-              <a:t>11/16/23</a:t>
+              <a:t>11/17/2023</a:t>
             </a:fld>
             <a:endParaRPr lang="en-KR"/>
           </a:p>
@@ -1416,7 +1417,7 @@
           <a:p>
             <a:fld id="{42AB81E2-2E7B-B344-9159-A676E4F74E42}" type="datetimeFigureOut">
               <a:rPr lang="en-KR" smtClean="0"/>
-              <a:t>11/16/23</a:t>
+              <a:t>11/17/2023</a:t>
             </a:fld>
             <a:endParaRPr lang="en-KR"/>
           </a:p>
@@ -1831,7 +1832,7 @@
           <a:p>
             <a:fld id="{42AB81E2-2E7B-B344-9159-A676E4F74E42}" type="datetimeFigureOut">
               <a:rPr lang="en-KR" smtClean="0"/>
-              <a:t>11/16/23</a:t>
+              <a:t>11/17/2023</a:t>
             </a:fld>
             <a:endParaRPr lang="en-KR"/>
           </a:p>
@@ -1973,7 +1974,7 @@
           <a:p>
             <a:fld id="{42AB81E2-2E7B-B344-9159-A676E4F74E42}" type="datetimeFigureOut">
               <a:rPr lang="en-KR" smtClean="0"/>
-              <a:t>11/16/23</a:t>
+              <a:t>11/17/2023</a:t>
             </a:fld>
             <a:endParaRPr lang="en-KR"/>
           </a:p>
@@ -2086,7 +2087,7 @@
           <a:p>
             <a:fld id="{42AB81E2-2E7B-B344-9159-A676E4F74E42}" type="datetimeFigureOut">
               <a:rPr lang="en-KR" smtClean="0"/>
-              <a:t>11/16/23</a:t>
+              <a:t>11/17/2023</a:t>
             </a:fld>
             <a:endParaRPr lang="en-KR"/>
           </a:p>
@@ -2399,7 +2400,7 @@
           <a:p>
             <a:fld id="{42AB81E2-2E7B-B344-9159-A676E4F74E42}" type="datetimeFigureOut">
               <a:rPr lang="en-KR" smtClean="0"/>
-              <a:t>11/16/23</a:t>
+              <a:t>11/17/2023</a:t>
             </a:fld>
             <a:endParaRPr lang="en-KR"/>
           </a:p>
@@ -2688,7 +2689,7 @@
           <a:p>
             <a:fld id="{42AB81E2-2E7B-B344-9159-A676E4F74E42}" type="datetimeFigureOut">
               <a:rPr lang="en-KR" smtClean="0"/>
-              <a:t>11/16/23</a:t>
+              <a:t>11/17/2023</a:t>
             </a:fld>
             <a:endParaRPr lang="en-KR"/>
           </a:p>
@@ -2931,7 +2932,7 @@
           <a:p>
             <a:fld id="{42AB81E2-2E7B-B344-9159-A676E4F74E42}" type="datetimeFigureOut">
               <a:rPr lang="en-KR" smtClean="0"/>
-              <a:t>11/16/23</a:t>
+              <a:t>11/17/2023</a:t>
             </a:fld>
             <a:endParaRPr lang="en-KR"/>
           </a:p>
@@ -3802,6 +3803,77 @@
 </p:sld>
 </file>
 
+<file path=ppt/slides/slide3.xml><?xml version="1.0" encoding="utf-8"?>
+<p:sld xmlns:a="http://schemas.openxmlformats.org/drawingml/2006/main" xmlns:r="http://schemas.openxmlformats.org/officeDocument/2006/relationships" xmlns:p="http://schemas.openxmlformats.org/presentationml/2006/main">
+  <p:cSld>
+    <p:spTree>
+      <p:nvGrpSpPr>
+        <p:cNvPr id="1" name=""/>
+        <p:cNvGrpSpPr/>
+        <p:nvPr/>
+      </p:nvGrpSpPr>
+      <p:grpSpPr>
+        <a:xfrm>
+          <a:off x="0" y="0"/>
+          <a:ext cx="0" cy="0"/>
+          <a:chOff x="0" y="0"/>
+          <a:chExt cx="0" cy="0"/>
+        </a:xfrm>
+      </p:grpSpPr>
+      <p:sp>
+        <p:nvSpPr>
+          <p:cNvPr id="2" name="제목 1">
+            <a:extLst>
+              <a:ext uri="{FF2B5EF4-FFF2-40B4-BE49-F238E27FC236}">
+                <a16:creationId xmlns:a16="http://schemas.microsoft.com/office/drawing/2014/main" id="{52D342E3-7915-00A5-D4F8-06BE57EB9DBE}"/>
+              </a:ext>
+            </a:extLst>
+          </p:cNvPr>
+          <p:cNvSpPr>
+            <a:spLocks noGrp="1"/>
+          </p:cNvSpPr>
+          <p:nvPr>
+            <p:ph type="title"/>
+          </p:nvPr>
+        </p:nvSpPr>
+        <p:spPr>
+          <a:xfrm>
+            <a:off x="838200" y="2976350"/>
+            <a:ext cx="10515600" cy="1325563"/>
+          </a:xfrm>
+        </p:spPr>
+        <p:txBody>
+          <a:bodyPr/>
+          <a:lstStyle/>
+          <a:p>
+            <a:pPr algn="ctr"/>
+            <a:r>
+              <a:rPr lang="en-US" altLang="ko-KR" dirty="0">
+                <a:latin typeface="KBO 다이아고딕 Light" pitchFamily="2" charset="-127"/>
+                <a:ea typeface="KBO 다이아고딕 Light" pitchFamily="2" charset="-127"/>
+              </a:rPr>
+              <a:t>Thank you</a:t>
+            </a:r>
+            <a:endParaRPr lang="ko-KR" altLang="en-US" dirty="0">
+              <a:latin typeface="KBO 다이아고딕 Light" pitchFamily="2" charset="-127"/>
+              <a:ea typeface="KBO 다이아고딕 Light" pitchFamily="2" charset="-127"/>
+            </a:endParaRPr>
+          </a:p>
+        </p:txBody>
+      </p:sp>
+    </p:spTree>
+    <p:extLst>
+      <p:ext uri="{BB962C8B-B14F-4D97-AF65-F5344CB8AC3E}">
+        <p14:creationId xmlns:p14="http://schemas.microsoft.com/office/powerpoint/2010/main" val="2842318298"/>
+      </p:ext>
+    </p:extLst>
+  </p:cSld>
+  <p:clrMapOvr>
+    <a:masterClrMapping/>
+  </p:clrMapOvr>
+</p:sld>
+</file>
+
 <file path=ppt/theme/theme1.xml><?xml version="1.0" encoding="utf-8"?>
 <a:theme xmlns:a="http://schemas.openxmlformats.org/drawingml/2006/main" name="Office Theme">
   <a:themeElements>

--- a/week12/branch.pptx
+++ b/week12/branch.pptx
@@ -1,12 +1,13 @@
 
 <file path=ppt/presentation.xml><?xml version="1.0" encoding="utf-8"?>
-<p:presentation xmlns:a="http://schemas.openxmlformats.org/drawingml/2006/main" xmlns:r="http://schemas.openxmlformats.org/officeDocument/2006/relationships" xmlns:p="http://schemas.openxmlformats.org/presentationml/2006/main" saveSubsetFonts="1" autoCompressPictures="0">
+<p:presentation xmlns:r="http://schemas.openxmlformats.org/officeDocument/2006/relationships" xmlns:c="http://schemas.openxmlformats.org/drawingml/2006/chart" xmlns:a="http://schemas.openxmlformats.org/drawingml/2006/main" xmlns:dgm="http://schemas.openxmlformats.org/drawingml/2006/diagram" xmlns:dsp="http://schemas.microsoft.com/office/drawing/2008/diagram" xmlns:p="http://schemas.openxmlformats.org/presentationml/2006/main" autoCompressPictures="0">
   <p:sldMasterIdLst>
-    <p:sldMasterId id="2147483648" r:id="rId1"/>
+    <p:sldMasterId id="2147483660" r:id="rId1"/>
   </p:sldMasterIdLst>
   <p:sldIdLst>
     <p:sldId id="256" r:id="rId2"/>
     <p:sldId id="257" r:id="rId3"/>
+    <p:sldId id="258" r:id="rId4"/>
   </p:sldIdLst>
   <p:sldSz cx="12192000" cy="6858000"/>
   <p:notesSz cx="6858000" cy="9144000"/>
@@ -105,11 +106,6 @@
       </a:defRPr>
     </a:lvl9pPr>
   </p:defaultTextStyle>
-  <p:extLst>
-    <p:ext uri="{EFAFB233-063F-42B5-8137-9DF3F51BA10A}">
-      <p15:sldGuideLst xmlns:p15="http://schemas.microsoft.com/office/powerpoint/2012/main"/>
-    </p:ext>
-  </p:extLst>
 </p:presentation>
 </file>
 
@@ -3802,45 +3798,109 @@
 </p:sld>
 </file>
 
+<file path=ppt/slides/slide3.xml><?xml version="1.0" encoding="utf-8"?>
+<p:sld xmlns:r="http://schemas.openxmlformats.org/officeDocument/2006/relationships" xmlns:c="http://schemas.openxmlformats.org/drawingml/2006/chart" xmlns:a="http://schemas.openxmlformats.org/drawingml/2006/main" xmlns:dgm="http://schemas.openxmlformats.org/drawingml/2006/diagram" xmlns:dsp="http://schemas.microsoft.com/office/drawing/2008/diagram" xmlns:p="http://schemas.openxmlformats.org/presentationml/2006/main">
+  <p:cSld>
+    <p:spTree>
+      <p:nvGrpSpPr>
+        <p:cNvPr id="1" name=""/>
+        <p:cNvGrpSpPr/>
+        <p:nvPr/>
+      </p:nvGrpSpPr>
+      <p:grpSpPr>
+        <a:xfrm>
+          <a:off x="0" y="0"/>
+          <a:ext cx="0" cy="0"/>
+          <a:chOff x="0" y="0"/>
+          <a:chExt cx="0" cy="0"/>
+        </a:xfrm>
+      </p:grpSpPr>
+      <p:sp>
+        <p:nvSpPr>
+          <p:cNvPr id="2" name="Title 1"/>
+          <p:cNvSpPr>
+            <a:spLocks noGrp="1"/>
+          </p:cNvSpPr>
+          <p:nvPr>
+            <p:ph type="title" idx="0"/>
+          </p:nvPr>
+        </p:nvSpPr>
+        <p:spPr>
+          <a:xfrm>
+            <a:off x="838200" y="3041196"/>
+            <a:ext cx="10515600" cy="1325563"/>
+          </a:xfrm>
+        </p:spPr>
+        <p:txBody>
+          <a:bodyPr/>
+          <a:lstStyle/>
+          <a:p>
+            <a:pPr algn="ctr">
+              <a:defRPr/>
+            </a:pPr>
+            <a:r>
+              <a:rPr lang="en-US" altLang="ko-KR"/>
+              <a:t>thank you</a:t>
+            </a:r>
+            <a:endParaRPr lang="en-US" altLang="ko-KR"/>
+          </a:p>
+        </p:txBody>
+      </p:sp>
+    </p:spTree>
+  </p:cSld>
+  <p:clrMapOvr>
+    <a:masterClrMapping/>
+  </p:clrMapOvr>
+  <mc:AlternateContent xmlns:mc="http://schemas.openxmlformats.org/markup-compatibility/2006">
+    <mc:Choice xmlns:p14="http://schemas.microsoft.com/office/powerpoint/2010/main" Requires="p14">
+      <p:transition xmlns:mc="http://schemas.openxmlformats.org/markup-compatibility/2006" xmlns:p14="http://schemas.microsoft.com/office/powerpoint/2010/main" mc:Ignorable="p14" p14:dur="500"/>
+    </mc:Choice>
+    <mc:Fallback>
+      <p:transition/>
+    </mc:Fallback>
+  </mc:AlternateContent>
+</p:sld>
+</file>
+
 <file path=ppt/theme/theme1.xml><?xml version="1.0" encoding="utf-8"?>
-<a:theme xmlns:a="http://schemas.openxmlformats.org/drawingml/2006/main" name="Office Theme">
+<a:theme xmlns:r="http://schemas.openxmlformats.org/officeDocument/2006/relationships" xmlns:c="http://schemas.openxmlformats.org/drawingml/2006/chart" xmlns:dgm="http://schemas.openxmlformats.org/drawingml/2006/diagram" xmlns:dsp="http://schemas.microsoft.com/office/drawing/2008/diagram" xmlns:a="http://schemas.openxmlformats.org/drawingml/2006/main" xmlns:pic="http://schemas.openxmlformats.org/drawingml/2006/picture" xmlns:wp="http://schemas.openxmlformats.org/drawingml/2006/wordprocessingDrawing" xmlns:xdr="http://schemas.openxmlformats.org/drawingml/2006/spreadsheetDrawing" xmlns:lc="http://schemas.openxmlformats.org/drawingml/2006/lockedCanvas" xmlns:p="http://schemas.openxmlformats.org/presentationml/2006/main" name="Office Theme">
   <a:themeElements>
     <a:clrScheme name="Office">
       <a:dk1>
         <a:sysClr val="windowText" lastClr="000000"/>
       </a:dk1>
       <a:lt1>
-        <a:sysClr val="window" lastClr="FFFFFF"/>
+        <a:sysClr val="window" lastClr="ffffff"/>
       </a:lt1>
       <a:dk2>
-        <a:srgbClr val="44546A"/>
+        <a:srgbClr val="44546a"/>
       </a:dk2>
       <a:lt2>
-        <a:srgbClr val="E7E6E6"/>
+        <a:srgbClr val="e7e6e6"/>
       </a:lt2>
       <a:accent1>
-        <a:srgbClr val="4472C4"/>
+        <a:srgbClr val="4472c4"/>
       </a:accent1>
       <a:accent2>
-        <a:srgbClr val="ED7D31"/>
+        <a:srgbClr val="ed7d31"/>
       </a:accent2>
       <a:accent3>
-        <a:srgbClr val="A5A5A5"/>
+        <a:srgbClr val="a5a5a5"/>
       </a:accent3>
       <a:accent4>
-        <a:srgbClr val="FFC000"/>
+        <a:srgbClr val="ffc000"/>
       </a:accent4>
       <a:accent5>
-        <a:srgbClr val="5B9BD5"/>
+        <a:srgbClr val="5b9bd5"/>
       </a:accent5>
       <a:accent6>
-        <a:srgbClr val="70AD47"/>
+        <a:srgbClr val="70ad47"/>
       </a:accent6>
       <a:hlink>
-        <a:srgbClr val="0563C1"/>
+        <a:srgbClr val="0563c1"/>
       </a:hlink>
       <a:folHlink>
-        <a:srgbClr val="954F72"/>
+        <a:srgbClr val="954f72"/>
       </a:folHlink>
     </a:clrScheme>
     <a:fontScheme name="Office">
@@ -3848,7 +3908,7 @@
         <a:latin typeface="Calibri Light" panose="020F0302020204030204"/>
         <a:ea typeface=""/>
         <a:cs typeface=""/>
-        <a:font script="Jpan" typeface="游ゴシック Light"/>
+        <a:font script="Jpan" typeface="Yu Gothic Light"/>
         <a:font script="Hang" typeface="맑은 고딕"/>
         <a:font script="Hans" typeface="等线 Light"/>
         <a:font script="Hant" typeface="新細明體"/>
@@ -3900,7 +3960,7 @@
         <a:latin typeface="Calibri" panose="020F0502020204030204"/>
         <a:ea typeface=""/>
         <a:cs typeface=""/>
-        <a:font script="Jpan" typeface="游ゴシック"/>
+        <a:font script="Jpan" typeface="Yu Gothic"/>
         <a:font script="Hang" typeface="맑은 고딕"/>
         <a:font script="Hans" typeface="等线"/>
         <a:font script="Hant" typeface="新細明體"/>
@@ -4013,21 +4073,21 @@
             <a:schemeClr val="phClr"/>
           </a:solidFill>
           <a:prstDash val="solid"/>
-          <a:miter lim="800000"/>
+          <a:miter/>
         </a:ln>
         <a:ln w="12700" cap="flat" cmpd="sng" algn="ctr">
           <a:solidFill>
             <a:schemeClr val="phClr"/>
           </a:solidFill>
           <a:prstDash val="solid"/>
-          <a:miter lim="800000"/>
+          <a:miter/>
         </a:ln>
         <a:ln w="19050" cap="flat" cmpd="sng" algn="ctr">
           <a:solidFill>
             <a:schemeClr val="phClr"/>
           </a:solidFill>
           <a:prstDash val="solid"/>
-          <a:miter lim="800000"/>
+          <a:miter/>
         </a:ln>
       </a:lnStyleLst>
       <a:effectStyleLst>
@@ -4087,12 +4147,5 @@
       </a:bgFillStyleLst>
     </a:fmtScheme>
   </a:themeElements>
-  <a:objectDefaults/>
-  <a:extraClrSchemeLst/>
-  <a:extLst>
-    <a:ext uri="{05A4C25C-085E-4340-85A3-A5531E510DB2}">
-      <thm15:themeFamily xmlns:thm15="http://schemas.microsoft.com/office/thememl/2012/main" name="Office Theme" id="{62F939B6-93AF-4DB8-9C6B-D6C7DFDC589F}" vid="{4A3C46E8-61CC-4603-A589-7422A47A8E4A}"/>
-    </a:ext>
-  </a:extLst>
 </a:theme>
 </file>
--- a/week12/branch.pptx
+++ b/week12/branch.pptx
@@ -7,6 +7,7 @@
   <p:sldIdLst>
     <p:sldId id="256" r:id="rId2"/>
     <p:sldId id="257" r:id="rId3"/>
+    <p:sldId id="258" r:id="rId4"/>
   </p:sldIdLst>
   <p:sldSz cx="12192000" cy="6858000"/>
   <p:notesSz cx="6858000" cy="9144000"/>
@@ -262,7 +263,7 @@
           <a:p>
             <a:fld id="{42AB81E2-2E7B-B344-9159-A676E4F74E42}" type="datetimeFigureOut">
               <a:rPr lang="en-KR" smtClean="0"/>
-              <a:t>11/16/23</a:t>
+              <a:t>11/17/23</a:t>
             </a:fld>
             <a:endParaRPr lang="en-KR"/>
           </a:p>
@@ -462,7 +463,7 @@
           <a:p>
             <a:fld id="{42AB81E2-2E7B-B344-9159-A676E4F74E42}" type="datetimeFigureOut">
               <a:rPr lang="en-KR" smtClean="0"/>
-              <a:t>11/16/23</a:t>
+              <a:t>11/17/23</a:t>
             </a:fld>
             <a:endParaRPr lang="en-KR"/>
           </a:p>
@@ -672,7 +673,7 @@
           <a:p>
             <a:fld id="{42AB81E2-2E7B-B344-9159-A676E4F74E42}" type="datetimeFigureOut">
               <a:rPr lang="en-KR" smtClean="0"/>
-              <a:t>11/16/23</a:t>
+              <a:t>11/17/23</a:t>
             </a:fld>
             <a:endParaRPr lang="en-KR"/>
           </a:p>
@@ -872,7 +873,7 @@
           <a:p>
             <a:fld id="{42AB81E2-2E7B-B344-9159-A676E4F74E42}" type="datetimeFigureOut">
               <a:rPr lang="en-KR" smtClean="0"/>
-              <a:t>11/16/23</a:t>
+              <a:t>11/17/23</a:t>
             </a:fld>
             <a:endParaRPr lang="en-KR"/>
           </a:p>
@@ -1148,7 +1149,7 @@
           <a:p>
             <a:fld id="{42AB81E2-2E7B-B344-9159-A676E4F74E42}" type="datetimeFigureOut">
               <a:rPr lang="en-KR" smtClean="0"/>
-              <a:t>11/16/23</a:t>
+              <a:t>11/17/23</a:t>
             </a:fld>
             <a:endParaRPr lang="en-KR"/>
           </a:p>
@@ -1416,7 +1417,7 @@
           <a:p>
             <a:fld id="{42AB81E2-2E7B-B344-9159-A676E4F74E42}" type="datetimeFigureOut">
               <a:rPr lang="en-KR" smtClean="0"/>
-              <a:t>11/16/23</a:t>
+              <a:t>11/17/23</a:t>
             </a:fld>
             <a:endParaRPr lang="en-KR"/>
           </a:p>
@@ -1831,7 +1832,7 @@
           <a:p>
             <a:fld id="{42AB81E2-2E7B-B344-9159-A676E4F74E42}" type="datetimeFigureOut">
               <a:rPr lang="en-KR" smtClean="0"/>
-              <a:t>11/16/23</a:t>
+              <a:t>11/17/23</a:t>
             </a:fld>
             <a:endParaRPr lang="en-KR"/>
           </a:p>
@@ -1973,7 +1974,7 @@
           <a:p>
             <a:fld id="{42AB81E2-2E7B-B344-9159-A676E4F74E42}" type="datetimeFigureOut">
               <a:rPr lang="en-KR" smtClean="0"/>
-              <a:t>11/16/23</a:t>
+              <a:t>11/17/23</a:t>
             </a:fld>
             <a:endParaRPr lang="en-KR"/>
           </a:p>
@@ -2086,7 +2087,7 @@
           <a:p>
             <a:fld id="{42AB81E2-2E7B-B344-9159-A676E4F74E42}" type="datetimeFigureOut">
               <a:rPr lang="en-KR" smtClean="0"/>
-              <a:t>11/16/23</a:t>
+              <a:t>11/17/23</a:t>
             </a:fld>
             <a:endParaRPr lang="en-KR"/>
           </a:p>
@@ -2399,7 +2400,7 @@
           <a:p>
             <a:fld id="{42AB81E2-2E7B-B344-9159-A676E4F74E42}" type="datetimeFigureOut">
               <a:rPr lang="en-KR" smtClean="0"/>
-              <a:t>11/16/23</a:t>
+              <a:t>11/17/23</a:t>
             </a:fld>
             <a:endParaRPr lang="en-KR"/>
           </a:p>
@@ -2688,7 +2689,7 @@
           <a:p>
             <a:fld id="{42AB81E2-2E7B-B344-9159-A676E4F74E42}" type="datetimeFigureOut">
               <a:rPr lang="en-KR" smtClean="0"/>
-              <a:t>11/16/23</a:t>
+              <a:t>11/17/23</a:t>
             </a:fld>
             <a:endParaRPr lang="en-KR"/>
           </a:p>
@@ -2931,7 +2932,7 @@
           <a:p>
             <a:fld id="{42AB81E2-2E7B-B344-9159-A676E4F74E42}" type="datetimeFigureOut">
               <a:rPr lang="en-KR" smtClean="0"/>
-              <a:t>11/16/23</a:t>
+              <a:t>11/17/23</a:t>
             </a:fld>
             <a:endParaRPr lang="en-KR"/>
           </a:p>
@@ -3802,6 +3803,90 @@
 </p:sld>
 </file>
 
+<file path=ppt/slides/slide3.xml><?xml version="1.0" encoding="utf-8"?>
+<p:sld xmlns:a="http://schemas.openxmlformats.org/drawingml/2006/main" xmlns:r="http://schemas.openxmlformats.org/officeDocument/2006/relationships" xmlns:p="http://schemas.openxmlformats.org/presentationml/2006/main">
+  <p:cSld>
+    <p:spTree>
+      <p:nvGrpSpPr>
+        <p:cNvPr id="1" name=""/>
+        <p:cNvGrpSpPr/>
+        <p:nvPr/>
+      </p:nvGrpSpPr>
+      <p:grpSpPr>
+        <a:xfrm>
+          <a:off x="0" y="0"/>
+          <a:ext cx="0" cy="0"/>
+          <a:chOff x="0" y="0"/>
+          <a:chExt cx="0" cy="0"/>
+        </a:xfrm>
+      </p:grpSpPr>
+      <p:sp>
+        <p:nvSpPr>
+          <p:cNvPr id="2" name="제목 1">
+            <a:extLst>
+              <a:ext uri="{FF2B5EF4-FFF2-40B4-BE49-F238E27FC236}">
+                <a16:creationId xmlns:a16="http://schemas.microsoft.com/office/drawing/2014/main" id="{64E3081C-059E-290E-33AC-98BD9AA28439}"/>
+              </a:ext>
+            </a:extLst>
+          </p:cNvPr>
+          <p:cNvSpPr>
+            <a:spLocks noGrp="1"/>
+          </p:cNvSpPr>
+          <p:nvPr>
+            <p:ph type="ctrTitle"/>
+          </p:nvPr>
+        </p:nvSpPr>
+        <p:spPr/>
+        <p:txBody>
+          <a:bodyPr/>
+          <a:lstStyle/>
+          <a:p>
+            <a:r>
+              <a:rPr kumimoji="1" lang="en-US" altLang="ko-KR" b="1" dirty="0"/>
+              <a:t>Thank You</a:t>
+            </a:r>
+            <a:endParaRPr kumimoji="1" lang="ko-KR" altLang="en-US" b="1" dirty="0"/>
+          </a:p>
+        </p:txBody>
+      </p:sp>
+      <p:sp>
+        <p:nvSpPr>
+          <p:cNvPr id="3" name="부제목 2">
+            <a:extLst>
+              <a:ext uri="{FF2B5EF4-FFF2-40B4-BE49-F238E27FC236}">
+                <a16:creationId xmlns:a16="http://schemas.microsoft.com/office/drawing/2014/main" id="{1A8EABB2-ECFA-E129-F545-5F79B8FC525D}"/>
+              </a:ext>
+            </a:extLst>
+          </p:cNvPr>
+          <p:cNvSpPr>
+            <a:spLocks noGrp="1"/>
+          </p:cNvSpPr>
+          <p:nvPr>
+            <p:ph type="subTitle" idx="1"/>
+          </p:nvPr>
+        </p:nvSpPr>
+        <p:spPr/>
+        <p:txBody>
+          <a:bodyPr/>
+          <a:lstStyle/>
+          <a:p>
+            <a:endParaRPr kumimoji="1" lang="ko-KR" altLang="en-US"/>
+          </a:p>
+        </p:txBody>
+      </p:sp>
+    </p:spTree>
+    <p:extLst>
+      <p:ext uri="{BB962C8B-B14F-4D97-AF65-F5344CB8AC3E}">
+        <p14:creationId xmlns:p14="http://schemas.microsoft.com/office/powerpoint/2010/main" val="3450130303"/>
+      </p:ext>
+    </p:extLst>
+  </p:cSld>
+  <p:clrMapOvr>
+    <a:masterClrMapping/>
+  </p:clrMapOvr>
+</p:sld>
+</file>
+
 <file path=ppt/theme/theme1.xml><?xml version="1.0" encoding="utf-8"?>
 <a:theme xmlns:a="http://schemas.openxmlformats.org/drawingml/2006/main" name="Office Theme">
   <a:themeElements>

--- a/week12/branch.pptx
+++ b/week12/branch.pptx
@@ -3822,10 +3822,10 @@
       </p:grpSpPr>
       <p:sp>
         <p:nvSpPr>
-          <p:cNvPr id="4" name="TextBox 3">
-            <a:extLst>
-              <a:ext uri="{FF2B5EF4-FFF2-40B4-BE49-F238E27FC236}">
-                <a16:creationId xmlns:a16="http://schemas.microsoft.com/office/drawing/2014/main" id="{13C96ABC-2732-431F-7D9A-8A42EAF4DB7D}"/>
+          <p:cNvPr id="2" name="TextBox 1">
+            <a:extLst>
+              <a:ext uri="{FF2B5EF4-FFF2-40B4-BE49-F238E27FC236}">
+                <a16:creationId xmlns:a16="http://schemas.microsoft.com/office/drawing/2014/main" id="{3E489151-D19C-A240-BD69-41BA53FCB276}"/>
               </a:ext>
             </a:extLst>
           </p:cNvPr>
@@ -3834,8 +3834,8 @@
         </p:nvSpPr>
         <p:spPr>
           <a:xfrm>
-            <a:off x="2812152" y="2644170"/>
-            <a:ext cx="6567695" cy="1569660"/>
+            <a:off x="5340096" y="1664208"/>
+            <a:ext cx="1153393" cy="369332"/>
           </a:xfrm>
           <a:prstGeom prst="rect">
             <a:avLst/>
@@ -3849,16 +3849,10 @@
           <a:lstStyle/>
           <a:p>
             <a:r>
-              <a:rPr lang="en-KR" sz="9600" dirty="0">
-                <a:solidFill>
-                  <a:schemeClr val="accent1"/>
-                </a:solidFill>
-                <a:latin typeface="KoPubWorldBatang Light" pitchFamily="2" charset="-127"/>
-                <a:ea typeface="KoPubWorldBatang Light" pitchFamily="2" charset="-127"/>
-                <a:cs typeface="KoPubWorldBatang Light" pitchFamily="2" charset="-127"/>
-              </a:rPr>
-              <a:t>Thank You</a:t>
-            </a:r>
+              <a:rPr kumimoji="1" lang="en-US" altLang="ko-KR" dirty="0"/>
+              <a:t>Thank you</a:t>
+            </a:r>
+            <a:endParaRPr kumimoji="1" lang="ko-KR" altLang="en-US" dirty="0"/>
           </a:p>
         </p:txBody>
       </p:sp>

--- a/week12/branch.pptx
+++ b/week12/branch.pptx
@@ -7,6 +7,7 @@
   <p:sldIdLst>
     <p:sldId id="256" r:id="rId2"/>
     <p:sldId id="257" r:id="rId3"/>
+    <p:sldId id="258" r:id="rId4"/>
   </p:sldIdLst>
   <p:sldSz cx="12192000" cy="6858000"/>
   <p:notesSz cx="6858000" cy="9144000"/>
@@ -113,6 +114,59 @@
 </p:presentation>
 </file>
 
+<file path=ppt/revisionInfo.xml><?xml version="1.0" encoding="utf-8"?>
+<p1510:revInfo xmlns:a="http://schemas.openxmlformats.org/drawingml/2006/main" xmlns:r="http://schemas.openxmlformats.org/officeDocument/2006/relationships" xmlns:p1510="http://schemas.microsoft.com/office/powerpoint/2015/10/main">
+  <p1510:revLst>
+    <p1510:client id="{8E209211-6B2B-4082-A4AF-4FF01A3CAAAF}" v="1" dt="2023-11-17T03:46:55.154"/>
+  </p1510:revLst>
+</p1510:revInfo>
+</file>
+
+<file path=ppt/changesInfos/changesInfo1.xml><?xml version="1.0" encoding="utf-8"?>
+<pc:chgInfo xmlns:a="http://schemas.openxmlformats.org/drawingml/2006/main" xmlns:r="http://schemas.openxmlformats.org/officeDocument/2006/relationships" xmlns:ac="http://schemas.microsoft.com/office/drawing/2013/main/command" xmlns:pc="http://schemas.microsoft.com/office/powerpoint/2013/main/command">
+  <pc:docChgLst>
+    <pc:chgData name="건영 류" userId="2e70aa39ed99acd7" providerId="LiveId" clId="{8E209211-6B2B-4082-A4AF-4FF01A3CAAAF}"/>
+    <pc:docChg chg="custSel addSld modSld">
+      <pc:chgData name="건영 류" userId="2e70aa39ed99acd7" providerId="LiveId" clId="{8E209211-6B2B-4082-A4AF-4FF01A3CAAAF}" dt="2023-11-17T03:47:10.901" v="18" actId="1076"/>
+      <pc:docMkLst>
+        <pc:docMk/>
+      </pc:docMkLst>
+      <pc:sldChg chg="addSp delSp modSp new mod">
+        <pc:chgData name="건영 류" userId="2e70aa39ed99acd7" providerId="LiveId" clId="{8E209211-6B2B-4082-A4AF-4FF01A3CAAAF}" dt="2023-11-17T03:47:10.901" v="18" actId="1076"/>
+        <pc:sldMkLst>
+          <pc:docMk/>
+          <pc:sldMk cId="2797732950" sldId="258"/>
+        </pc:sldMkLst>
+        <pc:spChg chg="del">
+          <ac:chgData name="건영 류" userId="2e70aa39ed99acd7" providerId="LiveId" clId="{8E209211-6B2B-4082-A4AF-4FF01A3CAAAF}" dt="2023-11-17T03:46:51.265" v="2" actId="478"/>
+          <ac:spMkLst>
+            <pc:docMk/>
+            <pc:sldMk cId="2797732950" sldId="258"/>
+            <ac:spMk id="2" creationId="{F03F3B31-F443-ED9A-6C13-EFEB88722ADE}"/>
+          </ac:spMkLst>
+        </pc:spChg>
+        <pc:spChg chg="del">
+          <ac:chgData name="건영 류" userId="2e70aa39ed99acd7" providerId="LiveId" clId="{8E209211-6B2B-4082-A4AF-4FF01A3CAAAF}" dt="2023-11-17T03:46:49.930" v="1" actId="478"/>
+          <ac:spMkLst>
+            <pc:docMk/>
+            <pc:sldMk cId="2797732950" sldId="258"/>
+            <ac:spMk id="3" creationId="{CD4BEEAB-9564-33C5-4E87-6119DCA699B9}"/>
+          </ac:spMkLst>
+        </pc:spChg>
+        <pc:spChg chg="add mod">
+          <ac:chgData name="건영 류" userId="2e70aa39ed99acd7" providerId="LiveId" clId="{8E209211-6B2B-4082-A4AF-4FF01A3CAAAF}" dt="2023-11-17T03:47:10.901" v="18" actId="1076"/>
+          <ac:spMkLst>
+            <pc:docMk/>
+            <pc:sldMk cId="2797732950" sldId="258"/>
+            <ac:spMk id="4" creationId="{83A80498-7222-725C-ECE1-5AF3A9082A0A}"/>
+          </ac:spMkLst>
+        </pc:spChg>
+      </pc:sldChg>
+    </pc:docChg>
+  </pc:docChgLst>
+</pc:chgInfo>
+</file>
+
 <file path=ppt/slideLayouts/slideLayout1.xml><?xml version="1.0" encoding="utf-8"?>
 <p:sldLayout xmlns:a="http://schemas.openxmlformats.org/drawingml/2006/main" xmlns:r="http://schemas.openxmlformats.org/officeDocument/2006/relationships" xmlns:p="http://schemas.openxmlformats.org/presentationml/2006/main" type="title" preserve="1">
   <p:cSld name="Title Slide">
@@ -262,7 +316,7 @@
           <a:p>
             <a:fld id="{42AB81E2-2E7B-B344-9159-A676E4F74E42}" type="datetimeFigureOut">
               <a:rPr lang="en-KR" smtClean="0"/>
-              <a:t>11/16/23</a:t>
+              <a:t>11/17/2023</a:t>
             </a:fld>
             <a:endParaRPr lang="en-KR"/>
           </a:p>
@@ -462,7 +516,7 @@
           <a:p>
             <a:fld id="{42AB81E2-2E7B-B344-9159-A676E4F74E42}" type="datetimeFigureOut">
               <a:rPr lang="en-KR" smtClean="0"/>
-              <a:t>11/16/23</a:t>
+              <a:t>11/17/2023</a:t>
             </a:fld>
             <a:endParaRPr lang="en-KR"/>
           </a:p>
@@ -672,7 +726,7 @@
           <a:p>
             <a:fld id="{42AB81E2-2E7B-B344-9159-A676E4F74E42}" type="datetimeFigureOut">
               <a:rPr lang="en-KR" smtClean="0"/>
-              <a:t>11/16/23</a:t>
+              <a:t>11/17/2023</a:t>
             </a:fld>
             <a:endParaRPr lang="en-KR"/>
           </a:p>
@@ -872,7 +926,7 @@
           <a:p>
             <a:fld id="{42AB81E2-2E7B-B344-9159-A676E4F74E42}" type="datetimeFigureOut">
               <a:rPr lang="en-KR" smtClean="0"/>
-              <a:t>11/16/23</a:t>
+              <a:t>11/17/2023</a:t>
             </a:fld>
             <a:endParaRPr lang="en-KR"/>
           </a:p>
@@ -1148,7 +1202,7 @@
           <a:p>
             <a:fld id="{42AB81E2-2E7B-B344-9159-A676E4F74E42}" type="datetimeFigureOut">
               <a:rPr lang="en-KR" smtClean="0"/>
-              <a:t>11/16/23</a:t>
+              <a:t>11/17/2023</a:t>
             </a:fld>
             <a:endParaRPr lang="en-KR"/>
           </a:p>
@@ -1416,7 +1470,7 @@
           <a:p>
             <a:fld id="{42AB81E2-2E7B-B344-9159-A676E4F74E42}" type="datetimeFigureOut">
               <a:rPr lang="en-KR" smtClean="0"/>
-              <a:t>11/16/23</a:t>
+              <a:t>11/17/2023</a:t>
             </a:fld>
             <a:endParaRPr lang="en-KR"/>
           </a:p>
@@ -1831,7 +1885,7 @@
           <a:p>
             <a:fld id="{42AB81E2-2E7B-B344-9159-A676E4F74E42}" type="datetimeFigureOut">
               <a:rPr lang="en-KR" smtClean="0"/>
-              <a:t>11/16/23</a:t>
+              <a:t>11/17/2023</a:t>
             </a:fld>
             <a:endParaRPr lang="en-KR"/>
           </a:p>
@@ -1973,7 +2027,7 @@
           <a:p>
             <a:fld id="{42AB81E2-2E7B-B344-9159-A676E4F74E42}" type="datetimeFigureOut">
               <a:rPr lang="en-KR" smtClean="0"/>
-              <a:t>11/16/23</a:t>
+              <a:t>11/17/2023</a:t>
             </a:fld>
             <a:endParaRPr lang="en-KR"/>
           </a:p>
@@ -2086,7 +2140,7 @@
           <a:p>
             <a:fld id="{42AB81E2-2E7B-B344-9159-A676E4F74E42}" type="datetimeFigureOut">
               <a:rPr lang="en-KR" smtClean="0"/>
-              <a:t>11/16/23</a:t>
+              <a:t>11/17/2023</a:t>
             </a:fld>
             <a:endParaRPr lang="en-KR"/>
           </a:p>
@@ -2399,7 +2453,7 @@
           <a:p>
             <a:fld id="{42AB81E2-2E7B-B344-9159-A676E4F74E42}" type="datetimeFigureOut">
               <a:rPr lang="en-KR" smtClean="0"/>
-              <a:t>11/16/23</a:t>
+              <a:t>11/17/2023</a:t>
             </a:fld>
             <a:endParaRPr lang="en-KR"/>
           </a:p>
@@ -2688,7 +2742,7 @@
           <a:p>
             <a:fld id="{42AB81E2-2E7B-B344-9159-A676E4F74E42}" type="datetimeFigureOut">
               <a:rPr lang="en-KR" smtClean="0"/>
-              <a:t>11/16/23</a:t>
+              <a:t>11/17/2023</a:t>
             </a:fld>
             <a:endParaRPr lang="en-KR"/>
           </a:p>
@@ -2931,7 +2985,7 @@
           <a:p>
             <a:fld id="{42AB81E2-2E7B-B344-9159-A676E4F74E42}" type="datetimeFigureOut">
               <a:rPr lang="en-KR" smtClean="0"/>
-              <a:t>11/16/23</a:t>
+              <a:t>11/17/2023</a:t>
             </a:fld>
             <a:endParaRPr lang="en-KR"/>
           </a:p>
@@ -3802,6 +3856,72 @@
 </p:sld>
 </file>
 
+<file path=ppt/slides/slide3.xml><?xml version="1.0" encoding="utf-8"?>
+<p:sld xmlns:a="http://schemas.openxmlformats.org/drawingml/2006/main" xmlns:r="http://schemas.openxmlformats.org/officeDocument/2006/relationships" xmlns:p="http://schemas.openxmlformats.org/presentationml/2006/main">
+  <p:cSld>
+    <p:spTree>
+      <p:nvGrpSpPr>
+        <p:cNvPr id="1" name=""/>
+        <p:cNvGrpSpPr/>
+        <p:nvPr/>
+      </p:nvGrpSpPr>
+      <p:grpSpPr>
+        <a:xfrm>
+          <a:off x="0" y="0"/>
+          <a:ext cx="0" cy="0"/>
+          <a:chOff x="0" y="0"/>
+          <a:chExt cx="0" cy="0"/>
+        </a:xfrm>
+      </p:grpSpPr>
+      <p:sp>
+        <p:nvSpPr>
+          <p:cNvPr id="4" name="TextBox 3">
+            <a:extLst>
+              <a:ext uri="{FF2B5EF4-FFF2-40B4-BE49-F238E27FC236}">
+                <a16:creationId xmlns:a16="http://schemas.microsoft.com/office/drawing/2014/main" id="{83A80498-7222-725C-ECE1-5AF3A9082A0A}"/>
+              </a:ext>
+            </a:extLst>
+          </p:cNvPr>
+          <p:cNvSpPr txBox="1"/>
+          <p:nvPr/>
+        </p:nvSpPr>
+        <p:spPr>
+          <a:xfrm>
+            <a:off x="4552950" y="2921168"/>
+            <a:ext cx="8696325" cy="1015663"/>
+          </a:xfrm>
+          <a:prstGeom prst="rect">
+            <a:avLst/>
+          </a:prstGeom>
+          <a:noFill/>
+        </p:spPr>
+        <p:txBody>
+          <a:bodyPr wrap="square" rtlCol="0">
+            <a:spAutoFit/>
+          </a:bodyPr>
+          <a:lstStyle/>
+          <a:p>
+            <a:r>
+              <a:rPr lang="en-US" altLang="ko-KR" sz="6000" dirty="0"/>
+              <a:t>Thank you</a:t>
+            </a:r>
+            <a:endParaRPr lang="ko-KR" altLang="en-US" sz="6000" dirty="0"/>
+          </a:p>
+        </p:txBody>
+      </p:sp>
+    </p:spTree>
+    <p:extLst>
+      <p:ext uri="{BB962C8B-B14F-4D97-AF65-F5344CB8AC3E}">
+        <p14:creationId xmlns:p14="http://schemas.microsoft.com/office/powerpoint/2010/main" val="2797732950"/>
+      </p:ext>
+    </p:extLst>
+  </p:cSld>
+  <p:clrMapOvr>
+    <a:masterClrMapping/>
+  </p:clrMapOvr>
+</p:sld>
+</file>
+
 <file path=ppt/theme/theme1.xml><?xml version="1.0" encoding="utf-8"?>
 <a:theme xmlns:a="http://schemas.openxmlformats.org/drawingml/2006/main" name="Office Theme">
   <a:themeElements>

--- a/week12/branch.pptx
+++ b/week12/branch.pptx
@@ -7,6 +7,7 @@
   <p:sldIdLst>
     <p:sldId id="256" r:id="rId2"/>
     <p:sldId id="257" r:id="rId3"/>
+    <p:sldId id="258" r:id="rId4"/>
   </p:sldIdLst>
   <p:sldSz cx="12192000" cy="6858000"/>
   <p:notesSz cx="6858000" cy="9144000"/>
@@ -113,6 +114,59 @@
 </p:presentation>
 </file>
 
+<file path=ppt/revisionInfo.xml><?xml version="1.0" encoding="utf-8"?>
+<p1510:revInfo xmlns:a="http://schemas.openxmlformats.org/drawingml/2006/main" xmlns:r="http://schemas.openxmlformats.org/officeDocument/2006/relationships" xmlns:p1510="http://schemas.microsoft.com/office/powerpoint/2015/10/main">
+  <p1510:revLst>
+    <p1510:client id="{D195FF42-FFB2-41D4-99F8-FEF64EED05B4}" v="1" dt="2023-11-17T03:34:45.090"/>
+  </p1510:revLst>
+</p1510:revInfo>
+</file>
+
+<file path=ppt/changesInfos/changesInfo1.xml><?xml version="1.0" encoding="utf-8"?>
+<pc:chgInfo xmlns:a="http://schemas.openxmlformats.org/drawingml/2006/main" xmlns:r="http://schemas.openxmlformats.org/officeDocument/2006/relationships" xmlns:ac="http://schemas.microsoft.com/office/drawing/2013/main/command" xmlns:pc="http://schemas.microsoft.com/office/powerpoint/2013/main/command">
+  <pc:docChgLst>
+    <pc:chgData name="종민 한" userId="f8bfaee6a8139fe8" providerId="LiveId" clId="{D195FF42-FFB2-41D4-99F8-FEF64EED05B4}"/>
+    <pc:docChg chg="custSel addSld modSld">
+      <pc:chgData name="종민 한" userId="f8bfaee6a8139fe8" providerId="LiveId" clId="{D195FF42-FFB2-41D4-99F8-FEF64EED05B4}" dt="2023-11-17T03:35:16.725" v="52" actId="14100"/>
+      <pc:docMkLst>
+        <pc:docMk/>
+      </pc:docMkLst>
+      <pc:sldChg chg="addSp delSp modSp new mod">
+        <pc:chgData name="종민 한" userId="f8bfaee6a8139fe8" providerId="LiveId" clId="{D195FF42-FFB2-41D4-99F8-FEF64EED05B4}" dt="2023-11-17T03:35:16.725" v="52" actId="14100"/>
+        <pc:sldMkLst>
+          <pc:docMk/>
+          <pc:sldMk cId="3314374838" sldId="258"/>
+        </pc:sldMkLst>
+        <pc:spChg chg="del">
+          <ac:chgData name="종민 한" userId="f8bfaee6a8139fe8" providerId="LiveId" clId="{D195FF42-FFB2-41D4-99F8-FEF64EED05B4}" dt="2023-11-17T03:34:37.325" v="1" actId="478"/>
+          <ac:spMkLst>
+            <pc:docMk/>
+            <pc:sldMk cId="3314374838" sldId="258"/>
+            <ac:spMk id="2" creationId="{65B523D8-87AD-6EC0-68F4-290A64D7A4FD}"/>
+          </ac:spMkLst>
+        </pc:spChg>
+        <pc:spChg chg="del">
+          <ac:chgData name="종민 한" userId="f8bfaee6a8139fe8" providerId="LiveId" clId="{D195FF42-FFB2-41D4-99F8-FEF64EED05B4}" dt="2023-11-17T03:34:38.233" v="2" actId="478"/>
+          <ac:spMkLst>
+            <pc:docMk/>
+            <pc:sldMk cId="3314374838" sldId="258"/>
+            <ac:spMk id="3" creationId="{A71A100B-B121-5887-5950-FF7CCE1B919A}"/>
+          </ac:spMkLst>
+        </pc:spChg>
+        <pc:spChg chg="add mod">
+          <ac:chgData name="종민 한" userId="f8bfaee6a8139fe8" providerId="LiveId" clId="{D195FF42-FFB2-41D4-99F8-FEF64EED05B4}" dt="2023-11-17T03:35:16.725" v="52" actId="14100"/>
+          <ac:spMkLst>
+            <pc:docMk/>
+            <pc:sldMk cId="3314374838" sldId="258"/>
+            <ac:spMk id="4" creationId="{15744BCB-9A3D-449C-CE92-10D9354A5A32}"/>
+          </ac:spMkLst>
+        </pc:spChg>
+      </pc:sldChg>
+    </pc:docChg>
+  </pc:docChgLst>
+</pc:chgInfo>
+</file>
+
 <file path=ppt/slideLayouts/slideLayout1.xml><?xml version="1.0" encoding="utf-8"?>
 <p:sldLayout xmlns:a="http://schemas.openxmlformats.org/drawingml/2006/main" xmlns:r="http://schemas.openxmlformats.org/officeDocument/2006/relationships" xmlns:p="http://schemas.openxmlformats.org/presentationml/2006/main" type="title" preserve="1">
   <p:cSld name="Title Slide">
@@ -262,7 +316,7 @@
           <a:p>
             <a:fld id="{42AB81E2-2E7B-B344-9159-A676E4F74E42}" type="datetimeFigureOut">
               <a:rPr lang="en-KR" smtClean="0"/>
-              <a:t>11/16/23</a:t>
+              <a:t>11/17/2023</a:t>
             </a:fld>
             <a:endParaRPr lang="en-KR"/>
           </a:p>
@@ -462,7 +516,7 @@
           <a:p>
             <a:fld id="{42AB81E2-2E7B-B344-9159-A676E4F74E42}" type="datetimeFigureOut">
               <a:rPr lang="en-KR" smtClean="0"/>
-              <a:t>11/16/23</a:t>
+              <a:t>11/17/2023</a:t>
             </a:fld>
             <a:endParaRPr lang="en-KR"/>
           </a:p>
@@ -672,7 +726,7 @@
           <a:p>
             <a:fld id="{42AB81E2-2E7B-B344-9159-A676E4F74E42}" type="datetimeFigureOut">
               <a:rPr lang="en-KR" smtClean="0"/>
-              <a:t>11/16/23</a:t>
+              <a:t>11/17/2023</a:t>
             </a:fld>
             <a:endParaRPr lang="en-KR"/>
           </a:p>
@@ -872,7 +926,7 @@
           <a:p>
             <a:fld id="{42AB81E2-2E7B-B344-9159-A676E4F74E42}" type="datetimeFigureOut">
               <a:rPr lang="en-KR" smtClean="0"/>
-              <a:t>11/16/23</a:t>
+              <a:t>11/17/2023</a:t>
             </a:fld>
             <a:endParaRPr lang="en-KR"/>
           </a:p>
@@ -1148,7 +1202,7 @@
           <a:p>
             <a:fld id="{42AB81E2-2E7B-B344-9159-A676E4F74E42}" type="datetimeFigureOut">
               <a:rPr lang="en-KR" smtClean="0"/>
-              <a:t>11/16/23</a:t>
+              <a:t>11/17/2023</a:t>
             </a:fld>
             <a:endParaRPr lang="en-KR"/>
           </a:p>
@@ -1416,7 +1470,7 @@
           <a:p>
             <a:fld id="{42AB81E2-2E7B-B344-9159-A676E4F74E42}" type="datetimeFigureOut">
               <a:rPr lang="en-KR" smtClean="0"/>
-              <a:t>11/16/23</a:t>
+              <a:t>11/17/2023</a:t>
             </a:fld>
             <a:endParaRPr lang="en-KR"/>
           </a:p>
@@ -1831,7 +1885,7 @@
           <a:p>
             <a:fld id="{42AB81E2-2E7B-B344-9159-A676E4F74E42}" type="datetimeFigureOut">
               <a:rPr lang="en-KR" smtClean="0"/>
-              <a:t>11/16/23</a:t>
+              <a:t>11/17/2023</a:t>
             </a:fld>
             <a:endParaRPr lang="en-KR"/>
           </a:p>
@@ -1973,7 +2027,7 @@
           <a:p>
             <a:fld id="{42AB81E2-2E7B-B344-9159-A676E4F74E42}" type="datetimeFigureOut">
               <a:rPr lang="en-KR" smtClean="0"/>
-              <a:t>11/16/23</a:t>
+              <a:t>11/17/2023</a:t>
             </a:fld>
             <a:endParaRPr lang="en-KR"/>
           </a:p>
@@ -2086,7 +2140,7 @@
           <a:p>
             <a:fld id="{42AB81E2-2E7B-B344-9159-A676E4F74E42}" type="datetimeFigureOut">
               <a:rPr lang="en-KR" smtClean="0"/>
-              <a:t>11/16/23</a:t>
+              <a:t>11/17/2023</a:t>
             </a:fld>
             <a:endParaRPr lang="en-KR"/>
           </a:p>
@@ -2399,7 +2453,7 @@
           <a:p>
             <a:fld id="{42AB81E2-2E7B-B344-9159-A676E4F74E42}" type="datetimeFigureOut">
               <a:rPr lang="en-KR" smtClean="0"/>
-              <a:t>11/16/23</a:t>
+              <a:t>11/17/2023</a:t>
             </a:fld>
             <a:endParaRPr lang="en-KR"/>
           </a:p>
@@ -2688,7 +2742,7 @@
           <a:p>
             <a:fld id="{42AB81E2-2E7B-B344-9159-A676E4F74E42}" type="datetimeFigureOut">
               <a:rPr lang="en-KR" smtClean="0"/>
-              <a:t>11/16/23</a:t>
+              <a:t>11/17/2023</a:t>
             </a:fld>
             <a:endParaRPr lang="en-KR"/>
           </a:p>
@@ -2931,7 +2985,7 @@
           <a:p>
             <a:fld id="{42AB81E2-2E7B-B344-9159-A676E4F74E42}" type="datetimeFigureOut">
               <a:rPr lang="en-KR" smtClean="0"/>
-              <a:t>11/16/23</a:t>
+              <a:t>11/17/2023</a:t>
             </a:fld>
             <a:endParaRPr lang="en-KR"/>
           </a:p>
@@ -3802,6 +3856,72 @@
 </p:sld>
 </file>
 
+<file path=ppt/slides/slide3.xml><?xml version="1.0" encoding="utf-8"?>
+<p:sld xmlns:a="http://schemas.openxmlformats.org/drawingml/2006/main" xmlns:r="http://schemas.openxmlformats.org/officeDocument/2006/relationships" xmlns:p="http://schemas.openxmlformats.org/presentationml/2006/main">
+  <p:cSld>
+    <p:spTree>
+      <p:nvGrpSpPr>
+        <p:cNvPr id="1" name=""/>
+        <p:cNvGrpSpPr/>
+        <p:nvPr/>
+      </p:nvGrpSpPr>
+      <p:grpSpPr>
+        <a:xfrm>
+          <a:off x="0" y="0"/>
+          <a:ext cx="0" cy="0"/>
+          <a:chOff x="0" y="0"/>
+          <a:chExt cx="0" cy="0"/>
+        </a:xfrm>
+      </p:grpSpPr>
+      <p:sp>
+        <p:nvSpPr>
+          <p:cNvPr id="4" name="TextBox 3">
+            <a:extLst>
+              <a:ext uri="{FF2B5EF4-FFF2-40B4-BE49-F238E27FC236}">
+                <a16:creationId xmlns:a16="http://schemas.microsoft.com/office/drawing/2014/main" id="{15744BCB-9A3D-449C-CE92-10D9354A5A32}"/>
+              </a:ext>
+            </a:extLst>
+          </p:cNvPr>
+          <p:cNvSpPr txBox="1"/>
+          <p:nvPr/>
+        </p:nvSpPr>
+        <p:spPr>
+          <a:xfrm>
+            <a:off x="1325573" y="1838422"/>
+            <a:ext cx="10346835" cy="2646878"/>
+          </a:xfrm>
+          <a:prstGeom prst="rect">
+            <a:avLst/>
+          </a:prstGeom>
+          <a:noFill/>
+        </p:spPr>
+        <p:txBody>
+          <a:bodyPr wrap="square" rtlCol="0">
+            <a:spAutoFit/>
+          </a:bodyPr>
+          <a:lstStyle/>
+          <a:p>
+            <a:r>
+              <a:rPr lang="en-US" altLang="ko-KR" sz="16600" dirty="0"/>
+              <a:t>Thank You</a:t>
+            </a:r>
+            <a:endParaRPr lang="ko-KR" altLang="en-US" sz="16600" dirty="0"/>
+          </a:p>
+        </p:txBody>
+      </p:sp>
+    </p:spTree>
+    <p:extLst>
+      <p:ext uri="{BB962C8B-B14F-4D97-AF65-F5344CB8AC3E}">
+        <p14:creationId xmlns:p14="http://schemas.microsoft.com/office/powerpoint/2010/main" val="3314374838"/>
+      </p:ext>
+    </p:extLst>
+  </p:cSld>
+  <p:clrMapOvr>
+    <a:masterClrMapping/>
+  </p:clrMapOvr>
+</p:sld>
+</file>
+
 <file path=ppt/theme/theme1.xml><?xml version="1.0" encoding="utf-8"?>
 <a:theme xmlns:a="http://schemas.openxmlformats.org/drawingml/2006/main" name="Office Theme">
   <a:themeElements>

--- a/week12/branch.pptx
+++ b/week12/branch.pptx
@@ -263,7 +263,7 @@
           <a:p>
             <a:fld id="{42AB81E2-2E7B-B344-9159-A676E4F74E42}" type="datetimeFigureOut">
               <a:rPr lang="en-KR" smtClean="0"/>
-              <a:t>11/17/23</a:t>
+              <a:t>11/17/2023</a:t>
             </a:fld>
             <a:endParaRPr lang="en-KR"/>
           </a:p>
@@ -463,7 +463,7 @@
           <a:p>
             <a:fld id="{42AB81E2-2E7B-B344-9159-A676E4F74E42}" type="datetimeFigureOut">
               <a:rPr lang="en-KR" smtClean="0"/>
-              <a:t>11/17/23</a:t>
+              <a:t>11/17/2023</a:t>
             </a:fld>
             <a:endParaRPr lang="en-KR"/>
           </a:p>
@@ -673,7 +673,7 @@
           <a:p>
             <a:fld id="{42AB81E2-2E7B-B344-9159-A676E4F74E42}" type="datetimeFigureOut">
               <a:rPr lang="en-KR" smtClean="0"/>
-              <a:t>11/17/23</a:t>
+              <a:t>11/17/2023</a:t>
             </a:fld>
             <a:endParaRPr lang="en-KR"/>
           </a:p>
@@ -873,7 +873,7 @@
           <a:p>
             <a:fld id="{42AB81E2-2E7B-B344-9159-A676E4F74E42}" type="datetimeFigureOut">
               <a:rPr lang="en-KR" smtClean="0"/>
-              <a:t>11/17/23</a:t>
+              <a:t>11/17/2023</a:t>
             </a:fld>
             <a:endParaRPr lang="en-KR"/>
           </a:p>
@@ -1149,7 +1149,7 @@
           <a:p>
             <a:fld id="{42AB81E2-2E7B-B344-9159-A676E4F74E42}" type="datetimeFigureOut">
               <a:rPr lang="en-KR" smtClean="0"/>
-              <a:t>11/17/23</a:t>
+              <a:t>11/17/2023</a:t>
             </a:fld>
             <a:endParaRPr lang="en-KR"/>
           </a:p>
@@ -1417,7 +1417,7 @@
           <a:p>
             <a:fld id="{42AB81E2-2E7B-B344-9159-A676E4F74E42}" type="datetimeFigureOut">
               <a:rPr lang="en-KR" smtClean="0"/>
-              <a:t>11/17/23</a:t>
+              <a:t>11/17/2023</a:t>
             </a:fld>
             <a:endParaRPr lang="en-KR"/>
           </a:p>
@@ -1832,7 +1832,7 @@
           <a:p>
             <a:fld id="{42AB81E2-2E7B-B344-9159-A676E4F74E42}" type="datetimeFigureOut">
               <a:rPr lang="en-KR" smtClean="0"/>
-              <a:t>11/17/23</a:t>
+              <a:t>11/17/2023</a:t>
             </a:fld>
             <a:endParaRPr lang="en-KR"/>
           </a:p>
@@ -1974,7 +1974,7 @@
           <a:p>
             <a:fld id="{42AB81E2-2E7B-B344-9159-A676E4F74E42}" type="datetimeFigureOut">
               <a:rPr lang="en-KR" smtClean="0"/>
-              <a:t>11/17/23</a:t>
+              <a:t>11/17/2023</a:t>
             </a:fld>
             <a:endParaRPr lang="en-KR"/>
           </a:p>
@@ -2087,7 +2087,7 @@
           <a:p>
             <a:fld id="{42AB81E2-2E7B-B344-9159-A676E4F74E42}" type="datetimeFigureOut">
               <a:rPr lang="en-KR" smtClean="0"/>
-              <a:t>11/17/23</a:t>
+              <a:t>11/17/2023</a:t>
             </a:fld>
             <a:endParaRPr lang="en-KR"/>
           </a:p>
@@ -2400,7 +2400,7 @@
           <a:p>
             <a:fld id="{42AB81E2-2E7B-B344-9159-A676E4F74E42}" type="datetimeFigureOut">
               <a:rPr lang="en-KR" smtClean="0"/>
-              <a:t>11/17/23</a:t>
+              <a:t>11/17/2023</a:t>
             </a:fld>
             <a:endParaRPr lang="en-KR"/>
           </a:p>
@@ -2689,7 +2689,7 @@
           <a:p>
             <a:fld id="{42AB81E2-2E7B-B344-9159-A676E4F74E42}" type="datetimeFigureOut">
               <a:rPr lang="en-KR" smtClean="0"/>
-              <a:t>11/17/23</a:t>
+              <a:t>11/17/2023</a:t>
             </a:fld>
             <a:endParaRPr lang="en-KR"/>
           </a:p>
@@ -2932,7 +2932,7 @@
           <a:p>
             <a:fld id="{42AB81E2-2E7B-B344-9159-A676E4F74E42}" type="datetimeFigureOut">
               <a:rPr lang="en-KR" smtClean="0"/>
-              <a:t>11/17/23</a:t>
+              <a:t>11/17/2023</a:t>
             </a:fld>
             <a:endParaRPr lang="en-KR"/>
           </a:p>
@@ -3834,8 +3834,8 @@
         </p:nvSpPr>
         <p:spPr>
           <a:xfrm>
-            <a:off x="2812152" y="2644170"/>
-            <a:ext cx="6567695" cy="1569660"/>
+            <a:off x="3087455" y="2172221"/>
+            <a:ext cx="5987921" cy="1569660"/>
           </a:xfrm>
           <a:prstGeom prst="rect">
             <a:avLst/>
@@ -3851,7 +3851,7 @@
             <a:r>
               <a:rPr lang="en-KR" sz="9600" dirty="0">
                 <a:solidFill>
-                  <a:schemeClr val="accent1"/>
+                  <a:srgbClr val="00B0F0"/>
                 </a:solidFill>
                 <a:latin typeface="KoPubWorldBatang Light" pitchFamily="2" charset="-127"/>
                 <a:ea typeface="KoPubWorldBatang Light" pitchFamily="2" charset="-127"/>

--- a/week12/branch.pptx
+++ b/week12/branch.pptx
@@ -114,6 +114,35 @@
 </p:presentation>
 </file>
 
+<file path=ppt/changesInfos/changesInfo1.xml><?xml version="1.0" encoding="utf-8"?>
+<pc:chgInfo xmlns:a="http://schemas.openxmlformats.org/drawingml/2006/main" xmlns:r="http://schemas.openxmlformats.org/officeDocument/2006/relationships" xmlns:ac="http://schemas.microsoft.com/office/drawing/2013/main/command" xmlns:pc="http://schemas.microsoft.com/office/powerpoint/2013/main/command">
+  <pc:docChgLst>
+    <pc:chgData name="석원 이" userId="943373f5eb18bb4d" providerId="LiveId" clId="{AF14C7B9-2573-43FA-BAC0-671681314B73}"/>
+    <pc:docChg chg="modSld">
+      <pc:chgData name="석원 이" userId="943373f5eb18bb4d" providerId="LiveId" clId="{AF14C7B9-2573-43FA-BAC0-671681314B73}" dt="2023-11-17T04:36:13.110" v="18" actId="1076"/>
+      <pc:docMkLst>
+        <pc:docMk/>
+      </pc:docMkLst>
+      <pc:sldChg chg="modSp mod">
+        <pc:chgData name="석원 이" userId="943373f5eb18bb4d" providerId="LiveId" clId="{AF14C7B9-2573-43FA-BAC0-671681314B73}" dt="2023-11-17T04:36:13.110" v="18" actId="1076"/>
+        <pc:sldMkLst>
+          <pc:docMk/>
+          <pc:sldMk cId="2662123001" sldId="258"/>
+        </pc:sldMkLst>
+        <pc:spChg chg="mod">
+          <ac:chgData name="석원 이" userId="943373f5eb18bb4d" providerId="LiveId" clId="{AF14C7B9-2573-43FA-BAC0-671681314B73}" dt="2023-11-17T04:36:13.110" v="18" actId="1076"/>
+          <ac:spMkLst>
+            <pc:docMk/>
+            <pc:sldMk cId="2662123001" sldId="258"/>
+            <ac:spMk id="4" creationId="{13C96ABC-2732-431F-7D9A-8A42EAF4DB7D}"/>
+          </ac:spMkLst>
+        </pc:spChg>
+      </pc:sldChg>
+    </pc:docChg>
+  </pc:docChgLst>
+</pc:chgInfo>
+</file>
+
 <file path=ppt/slideLayouts/slideLayout1.xml><?xml version="1.0" encoding="utf-8"?>
 <p:sldLayout xmlns:a="http://schemas.openxmlformats.org/drawingml/2006/main" xmlns:r="http://schemas.openxmlformats.org/officeDocument/2006/relationships" xmlns:p="http://schemas.openxmlformats.org/presentationml/2006/main" type="title" preserve="1">
   <p:cSld name="Title Slide">
@@ -263,7 +292,7 @@
           <a:p>
             <a:fld id="{42AB81E2-2E7B-B344-9159-A676E4F74E42}" type="datetimeFigureOut">
               <a:rPr lang="en-KR" smtClean="0"/>
-              <a:t>11/17/23</a:t>
+              <a:t>11/17/2023</a:t>
             </a:fld>
             <a:endParaRPr lang="en-KR"/>
           </a:p>
@@ -463,7 +492,7 @@
           <a:p>
             <a:fld id="{42AB81E2-2E7B-B344-9159-A676E4F74E42}" type="datetimeFigureOut">
               <a:rPr lang="en-KR" smtClean="0"/>
-              <a:t>11/17/23</a:t>
+              <a:t>11/17/2023</a:t>
             </a:fld>
             <a:endParaRPr lang="en-KR"/>
           </a:p>
@@ -673,7 +702,7 @@
           <a:p>
             <a:fld id="{42AB81E2-2E7B-B344-9159-A676E4F74E42}" type="datetimeFigureOut">
               <a:rPr lang="en-KR" smtClean="0"/>
-              <a:t>11/17/23</a:t>
+              <a:t>11/17/2023</a:t>
             </a:fld>
             <a:endParaRPr lang="en-KR"/>
           </a:p>
@@ -873,7 +902,7 @@
           <a:p>
             <a:fld id="{42AB81E2-2E7B-B344-9159-A676E4F74E42}" type="datetimeFigureOut">
               <a:rPr lang="en-KR" smtClean="0"/>
-              <a:t>11/17/23</a:t>
+              <a:t>11/17/2023</a:t>
             </a:fld>
             <a:endParaRPr lang="en-KR"/>
           </a:p>
@@ -1149,7 +1178,7 @@
           <a:p>
             <a:fld id="{42AB81E2-2E7B-B344-9159-A676E4F74E42}" type="datetimeFigureOut">
               <a:rPr lang="en-KR" smtClean="0"/>
-              <a:t>11/17/23</a:t>
+              <a:t>11/17/2023</a:t>
             </a:fld>
             <a:endParaRPr lang="en-KR"/>
           </a:p>
@@ -1417,7 +1446,7 @@
           <a:p>
             <a:fld id="{42AB81E2-2E7B-B344-9159-A676E4F74E42}" type="datetimeFigureOut">
               <a:rPr lang="en-KR" smtClean="0"/>
-              <a:t>11/17/23</a:t>
+              <a:t>11/17/2023</a:t>
             </a:fld>
             <a:endParaRPr lang="en-KR"/>
           </a:p>
@@ -1832,7 +1861,7 @@
           <a:p>
             <a:fld id="{42AB81E2-2E7B-B344-9159-A676E4F74E42}" type="datetimeFigureOut">
               <a:rPr lang="en-KR" smtClean="0"/>
-              <a:t>11/17/23</a:t>
+              <a:t>11/17/2023</a:t>
             </a:fld>
             <a:endParaRPr lang="en-KR"/>
           </a:p>
@@ -1974,7 +2003,7 @@
           <a:p>
             <a:fld id="{42AB81E2-2E7B-B344-9159-A676E4F74E42}" type="datetimeFigureOut">
               <a:rPr lang="en-KR" smtClean="0"/>
-              <a:t>11/17/23</a:t>
+              <a:t>11/17/2023</a:t>
             </a:fld>
             <a:endParaRPr lang="en-KR"/>
           </a:p>
@@ -2087,7 +2116,7 @@
           <a:p>
             <a:fld id="{42AB81E2-2E7B-B344-9159-A676E4F74E42}" type="datetimeFigureOut">
               <a:rPr lang="en-KR" smtClean="0"/>
-              <a:t>11/17/23</a:t>
+              <a:t>11/17/2023</a:t>
             </a:fld>
             <a:endParaRPr lang="en-KR"/>
           </a:p>
@@ -2400,7 +2429,7 @@
           <a:p>
             <a:fld id="{42AB81E2-2E7B-B344-9159-A676E4F74E42}" type="datetimeFigureOut">
               <a:rPr lang="en-KR" smtClean="0"/>
-              <a:t>11/17/23</a:t>
+              <a:t>11/17/2023</a:t>
             </a:fld>
             <a:endParaRPr lang="en-KR"/>
           </a:p>
@@ -2689,7 +2718,7 @@
           <a:p>
             <a:fld id="{42AB81E2-2E7B-B344-9159-A676E4F74E42}" type="datetimeFigureOut">
               <a:rPr lang="en-KR" smtClean="0"/>
-              <a:t>11/17/23</a:t>
+              <a:t>11/17/2023</a:t>
             </a:fld>
             <a:endParaRPr lang="en-KR"/>
           </a:p>
@@ -2932,7 +2961,7 @@
           <a:p>
             <a:fld id="{42AB81E2-2E7B-B344-9159-A676E4F74E42}" type="datetimeFigureOut">
               <a:rPr lang="en-KR" smtClean="0"/>
-              <a:t>11/17/23</a:t>
+              <a:t>11/17/2023</a:t>
             </a:fld>
             <a:endParaRPr lang="en-KR"/>
           </a:p>
@@ -3834,8 +3863,8 @@
         </p:nvSpPr>
         <p:spPr>
           <a:xfrm>
-            <a:off x="2812152" y="2644170"/>
-            <a:ext cx="6567695" cy="1569660"/>
+            <a:off x="3102039" y="2644170"/>
+            <a:ext cx="5987921" cy="1569660"/>
           </a:xfrm>
           <a:prstGeom prst="rect">
             <a:avLst/>
@@ -3849,7 +3878,7 @@
           <a:lstStyle/>
           <a:p>
             <a:r>
-              <a:rPr lang="en-KR" sz="9600" dirty="0">
+              <a:rPr lang="en-US" sz="9600" dirty="0">
                 <a:solidFill>
                   <a:schemeClr val="accent1"/>
                 </a:solidFill>
@@ -3859,6 +3888,14 @@
               </a:rPr>
               <a:t>Thank You</a:t>
             </a:r>
+            <a:endParaRPr lang="en-KR" sz="9600" dirty="0">
+              <a:solidFill>
+                <a:schemeClr val="accent1"/>
+              </a:solidFill>
+              <a:latin typeface="KoPubWorldBatang Light" pitchFamily="2" charset="-127"/>
+              <a:ea typeface="KoPubWorldBatang Light" pitchFamily="2" charset="-127"/>
+              <a:cs typeface="KoPubWorldBatang Light" pitchFamily="2" charset="-127"/>
+            </a:endParaRPr>
           </a:p>
         </p:txBody>
       </p:sp>

--- a/week12/branch.pptx
+++ b/week12/branch.pptx
@@ -3842,9 +3842,10 @@
           <a:lstStyle/>
           <a:p>
             <a:r>
-              <a:rPr lang="en-KR" dirty="0"/>
-              <a:t>Thank You</a:t>
-            </a:r>
+              <a:rPr lang="en-KR"/>
+              <a:t>Thank You!!</a:t>
+            </a:r>
+            <a:endParaRPr lang="en-KR" dirty="0"/>
           </a:p>
         </p:txBody>
       </p:sp>

--- a/week12/branch.pptx
+++ b/week12/branch.pptx
@@ -7,6 +7,7 @@
   <p:sldIdLst>
     <p:sldId id="256" r:id="rId2"/>
     <p:sldId id="257" r:id="rId3"/>
+    <p:sldId id="258" r:id="rId4"/>
   </p:sldIdLst>
   <p:sldSz cx="12192000" cy="6858000"/>
   <p:notesSz cx="6858000" cy="9144000"/>
@@ -262,7 +263,7 @@
           <a:p>
             <a:fld id="{42AB81E2-2E7B-B344-9159-A676E4F74E42}" type="datetimeFigureOut">
               <a:rPr lang="en-KR" smtClean="0"/>
-              <a:t>11/16/23</a:t>
+              <a:t>11/17/23</a:t>
             </a:fld>
             <a:endParaRPr lang="en-KR"/>
           </a:p>
@@ -462,7 +463,7 @@
           <a:p>
             <a:fld id="{42AB81E2-2E7B-B344-9159-A676E4F74E42}" type="datetimeFigureOut">
               <a:rPr lang="en-KR" smtClean="0"/>
-              <a:t>11/16/23</a:t>
+              <a:t>11/17/23</a:t>
             </a:fld>
             <a:endParaRPr lang="en-KR"/>
           </a:p>
@@ -672,7 +673,7 @@
           <a:p>
             <a:fld id="{42AB81E2-2E7B-B344-9159-A676E4F74E42}" type="datetimeFigureOut">
               <a:rPr lang="en-KR" smtClean="0"/>
-              <a:t>11/16/23</a:t>
+              <a:t>11/17/23</a:t>
             </a:fld>
             <a:endParaRPr lang="en-KR"/>
           </a:p>
@@ -872,7 +873,7 @@
           <a:p>
             <a:fld id="{42AB81E2-2E7B-B344-9159-A676E4F74E42}" type="datetimeFigureOut">
               <a:rPr lang="en-KR" smtClean="0"/>
-              <a:t>11/16/23</a:t>
+              <a:t>11/17/23</a:t>
             </a:fld>
             <a:endParaRPr lang="en-KR"/>
           </a:p>
@@ -1148,7 +1149,7 @@
           <a:p>
             <a:fld id="{42AB81E2-2E7B-B344-9159-A676E4F74E42}" type="datetimeFigureOut">
               <a:rPr lang="en-KR" smtClean="0"/>
-              <a:t>11/16/23</a:t>
+              <a:t>11/17/23</a:t>
             </a:fld>
             <a:endParaRPr lang="en-KR"/>
           </a:p>
@@ -1416,7 +1417,7 @@
           <a:p>
             <a:fld id="{42AB81E2-2E7B-B344-9159-A676E4F74E42}" type="datetimeFigureOut">
               <a:rPr lang="en-KR" smtClean="0"/>
-              <a:t>11/16/23</a:t>
+              <a:t>11/17/23</a:t>
             </a:fld>
             <a:endParaRPr lang="en-KR"/>
           </a:p>
@@ -1831,7 +1832,7 @@
           <a:p>
             <a:fld id="{42AB81E2-2E7B-B344-9159-A676E4F74E42}" type="datetimeFigureOut">
               <a:rPr lang="en-KR" smtClean="0"/>
-              <a:t>11/16/23</a:t>
+              <a:t>11/17/23</a:t>
             </a:fld>
             <a:endParaRPr lang="en-KR"/>
           </a:p>
@@ -1973,7 +1974,7 @@
           <a:p>
             <a:fld id="{42AB81E2-2E7B-B344-9159-A676E4F74E42}" type="datetimeFigureOut">
               <a:rPr lang="en-KR" smtClean="0"/>
-              <a:t>11/16/23</a:t>
+              <a:t>11/17/23</a:t>
             </a:fld>
             <a:endParaRPr lang="en-KR"/>
           </a:p>
@@ -2086,7 +2087,7 @@
           <a:p>
             <a:fld id="{42AB81E2-2E7B-B344-9159-A676E4F74E42}" type="datetimeFigureOut">
               <a:rPr lang="en-KR" smtClean="0"/>
-              <a:t>11/16/23</a:t>
+              <a:t>11/17/23</a:t>
             </a:fld>
             <a:endParaRPr lang="en-KR"/>
           </a:p>
@@ -2399,7 +2400,7 @@
           <a:p>
             <a:fld id="{42AB81E2-2E7B-B344-9159-A676E4F74E42}" type="datetimeFigureOut">
               <a:rPr lang="en-KR" smtClean="0"/>
-              <a:t>11/16/23</a:t>
+              <a:t>11/17/23</a:t>
             </a:fld>
             <a:endParaRPr lang="en-KR"/>
           </a:p>
@@ -2688,7 +2689,7 @@
           <a:p>
             <a:fld id="{42AB81E2-2E7B-B344-9159-A676E4F74E42}" type="datetimeFigureOut">
               <a:rPr lang="en-KR" smtClean="0"/>
-              <a:t>11/16/23</a:t>
+              <a:t>11/17/23</a:t>
             </a:fld>
             <a:endParaRPr lang="en-KR"/>
           </a:p>
@@ -2931,7 +2932,7 @@
           <a:p>
             <a:fld id="{42AB81E2-2E7B-B344-9159-A676E4F74E42}" type="datetimeFigureOut">
               <a:rPr lang="en-KR" smtClean="0"/>
-              <a:t>11/16/23</a:t>
+              <a:t>11/17/23</a:t>
             </a:fld>
             <a:endParaRPr lang="en-KR"/>
           </a:p>
@@ -3802,6 +3803,83 @@
 </p:sld>
 </file>
 
+<file path=ppt/slides/slide3.xml><?xml version="1.0" encoding="utf-8"?>
+<p:sld xmlns:a="http://schemas.openxmlformats.org/drawingml/2006/main" xmlns:r="http://schemas.openxmlformats.org/officeDocument/2006/relationships" xmlns:p="http://schemas.openxmlformats.org/presentationml/2006/main">
+  <p:cSld>
+    <p:spTree>
+      <p:nvGrpSpPr>
+        <p:cNvPr id="1" name=""/>
+        <p:cNvGrpSpPr/>
+        <p:nvPr/>
+      </p:nvGrpSpPr>
+      <p:grpSpPr>
+        <a:xfrm>
+          <a:off x="0" y="0"/>
+          <a:ext cx="0" cy="0"/>
+          <a:chOff x="0" y="0"/>
+          <a:chExt cx="0" cy="0"/>
+        </a:xfrm>
+      </p:grpSpPr>
+      <p:sp>
+        <p:nvSpPr>
+          <p:cNvPr id="2" name="제목 1">
+            <a:extLst>
+              <a:ext uri="{FF2B5EF4-FFF2-40B4-BE49-F238E27FC236}">
+                <a16:creationId xmlns:a16="http://schemas.microsoft.com/office/drawing/2014/main" id="{82559CDD-A859-A494-D921-0B3E7CD545F2}"/>
+              </a:ext>
+            </a:extLst>
+          </p:cNvPr>
+          <p:cNvSpPr>
+            <a:spLocks noGrp="1"/>
+          </p:cNvSpPr>
+          <p:nvPr>
+            <p:ph type="title"/>
+          </p:nvPr>
+        </p:nvSpPr>
+        <p:spPr>
+          <a:xfrm>
+            <a:off x="838200" y="365125"/>
+            <a:ext cx="10515600" cy="5680075"/>
+          </a:xfrm>
+        </p:spPr>
+        <p:txBody>
+          <a:bodyPr/>
+          <a:lstStyle/>
+          <a:p>
+            <a:pPr algn="ctr"/>
+            <a:r>
+              <a:rPr kumimoji="1" lang="en-US" altLang="ko-KR" b="1" dirty="0">
+                <a:solidFill>
+                  <a:srgbClr val="7030A0"/>
+                </a:solidFill>
+                <a:latin typeface="Nanum Brush Script" panose="03060600000000000000" pitchFamily="66" charset="-127"/>
+                <a:ea typeface="Nanum Brush Script" panose="03060600000000000000" pitchFamily="66" charset="-127"/>
+              </a:rPr>
+              <a:t>Thank you</a:t>
+            </a:r>
+            <a:endParaRPr kumimoji="1" lang="ko-KR" altLang="en-US" b="1" dirty="0">
+              <a:solidFill>
+                <a:srgbClr val="7030A0"/>
+              </a:solidFill>
+              <a:latin typeface="Nanum Brush Script" panose="03060600000000000000" pitchFamily="66" charset="-127"/>
+              <a:ea typeface="Nanum Brush Script" panose="03060600000000000000" pitchFamily="66" charset="-127"/>
+            </a:endParaRPr>
+          </a:p>
+        </p:txBody>
+      </p:sp>
+    </p:spTree>
+    <p:extLst>
+      <p:ext uri="{BB962C8B-B14F-4D97-AF65-F5344CB8AC3E}">
+        <p14:creationId xmlns:p14="http://schemas.microsoft.com/office/powerpoint/2010/main" val="1084730294"/>
+      </p:ext>
+    </p:extLst>
+  </p:cSld>
+  <p:clrMapOvr>
+    <a:masterClrMapping/>
+  </p:clrMapOvr>
+</p:sld>
+</file>
+
 <file path=ppt/theme/theme1.xml><?xml version="1.0" encoding="utf-8"?>
 <a:theme xmlns:a="http://schemas.openxmlformats.org/drawingml/2006/main" name="Office Theme">
   <a:themeElements>

--- a/week12/branch.pptx
+++ b/week12/branch.pptx
@@ -7,6 +7,7 @@
   <p:sldIdLst>
     <p:sldId id="256" r:id="rId2"/>
     <p:sldId id="257" r:id="rId3"/>
+    <p:sldId id="258" r:id="rId4"/>
   </p:sldIdLst>
   <p:sldSz cx="12192000" cy="6858000"/>
   <p:notesSz cx="6858000" cy="9144000"/>
@@ -262,7 +263,7 @@
           <a:p>
             <a:fld id="{42AB81E2-2E7B-B344-9159-A676E4F74E42}" type="datetimeFigureOut">
               <a:rPr lang="en-KR" smtClean="0"/>
-              <a:t>11/16/23</a:t>
+              <a:t>11/17/2023</a:t>
             </a:fld>
             <a:endParaRPr lang="en-KR"/>
           </a:p>
@@ -462,7 +463,7 @@
           <a:p>
             <a:fld id="{42AB81E2-2E7B-B344-9159-A676E4F74E42}" type="datetimeFigureOut">
               <a:rPr lang="en-KR" smtClean="0"/>
-              <a:t>11/16/23</a:t>
+              <a:t>11/17/2023</a:t>
             </a:fld>
             <a:endParaRPr lang="en-KR"/>
           </a:p>
@@ -672,7 +673,7 @@
           <a:p>
             <a:fld id="{42AB81E2-2E7B-B344-9159-A676E4F74E42}" type="datetimeFigureOut">
               <a:rPr lang="en-KR" smtClean="0"/>
-              <a:t>11/16/23</a:t>
+              <a:t>11/17/2023</a:t>
             </a:fld>
             <a:endParaRPr lang="en-KR"/>
           </a:p>
@@ -872,7 +873,7 @@
           <a:p>
             <a:fld id="{42AB81E2-2E7B-B344-9159-A676E4F74E42}" type="datetimeFigureOut">
               <a:rPr lang="en-KR" smtClean="0"/>
-              <a:t>11/16/23</a:t>
+              <a:t>11/17/2023</a:t>
             </a:fld>
             <a:endParaRPr lang="en-KR"/>
           </a:p>
@@ -1148,7 +1149,7 @@
           <a:p>
             <a:fld id="{42AB81E2-2E7B-B344-9159-A676E4F74E42}" type="datetimeFigureOut">
               <a:rPr lang="en-KR" smtClean="0"/>
-              <a:t>11/16/23</a:t>
+              <a:t>11/17/2023</a:t>
             </a:fld>
             <a:endParaRPr lang="en-KR"/>
           </a:p>
@@ -1416,7 +1417,7 @@
           <a:p>
             <a:fld id="{42AB81E2-2E7B-B344-9159-A676E4F74E42}" type="datetimeFigureOut">
               <a:rPr lang="en-KR" smtClean="0"/>
-              <a:t>11/16/23</a:t>
+              <a:t>11/17/2023</a:t>
             </a:fld>
             <a:endParaRPr lang="en-KR"/>
           </a:p>
@@ -1831,7 +1832,7 @@
           <a:p>
             <a:fld id="{42AB81E2-2E7B-B344-9159-A676E4F74E42}" type="datetimeFigureOut">
               <a:rPr lang="en-KR" smtClean="0"/>
-              <a:t>11/16/23</a:t>
+              <a:t>11/17/2023</a:t>
             </a:fld>
             <a:endParaRPr lang="en-KR"/>
           </a:p>
@@ -1973,7 +1974,7 @@
           <a:p>
             <a:fld id="{42AB81E2-2E7B-B344-9159-A676E4F74E42}" type="datetimeFigureOut">
               <a:rPr lang="en-KR" smtClean="0"/>
-              <a:t>11/16/23</a:t>
+              <a:t>11/17/2023</a:t>
             </a:fld>
             <a:endParaRPr lang="en-KR"/>
           </a:p>
@@ -2086,7 +2087,7 @@
           <a:p>
             <a:fld id="{42AB81E2-2E7B-B344-9159-A676E4F74E42}" type="datetimeFigureOut">
               <a:rPr lang="en-KR" smtClean="0"/>
-              <a:t>11/16/23</a:t>
+              <a:t>11/17/2023</a:t>
             </a:fld>
             <a:endParaRPr lang="en-KR"/>
           </a:p>
@@ -2399,7 +2400,7 @@
           <a:p>
             <a:fld id="{42AB81E2-2E7B-B344-9159-A676E4F74E42}" type="datetimeFigureOut">
               <a:rPr lang="en-KR" smtClean="0"/>
-              <a:t>11/16/23</a:t>
+              <a:t>11/17/2023</a:t>
             </a:fld>
             <a:endParaRPr lang="en-KR"/>
           </a:p>
@@ -2688,7 +2689,7 @@
           <a:p>
             <a:fld id="{42AB81E2-2E7B-B344-9159-A676E4F74E42}" type="datetimeFigureOut">
               <a:rPr lang="en-KR" smtClean="0"/>
-              <a:t>11/16/23</a:t>
+              <a:t>11/17/2023</a:t>
             </a:fld>
             <a:endParaRPr lang="en-KR"/>
           </a:p>
@@ -2931,7 +2932,7 @@
           <a:p>
             <a:fld id="{42AB81E2-2E7B-B344-9159-A676E4F74E42}" type="datetimeFigureOut">
               <a:rPr lang="en-KR" smtClean="0"/>
-              <a:t>11/16/23</a:t>
+              <a:t>11/17/2023</a:t>
             </a:fld>
             <a:endParaRPr lang="en-KR"/>
           </a:p>
@@ -3802,6 +3803,95 @@
 </p:sld>
 </file>
 
+<file path=ppt/slides/slide3.xml><?xml version="1.0" encoding="utf-8"?>
+<p:sld xmlns:a="http://schemas.openxmlformats.org/drawingml/2006/main" xmlns:r="http://schemas.openxmlformats.org/officeDocument/2006/relationships" xmlns:p="http://schemas.openxmlformats.org/presentationml/2006/main">
+  <p:cSld>
+    <p:spTree>
+      <p:nvGrpSpPr>
+        <p:cNvPr id="1" name=""/>
+        <p:cNvGrpSpPr/>
+        <p:nvPr/>
+      </p:nvGrpSpPr>
+      <p:grpSpPr>
+        <a:xfrm>
+          <a:off x="0" y="0"/>
+          <a:ext cx="0" cy="0"/>
+          <a:chOff x="0" y="0"/>
+          <a:chExt cx="0" cy="0"/>
+        </a:xfrm>
+      </p:grpSpPr>
+      <p:sp>
+        <p:nvSpPr>
+          <p:cNvPr id="2" name="제목 1">
+            <a:extLst>
+              <a:ext uri="{FF2B5EF4-FFF2-40B4-BE49-F238E27FC236}">
+                <a16:creationId xmlns:a16="http://schemas.microsoft.com/office/drawing/2014/main" id="{E2B4BC08-FD70-A495-1AC0-8E38D20B0372}"/>
+              </a:ext>
+            </a:extLst>
+          </p:cNvPr>
+          <p:cNvSpPr>
+            <a:spLocks noGrp="1"/>
+          </p:cNvSpPr>
+          <p:nvPr>
+            <p:ph type="title"/>
+          </p:nvPr>
+        </p:nvSpPr>
+        <p:spPr/>
+        <p:txBody>
+          <a:bodyPr/>
+          <a:lstStyle/>
+          <a:p>
+            <a:endParaRPr lang="ko-KR" altLang="en-US"/>
+          </a:p>
+        </p:txBody>
+      </p:sp>
+      <p:sp>
+        <p:nvSpPr>
+          <p:cNvPr id="3" name="내용 개체 틀 2">
+            <a:extLst>
+              <a:ext uri="{FF2B5EF4-FFF2-40B4-BE49-F238E27FC236}">
+                <a16:creationId xmlns:a16="http://schemas.microsoft.com/office/drawing/2014/main" id="{C302157C-7722-99C7-1B6B-35B5A79CAD77}"/>
+              </a:ext>
+            </a:extLst>
+          </p:cNvPr>
+          <p:cNvSpPr>
+            <a:spLocks noGrp="1"/>
+          </p:cNvSpPr>
+          <p:nvPr>
+            <p:ph idx="1"/>
+          </p:nvPr>
+        </p:nvSpPr>
+        <p:spPr/>
+        <p:txBody>
+          <a:bodyPr>
+            <a:normAutofit/>
+          </a:bodyPr>
+          <a:lstStyle/>
+          <a:p>
+            <a:pPr marL="0" indent="0" algn="just">
+              <a:buNone/>
+            </a:pPr>
+            <a:r>
+              <a:rPr lang="en-US" altLang="ko-KR" sz="9600" dirty="0"/>
+              <a:t>Thank You</a:t>
+            </a:r>
+            <a:endParaRPr lang="ko-KR" altLang="en-US" sz="9600" dirty="0"/>
+          </a:p>
+        </p:txBody>
+      </p:sp>
+    </p:spTree>
+    <p:extLst>
+      <p:ext uri="{BB962C8B-B14F-4D97-AF65-F5344CB8AC3E}">
+        <p14:creationId xmlns:p14="http://schemas.microsoft.com/office/powerpoint/2010/main" val="245305428"/>
+      </p:ext>
+    </p:extLst>
+  </p:cSld>
+  <p:clrMapOvr>
+    <a:masterClrMapping/>
+  </p:clrMapOvr>
+</p:sld>
+</file>
+
 <file path=ppt/theme/theme1.xml><?xml version="1.0" encoding="utf-8"?>
 <a:theme xmlns:a="http://schemas.openxmlformats.org/drawingml/2006/main" name="Office Theme">
   <a:themeElements>

--- a/week12/branch.pptx
+++ b/week12/branch.pptx
@@ -7,6 +7,7 @@
   <p:sldIdLst>
     <p:sldId id="256" r:id="rId2"/>
     <p:sldId id="257" r:id="rId3"/>
+    <p:sldId id="258" r:id="rId4"/>
   </p:sldIdLst>
   <p:sldSz cx="12192000" cy="6858000"/>
   <p:notesSz cx="6858000" cy="9144000"/>
@@ -262,7 +263,7 @@
           <a:p>
             <a:fld id="{42AB81E2-2E7B-B344-9159-A676E4F74E42}" type="datetimeFigureOut">
               <a:rPr lang="en-KR" smtClean="0"/>
-              <a:t>11/16/23</a:t>
+              <a:t>11/17/2023</a:t>
             </a:fld>
             <a:endParaRPr lang="en-KR"/>
           </a:p>
@@ -462,7 +463,7 @@
           <a:p>
             <a:fld id="{42AB81E2-2E7B-B344-9159-A676E4F74E42}" type="datetimeFigureOut">
               <a:rPr lang="en-KR" smtClean="0"/>
-              <a:t>11/16/23</a:t>
+              <a:t>11/17/2023</a:t>
             </a:fld>
             <a:endParaRPr lang="en-KR"/>
           </a:p>
@@ -672,7 +673,7 @@
           <a:p>
             <a:fld id="{42AB81E2-2E7B-B344-9159-A676E4F74E42}" type="datetimeFigureOut">
               <a:rPr lang="en-KR" smtClean="0"/>
-              <a:t>11/16/23</a:t>
+              <a:t>11/17/2023</a:t>
             </a:fld>
             <a:endParaRPr lang="en-KR"/>
           </a:p>
@@ -872,7 +873,7 @@
           <a:p>
             <a:fld id="{42AB81E2-2E7B-B344-9159-A676E4F74E42}" type="datetimeFigureOut">
               <a:rPr lang="en-KR" smtClean="0"/>
-              <a:t>11/16/23</a:t>
+              <a:t>11/17/2023</a:t>
             </a:fld>
             <a:endParaRPr lang="en-KR"/>
           </a:p>
@@ -1148,7 +1149,7 @@
           <a:p>
             <a:fld id="{42AB81E2-2E7B-B344-9159-A676E4F74E42}" type="datetimeFigureOut">
               <a:rPr lang="en-KR" smtClean="0"/>
-              <a:t>11/16/23</a:t>
+              <a:t>11/17/2023</a:t>
             </a:fld>
             <a:endParaRPr lang="en-KR"/>
           </a:p>
@@ -1416,7 +1417,7 @@
           <a:p>
             <a:fld id="{42AB81E2-2E7B-B344-9159-A676E4F74E42}" type="datetimeFigureOut">
               <a:rPr lang="en-KR" smtClean="0"/>
-              <a:t>11/16/23</a:t>
+              <a:t>11/17/2023</a:t>
             </a:fld>
             <a:endParaRPr lang="en-KR"/>
           </a:p>
@@ -1831,7 +1832,7 @@
           <a:p>
             <a:fld id="{42AB81E2-2E7B-B344-9159-A676E4F74E42}" type="datetimeFigureOut">
               <a:rPr lang="en-KR" smtClean="0"/>
-              <a:t>11/16/23</a:t>
+              <a:t>11/17/2023</a:t>
             </a:fld>
             <a:endParaRPr lang="en-KR"/>
           </a:p>
@@ -1973,7 +1974,7 @@
           <a:p>
             <a:fld id="{42AB81E2-2E7B-B344-9159-A676E4F74E42}" type="datetimeFigureOut">
               <a:rPr lang="en-KR" smtClean="0"/>
-              <a:t>11/16/23</a:t>
+              <a:t>11/17/2023</a:t>
             </a:fld>
             <a:endParaRPr lang="en-KR"/>
           </a:p>
@@ -2086,7 +2087,7 @@
           <a:p>
             <a:fld id="{42AB81E2-2E7B-B344-9159-A676E4F74E42}" type="datetimeFigureOut">
               <a:rPr lang="en-KR" smtClean="0"/>
-              <a:t>11/16/23</a:t>
+              <a:t>11/17/2023</a:t>
             </a:fld>
             <a:endParaRPr lang="en-KR"/>
           </a:p>
@@ -2399,7 +2400,7 @@
           <a:p>
             <a:fld id="{42AB81E2-2E7B-B344-9159-A676E4F74E42}" type="datetimeFigureOut">
               <a:rPr lang="en-KR" smtClean="0"/>
-              <a:t>11/16/23</a:t>
+              <a:t>11/17/2023</a:t>
             </a:fld>
             <a:endParaRPr lang="en-KR"/>
           </a:p>
@@ -2688,7 +2689,7 @@
           <a:p>
             <a:fld id="{42AB81E2-2E7B-B344-9159-A676E4F74E42}" type="datetimeFigureOut">
               <a:rPr lang="en-KR" smtClean="0"/>
-              <a:t>11/16/23</a:t>
+              <a:t>11/17/2023</a:t>
             </a:fld>
             <a:endParaRPr lang="en-KR"/>
           </a:p>
@@ -2931,7 +2932,7 @@
           <a:p>
             <a:fld id="{42AB81E2-2E7B-B344-9159-A676E4F74E42}" type="datetimeFigureOut">
               <a:rPr lang="en-KR" smtClean="0"/>
-              <a:t>11/16/23</a:t>
+              <a:t>11/17/2023</a:t>
             </a:fld>
             <a:endParaRPr lang="en-KR"/>
           </a:p>
@@ -3802,6 +3803,70 @@
 </p:sld>
 </file>
 
+<file path=ppt/slides/slide3.xml><?xml version="1.0" encoding="utf-8"?>
+<p:sld xmlns:a="http://schemas.openxmlformats.org/drawingml/2006/main" xmlns:r="http://schemas.openxmlformats.org/officeDocument/2006/relationships" xmlns:p="http://schemas.openxmlformats.org/presentationml/2006/main">
+  <p:cSld>
+    <p:spTree>
+      <p:nvGrpSpPr>
+        <p:cNvPr id="1" name=""/>
+        <p:cNvGrpSpPr/>
+        <p:nvPr/>
+      </p:nvGrpSpPr>
+      <p:grpSpPr>
+        <a:xfrm>
+          <a:off x="0" y="0"/>
+          <a:ext cx="0" cy="0"/>
+          <a:chOff x="0" y="0"/>
+          <a:chExt cx="0" cy="0"/>
+        </a:xfrm>
+      </p:grpSpPr>
+      <p:sp>
+        <p:nvSpPr>
+          <p:cNvPr id="2" name="제목 1">
+            <a:extLst>
+              <a:ext uri="{FF2B5EF4-FFF2-40B4-BE49-F238E27FC236}">
+                <a16:creationId xmlns:a16="http://schemas.microsoft.com/office/drawing/2014/main" id="{C403ABD2-ACB1-153D-DAEB-88FE3F1884C4}"/>
+              </a:ext>
+            </a:extLst>
+          </p:cNvPr>
+          <p:cNvSpPr>
+            <a:spLocks noGrp="1"/>
+          </p:cNvSpPr>
+          <p:nvPr>
+            <p:ph type="title"/>
+          </p:nvPr>
+        </p:nvSpPr>
+        <p:spPr/>
+        <p:txBody>
+          <a:bodyPr/>
+          <a:lstStyle/>
+          <a:p>
+            <a:pPr algn="ctr"/>
+            <a:r>
+              <a:rPr lang="en-US" altLang="ko-KR" b="1" dirty="0">
+                <a:latin typeface="Agency FB" panose="020B0503020202020204" pitchFamily="34" charset="0"/>
+              </a:rPr>
+              <a:t>Thank you</a:t>
+            </a:r>
+            <a:endParaRPr lang="ko-KR" altLang="en-US" b="1" dirty="0">
+              <a:latin typeface="Agency FB" panose="020B0503020202020204" pitchFamily="34" charset="0"/>
+            </a:endParaRPr>
+          </a:p>
+        </p:txBody>
+      </p:sp>
+    </p:spTree>
+    <p:extLst>
+      <p:ext uri="{BB962C8B-B14F-4D97-AF65-F5344CB8AC3E}">
+        <p14:creationId xmlns:p14="http://schemas.microsoft.com/office/powerpoint/2010/main" val="959282911"/>
+      </p:ext>
+    </p:extLst>
+  </p:cSld>
+  <p:clrMapOvr>
+    <a:masterClrMapping/>
+  </p:clrMapOvr>
+</p:sld>
+</file>
+
 <file path=ppt/theme/theme1.xml><?xml version="1.0" encoding="utf-8"?>
 <a:theme xmlns:a="http://schemas.openxmlformats.org/drawingml/2006/main" name="Office Theme">
   <a:themeElements>

--- a/week12/branch.pptx
+++ b/week12/branch.pptx
@@ -7,6 +7,7 @@
   <p:sldIdLst>
     <p:sldId id="256" r:id="rId2"/>
     <p:sldId id="257" r:id="rId3"/>
+    <p:sldId id="258" r:id="rId4"/>
   </p:sldIdLst>
   <p:sldSz cx="12192000" cy="6858000"/>
   <p:notesSz cx="6858000" cy="9144000"/>
@@ -113,6 +114,35 @@
 </p:presentation>
 </file>
 
+<file path=ppt/changesInfos/changesInfo1.xml><?xml version="1.0" encoding="utf-8"?>
+<pc:chgInfo xmlns:a="http://schemas.openxmlformats.org/drawingml/2006/main" xmlns:r="http://schemas.openxmlformats.org/officeDocument/2006/relationships" xmlns:ac="http://schemas.microsoft.com/office/drawing/2013/main/command" xmlns:pc="http://schemas.microsoft.com/office/powerpoint/2013/main/command">
+  <pc:docChgLst>
+    <pc:chgData name="hwisung1212@naver.com" userId="87adecc8dcb0df5d" providerId="LiveId" clId="{2148158A-62E8-42FD-A6FA-2B865CBCC30B}"/>
+    <pc:docChg chg="addSld modSld">
+      <pc:chgData name="hwisung1212@naver.com" userId="87adecc8dcb0df5d" providerId="LiveId" clId="{2148158A-62E8-42FD-A6FA-2B865CBCC30B}" dt="2023-11-17T06:21:21.176" v="23" actId="20577"/>
+      <pc:docMkLst>
+        <pc:docMk/>
+      </pc:docMkLst>
+      <pc:sldChg chg="modSp new mod">
+        <pc:chgData name="hwisung1212@naver.com" userId="87adecc8dcb0df5d" providerId="LiveId" clId="{2148158A-62E8-42FD-A6FA-2B865CBCC30B}" dt="2023-11-17T06:21:21.176" v="23" actId="20577"/>
+        <pc:sldMkLst>
+          <pc:docMk/>
+          <pc:sldMk cId="1429798235" sldId="258"/>
+        </pc:sldMkLst>
+        <pc:spChg chg="mod">
+          <ac:chgData name="hwisung1212@naver.com" userId="87adecc8dcb0df5d" providerId="LiveId" clId="{2148158A-62E8-42FD-A6FA-2B865CBCC30B}" dt="2023-11-17T06:21:21.176" v="23" actId="20577"/>
+          <ac:spMkLst>
+            <pc:docMk/>
+            <pc:sldMk cId="1429798235" sldId="258"/>
+            <ac:spMk id="3" creationId="{7BA901DB-E359-994C-C305-3EFB971572CF}"/>
+          </ac:spMkLst>
+        </pc:spChg>
+      </pc:sldChg>
+    </pc:docChg>
+  </pc:docChgLst>
+</pc:chgInfo>
+</file>
+
 <file path=ppt/slideLayouts/slideLayout1.xml><?xml version="1.0" encoding="utf-8"?>
 <p:sldLayout xmlns:a="http://schemas.openxmlformats.org/drawingml/2006/main" xmlns:r="http://schemas.openxmlformats.org/officeDocument/2006/relationships" xmlns:p="http://schemas.openxmlformats.org/presentationml/2006/main" type="title" preserve="1">
   <p:cSld name="Title Slide">
@@ -262,7 +292,7 @@
           <a:p>
             <a:fld id="{42AB81E2-2E7B-B344-9159-A676E4F74E42}" type="datetimeFigureOut">
               <a:rPr lang="en-KR" smtClean="0"/>
-              <a:t>11/16/23</a:t>
+              <a:t>11/17/2023</a:t>
             </a:fld>
             <a:endParaRPr lang="en-KR"/>
           </a:p>
@@ -462,7 +492,7 @@
           <a:p>
             <a:fld id="{42AB81E2-2E7B-B344-9159-A676E4F74E42}" type="datetimeFigureOut">
               <a:rPr lang="en-KR" smtClean="0"/>
-              <a:t>11/16/23</a:t>
+              <a:t>11/17/2023</a:t>
             </a:fld>
             <a:endParaRPr lang="en-KR"/>
           </a:p>
@@ -672,7 +702,7 @@
           <a:p>
             <a:fld id="{42AB81E2-2E7B-B344-9159-A676E4F74E42}" type="datetimeFigureOut">
               <a:rPr lang="en-KR" smtClean="0"/>
-              <a:t>11/16/23</a:t>
+              <a:t>11/17/2023</a:t>
             </a:fld>
             <a:endParaRPr lang="en-KR"/>
           </a:p>
@@ -872,7 +902,7 @@
           <a:p>
             <a:fld id="{42AB81E2-2E7B-B344-9159-A676E4F74E42}" type="datetimeFigureOut">
               <a:rPr lang="en-KR" smtClean="0"/>
-              <a:t>11/16/23</a:t>
+              <a:t>11/17/2023</a:t>
             </a:fld>
             <a:endParaRPr lang="en-KR"/>
           </a:p>
@@ -1148,7 +1178,7 @@
           <a:p>
             <a:fld id="{42AB81E2-2E7B-B344-9159-A676E4F74E42}" type="datetimeFigureOut">
               <a:rPr lang="en-KR" smtClean="0"/>
-              <a:t>11/16/23</a:t>
+              <a:t>11/17/2023</a:t>
             </a:fld>
             <a:endParaRPr lang="en-KR"/>
           </a:p>
@@ -1416,7 +1446,7 @@
           <a:p>
             <a:fld id="{42AB81E2-2E7B-B344-9159-A676E4F74E42}" type="datetimeFigureOut">
               <a:rPr lang="en-KR" smtClean="0"/>
-              <a:t>11/16/23</a:t>
+              <a:t>11/17/2023</a:t>
             </a:fld>
             <a:endParaRPr lang="en-KR"/>
           </a:p>
@@ -1831,7 +1861,7 @@
           <a:p>
             <a:fld id="{42AB81E2-2E7B-B344-9159-A676E4F74E42}" type="datetimeFigureOut">
               <a:rPr lang="en-KR" smtClean="0"/>
-              <a:t>11/16/23</a:t>
+              <a:t>11/17/2023</a:t>
             </a:fld>
             <a:endParaRPr lang="en-KR"/>
           </a:p>
@@ -1973,7 +2003,7 @@
           <a:p>
             <a:fld id="{42AB81E2-2E7B-B344-9159-A676E4F74E42}" type="datetimeFigureOut">
               <a:rPr lang="en-KR" smtClean="0"/>
-              <a:t>11/16/23</a:t>
+              <a:t>11/17/2023</a:t>
             </a:fld>
             <a:endParaRPr lang="en-KR"/>
           </a:p>
@@ -2086,7 +2116,7 @@
           <a:p>
             <a:fld id="{42AB81E2-2E7B-B344-9159-A676E4F74E42}" type="datetimeFigureOut">
               <a:rPr lang="en-KR" smtClean="0"/>
-              <a:t>11/16/23</a:t>
+              <a:t>11/17/2023</a:t>
             </a:fld>
             <a:endParaRPr lang="en-KR"/>
           </a:p>
@@ -2399,7 +2429,7 @@
           <a:p>
             <a:fld id="{42AB81E2-2E7B-B344-9159-A676E4F74E42}" type="datetimeFigureOut">
               <a:rPr lang="en-KR" smtClean="0"/>
-              <a:t>11/16/23</a:t>
+              <a:t>11/17/2023</a:t>
             </a:fld>
             <a:endParaRPr lang="en-KR"/>
           </a:p>
@@ -2688,7 +2718,7 @@
           <a:p>
             <a:fld id="{42AB81E2-2E7B-B344-9159-A676E4F74E42}" type="datetimeFigureOut">
               <a:rPr lang="en-KR" smtClean="0"/>
-              <a:t>11/16/23</a:t>
+              <a:t>11/17/2023</a:t>
             </a:fld>
             <a:endParaRPr lang="en-KR"/>
           </a:p>
@@ -2931,7 +2961,7 @@
           <a:p>
             <a:fld id="{42AB81E2-2E7B-B344-9159-A676E4F74E42}" type="datetimeFigureOut">
               <a:rPr lang="en-KR" smtClean="0"/>
-              <a:t>11/16/23</a:t>
+              <a:t>11/17/2023</a:t>
             </a:fld>
             <a:endParaRPr lang="en-KR"/>
           </a:p>
@@ -3802,6 +3832,90 @@
 </p:sld>
 </file>
 
+<file path=ppt/slides/slide3.xml><?xml version="1.0" encoding="utf-8"?>
+<p:sld xmlns:a="http://schemas.openxmlformats.org/drawingml/2006/main" xmlns:r="http://schemas.openxmlformats.org/officeDocument/2006/relationships" xmlns:p="http://schemas.openxmlformats.org/presentationml/2006/main">
+  <p:cSld>
+    <p:spTree>
+      <p:nvGrpSpPr>
+        <p:cNvPr id="1" name=""/>
+        <p:cNvGrpSpPr/>
+        <p:nvPr/>
+      </p:nvGrpSpPr>
+      <p:grpSpPr>
+        <a:xfrm>
+          <a:off x="0" y="0"/>
+          <a:ext cx="0" cy="0"/>
+          <a:chOff x="0" y="0"/>
+          <a:chExt cx="0" cy="0"/>
+        </a:xfrm>
+      </p:grpSpPr>
+      <p:sp>
+        <p:nvSpPr>
+          <p:cNvPr id="2" name="제목 1">
+            <a:extLst>
+              <a:ext uri="{FF2B5EF4-FFF2-40B4-BE49-F238E27FC236}">
+                <a16:creationId xmlns:a16="http://schemas.microsoft.com/office/drawing/2014/main" id="{52083074-8CC6-19DD-A7D2-07713AEAE50E}"/>
+              </a:ext>
+            </a:extLst>
+          </p:cNvPr>
+          <p:cNvSpPr>
+            <a:spLocks noGrp="1"/>
+          </p:cNvSpPr>
+          <p:nvPr>
+            <p:ph type="title"/>
+          </p:nvPr>
+        </p:nvSpPr>
+        <p:spPr/>
+        <p:txBody>
+          <a:bodyPr/>
+          <a:lstStyle/>
+          <a:p>
+            <a:endParaRPr lang="ko-KR" altLang="en-US" dirty="0"/>
+          </a:p>
+        </p:txBody>
+      </p:sp>
+      <p:sp>
+        <p:nvSpPr>
+          <p:cNvPr id="3" name="내용 개체 틀 2">
+            <a:extLst>
+              <a:ext uri="{FF2B5EF4-FFF2-40B4-BE49-F238E27FC236}">
+                <a16:creationId xmlns:a16="http://schemas.microsoft.com/office/drawing/2014/main" id="{7BA901DB-E359-994C-C305-3EFB971572CF}"/>
+              </a:ext>
+            </a:extLst>
+          </p:cNvPr>
+          <p:cNvSpPr>
+            <a:spLocks noGrp="1"/>
+          </p:cNvSpPr>
+          <p:nvPr>
+            <p:ph idx="1"/>
+          </p:nvPr>
+        </p:nvSpPr>
+        <p:spPr/>
+        <p:txBody>
+          <a:bodyPr/>
+          <a:lstStyle/>
+          <a:p>
+            <a:r>
+              <a:rPr lang="en-US" altLang="ko-KR" dirty="0"/>
+              <a:t>THANK YOU</a:t>
+            </a:r>
+            <a:endParaRPr lang="ko-KR" altLang="en-US" dirty="0"/>
+          </a:p>
+        </p:txBody>
+      </p:sp>
+    </p:spTree>
+    <p:extLst>
+      <p:ext uri="{BB962C8B-B14F-4D97-AF65-F5344CB8AC3E}">
+        <p14:creationId xmlns:p14="http://schemas.microsoft.com/office/powerpoint/2010/main" val="1429798235"/>
+      </p:ext>
+    </p:extLst>
+  </p:cSld>
+  <p:clrMapOvr>
+    <a:masterClrMapping/>
+  </p:clrMapOvr>
+</p:sld>
+</file>
+
 <file path=ppt/theme/theme1.xml><?xml version="1.0" encoding="utf-8"?>
 <a:theme xmlns:a="http://schemas.openxmlformats.org/drawingml/2006/main" name="Office Theme">
   <a:themeElements>

--- a/week12/branch.pptx
+++ b/week12/branch.pptx
@@ -7,6 +7,7 @@
   <p:sldIdLst>
     <p:sldId id="256" r:id="rId2"/>
     <p:sldId id="257" r:id="rId3"/>
+    <p:sldId id="258" r:id="rId4"/>
   </p:sldIdLst>
   <p:sldSz cx="12192000" cy="6858000"/>
   <p:notesSz cx="6858000" cy="9144000"/>
@@ -262,7 +263,7 @@
           <a:p>
             <a:fld id="{42AB81E2-2E7B-B344-9159-A676E4F74E42}" type="datetimeFigureOut">
               <a:rPr lang="en-KR" smtClean="0"/>
-              <a:t>11/16/23</a:t>
+              <a:t>11/17/2023</a:t>
             </a:fld>
             <a:endParaRPr lang="en-KR"/>
           </a:p>
@@ -462,7 +463,7 @@
           <a:p>
             <a:fld id="{42AB81E2-2E7B-B344-9159-A676E4F74E42}" type="datetimeFigureOut">
               <a:rPr lang="en-KR" smtClean="0"/>
-              <a:t>11/16/23</a:t>
+              <a:t>11/17/2023</a:t>
             </a:fld>
             <a:endParaRPr lang="en-KR"/>
           </a:p>
@@ -672,7 +673,7 @@
           <a:p>
             <a:fld id="{42AB81E2-2E7B-B344-9159-A676E4F74E42}" type="datetimeFigureOut">
               <a:rPr lang="en-KR" smtClean="0"/>
-              <a:t>11/16/23</a:t>
+              <a:t>11/17/2023</a:t>
             </a:fld>
             <a:endParaRPr lang="en-KR"/>
           </a:p>
@@ -872,7 +873,7 @@
           <a:p>
             <a:fld id="{42AB81E2-2E7B-B344-9159-A676E4F74E42}" type="datetimeFigureOut">
               <a:rPr lang="en-KR" smtClean="0"/>
-              <a:t>11/16/23</a:t>
+              <a:t>11/17/2023</a:t>
             </a:fld>
             <a:endParaRPr lang="en-KR"/>
           </a:p>
@@ -1148,7 +1149,7 @@
           <a:p>
             <a:fld id="{42AB81E2-2E7B-B344-9159-A676E4F74E42}" type="datetimeFigureOut">
               <a:rPr lang="en-KR" smtClean="0"/>
-              <a:t>11/16/23</a:t>
+              <a:t>11/17/2023</a:t>
             </a:fld>
             <a:endParaRPr lang="en-KR"/>
           </a:p>
@@ -1416,7 +1417,7 @@
           <a:p>
             <a:fld id="{42AB81E2-2E7B-B344-9159-A676E4F74E42}" type="datetimeFigureOut">
               <a:rPr lang="en-KR" smtClean="0"/>
-              <a:t>11/16/23</a:t>
+              <a:t>11/17/2023</a:t>
             </a:fld>
             <a:endParaRPr lang="en-KR"/>
           </a:p>
@@ -1831,7 +1832,7 @@
           <a:p>
             <a:fld id="{42AB81E2-2E7B-B344-9159-A676E4F74E42}" type="datetimeFigureOut">
               <a:rPr lang="en-KR" smtClean="0"/>
-              <a:t>11/16/23</a:t>
+              <a:t>11/17/2023</a:t>
             </a:fld>
             <a:endParaRPr lang="en-KR"/>
           </a:p>
@@ -1973,7 +1974,7 @@
           <a:p>
             <a:fld id="{42AB81E2-2E7B-B344-9159-A676E4F74E42}" type="datetimeFigureOut">
               <a:rPr lang="en-KR" smtClean="0"/>
-              <a:t>11/16/23</a:t>
+              <a:t>11/17/2023</a:t>
             </a:fld>
             <a:endParaRPr lang="en-KR"/>
           </a:p>
@@ -2086,7 +2087,7 @@
           <a:p>
             <a:fld id="{42AB81E2-2E7B-B344-9159-A676E4F74E42}" type="datetimeFigureOut">
               <a:rPr lang="en-KR" smtClean="0"/>
-              <a:t>11/16/23</a:t>
+              <a:t>11/17/2023</a:t>
             </a:fld>
             <a:endParaRPr lang="en-KR"/>
           </a:p>
@@ -2399,7 +2400,7 @@
           <a:p>
             <a:fld id="{42AB81E2-2E7B-B344-9159-A676E4F74E42}" type="datetimeFigureOut">
               <a:rPr lang="en-KR" smtClean="0"/>
-              <a:t>11/16/23</a:t>
+              <a:t>11/17/2023</a:t>
             </a:fld>
             <a:endParaRPr lang="en-KR"/>
           </a:p>
@@ -2688,7 +2689,7 @@
           <a:p>
             <a:fld id="{42AB81E2-2E7B-B344-9159-A676E4F74E42}" type="datetimeFigureOut">
               <a:rPr lang="en-KR" smtClean="0"/>
-              <a:t>11/16/23</a:t>
+              <a:t>11/17/2023</a:t>
             </a:fld>
             <a:endParaRPr lang="en-KR"/>
           </a:p>
@@ -2931,7 +2932,7 @@
           <a:p>
             <a:fld id="{42AB81E2-2E7B-B344-9159-A676E4F74E42}" type="datetimeFigureOut">
               <a:rPr lang="en-KR" smtClean="0"/>
-              <a:t>11/16/23</a:t>
+              <a:t>11/17/2023</a:t>
             </a:fld>
             <a:endParaRPr lang="en-KR"/>
           </a:p>
@@ -3802,6 +3803,72 @@
 </p:sld>
 </file>
 
+<file path=ppt/slides/slide3.xml><?xml version="1.0" encoding="utf-8"?>
+<p:sld xmlns:a="http://schemas.openxmlformats.org/drawingml/2006/main" xmlns:r="http://schemas.openxmlformats.org/officeDocument/2006/relationships" xmlns:p="http://schemas.openxmlformats.org/presentationml/2006/main">
+  <p:cSld>
+    <p:spTree>
+      <p:nvGrpSpPr>
+        <p:cNvPr id="1" name=""/>
+        <p:cNvGrpSpPr/>
+        <p:nvPr/>
+      </p:nvGrpSpPr>
+      <p:grpSpPr>
+        <a:xfrm>
+          <a:off x="0" y="0"/>
+          <a:ext cx="0" cy="0"/>
+          <a:chOff x="0" y="0"/>
+          <a:chExt cx="0" cy="0"/>
+        </a:xfrm>
+      </p:grpSpPr>
+      <p:sp>
+        <p:nvSpPr>
+          <p:cNvPr id="6" name="TextBox 5">
+            <a:extLst>
+              <a:ext uri="{FF2B5EF4-FFF2-40B4-BE49-F238E27FC236}">
+                <a16:creationId xmlns:a16="http://schemas.microsoft.com/office/drawing/2014/main" id="{98649723-72CE-430B-BCCC-259749BF9042}"/>
+              </a:ext>
+            </a:extLst>
+          </p:cNvPr>
+          <p:cNvSpPr txBox="1"/>
+          <p:nvPr/>
+        </p:nvSpPr>
+        <p:spPr>
+          <a:xfrm>
+            <a:off x="3916680" y="2569755"/>
+            <a:ext cx="4057906" cy="1200329"/>
+          </a:xfrm>
+          <a:prstGeom prst="rect">
+            <a:avLst/>
+          </a:prstGeom>
+          <a:noFill/>
+        </p:spPr>
+        <p:txBody>
+          <a:bodyPr wrap="none" rtlCol="0">
+            <a:spAutoFit/>
+          </a:bodyPr>
+          <a:lstStyle/>
+          <a:p>
+            <a:r>
+              <a:rPr lang="en-US" altLang="ko-KR" sz="7200" dirty="0"/>
+              <a:t>Thank you</a:t>
+            </a:r>
+            <a:endParaRPr lang="ko-KR" altLang="en-US" sz="7200" dirty="0"/>
+          </a:p>
+        </p:txBody>
+      </p:sp>
+    </p:spTree>
+    <p:extLst>
+      <p:ext uri="{BB962C8B-B14F-4D97-AF65-F5344CB8AC3E}">
+        <p14:creationId xmlns:p14="http://schemas.microsoft.com/office/powerpoint/2010/main" val="1999388311"/>
+      </p:ext>
+    </p:extLst>
+  </p:cSld>
+  <p:clrMapOvr>
+    <a:masterClrMapping/>
+  </p:clrMapOvr>
+</p:sld>
+</file>
+
 <file path=ppt/theme/theme1.xml><?xml version="1.0" encoding="utf-8"?>
 <a:theme xmlns:a="http://schemas.openxmlformats.org/drawingml/2006/main" name="Office Theme">
   <a:themeElements>

--- a/week12/branch.pptx
+++ b/week12/branch.pptx
@@ -7,6 +7,7 @@
   <p:sldIdLst>
     <p:sldId id="256" r:id="rId2"/>
     <p:sldId id="257" r:id="rId3"/>
+    <p:sldId id="258" r:id="rId4"/>
   </p:sldIdLst>
   <p:sldSz cx="12192000" cy="6858000"/>
   <p:notesSz cx="6858000" cy="9144000"/>
@@ -113,6 +114,59 @@
 </p:presentation>
 </file>
 
+<file path=ppt/revisionInfo.xml><?xml version="1.0" encoding="utf-8"?>
+<p1510:revInfo xmlns:a="http://schemas.openxmlformats.org/drawingml/2006/main" xmlns:r="http://schemas.openxmlformats.org/officeDocument/2006/relationships" xmlns:p1510="http://schemas.microsoft.com/office/powerpoint/2015/10/main">
+  <p1510:revLst>
+    <p1510:client id="{ACC1C759-F628-4351-B6CF-BE42E0643255}" v="1" dt="2023-11-17T06:23:34.075"/>
+  </p1510:revLst>
+</p1510:revInfo>
+</file>
+
+<file path=ppt/changesInfos/changesInfo1.xml><?xml version="1.0" encoding="utf-8"?>
+<pc:chgInfo xmlns:a="http://schemas.openxmlformats.org/drawingml/2006/main" xmlns:r="http://schemas.openxmlformats.org/officeDocument/2006/relationships" xmlns:ac="http://schemas.microsoft.com/office/drawing/2013/main/command" xmlns:pc="http://schemas.microsoft.com/office/powerpoint/2013/main/command">
+  <pc:docChgLst>
+    <pc:chgData name="윤선 박" userId="013327c2e8d99f95" providerId="LiveId" clId="{ACC1C759-F628-4351-B6CF-BE42E0643255}"/>
+    <pc:docChg chg="addSld modSld">
+      <pc:chgData name="윤선 박" userId="013327c2e8d99f95" providerId="LiveId" clId="{ACC1C759-F628-4351-B6CF-BE42E0643255}" dt="2023-11-17T06:23:43.960" v="18" actId="1076"/>
+      <pc:docMkLst>
+        <pc:docMk/>
+      </pc:docMkLst>
+      <pc:sldChg chg="addSp delSp modSp new mod">
+        <pc:chgData name="윤선 박" userId="013327c2e8d99f95" providerId="LiveId" clId="{ACC1C759-F628-4351-B6CF-BE42E0643255}" dt="2023-11-17T06:23:43.960" v="18" actId="1076"/>
+        <pc:sldMkLst>
+          <pc:docMk/>
+          <pc:sldMk cId="3488202187" sldId="258"/>
+        </pc:sldMkLst>
+        <pc:spChg chg="mod">
+          <ac:chgData name="윤선 박" userId="013327c2e8d99f95" providerId="LiveId" clId="{ACC1C759-F628-4351-B6CF-BE42E0643255}" dt="2023-11-17T06:23:43.960" v="18" actId="1076"/>
+          <ac:spMkLst>
+            <pc:docMk/>
+            <pc:sldMk cId="3488202187" sldId="258"/>
+            <ac:spMk id="2" creationId="{CED92DEB-7491-20C0-8CE5-3BAC24090B87}"/>
+          </ac:spMkLst>
+        </pc:spChg>
+        <pc:spChg chg="del">
+          <ac:chgData name="윤선 박" userId="013327c2e8d99f95" providerId="LiveId" clId="{ACC1C759-F628-4351-B6CF-BE42E0643255}" dt="2023-11-17T06:23:34.075" v="14"/>
+          <ac:spMkLst>
+            <pc:docMk/>
+            <pc:sldMk cId="3488202187" sldId="258"/>
+            <ac:spMk id="3" creationId="{A168069F-EFB4-9878-908B-2928B9096741}"/>
+          </ac:spMkLst>
+        </pc:spChg>
+        <pc:picChg chg="add mod">
+          <ac:chgData name="윤선 박" userId="013327c2e8d99f95" providerId="LiveId" clId="{ACC1C759-F628-4351-B6CF-BE42E0643255}" dt="2023-11-17T06:23:37.778" v="16" actId="27614"/>
+          <ac:picMkLst>
+            <pc:docMk/>
+            <pc:sldMk cId="3488202187" sldId="258"/>
+            <ac:picMk id="5" creationId="{55002A0B-B557-B351-3BEF-51C4288AD281}"/>
+          </ac:picMkLst>
+        </pc:picChg>
+      </pc:sldChg>
+    </pc:docChg>
+  </pc:docChgLst>
+</pc:chgInfo>
+</file>
+
 <file path=ppt/slideLayouts/slideLayout1.xml><?xml version="1.0" encoding="utf-8"?>
 <p:sldLayout xmlns:a="http://schemas.openxmlformats.org/drawingml/2006/main" xmlns:r="http://schemas.openxmlformats.org/officeDocument/2006/relationships" xmlns:p="http://schemas.openxmlformats.org/presentationml/2006/main" type="title" preserve="1">
   <p:cSld name="Title Slide">
@@ -262,7 +316,7 @@
           <a:p>
             <a:fld id="{42AB81E2-2E7B-B344-9159-A676E4F74E42}" type="datetimeFigureOut">
               <a:rPr lang="en-KR" smtClean="0"/>
-              <a:t>11/16/23</a:t>
+              <a:t>11/17/2023</a:t>
             </a:fld>
             <a:endParaRPr lang="en-KR"/>
           </a:p>
@@ -462,7 +516,7 @@
           <a:p>
             <a:fld id="{42AB81E2-2E7B-B344-9159-A676E4F74E42}" type="datetimeFigureOut">
               <a:rPr lang="en-KR" smtClean="0"/>
-              <a:t>11/16/23</a:t>
+              <a:t>11/17/2023</a:t>
             </a:fld>
             <a:endParaRPr lang="en-KR"/>
           </a:p>
@@ -672,7 +726,7 @@
           <a:p>
             <a:fld id="{42AB81E2-2E7B-B344-9159-A676E4F74E42}" type="datetimeFigureOut">
               <a:rPr lang="en-KR" smtClean="0"/>
-              <a:t>11/16/23</a:t>
+              <a:t>11/17/2023</a:t>
             </a:fld>
             <a:endParaRPr lang="en-KR"/>
           </a:p>
@@ -872,7 +926,7 @@
           <a:p>
             <a:fld id="{42AB81E2-2E7B-B344-9159-A676E4F74E42}" type="datetimeFigureOut">
               <a:rPr lang="en-KR" smtClean="0"/>
-              <a:t>11/16/23</a:t>
+              <a:t>11/17/2023</a:t>
             </a:fld>
             <a:endParaRPr lang="en-KR"/>
           </a:p>
@@ -1148,7 +1202,7 @@
           <a:p>
             <a:fld id="{42AB81E2-2E7B-B344-9159-A676E4F74E42}" type="datetimeFigureOut">
               <a:rPr lang="en-KR" smtClean="0"/>
-              <a:t>11/16/23</a:t>
+              <a:t>11/17/2023</a:t>
             </a:fld>
             <a:endParaRPr lang="en-KR"/>
           </a:p>
@@ -1416,7 +1470,7 @@
           <a:p>
             <a:fld id="{42AB81E2-2E7B-B344-9159-A676E4F74E42}" type="datetimeFigureOut">
               <a:rPr lang="en-KR" smtClean="0"/>
-              <a:t>11/16/23</a:t>
+              <a:t>11/17/2023</a:t>
             </a:fld>
             <a:endParaRPr lang="en-KR"/>
           </a:p>
@@ -1831,7 +1885,7 @@
           <a:p>
             <a:fld id="{42AB81E2-2E7B-B344-9159-A676E4F74E42}" type="datetimeFigureOut">
               <a:rPr lang="en-KR" smtClean="0"/>
-              <a:t>11/16/23</a:t>
+              <a:t>11/17/2023</a:t>
             </a:fld>
             <a:endParaRPr lang="en-KR"/>
           </a:p>
@@ -1973,7 +2027,7 @@
           <a:p>
             <a:fld id="{42AB81E2-2E7B-B344-9159-A676E4F74E42}" type="datetimeFigureOut">
               <a:rPr lang="en-KR" smtClean="0"/>
-              <a:t>11/16/23</a:t>
+              <a:t>11/17/2023</a:t>
             </a:fld>
             <a:endParaRPr lang="en-KR"/>
           </a:p>
@@ -2086,7 +2140,7 @@
           <a:p>
             <a:fld id="{42AB81E2-2E7B-B344-9159-A676E4F74E42}" type="datetimeFigureOut">
               <a:rPr lang="en-KR" smtClean="0"/>
-              <a:t>11/16/23</a:t>
+              <a:t>11/17/2023</a:t>
             </a:fld>
             <a:endParaRPr lang="en-KR"/>
           </a:p>
@@ -2399,7 +2453,7 @@
           <a:p>
             <a:fld id="{42AB81E2-2E7B-B344-9159-A676E4F74E42}" type="datetimeFigureOut">
               <a:rPr lang="en-KR" smtClean="0"/>
-              <a:t>11/16/23</a:t>
+              <a:t>11/17/2023</a:t>
             </a:fld>
             <a:endParaRPr lang="en-KR"/>
           </a:p>
@@ -2688,7 +2742,7 @@
           <a:p>
             <a:fld id="{42AB81E2-2E7B-B344-9159-A676E4F74E42}" type="datetimeFigureOut">
               <a:rPr lang="en-KR" smtClean="0"/>
-              <a:t>11/16/23</a:t>
+              <a:t>11/17/2023</a:t>
             </a:fld>
             <a:endParaRPr lang="en-KR"/>
           </a:p>
@@ -2931,7 +2985,7 @@
           <a:p>
             <a:fld id="{42AB81E2-2E7B-B344-9159-A676E4F74E42}" type="datetimeFigureOut">
               <a:rPr lang="en-KR" smtClean="0"/>
-              <a:t>11/16/23</a:t>
+              <a:t>11/17/2023</a:t>
             </a:fld>
             <a:endParaRPr lang="en-KR"/>
           </a:p>
@@ -3802,6 +3856,99 @@
 </p:sld>
 </file>
 
+<file path=ppt/slides/slide3.xml><?xml version="1.0" encoding="utf-8"?>
+<p:sld xmlns:a="http://schemas.openxmlformats.org/drawingml/2006/main" xmlns:r="http://schemas.openxmlformats.org/officeDocument/2006/relationships" xmlns:p="http://schemas.openxmlformats.org/presentationml/2006/main">
+  <p:cSld>
+    <p:spTree>
+      <p:nvGrpSpPr>
+        <p:cNvPr id="1" name=""/>
+        <p:cNvGrpSpPr/>
+        <p:nvPr/>
+      </p:nvGrpSpPr>
+      <p:grpSpPr>
+        <a:xfrm>
+          <a:off x="0" y="0"/>
+          <a:ext cx="0" cy="0"/>
+          <a:chOff x="0" y="0"/>
+          <a:chExt cx="0" cy="0"/>
+        </a:xfrm>
+      </p:grpSpPr>
+      <p:sp>
+        <p:nvSpPr>
+          <p:cNvPr id="2" name="제목 1">
+            <a:extLst>
+              <a:ext uri="{FF2B5EF4-FFF2-40B4-BE49-F238E27FC236}">
+                <a16:creationId xmlns:a16="http://schemas.microsoft.com/office/drawing/2014/main" id="{CED92DEB-7491-20C0-8CE5-3BAC24090B87}"/>
+              </a:ext>
+            </a:extLst>
+          </p:cNvPr>
+          <p:cNvSpPr>
+            <a:spLocks noGrp="1"/>
+          </p:cNvSpPr>
+          <p:nvPr>
+            <p:ph type="title"/>
+          </p:nvPr>
+        </p:nvSpPr>
+        <p:spPr>
+          <a:xfrm>
+            <a:off x="4387312" y="365125"/>
+            <a:ext cx="10515600" cy="1325563"/>
+          </a:xfrm>
+        </p:spPr>
+        <p:txBody>
+          <a:bodyPr/>
+          <a:lstStyle/>
+          <a:p>
+            <a:r>
+              <a:rPr lang="en-US" altLang="ko-KR" dirty="0"/>
+              <a:t>Thank you</a:t>
+            </a:r>
+            <a:endParaRPr lang="ko-KR" altLang="en-US" dirty="0"/>
+          </a:p>
+        </p:txBody>
+      </p:sp>
+      <p:pic>
+        <p:nvPicPr>
+          <p:cNvPr id="5" name="내용 개체 틀 4" descr="자동차, 만화 영화, 고양이이(가) 표시된 사진&#10;&#10;자동 생성된 설명">
+            <a:extLst>
+              <a:ext uri="{FF2B5EF4-FFF2-40B4-BE49-F238E27FC236}">
+                <a16:creationId xmlns:a16="http://schemas.microsoft.com/office/drawing/2014/main" id="{55002A0B-B557-B351-3BEF-51C4288AD281}"/>
+              </a:ext>
+            </a:extLst>
+          </p:cNvPr>
+          <p:cNvPicPr>
+            <a:picLocks noGrp="1" noChangeAspect="1"/>
+          </p:cNvPicPr>
+          <p:nvPr>
+            <p:ph idx="1"/>
+          </p:nvPr>
+        </p:nvPicPr>
+        <p:blipFill>
+          <a:blip r:embed="rId2"/>
+          <a:stretch>
+            <a:fillRect/>
+          </a:stretch>
+        </p:blipFill>
+        <p:spPr>
+          <a:xfrm>
+            <a:off x="3195108" y="1690688"/>
+            <a:ext cx="5801784" cy="4351338"/>
+          </a:xfrm>
+        </p:spPr>
+      </p:pic>
+    </p:spTree>
+    <p:extLst>
+      <p:ext uri="{BB962C8B-B14F-4D97-AF65-F5344CB8AC3E}">
+        <p14:creationId xmlns:p14="http://schemas.microsoft.com/office/powerpoint/2010/main" val="3488202187"/>
+      </p:ext>
+    </p:extLst>
+  </p:cSld>
+  <p:clrMapOvr>
+    <a:masterClrMapping/>
+  </p:clrMapOvr>
+</p:sld>
+</file>
+
 <file path=ppt/theme/theme1.xml><?xml version="1.0" encoding="utf-8"?>
 <a:theme xmlns:a="http://schemas.openxmlformats.org/drawingml/2006/main" name="Office Theme">
   <a:themeElements>

--- a/week12/branch.pptx
+++ b/week12/branch.pptx
@@ -7,6 +7,7 @@
   <p:sldIdLst>
     <p:sldId id="256" r:id="rId2"/>
     <p:sldId id="257" r:id="rId3"/>
+    <p:sldId id="258" r:id="rId4"/>
   </p:sldIdLst>
   <p:sldSz cx="12192000" cy="6858000"/>
   <p:notesSz cx="6858000" cy="9144000"/>
@@ -113,6 +114,35 @@
 </p:presentation>
 </file>
 
+<file path=ppt/changesInfos/changesInfo1.xml><?xml version="1.0" encoding="utf-8"?>
+<pc:chgInfo xmlns:a="http://schemas.openxmlformats.org/drawingml/2006/main" xmlns:r="http://schemas.openxmlformats.org/officeDocument/2006/relationships" xmlns:ac="http://schemas.microsoft.com/office/drawing/2013/main/command" xmlns:pc="http://schemas.microsoft.com/office/powerpoint/2013/main/command">
+  <pc:docChgLst>
+    <pc:chgData name="Dohheon Choi" userId="50a06a41b913f461" providerId="LiveId" clId="{A27609B8-2FCF-46FA-A136-C87E15F3B787}"/>
+    <pc:docChg chg="addSld modSld">
+      <pc:chgData name="Dohheon Choi" userId="50a06a41b913f461" providerId="LiveId" clId="{A27609B8-2FCF-46FA-A136-C87E15F3B787}" dt="2023-11-17T06:22:39.825" v="12" actId="20577"/>
+      <pc:docMkLst>
+        <pc:docMk/>
+      </pc:docMkLst>
+      <pc:sldChg chg="modSp new mod">
+        <pc:chgData name="Dohheon Choi" userId="50a06a41b913f461" providerId="LiveId" clId="{A27609B8-2FCF-46FA-A136-C87E15F3B787}" dt="2023-11-17T06:22:39.825" v="12" actId="20577"/>
+        <pc:sldMkLst>
+          <pc:docMk/>
+          <pc:sldMk cId="1248961826" sldId="258"/>
+        </pc:sldMkLst>
+        <pc:spChg chg="mod">
+          <ac:chgData name="Dohheon Choi" userId="50a06a41b913f461" providerId="LiveId" clId="{A27609B8-2FCF-46FA-A136-C87E15F3B787}" dt="2023-11-17T06:22:39.825" v="12" actId="20577"/>
+          <ac:spMkLst>
+            <pc:docMk/>
+            <pc:sldMk cId="1248961826" sldId="258"/>
+            <ac:spMk id="2" creationId="{5C8C3FF3-ABDA-3875-5D51-C598AF25FEAE}"/>
+          </ac:spMkLst>
+        </pc:spChg>
+      </pc:sldChg>
+    </pc:docChg>
+  </pc:docChgLst>
+</pc:chgInfo>
+</file>
+
 <file path=ppt/slideLayouts/slideLayout1.xml><?xml version="1.0" encoding="utf-8"?>
 <p:sldLayout xmlns:a="http://schemas.openxmlformats.org/drawingml/2006/main" xmlns:r="http://schemas.openxmlformats.org/officeDocument/2006/relationships" xmlns:p="http://schemas.openxmlformats.org/presentationml/2006/main" type="title" preserve="1">
   <p:cSld name="Title Slide">
@@ -262,7 +292,7 @@
           <a:p>
             <a:fld id="{42AB81E2-2E7B-B344-9159-A676E4F74E42}" type="datetimeFigureOut">
               <a:rPr lang="en-KR" smtClean="0"/>
-              <a:t>11/16/23</a:t>
+              <a:t>11/17/2023</a:t>
             </a:fld>
             <a:endParaRPr lang="en-KR"/>
           </a:p>
@@ -462,7 +492,7 @@
           <a:p>
             <a:fld id="{42AB81E2-2E7B-B344-9159-A676E4F74E42}" type="datetimeFigureOut">
               <a:rPr lang="en-KR" smtClean="0"/>
-              <a:t>11/16/23</a:t>
+              <a:t>11/17/2023</a:t>
             </a:fld>
             <a:endParaRPr lang="en-KR"/>
           </a:p>
@@ -672,7 +702,7 @@
           <a:p>
             <a:fld id="{42AB81E2-2E7B-B344-9159-A676E4F74E42}" type="datetimeFigureOut">
               <a:rPr lang="en-KR" smtClean="0"/>
-              <a:t>11/16/23</a:t>
+              <a:t>11/17/2023</a:t>
             </a:fld>
             <a:endParaRPr lang="en-KR"/>
           </a:p>
@@ -872,7 +902,7 @@
           <a:p>
             <a:fld id="{42AB81E2-2E7B-B344-9159-A676E4F74E42}" type="datetimeFigureOut">
               <a:rPr lang="en-KR" smtClean="0"/>
-              <a:t>11/16/23</a:t>
+              <a:t>11/17/2023</a:t>
             </a:fld>
             <a:endParaRPr lang="en-KR"/>
           </a:p>
@@ -1148,7 +1178,7 @@
           <a:p>
             <a:fld id="{42AB81E2-2E7B-B344-9159-A676E4F74E42}" type="datetimeFigureOut">
               <a:rPr lang="en-KR" smtClean="0"/>
-              <a:t>11/16/23</a:t>
+              <a:t>11/17/2023</a:t>
             </a:fld>
             <a:endParaRPr lang="en-KR"/>
           </a:p>
@@ -1416,7 +1446,7 @@
           <a:p>
             <a:fld id="{42AB81E2-2E7B-B344-9159-A676E4F74E42}" type="datetimeFigureOut">
               <a:rPr lang="en-KR" smtClean="0"/>
-              <a:t>11/16/23</a:t>
+              <a:t>11/17/2023</a:t>
             </a:fld>
             <a:endParaRPr lang="en-KR"/>
           </a:p>
@@ -1831,7 +1861,7 @@
           <a:p>
             <a:fld id="{42AB81E2-2E7B-B344-9159-A676E4F74E42}" type="datetimeFigureOut">
               <a:rPr lang="en-KR" smtClean="0"/>
-              <a:t>11/16/23</a:t>
+              <a:t>11/17/2023</a:t>
             </a:fld>
             <a:endParaRPr lang="en-KR"/>
           </a:p>
@@ -1973,7 +2003,7 @@
           <a:p>
             <a:fld id="{42AB81E2-2E7B-B344-9159-A676E4F74E42}" type="datetimeFigureOut">
               <a:rPr lang="en-KR" smtClean="0"/>
-              <a:t>11/16/23</a:t>
+              <a:t>11/17/2023</a:t>
             </a:fld>
             <a:endParaRPr lang="en-KR"/>
           </a:p>
@@ -2086,7 +2116,7 @@
           <a:p>
             <a:fld id="{42AB81E2-2E7B-B344-9159-A676E4F74E42}" type="datetimeFigureOut">
               <a:rPr lang="en-KR" smtClean="0"/>
-              <a:t>11/16/23</a:t>
+              <a:t>11/17/2023</a:t>
             </a:fld>
             <a:endParaRPr lang="en-KR"/>
           </a:p>
@@ -2399,7 +2429,7 @@
           <a:p>
             <a:fld id="{42AB81E2-2E7B-B344-9159-A676E4F74E42}" type="datetimeFigureOut">
               <a:rPr lang="en-KR" smtClean="0"/>
-              <a:t>11/16/23</a:t>
+              <a:t>11/17/2023</a:t>
             </a:fld>
             <a:endParaRPr lang="en-KR"/>
           </a:p>
@@ -2688,7 +2718,7 @@
           <a:p>
             <a:fld id="{42AB81E2-2E7B-B344-9159-A676E4F74E42}" type="datetimeFigureOut">
               <a:rPr lang="en-KR" smtClean="0"/>
-              <a:t>11/16/23</a:t>
+              <a:t>11/17/2023</a:t>
             </a:fld>
             <a:endParaRPr lang="en-KR"/>
           </a:p>
@@ -2931,7 +2961,7 @@
           <a:p>
             <a:fld id="{42AB81E2-2E7B-B344-9159-A676E4F74E42}" type="datetimeFigureOut">
               <a:rPr lang="en-KR" smtClean="0"/>
-              <a:t>11/16/23</a:t>
+              <a:t>11/17/2023</a:t>
             </a:fld>
             <a:endParaRPr lang="en-KR"/>
           </a:p>
@@ -3802,6 +3832,90 @@
 </p:sld>
 </file>
 
+<file path=ppt/slides/slide3.xml><?xml version="1.0" encoding="utf-8"?>
+<p:sld xmlns:a="http://schemas.openxmlformats.org/drawingml/2006/main" xmlns:r="http://schemas.openxmlformats.org/officeDocument/2006/relationships" xmlns:p="http://schemas.openxmlformats.org/presentationml/2006/main">
+  <p:cSld>
+    <p:spTree>
+      <p:nvGrpSpPr>
+        <p:cNvPr id="1" name=""/>
+        <p:cNvGrpSpPr/>
+        <p:nvPr/>
+      </p:nvGrpSpPr>
+      <p:grpSpPr>
+        <a:xfrm>
+          <a:off x="0" y="0"/>
+          <a:ext cx="0" cy="0"/>
+          <a:chOff x="0" y="0"/>
+          <a:chExt cx="0" cy="0"/>
+        </a:xfrm>
+      </p:grpSpPr>
+      <p:sp>
+        <p:nvSpPr>
+          <p:cNvPr id="2" name="제목 1">
+            <a:extLst>
+              <a:ext uri="{FF2B5EF4-FFF2-40B4-BE49-F238E27FC236}">
+                <a16:creationId xmlns:a16="http://schemas.microsoft.com/office/drawing/2014/main" id="{5C8C3FF3-ABDA-3875-5D51-C598AF25FEAE}"/>
+              </a:ext>
+            </a:extLst>
+          </p:cNvPr>
+          <p:cNvSpPr>
+            <a:spLocks noGrp="1"/>
+          </p:cNvSpPr>
+          <p:nvPr>
+            <p:ph type="title"/>
+          </p:nvPr>
+        </p:nvSpPr>
+        <p:spPr/>
+        <p:txBody>
+          <a:bodyPr/>
+          <a:lstStyle/>
+          <a:p>
+            <a:r>
+              <a:rPr lang="en-US" altLang="ko-KR" dirty="0"/>
+              <a:t>Thank you!</a:t>
+            </a:r>
+            <a:endParaRPr lang="ko-KR" altLang="en-US" dirty="0"/>
+          </a:p>
+        </p:txBody>
+      </p:sp>
+      <p:sp>
+        <p:nvSpPr>
+          <p:cNvPr id="3" name="내용 개체 틀 2">
+            <a:extLst>
+              <a:ext uri="{FF2B5EF4-FFF2-40B4-BE49-F238E27FC236}">
+                <a16:creationId xmlns:a16="http://schemas.microsoft.com/office/drawing/2014/main" id="{E8F3C930-8773-2F65-CB98-E2D667A585FE}"/>
+              </a:ext>
+            </a:extLst>
+          </p:cNvPr>
+          <p:cNvSpPr>
+            <a:spLocks noGrp="1"/>
+          </p:cNvSpPr>
+          <p:nvPr>
+            <p:ph idx="1"/>
+          </p:nvPr>
+        </p:nvSpPr>
+        <p:spPr/>
+        <p:txBody>
+          <a:bodyPr/>
+          <a:lstStyle/>
+          <a:p>
+            <a:endParaRPr lang="ko-KR" altLang="en-US"/>
+          </a:p>
+        </p:txBody>
+      </p:sp>
+    </p:spTree>
+    <p:extLst>
+      <p:ext uri="{BB962C8B-B14F-4D97-AF65-F5344CB8AC3E}">
+        <p14:creationId xmlns:p14="http://schemas.microsoft.com/office/powerpoint/2010/main" val="1248961826"/>
+      </p:ext>
+    </p:extLst>
+  </p:cSld>
+  <p:clrMapOvr>
+    <a:masterClrMapping/>
+  </p:clrMapOvr>
+</p:sld>
+</file>
+
 <file path=ppt/theme/theme1.xml><?xml version="1.0" encoding="utf-8"?>
 <a:theme xmlns:a="http://schemas.openxmlformats.org/drawingml/2006/main" name="Office Theme">
   <a:themeElements>

--- a/week12/branch.pptx
+++ b/week12/branch.pptx
@@ -7,6 +7,7 @@
   <p:sldIdLst>
     <p:sldId id="256" r:id="rId2"/>
     <p:sldId id="257" r:id="rId3"/>
+    <p:sldId id="258" r:id="rId4"/>
   </p:sldIdLst>
   <p:sldSz cx="12192000" cy="6858000"/>
   <p:notesSz cx="6858000" cy="9144000"/>
@@ -113,6 +114,35 @@
 </p:presentation>
 </file>
 
+<file path=ppt/changesInfos/changesInfo1.xml><?xml version="1.0" encoding="utf-8"?>
+<pc:chgInfo xmlns:a="http://schemas.openxmlformats.org/drawingml/2006/main" xmlns:r="http://schemas.openxmlformats.org/officeDocument/2006/relationships" xmlns:ac="http://schemas.microsoft.com/office/drawing/2013/main/command" xmlns:pc="http://schemas.microsoft.com/office/powerpoint/2013/main/command">
+  <pc:docChgLst>
+    <pc:chgData name="동희 박" userId="89fca85e4280ff31" providerId="LiveId" clId="{6964D17F-59EA-475C-8BBD-016BA69722B6}"/>
+    <pc:docChg chg="addSld modSld">
+      <pc:chgData name="동희 박" userId="89fca85e4280ff31" providerId="LiveId" clId="{6964D17F-59EA-475C-8BBD-016BA69722B6}" dt="2023-11-17T06:24:12.045" v="25" actId="207"/>
+      <pc:docMkLst>
+        <pc:docMk/>
+      </pc:docMkLst>
+      <pc:sldChg chg="modSp new mod">
+        <pc:chgData name="동희 박" userId="89fca85e4280ff31" providerId="LiveId" clId="{6964D17F-59EA-475C-8BBD-016BA69722B6}" dt="2023-11-17T06:24:12.045" v="25" actId="207"/>
+        <pc:sldMkLst>
+          <pc:docMk/>
+          <pc:sldMk cId="1345155437" sldId="258"/>
+        </pc:sldMkLst>
+        <pc:spChg chg="mod">
+          <ac:chgData name="동희 박" userId="89fca85e4280ff31" providerId="LiveId" clId="{6964D17F-59EA-475C-8BBD-016BA69722B6}" dt="2023-11-17T06:24:12.045" v="25" actId="207"/>
+          <ac:spMkLst>
+            <pc:docMk/>
+            <pc:sldMk cId="1345155437" sldId="258"/>
+            <ac:spMk id="2" creationId="{2FDCD65A-8B47-1793-F4C8-036D1F0466A7}"/>
+          </ac:spMkLst>
+        </pc:spChg>
+      </pc:sldChg>
+    </pc:docChg>
+  </pc:docChgLst>
+</pc:chgInfo>
+</file>
+
 <file path=ppt/slideLayouts/slideLayout1.xml><?xml version="1.0" encoding="utf-8"?>
 <p:sldLayout xmlns:a="http://schemas.openxmlformats.org/drawingml/2006/main" xmlns:r="http://schemas.openxmlformats.org/officeDocument/2006/relationships" xmlns:p="http://schemas.openxmlformats.org/presentationml/2006/main" type="title" preserve="1">
   <p:cSld name="Title Slide">
@@ -262,7 +292,7 @@
           <a:p>
             <a:fld id="{42AB81E2-2E7B-B344-9159-A676E4F74E42}" type="datetimeFigureOut">
               <a:rPr lang="en-KR" smtClean="0"/>
-              <a:t>11/16/23</a:t>
+              <a:t>11/17/2023</a:t>
             </a:fld>
             <a:endParaRPr lang="en-KR"/>
           </a:p>
@@ -462,7 +492,7 @@
           <a:p>
             <a:fld id="{42AB81E2-2E7B-B344-9159-A676E4F74E42}" type="datetimeFigureOut">
               <a:rPr lang="en-KR" smtClean="0"/>
-              <a:t>11/16/23</a:t>
+              <a:t>11/17/2023</a:t>
             </a:fld>
             <a:endParaRPr lang="en-KR"/>
           </a:p>
@@ -672,7 +702,7 @@
           <a:p>
             <a:fld id="{42AB81E2-2E7B-B344-9159-A676E4F74E42}" type="datetimeFigureOut">
               <a:rPr lang="en-KR" smtClean="0"/>
-              <a:t>11/16/23</a:t>
+              <a:t>11/17/2023</a:t>
             </a:fld>
             <a:endParaRPr lang="en-KR"/>
           </a:p>
@@ -872,7 +902,7 @@
           <a:p>
             <a:fld id="{42AB81E2-2E7B-B344-9159-A676E4F74E42}" type="datetimeFigureOut">
               <a:rPr lang="en-KR" smtClean="0"/>
-              <a:t>11/16/23</a:t>
+              <a:t>11/17/2023</a:t>
             </a:fld>
             <a:endParaRPr lang="en-KR"/>
           </a:p>
@@ -1148,7 +1178,7 @@
           <a:p>
             <a:fld id="{42AB81E2-2E7B-B344-9159-A676E4F74E42}" type="datetimeFigureOut">
               <a:rPr lang="en-KR" smtClean="0"/>
-              <a:t>11/16/23</a:t>
+              <a:t>11/17/2023</a:t>
             </a:fld>
             <a:endParaRPr lang="en-KR"/>
           </a:p>
@@ -1416,7 +1446,7 @@
           <a:p>
             <a:fld id="{42AB81E2-2E7B-B344-9159-A676E4F74E42}" type="datetimeFigureOut">
               <a:rPr lang="en-KR" smtClean="0"/>
-              <a:t>11/16/23</a:t>
+              <a:t>11/17/2023</a:t>
             </a:fld>
             <a:endParaRPr lang="en-KR"/>
           </a:p>
@@ -1831,7 +1861,7 @@
           <a:p>
             <a:fld id="{42AB81E2-2E7B-B344-9159-A676E4F74E42}" type="datetimeFigureOut">
               <a:rPr lang="en-KR" smtClean="0"/>
-              <a:t>11/16/23</a:t>
+              <a:t>11/17/2023</a:t>
             </a:fld>
             <a:endParaRPr lang="en-KR"/>
           </a:p>
@@ -1973,7 +2003,7 @@
           <a:p>
             <a:fld id="{42AB81E2-2E7B-B344-9159-A676E4F74E42}" type="datetimeFigureOut">
               <a:rPr lang="en-KR" smtClean="0"/>
-              <a:t>11/16/23</a:t>
+              <a:t>11/17/2023</a:t>
             </a:fld>
             <a:endParaRPr lang="en-KR"/>
           </a:p>
@@ -2086,7 +2116,7 @@
           <a:p>
             <a:fld id="{42AB81E2-2E7B-B344-9159-A676E4F74E42}" type="datetimeFigureOut">
               <a:rPr lang="en-KR" smtClean="0"/>
-              <a:t>11/16/23</a:t>
+              <a:t>11/17/2023</a:t>
             </a:fld>
             <a:endParaRPr lang="en-KR"/>
           </a:p>
@@ -2399,7 +2429,7 @@
           <a:p>
             <a:fld id="{42AB81E2-2E7B-B344-9159-A676E4F74E42}" type="datetimeFigureOut">
               <a:rPr lang="en-KR" smtClean="0"/>
-              <a:t>11/16/23</a:t>
+              <a:t>11/17/2023</a:t>
             </a:fld>
             <a:endParaRPr lang="en-KR"/>
           </a:p>
@@ -2688,7 +2718,7 @@
           <a:p>
             <a:fld id="{42AB81E2-2E7B-B344-9159-A676E4F74E42}" type="datetimeFigureOut">
               <a:rPr lang="en-KR" smtClean="0"/>
-              <a:t>11/16/23</a:t>
+              <a:t>11/17/2023</a:t>
             </a:fld>
             <a:endParaRPr lang="en-KR"/>
           </a:p>
@@ -2931,7 +2961,7 @@
           <a:p>
             <a:fld id="{42AB81E2-2E7B-B344-9159-A676E4F74E42}" type="datetimeFigureOut">
               <a:rPr lang="en-KR" smtClean="0"/>
-              <a:t>11/16/23</a:t>
+              <a:t>11/17/2023</a:t>
             </a:fld>
             <a:endParaRPr lang="en-KR"/>
           </a:p>
@@ -3802,6 +3832,98 @@
 </p:sld>
 </file>
 
+<file path=ppt/slides/slide3.xml><?xml version="1.0" encoding="utf-8"?>
+<p:sld xmlns:a="http://schemas.openxmlformats.org/drawingml/2006/main" xmlns:r="http://schemas.openxmlformats.org/officeDocument/2006/relationships" xmlns:p="http://schemas.openxmlformats.org/presentationml/2006/main">
+  <p:cSld>
+    <p:spTree>
+      <p:nvGrpSpPr>
+        <p:cNvPr id="1" name=""/>
+        <p:cNvGrpSpPr/>
+        <p:nvPr/>
+      </p:nvGrpSpPr>
+      <p:grpSpPr>
+        <a:xfrm>
+          <a:off x="0" y="0"/>
+          <a:ext cx="0" cy="0"/>
+          <a:chOff x="0" y="0"/>
+          <a:chExt cx="0" cy="0"/>
+        </a:xfrm>
+      </p:grpSpPr>
+      <p:sp>
+        <p:nvSpPr>
+          <p:cNvPr id="2" name="제목 1">
+            <a:extLst>
+              <a:ext uri="{FF2B5EF4-FFF2-40B4-BE49-F238E27FC236}">
+                <a16:creationId xmlns:a16="http://schemas.microsoft.com/office/drawing/2014/main" id="{2FDCD65A-8B47-1793-F4C8-036D1F0466A7}"/>
+              </a:ext>
+            </a:extLst>
+          </p:cNvPr>
+          <p:cNvSpPr>
+            <a:spLocks noGrp="1"/>
+          </p:cNvSpPr>
+          <p:nvPr>
+            <p:ph type="title"/>
+          </p:nvPr>
+        </p:nvSpPr>
+        <p:spPr/>
+        <p:txBody>
+          <a:bodyPr/>
+          <a:lstStyle/>
+          <a:p>
+            <a:r>
+              <a:rPr lang="en-US" altLang="ko-KR" dirty="0">
+                <a:solidFill>
+                  <a:srgbClr val="FF0000"/>
+                </a:solidFill>
+              </a:rPr>
+              <a:t>Thank You!</a:t>
+            </a:r>
+            <a:endParaRPr lang="ko-KR" altLang="en-US" dirty="0">
+              <a:solidFill>
+                <a:srgbClr val="FF0000"/>
+              </a:solidFill>
+            </a:endParaRPr>
+          </a:p>
+        </p:txBody>
+      </p:sp>
+      <p:sp>
+        <p:nvSpPr>
+          <p:cNvPr id="3" name="내용 개체 틀 2">
+            <a:extLst>
+              <a:ext uri="{FF2B5EF4-FFF2-40B4-BE49-F238E27FC236}">
+                <a16:creationId xmlns:a16="http://schemas.microsoft.com/office/drawing/2014/main" id="{09959662-7A87-34BA-AE19-3B09764093EB}"/>
+              </a:ext>
+            </a:extLst>
+          </p:cNvPr>
+          <p:cNvSpPr>
+            <a:spLocks noGrp="1"/>
+          </p:cNvSpPr>
+          <p:nvPr>
+            <p:ph idx="1"/>
+          </p:nvPr>
+        </p:nvSpPr>
+        <p:spPr/>
+        <p:txBody>
+          <a:bodyPr/>
+          <a:lstStyle/>
+          <a:p>
+            <a:endParaRPr lang="ko-KR" altLang="en-US"/>
+          </a:p>
+        </p:txBody>
+      </p:sp>
+    </p:spTree>
+    <p:extLst>
+      <p:ext uri="{BB962C8B-B14F-4D97-AF65-F5344CB8AC3E}">
+        <p14:creationId xmlns:p14="http://schemas.microsoft.com/office/powerpoint/2010/main" val="1345155437"/>
+      </p:ext>
+    </p:extLst>
+  </p:cSld>
+  <p:clrMapOvr>
+    <a:masterClrMapping/>
+  </p:clrMapOvr>
+</p:sld>
+</file>
+
 <file path=ppt/theme/theme1.xml><?xml version="1.0" encoding="utf-8"?>
 <a:theme xmlns:a="http://schemas.openxmlformats.org/drawingml/2006/main" name="Office Theme">
   <a:themeElements>

--- a/week12/branch.pptx
+++ b/week12/branch.pptx
@@ -7,6 +7,7 @@
   <p:sldIdLst>
     <p:sldId id="256" r:id="rId2"/>
     <p:sldId id="257" r:id="rId3"/>
+    <p:sldId id="258" r:id="rId4"/>
   </p:sldIdLst>
   <p:sldSz cx="12192000" cy="6858000"/>
   <p:notesSz cx="6858000" cy="9144000"/>
@@ -262,7 +263,7 @@
           <a:p>
             <a:fld id="{42AB81E2-2E7B-B344-9159-A676E4F74E42}" type="datetimeFigureOut">
               <a:rPr lang="en-KR" smtClean="0"/>
-              <a:t>11/16/23</a:t>
+              <a:t>11/17/23</a:t>
             </a:fld>
             <a:endParaRPr lang="en-KR"/>
           </a:p>
@@ -462,7 +463,7 @@
           <a:p>
             <a:fld id="{42AB81E2-2E7B-B344-9159-A676E4F74E42}" type="datetimeFigureOut">
               <a:rPr lang="en-KR" smtClean="0"/>
-              <a:t>11/16/23</a:t>
+              <a:t>11/17/23</a:t>
             </a:fld>
             <a:endParaRPr lang="en-KR"/>
           </a:p>
@@ -672,7 +673,7 @@
           <a:p>
             <a:fld id="{42AB81E2-2E7B-B344-9159-A676E4F74E42}" type="datetimeFigureOut">
               <a:rPr lang="en-KR" smtClean="0"/>
-              <a:t>11/16/23</a:t>
+              <a:t>11/17/23</a:t>
             </a:fld>
             <a:endParaRPr lang="en-KR"/>
           </a:p>
@@ -872,7 +873,7 @@
           <a:p>
             <a:fld id="{42AB81E2-2E7B-B344-9159-A676E4F74E42}" type="datetimeFigureOut">
               <a:rPr lang="en-KR" smtClean="0"/>
-              <a:t>11/16/23</a:t>
+              <a:t>11/17/23</a:t>
             </a:fld>
             <a:endParaRPr lang="en-KR"/>
           </a:p>
@@ -1148,7 +1149,7 @@
           <a:p>
             <a:fld id="{42AB81E2-2E7B-B344-9159-A676E4F74E42}" type="datetimeFigureOut">
               <a:rPr lang="en-KR" smtClean="0"/>
-              <a:t>11/16/23</a:t>
+              <a:t>11/17/23</a:t>
             </a:fld>
             <a:endParaRPr lang="en-KR"/>
           </a:p>
@@ -1416,7 +1417,7 @@
           <a:p>
             <a:fld id="{42AB81E2-2E7B-B344-9159-A676E4F74E42}" type="datetimeFigureOut">
               <a:rPr lang="en-KR" smtClean="0"/>
-              <a:t>11/16/23</a:t>
+              <a:t>11/17/23</a:t>
             </a:fld>
             <a:endParaRPr lang="en-KR"/>
           </a:p>
@@ -1831,7 +1832,7 @@
           <a:p>
             <a:fld id="{42AB81E2-2E7B-B344-9159-A676E4F74E42}" type="datetimeFigureOut">
               <a:rPr lang="en-KR" smtClean="0"/>
-              <a:t>11/16/23</a:t>
+              <a:t>11/17/23</a:t>
             </a:fld>
             <a:endParaRPr lang="en-KR"/>
           </a:p>
@@ -1973,7 +1974,7 @@
           <a:p>
             <a:fld id="{42AB81E2-2E7B-B344-9159-A676E4F74E42}" type="datetimeFigureOut">
               <a:rPr lang="en-KR" smtClean="0"/>
-              <a:t>11/16/23</a:t>
+              <a:t>11/17/23</a:t>
             </a:fld>
             <a:endParaRPr lang="en-KR"/>
           </a:p>
@@ -2086,7 +2087,7 @@
           <a:p>
             <a:fld id="{42AB81E2-2E7B-B344-9159-A676E4F74E42}" type="datetimeFigureOut">
               <a:rPr lang="en-KR" smtClean="0"/>
-              <a:t>11/16/23</a:t>
+              <a:t>11/17/23</a:t>
             </a:fld>
             <a:endParaRPr lang="en-KR"/>
           </a:p>
@@ -2399,7 +2400,7 @@
           <a:p>
             <a:fld id="{42AB81E2-2E7B-B344-9159-A676E4F74E42}" type="datetimeFigureOut">
               <a:rPr lang="en-KR" smtClean="0"/>
-              <a:t>11/16/23</a:t>
+              <a:t>11/17/23</a:t>
             </a:fld>
             <a:endParaRPr lang="en-KR"/>
           </a:p>
@@ -2688,7 +2689,7 @@
           <a:p>
             <a:fld id="{42AB81E2-2E7B-B344-9159-A676E4F74E42}" type="datetimeFigureOut">
               <a:rPr lang="en-KR" smtClean="0"/>
-              <a:t>11/16/23</a:t>
+              <a:t>11/17/23</a:t>
             </a:fld>
             <a:endParaRPr lang="en-KR"/>
           </a:p>
@@ -2931,7 +2932,7 @@
           <a:p>
             <a:fld id="{42AB81E2-2E7B-B344-9159-A676E4F74E42}" type="datetimeFigureOut">
               <a:rPr lang="en-KR" smtClean="0"/>
-              <a:t>11/16/23</a:t>
+              <a:t>11/17/23</a:t>
             </a:fld>
             <a:endParaRPr lang="en-KR"/>
           </a:p>
@@ -3802,6 +3803,71 @@
 </p:sld>
 </file>
 
+<file path=ppt/slides/slide3.xml><?xml version="1.0" encoding="utf-8"?>
+<p:sld xmlns:a="http://schemas.openxmlformats.org/drawingml/2006/main" xmlns:r="http://schemas.openxmlformats.org/officeDocument/2006/relationships" xmlns:p="http://schemas.openxmlformats.org/presentationml/2006/main">
+  <p:cSld>
+    <p:spTree>
+      <p:nvGrpSpPr>
+        <p:cNvPr id="1" name=""/>
+        <p:cNvGrpSpPr/>
+        <p:nvPr/>
+      </p:nvGrpSpPr>
+      <p:grpSpPr>
+        <a:xfrm>
+          <a:off x="0" y="0"/>
+          <a:ext cx="0" cy="0"/>
+          <a:chOff x="0" y="0"/>
+          <a:chExt cx="0" cy="0"/>
+        </a:xfrm>
+      </p:grpSpPr>
+      <p:sp>
+        <p:nvSpPr>
+          <p:cNvPr id="4" name="TextBox 3">
+            <a:extLst>
+              <a:ext uri="{FF2B5EF4-FFF2-40B4-BE49-F238E27FC236}">
+                <a16:creationId xmlns:a16="http://schemas.microsoft.com/office/drawing/2014/main" id="{405DF234-B4D7-635C-95C7-A476EFCAB0BF}"/>
+              </a:ext>
+            </a:extLst>
+          </p:cNvPr>
+          <p:cNvSpPr txBox="1"/>
+          <p:nvPr/>
+        </p:nvSpPr>
+        <p:spPr>
+          <a:xfrm>
+            <a:off x="5225143" y="2928257"/>
+            <a:ext cx="1146852" cy="369332"/>
+          </a:xfrm>
+          <a:prstGeom prst="rect">
+            <a:avLst/>
+          </a:prstGeom>
+          <a:noFill/>
+        </p:spPr>
+        <p:txBody>
+          <a:bodyPr wrap="none" rtlCol="0">
+            <a:spAutoFit/>
+          </a:bodyPr>
+          <a:lstStyle/>
+          <a:p>
+            <a:r>
+              <a:rPr lang="en-KR" dirty="0"/>
+              <a:t>Thank You</a:t>
+            </a:r>
+          </a:p>
+        </p:txBody>
+      </p:sp>
+    </p:spTree>
+    <p:extLst>
+      <p:ext uri="{BB962C8B-B14F-4D97-AF65-F5344CB8AC3E}">
+        <p14:creationId xmlns:p14="http://schemas.microsoft.com/office/powerpoint/2010/main" val="3739343928"/>
+      </p:ext>
+    </p:extLst>
+  </p:cSld>
+  <p:clrMapOvr>
+    <a:masterClrMapping/>
+  </p:clrMapOvr>
+</p:sld>
+</file>
+
 <file path=ppt/theme/theme1.xml><?xml version="1.0" encoding="utf-8"?>
 <a:theme xmlns:a="http://schemas.openxmlformats.org/drawingml/2006/main" name="Office Theme">
   <a:themeElements>

--- a/week12/branch.pptx
+++ b/week12/branch.pptx
@@ -1,12 +1,13 @@
 
 <file path=ppt/presentation.xml><?xml version="1.0" encoding="utf-8"?>
-<p:presentation xmlns:a="http://schemas.openxmlformats.org/drawingml/2006/main" xmlns:r="http://schemas.openxmlformats.org/officeDocument/2006/relationships" xmlns:p="http://schemas.openxmlformats.org/presentationml/2006/main" saveSubsetFonts="1" autoCompressPictures="0">
+<p:presentation xmlns:r="http://schemas.openxmlformats.org/officeDocument/2006/relationships" xmlns:c="http://schemas.openxmlformats.org/drawingml/2006/chart" xmlns:a="http://schemas.openxmlformats.org/drawingml/2006/main" xmlns:dgm="http://schemas.openxmlformats.org/drawingml/2006/diagram" xmlns:dsp="http://schemas.microsoft.com/office/drawing/2008/diagram" xmlns:p="http://schemas.openxmlformats.org/presentationml/2006/main" autoCompressPictures="0">
   <p:sldMasterIdLst>
-    <p:sldMasterId id="2147483648" r:id="rId1"/>
+    <p:sldMasterId id="2147483661" r:id="rId1"/>
   </p:sldMasterIdLst>
   <p:sldIdLst>
     <p:sldId id="256" r:id="rId2"/>
     <p:sldId id="257" r:id="rId3"/>
+    <p:sldId id="258" r:id="rId4"/>
   </p:sldIdLst>
   <p:sldSz cx="12192000" cy="6858000"/>
   <p:notesSz cx="6858000" cy="9144000"/>
@@ -105,11 +106,6 @@
       </a:defRPr>
     </a:lvl9pPr>
   </p:defaultTextStyle>
-  <p:extLst>
-    <p:ext uri="{EFAFB233-063F-42B5-8137-9DF3F51BA10A}">
-      <p15:sldGuideLst xmlns:p15="http://schemas.microsoft.com/office/powerpoint/2012/main"/>
-    </p:ext>
-  </p:extLst>
 </p:presentation>
 </file>
 
@@ -3802,45 +3798,161 @@
 </p:sld>
 </file>
 
+<file path=ppt/slides/slide3.xml><?xml version="1.0" encoding="utf-8"?>
+<p:sld xmlns:r="http://schemas.openxmlformats.org/officeDocument/2006/relationships" xmlns:c="http://schemas.openxmlformats.org/drawingml/2006/chart" xmlns:a="http://schemas.openxmlformats.org/drawingml/2006/main" xmlns:dgm="http://schemas.openxmlformats.org/drawingml/2006/diagram" xmlns:dsp="http://schemas.microsoft.com/office/drawing/2008/diagram" xmlns:p="http://schemas.openxmlformats.org/presentationml/2006/main">
+  <p:cSld>
+    <p:spTree>
+      <p:nvGrpSpPr>
+        <p:cNvPr id="1" name=""/>
+        <p:cNvGrpSpPr/>
+        <p:nvPr/>
+      </p:nvGrpSpPr>
+      <p:grpSpPr>
+        <a:xfrm>
+          <a:off x="0" y="0"/>
+          <a:ext cx="0" cy="0"/>
+          <a:chOff x="0" y="0"/>
+          <a:chExt cx="0" cy="0"/>
+        </a:xfrm>
+      </p:grpSpPr>
+      <p:sp>
+        <p:nvSpPr>
+          <p:cNvPr id="2" name="Title 1"/>
+          <p:cNvSpPr>
+            <a:spLocks noGrp="1"/>
+          </p:cNvSpPr>
+          <p:nvPr>
+            <p:ph type="title" idx="0"/>
+          </p:nvPr>
+        </p:nvSpPr>
+        <p:spPr/>
+        <p:txBody>
+          <a:bodyPr/>
+          <a:lstStyle/>
+          <a:p>
+            <a:pPr>
+              <a:defRPr/>
+            </a:pPr>
+            <a:r>
+              <a:rPr lang="ko-KR" altLang="en-US"/>
+              <a:t/>
+            </a:r>
+            <a:endParaRPr lang="ko-KR" altLang="en-US"/>
+          </a:p>
+        </p:txBody>
+      </p:sp>
+      <p:sp>
+        <p:nvSpPr>
+          <p:cNvPr id="3" name="Content Placeholder 2"/>
+          <p:cNvSpPr>
+            <a:spLocks noGrp="1"/>
+          </p:cNvSpPr>
+          <p:nvPr>
+            <p:ph idx="1"/>
+          </p:nvPr>
+        </p:nvSpPr>
+        <p:spPr/>
+        <p:txBody>
+          <a:bodyPr/>
+          <a:lstStyle/>
+          <a:p>
+            <a:pPr>
+              <a:defRPr/>
+            </a:pPr>
+            <a:r>
+              <a:rPr lang="ko-KR" altLang="en-US"/>
+              <a:t/>
+            </a:r>
+            <a:endParaRPr lang="ko-KR" altLang="en-US"/>
+          </a:p>
+        </p:txBody>
+      </p:sp>
+      <p:sp>
+        <p:nvSpPr>
+          <p:cNvPr id="4" name=""/>
+          <p:cNvSpPr txBox="1"/>
+          <p:nvPr/>
+        </p:nvSpPr>
+        <p:spPr>
+          <a:xfrm>
+            <a:off x="2562532" y="2404806"/>
+            <a:ext cx="7302502" cy="1517589"/>
+          </a:xfrm>
+          <a:prstGeom prst="rect">
+            <a:avLst/>
+          </a:prstGeom>
+        </p:spPr>
+        <p:txBody>
+          <a:bodyPr wrap="square">
+            <a:spAutoFit/>
+          </a:bodyPr>
+          <a:p>
+            <a:pPr>
+              <a:defRPr/>
+            </a:pPr>
+            <a:r>
+              <a:rPr lang="en-US" altLang="ko-KR" sz="9400"/>
+              <a:t>Thank you</a:t>
+            </a:r>
+            <a:endParaRPr lang="en-US" altLang="ko-KR" sz="9400"/>
+          </a:p>
+        </p:txBody>
+      </p:sp>
+    </p:spTree>
+  </p:cSld>
+  <p:clrMapOvr>
+    <a:masterClrMapping/>
+  </p:clrMapOvr>
+  <mc:AlternateContent xmlns:mc="http://schemas.openxmlformats.org/markup-compatibility/2006">
+    <mc:Choice xmlns:p14="http://schemas.microsoft.com/office/powerpoint/2010/main" Requires="p14">
+      <p:transition xmlns:mc="http://schemas.openxmlformats.org/markup-compatibility/2006" xmlns:p14="http://schemas.microsoft.com/office/powerpoint/2010/main" mc:Ignorable="p14" p14:dur="500"/>
+    </mc:Choice>
+    <mc:Fallback>
+      <p:transition/>
+    </mc:Fallback>
+  </mc:AlternateContent>
+</p:sld>
+</file>
+
 <file path=ppt/theme/theme1.xml><?xml version="1.0" encoding="utf-8"?>
-<a:theme xmlns:a="http://schemas.openxmlformats.org/drawingml/2006/main" name="Office Theme">
+<a:theme xmlns:r="http://schemas.openxmlformats.org/officeDocument/2006/relationships" xmlns:c="http://schemas.openxmlformats.org/drawingml/2006/chart" xmlns:dgm="http://schemas.openxmlformats.org/drawingml/2006/diagram" xmlns:dsp="http://schemas.microsoft.com/office/drawing/2008/diagram" xmlns:a="http://schemas.openxmlformats.org/drawingml/2006/main" xmlns:pic="http://schemas.openxmlformats.org/drawingml/2006/picture" xmlns:wp="http://schemas.openxmlformats.org/drawingml/2006/wordprocessingDrawing" xmlns:xdr="http://schemas.openxmlformats.org/drawingml/2006/spreadsheetDrawing" xmlns:lc="http://schemas.openxmlformats.org/drawingml/2006/lockedCanvas" xmlns:p="http://schemas.openxmlformats.org/presentationml/2006/main" name="Office Theme">
   <a:themeElements>
     <a:clrScheme name="Office">
       <a:dk1>
         <a:sysClr val="windowText" lastClr="000000"/>
       </a:dk1>
       <a:lt1>
-        <a:sysClr val="window" lastClr="FFFFFF"/>
+        <a:sysClr val="window" lastClr="ffffff"/>
       </a:lt1>
       <a:dk2>
-        <a:srgbClr val="44546A"/>
+        <a:srgbClr val="44546a"/>
       </a:dk2>
       <a:lt2>
-        <a:srgbClr val="E7E6E6"/>
+        <a:srgbClr val="e7e6e6"/>
       </a:lt2>
       <a:accent1>
-        <a:srgbClr val="4472C4"/>
+        <a:srgbClr val="4472c4"/>
       </a:accent1>
       <a:accent2>
-        <a:srgbClr val="ED7D31"/>
+        <a:srgbClr val="ed7d31"/>
       </a:accent2>
       <a:accent3>
-        <a:srgbClr val="A5A5A5"/>
+        <a:srgbClr val="a5a5a5"/>
       </a:accent3>
       <a:accent4>
-        <a:srgbClr val="FFC000"/>
+        <a:srgbClr val="ffc000"/>
       </a:accent4>
       <a:accent5>
-        <a:srgbClr val="5B9BD5"/>
+        <a:srgbClr val="5b9bd5"/>
       </a:accent5>
       <a:accent6>
-        <a:srgbClr val="70AD47"/>
+        <a:srgbClr val="70ad47"/>
       </a:accent6>
       <a:hlink>
-        <a:srgbClr val="0563C1"/>
+        <a:srgbClr val="0563c1"/>
       </a:hlink>
       <a:folHlink>
-        <a:srgbClr val="954F72"/>
+        <a:srgbClr val="954f72"/>
       </a:folHlink>
     </a:clrScheme>
     <a:fontScheme name="Office">
@@ -3848,7 +3960,7 @@
         <a:latin typeface="Calibri Light" panose="020F0302020204030204"/>
         <a:ea typeface=""/>
         <a:cs typeface=""/>
-        <a:font script="Jpan" typeface="游ゴシック Light"/>
+        <a:font script="Jpan" typeface="Yu Gothic Light"/>
         <a:font script="Hang" typeface="맑은 고딕"/>
         <a:font script="Hans" typeface="等线 Light"/>
         <a:font script="Hant" typeface="新細明體"/>
@@ -3900,7 +4012,7 @@
         <a:latin typeface="Calibri" panose="020F0502020204030204"/>
         <a:ea typeface=""/>
         <a:cs typeface=""/>
-        <a:font script="Jpan" typeface="游ゴシック"/>
+        <a:font script="Jpan" typeface="Yu Gothic"/>
         <a:font script="Hang" typeface="맑은 고딕"/>
         <a:font script="Hans" typeface="等线"/>
         <a:font script="Hant" typeface="新細明體"/>
@@ -4013,21 +4125,21 @@
             <a:schemeClr val="phClr"/>
           </a:solidFill>
           <a:prstDash val="solid"/>
-          <a:miter lim="800000"/>
+          <a:miter/>
         </a:ln>
         <a:ln w="12700" cap="flat" cmpd="sng" algn="ctr">
           <a:solidFill>
             <a:schemeClr val="phClr"/>
           </a:solidFill>
           <a:prstDash val="solid"/>
-          <a:miter lim="800000"/>
+          <a:miter/>
         </a:ln>
         <a:ln w="19050" cap="flat" cmpd="sng" algn="ctr">
           <a:solidFill>
             <a:schemeClr val="phClr"/>
           </a:solidFill>
           <a:prstDash val="solid"/>
-          <a:miter lim="800000"/>
+          <a:miter/>
         </a:ln>
       </a:lnStyleLst>
       <a:effectStyleLst>
@@ -4087,12 +4199,5 @@
       </a:bgFillStyleLst>
     </a:fmtScheme>
   </a:themeElements>
-  <a:objectDefaults/>
-  <a:extraClrSchemeLst/>
-  <a:extLst>
-    <a:ext uri="{05A4C25C-085E-4340-85A3-A5531E510DB2}">
-      <thm15:themeFamily xmlns:thm15="http://schemas.microsoft.com/office/thememl/2012/main" name="Office Theme" id="{62F939B6-93AF-4DB8-9C6B-D6C7DFDC589F}" vid="{4A3C46E8-61CC-4603-A589-7422A47A8E4A}"/>
-    </a:ext>
-  </a:extLst>
 </a:theme>
 </file>
--- a/week12/branch.pptx
+++ b/week12/branch.pptx
@@ -1,12 +1,13 @@
 
 <file path=ppt/presentation.xml><?xml version="1.0" encoding="utf-8"?>
-<p:presentation xmlns:a="http://schemas.openxmlformats.org/drawingml/2006/main" xmlns:r="http://schemas.openxmlformats.org/officeDocument/2006/relationships" xmlns:p="http://schemas.openxmlformats.org/presentationml/2006/main" saveSubsetFonts="1" autoCompressPictures="0">
+<p:presentation xmlns:r="http://schemas.openxmlformats.org/officeDocument/2006/relationships" xmlns:c="http://schemas.openxmlformats.org/drawingml/2006/chart" xmlns:a="http://schemas.openxmlformats.org/drawingml/2006/main" xmlns:dgm="http://schemas.openxmlformats.org/drawingml/2006/diagram" xmlns:dsp="http://schemas.microsoft.com/office/drawing/2008/diagram" xmlns:p="http://schemas.openxmlformats.org/presentationml/2006/main" autoCompressPictures="0">
   <p:sldMasterIdLst>
     <p:sldMasterId id="2147483648" r:id="rId1"/>
   </p:sldMasterIdLst>
   <p:sldIdLst>
     <p:sldId id="256" r:id="rId2"/>
     <p:sldId id="257" r:id="rId3"/>
+    <p:sldId id="258" r:id="rId4"/>
   </p:sldIdLst>
   <p:sldSz cx="12192000" cy="6858000"/>
   <p:notesSz cx="6858000" cy="9144000"/>
@@ -105,11 +106,6 @@
       </a:defRPr>
     </a:lvl9pPr>
   </p:defaultTextStyle>
-  <p:extLst>
-    <p:ext uri="{EFAFB233-063F-42B5-8137-9DF3F51BA10A}">
-      <p15:sldGuideLst xmlns:p15="http://schemas.microsoft.com/office/powerpoint/2012/main"/>
-    </p:ext>
-  </p:extLst>
 </p:presentation>
 </file>
 
@@ -3802,45 +3798,125 @@
 </p:sld>
 </file>
 
+<file path=ppt/slides/slide3.xml><?xml version="1.0" encoding="utf-8"?>
+<p:sld xmlns:r="http://schemas.openxmlformats.org/officeDocument/2006/relationships" xmlns:c="http://schemas.openxmlformats.org/drawingml/2006/chart" xmlns:a="http://schemas.openxmlformats.org/drawingml/2006/main" xmlns:dgm="http://schemas.openxmlformats.org/drawingml/2006/diagram" xmlns:dsp="http://schemas.microsoft.com/office/drawing/2008/diagram" xmlns:p="http://schemas.openxmlformats.org/presentationml/2006/main">
+  <p:cSld>
+    <p:spTree>
+      <p:nvGrpSpPr>
+        <p:cNvPr id="1" name=""/>
+        <p:cNvGrpSpPr/>
+        <p:nvPr/>
+      </p:nvGrpSpPr>
+      <p:grpSpPr>
+        <a:xfrm>
+          <a:off x="0" y="0"/>
+          <a:ext cx="0" cy="0"/>
+          <a:chOff x="0" y="0"/>
+          <a:chExt cx="0" cy="0"/>
+        </a:xfrm>
+      </p:grpSpPr>
+      <p:sp>
+        <p:nvSpPr>
+          <p:cNvPr id="2" name="Title 1"/>
+          <p:cNvSpPr>
+            <a:spLocks noGrp="1"/>
+          </p:cNvSpPr>
+          <p:nvPr>
+            <p:ph type="title" idx="0"/>
+          </p:nvPr>
+        </p:nvSpPr>
+        <p:spPr/>
+        <p:txBody>
+          <a:bodyPr/>
+          <a:p>
+            <a:pPr lvl="0">
+              <a:defRPr/>
+            </a:pPr>
+            <a:r>
+              <a:rPr lang="ko-KR" altLang="en-US"/>
+              <a:t/>
+            </a:r>
+            <a:endParaRPr lang="ko-KR" altLang="en-US"/>
+          </a:p>
+        </p:txBody>
+      </p:sp>
+      <p:sp>
+        <p:nvSpPr>
+          <p:cNvPr id="3" name="Content Placeholder 2"/>
+          <p:cNvSpPr>
+            <a:spLocks noGrp="1"/>
+          </p:cNvSpPr>
+          <p:nvPr>
+            <p:ph idx="1"/>
+          </p:nvPr>
+        </p:nvSpPr>
+        <p:spPr/>
+        <p:txBody>
+          <a:bodyPr/>
+          <a:p>
+            <a:pPr lvl="0">
+              <a:defRPr/>
+            </a:pPr>
+            <a:r>
+              <a:rPr lang="en-US" altLang="ko-KR"/>
+              <a:t>anything</a:t>
+            </a:r>
+            <a:endParaRPr lang="en-US" altLang="ko-KR"/>
+          </a:p>
+        </p:txBody>
+      </p:sp>
+    </p:spTree>
+    <p:extLst>
+      <p:ext uri="{BB962C8B-B14F-4D97-AF65-F5344CB8AC3E}">
+        <p14:creationId xmlns:p14="http://schemas.microsoft.com/office/powerpoint/2010/main" val="1082282308"/>
+      </p:ext>
+    </p:extLst>
+  </p:cSld>
+  <p:clrMapOvr>
+    <a:masterClrMapping/>
+  </p:clrMapOvr>
+</p:sld>
+</file>
+
 <file path=ppt/theme/theme1.xml><?xml version="1.0" encoding="utf-8"?>
-<a:theme xmlns:a="http://schemas.openxmlformats.org/drawingml/2006/main" name="Office Theme">
+<a:theme xmlns:r="http://schemas.openxmlformats.org/officeDocument/2006/relationships" xmlns:c="http://schemas.openxmlformats.org/drawingml/2006/chart" xmlns:dgm="http://schemas.openxmlformats.org/drawingml/2006/diagram" xmlns:dsp="http://schemas.microsoft.com/office/drawing/2008/diagram" xmlns:a="http://schemas.openxmlformats.org/drawingml/2006/main" xmlns:pic="http://schemas.openxmlformats.org/drawingml/2006/picture" xmlns:wp="http://schemas.openxmlformats.org/drawingml/2006/wordprocessingDrawing" xmlns:xdr="http://schemas.openxmlformats.org/drawingml/2006/spreadsheetDrawing" xmlns:lc="http://schemas.openxmlformats.org/drawingml/2006/lockedCanvas" xmlns:p="http://schemas.openxmlformats.org/presentationml/2006/main" name="Office Theme">
   <a:themeElements>
     <a:clrScheme name="Office">
       <a:dk1>
         <a:sysClr val="windowText" lastClr="000000"/>
       </a:dk1>
       <a:lt1>
-        <a:sysClr val="window" lastClr="FFFFFF"/>
+        <a:sysClr val="window" lastClr="ffffff"/>
       </a:lt1>
       <a:dk2>
-        <a:srgbClr val="44546A"/>
+        <a:srgbClr val="44546a"/>
       </a:dk2>
       <a:lt2>
-        <a:srgbClr val="E7E6E6"/>
+        <a:srgbClr val="e7e6e6"/>
       </a:lt2>
       <a:accent1>
-        <a:srgbClr val="4472C4"/>
+        <a:srgbClr val="4472c4"/>
       </a:accent1>
       <a:accent2>
-        <a:srgbClr val="ED7D31"/>
+        <a:srgbClr val="ed7d31"/>
       </a:accent2>
       <a:accent3>
-        <a:srgbClr val="A5A5A5"/>
+        <a:srgbClr val="a5a5a5"/>
       </a:accent3>
       <a:accent4>
-        <a:srgbClr val="FFC000"/>
+        <a:srgbClr val="ffc000"/>
       </a:accent4>
       <a:accent5>
-        <a:srgbClr val="5B9BD5"/>
+        <a:srgbClr val="5b9bd5"/>
       </a:accent5>
       <a:accent6>
-        <a:srgbClr val="70AD47"/>
+        <a:srgbClr val="70ad47"/>
       </a:accent6>
       <a:hlink>
-        <a:srgbClr val="0563C1"/>
+        <a:srgbClr val="0563c1"/>
       </a:hlink>
       <a:folHlink>
-        <a:srgbClr val="954F72"/>
+        <a:srgbClr val="954f72"/>
       </a:folHlink>
     </a:clrScheme>
     <a:fontScheme name="Office">
@@ -3848,7 +3924,7 @@
         <a:latin typeface="Calibri Light" panose="020F0302020204030204"/>
         <a:ea typeface=""/>
         <a:cs typeface=""/>
-        <a:font script="Jpan" typeface="游ゴシック Light"/>
+        <a:font script="Jpan" typeface="Yu Gothic Light"/>
         <a:font script="Hang" typeface="맑은 고딕"/>
         <a:font script="Hans" typeface="等线 Light"/>
         <a:font script="Hant" typeface="新細明體"/>
@@ -3900,7 +3976,7 @@
         <a:latin typeface="Calibri" panose="020F0502020204030204"/>
         <a:ea typeface=""/>
         <a:cs typeface=""/>
-        <a:font script="Jpan" typeface="游ゴシック"/>
+        <a:font script="Jpan" typeface="Yu Gothic"/>
         <a:font script="Hang" typeface="맑은 고딕"/>
         <a:font script="Hans" typeface="等线"/>
         <a:font script="Hant" typeface="新細明體"/>
@@ -4013,21 +4089,21 @@
             <a:schemeClr val="phClr"/>
           </a:solidFill>
           <a:prstDash val="solid"/>
-          <a:miter lim="800000"/>
+          <a:miter/>
         </a:ln>
         <a:ln w="12700" cap="flat" cmpd="sng" algn="ctr">
           <a:solidFill>
             <a:schemeClr val="phClr"/>
           </a:solidFill>
           <a:prstDash val="solid"/>
-          <a:miter lim="800000"/>
+          <a:miter/>
         </a:ln>
         <a:ln w="19050" cap="flat" cmpd="sng" algn="ctr">
           <a:solidFill>
             <a:schemeClr val="phClr"/>
           </a:solidFill>
           <a:prstDash val="solid"/>
-          <a:miter lim="800000"/>
+          <a:miter/>
         </a:ln>
       </a:lnStyleLst>
       <a:effectStyleLst>
@@ -4087,12 +4163,5 @@
       </a:bgFillStyleLst>
     </a:fmtScheme>
   </a:themeElements>
-  <a:objectDefaults/>
-  <a:extraClrSchemeLst/>
-  <a:extLst>
-    <a:ext uri="{05A4C25C-085E-4340-85A3-A5531E510DB2}">
-      <thm15:themeFamily xmlns:thm15="http://schemas.microsoft.com/office/thememl/2012/main" name="Office Theme" id="{62F939B6-93AF-4DB8-9C6B-D6C7DFDC589F}" vid="{4A3C46E8-61CC-4603-A589-7422A47A8E4A}"/>
-    </a:ext>
-  </a:extLst>
 </a:theme>
 </file>
--- a/week12/branch.pptx
+++ b/week12/branch.pptx
@@ -7,12 +7,13 @@
   <p:sldIdLst>
     <p:sldId id="256" r:id="rId2"/>
     <p:sldId id="257" r:id="rId3"/>
+    <p:sldId id="258" r:id="rId4"/>
   </p:sldIdLst>
   <p:sldSz cx="12192000" cy="6858000"/>
   <p:notesSz cx="6858000" cy="9144000"/>
   <p:defaultTextStyle>
     <a:defPPr>
-      <a:defRPr lang="en-KR"/>
+      <a:defRPr lang="x-none"/>
     </a:defPPr>
     <a:lvl1pPr marL="0" algn="l" defTabSz="914400" rtl="0" eaLnBrk="1" latinLnBrk="0" hangingPunct="1">
       <a:defRPr sz="1800" kern="1200">
@@ -107,7 +108,7 @@
   </p:defaultTextStyle>
   <p:extLst>
     <p:ext uri="{EFAFB233-063F-42B5-8137-9DF3F51BA10A}">
-      <p15:sldGuideLst xmlns:p15="http://schemas.microsoft.com/office/powerpoint/2012/main"/>
+      <p15:sldGuideLst xmlns:p15="http://schemas.microsoft.com/office/powerpoint/2012/main" xmlns=""/>
     </p:ext>
   </p:extLst>
 </p:presentation>
@@ -135,7 +136,7 @@
           <p:cNvPr id="2" name="Title 1">
             <a:extLst>
               <a:ext uri="{FF2B5EF4-FFF2-40B4-BE49-F238E27FC236}">
-                <a16:creationId xmlns:a16="http://schemas.microsoft.com/office/drawing/2014/main" id="{5A1B3EE0-624E-72BD-3B82-ED14AA037A38}"/>
+                <a16:creationId xmlns:a16="http://schemas.microsoft.com/office/drawing/2014/main" xmlns="" id="{5A1B3EE0-624E-72BD-3B82-ED14AA037A38}"/>
               </a:ext>
             </a:extLst>
           </p:cNvPr>
@@ -164,7 +165,7 @@
               <a:rPr lang="en-US"/>
               <a:t>Click to edit Master title style</a:t>
             </a:r>
-            <a:endParaRPr lang="en-KR"/>
+            <a:endParaRPr lang="x-none"/>
           </a:p>
         </p:txBody>
       </p:sp>
@@ -173,7 +174,7 @@
           <p:cNvPr id="3" name="Subtitle 2">
             <a:extLst>
               <a:ext uri="{FF2B5EF4-FFF2-40B4-BE49-F238E27FC236}">
-                <a16:creationId xmlns:a16="http://schemas.microsoft.com/office/drawing/2014/main" id="{62090602-B002-34E3-3912-F508C7E178D4}"/>
+                <a16:creationId xmlns:a16="http://schemas.microsoft.com/office/drawing/2014/main" xmlns="" id="{62090602-B002-34E3-3912-F508C7E178D4}"/>
               </a:ext>
             </a:extLst>
           </p:cNvPr>
@@ -235,7 +236,7 @@
               <a:rPr lang="en-US"/>
               <a:t>Click to edit Master subtitle style</a:t>
             </a:r>
-            <a:endParaRPr lang="en-KR"/>
+            <a:endParaRPr lang="x-none"/>
           </a:p>
         </p:txBody>
       </p:sp>
@@ -244,7 +245,7 @@
           <p:cNvPr id="4" name="Date Placeholder 3">
             <a:extLst>
               <a:ext uri="{FF2B5EF4-FFF2-40B4-BE49-F238E27FC236}">
-                <a16:creationId xmlns:a16="http://schemas.microsoft.com/office/drawing/2014/main" id="{BE7CD013-31B7-9D5F-4107-6216D07802DE}"/>
+                <a16:creationId xmlns:a16="http://schemas.microsoft.com/office/drawing/2014/main" xmlns="" id="{BE7CD013-31B7-9D5F-4107-6216D07802DE}"/>
               </a:ext>
             </a:extLst>
           </p:cNvPr>
@@ -261,10 +262,10 @@
           <a:lstStyle/>
           <a:p>
             <a:fld id="{42AB81E2-2E7B-B344-9159-A676E4F74E42}" type="datetimeFigureOut">
-              <a:rPr lang="en-KR" smtClean="0"/>
-              <a:t>11/16/23</a:t>
+              <a:rPr lang="x-none" smtClean="0"/>
+              <a:t>2023-11-17</a:t>
             </a:fld>
-            <a:endParaRPr lang="en-KR"/>
+            <a:endParaRPr lang="x-none"/>
           </a:p>
         </p:txBody>
       </p:sp>
@@ -273,7 +274,7 @@
           <p:cNvPr id="5" name="Footer Placeholder 4">
             <a:extLst>
               <a:ext uri="{FF2B5EF4-FFF2-40B4-BE49-F238E27FC236}">
-                <a16:creationId xmlns:a16="http://schemas.microsoft.com/office/drawing/2014/main" id="{9ECBABD2-7420-3CC7-2DD7-7E0C525E3CF5}"/>
+                <a16:creationId xmlns:a16="http://schemas.microsoft.com/office/drawing/2014/main" xmlns="" id="{9ECBABD2-7420-3CC7-2DD7-7E0C525E3CF5}"/>
               </a:ext>
             </a:extLst>
           </p:cNvPr>
@@ -289,7 +290,7 @@
           <a:bodyPr/>
           <a:lstStyle/>
           <a:p>
-            <a:endParaRPr lang="en-KR"/>
+            <a:endParaRPr lang="x-none"/>
           </a:p>
         </p:txBody>
       </p:sp>
@@ -298,7 +299,7 @@
           <p:cNvPr id="6" name="Slide Number Placeholder 5">
             <a:extLst>
               <a:ext uri="{FF2B5EF4-FFF2-40B4-BE49-F238E27FC236}">
-                <a16:creationId xmlns:a16="http://schemas.microsoft.com/office/drawing/2014/main" id="{09E8F160-68B7-9BFB-69AD-FED0FD4433B6}"/>
+                <a16:creationId xmlns:a16="http://schemas.microsoft.com/office/drawing/2014/main" xmlns="" id="{09E8F160-68B7-9BFB-69AD-FED0FD4433B6}"/>
               </a:ext>
             </a:extLst>
           </p:cNvPr>
@@ -315,10 +316,10 @@
           <a:lstStyle/>
           <a:p>
             <a:fld id="{E8620052-2744-1545-9BA1-6A64547928C6}" type="slidenum">
-              <a:rPr lang="en-KR" smtClean="0"/>
+              <a:rPr lang="x-none" smtClean="0"/>
               <a:t>‹#›</a:t>
             </a:fld>
-            <a:endParaRPr lang="en-KR"/>
+            <a:endParaRPr lang="x-none"/>
           </a:p>
         </p:txBody>
       </p:sp>
@@ -357,7 +358,7 @@
           <p:cNvPr id="2" name="Title 1">
             <a:extLst>
               <a:ext uri="{FF2B5EF4-FFF2-40B4-BE49-F238E27FC236}">
-                <a16:creationId xmlns:a16="http://schemas.microsoft.com/office/drawing/2014/main" id="{41025F50-731E-C13D-E4ED-5A186131C9DF}"/>
+                <a16:creationId xmlns:a16="http://schemas.microsoft.com/office/drawing/2014/main" xmlns="" id="{41025F50-731E-C13D-E4ED-5A186131C9DF}"/>
               </a:ext>
             </a:extLst>
           </p:cNvPr>
@@ -377,7 +378,7 @@
               <a:rPr lang="en-US"/>
               <a:t>Click to edit Master title style</a:t>
             </a:r>
-            <a:endParaRPr lang="en-KR"/>
+            <a:endParaRPr lang="x-none"/>
           </a:p>
         </p:txBody>
       </p:sp>
@@ -386,7 +387,7 @@
           <p:cNvPr id="3" name="Vertical Text Placeholder 2">
             <a:extLst>
               <a:ext uri="{FF2B5EF4-FFF2-40B4-BE49-F238E27FC236}">
-                <a16:creationId xmlns:a16="http://schemas.microsoft.com/office/drawing/2014/main" id="{4707924E-2740-E5B8-6EC4-5E8257988678}"/>
+                <a16:creationId xmlns:a16="http://schemas.microsoft.com/office/drawing/2014/main" xmlns="" id="{4707924E-2740-E5B8-6EC4-5E8257988678}"/>
               </a:ext>
             </a:extLst>
           </p:cNvPr>
@@ -435,7 +436,7 @@
               <a:rPr lang="en-US"/>
               <a:t>Fifth level</a:t>
             </a:r>
-            <a:endParaRPr lang="en-KR"/>
+            <a:endParaRPr lang="x-none"/>
           </a:p>
         </p:txBody>
       </p:sp>
@@ -444,7 +445,7 @@
           <p:cNvPr id="4" name="Date Placeholder 3">
             <a:extLst>
               <a:ext uri="{FF2B5EF4-FFF2-40B4-BE49-F238E27FC236}">
-                <a16:creationId xmlns:a16="http://schemas.microsoft.com/office/drawing/2014/main" id="{6B9F4A5A-C9C5-A417-79F8-E95E8B74AB57}"/>
+                <a16:creationId xmlns:a16="http://schemas.microsoft.com/office/drawing/2014/main" xmlns="" id="{6B9F4A5A-C9C5-A417-79F8-E95E8B74AB57}"/>
               </a:ext>
             </a:extLst>
           </p:cNvPr>
@@ -461,10 +462,10 @@
           <a:lstStyle/>
           <a:p>
             <a:fld id="{42AB81E2-2E7B-B344-9159-A676E4F74E42}" type="datetimeFigureOut">
-              <a:rPr lang="en-KR" smtClean="0"/>
-              <a:t>11/16/23</a:t>
+              <a:rPr lang="x-none" smtClean="0"/>
+              <a:t>2023-11-17</a:t>
             </a:fld>
-            <a:endParaRPr lang="en-KR"/>
+            <a:endParaRPr lang="x-none"/>
           </a:p>
         </p:txBody>
       </p:sp>
@@ -473,7 +474,7 @@
           <p:cNvPr id="5" name="Footer Placeholder 4">
             <a:extLst>
               <a:ext uri="{FF2B5EF4-FFF2-40B4-BE49-F238E27FC236}">
-                <a16:creationId xmlns:a16="http://schemas.microsoft.com/office/drawing/2014/main" id="{57421C53-0010-D505-6068-D8B018FD2295}"/>
+                <a16:creationId xmlns:a16="http://schemas.microsoft.com/office/drawing/2014/main" xmlns="" id="{57421C53-0010-D505-6068-D8B018FD2295}"/>
               </a:ext>
             </a:extLst>
           </p:cNvPr>
@@ -489,7 +490,7 @@
           <a:bodyPr/>
           <a:lstStyle/>
           <a:p>
-            <a:endParaRPr lang="en-KR"/>
+            <a:endParaRPr lang="x-none"/>
           </a:p>
         </p:txBody>
       </p:sp>
@@ -498,7 +499,7 @@
           <p:cNvPr id="6" name="Slide Number Placeholder 5">
             <a:extLst>
               <a:ext uri="{FF2B5EF4-FFF2-40B4-BE49-F238E27FC236}">
-                <a16:creationId xmlns:a16="http://schemas.microsoft.com/office/drawing/2014/main" id="{F6C2F7B7-D683-DD54-4B00-0FE893E8D81F}"/>
+                <a16:creationId xmlns:a16="http://schemas.microsoft.com/office/drawing/2014/main" xmlns="" id="{F6C2F7B7-D683-DD54-4B00-0FE893E8D81F}"/>
               </a:ext>
             </a:extLst>
           </p:cNvPr>
@@ -515,10 +516,10 @@
           <a:lstStyle/>
           <a:p>
             <a:fld id="{E8620052-2744-1545-9BA1-6A64547928C6}" type="slidenum">
-              <a:rPr lang="en-KR" smtClean="0"/>
+              <a:rPr lang="x-none" smtClean="0"/>
               <a:t>‹#›</a:t>
             </a:fld>
-            <a:endParaRPr lang="en-KR"/>
+            <a:endParaRPr lang="x-none"/>
           </a:p>
         </p:txBody>
       </p:sp>
@@ -557,7 +558,7 @@
           <p:cNvPr id="2" name="Vertical Title 1">
             <a:extLst>
               <a:ext uri="{FF2B5EF4-FFF2-40B4-BE49-F238E27FC236}">
-                <a16:creationId xmlns:a16="http://schemas.microsoft.com/office/drawing/2014/main" id="{7971C6AA-10AF-E2E6-045A-817D72659C35}"/>
+                <a16:creationId xmlns:a16="http://schemas.microsoft.com/office/drawing/2014/main" xmlns="" id="{7971C6AA-10AF-E2E6-045A-817D72659C35}"/>
               </a:ext>
             </a:extLst>
           </p:cNvPr>
@@ -582,7 +583,7 @@
               <a:rPr lang="en-US"/>
               <a:t>Click to edit Master title style</a:t>
             </a:r>
-            <a:endParaRPr lang="en-KR"/>
+            <a:endParaRPr lang="x-none"/>
           </a:p>
         </p:txBody>
       </p:sp>
@@ -591,7 +592,7 @@
           <p:cNvPr id="3" name="Vertical Text Placeholder 2">
             <a:extLst>
               <a:ext uri="{FF2B5EF4-FFF2-40B4-BE49-F238E27FC236}">
-                <a16:creationId xmlns:a16="http://schemas.microsoft.com/office/drawing/2014/main" id="{C4A392B8-5E4E-E03B-905A-8E02C7BF14FE}"/>
+                <a16:creationId xmlns:a16="http://schemas.microsoft.com/office/drawing/2014/main" xmlns="" id="{C4A392B8-5E4E-E03B-905A-8E02C7BF14FE}"/>
               </a:ext>
             </a:extLst>
           </p:cNvPr>
@@ -645,7 +646,7 @@
               <a:rPr lang="en-US"/>
               <a:t>Fifth level</a:t>
             </a:r>
-            <a:endParaRPr lang="en-KR"/>
+            <a:endParaRPr lang="x-none"/>
           </a:p>
         </p:txBody>
       </p:sp>
@@ -654,7 +655,7 @@
           <p:cNvPr id="4" name="Date Placeholder 3">
             <a:extLst>
               <a:ext uri="{FF2B5EF4-FFF2-40B4-BE49-F238E27FC236}">
-                <a16:creationId xmlns:a16="http://schemas.microsoft.com/office/drawing/2014/main" id="{CD648202-1771-7AB8-46DD-1835C3F4F284}"/>
+                <a16:creationId xmlns:a16="http://schemas.microsoft.com/office/drawing/2014/main" xmlns="" id="{CD648202-1771-7AB8-46DD-1835C3F4F284}"/>
               </a:ext>
             </a:extLst>
           </p:cNvPr>
@@ -671,10 +672,10 @@
           <a:lstStyle/>
           <a:p>
             <a:fld id="{42AB81E2-2E7B-B344-9159-A676E4F74E42}" type="datetimeFigureOut">
-              <a:rPr lang="en-KR" smtClean="0"/>
-              <a:t>11/16/23</a:t>
+              <a:rPr lang="x-none" smtClean="0"/>
+              <a:t>2023-11-17</a:t>
             </a:fld>
-            <a:endParaRPr lang="en-KR"/>
+            <a:endParaRPr lang="x-none"/>
           </a:p>
         </p:txBody>
       </p:sp>
@@ -683,7 +684,7 @@
           <p:cNvPr id="5" name="Footer Placeholder 4">
             <a:extLst>
               <a:ext uri="{FF2B5EF4-FFF2-40B4-BE49-F238E27FC236}">
-                <a16:creationId xmlns:a16="http://schemas.microsoft.com/office/drawing/2014/main" id="{1784091D-F200-17A4-0ADE-E39B00FDBD9A}"/>
+                <a16:creationId xmlns:a16="http://schemas.microsoft.com/office/drawing/2014/main" xmlns="" id="{1784091D-F200-17A4-0ADE-E39B00FDBD9A}"/>
               </a:ext>
             </a:extLst>
           </p:cNvPr>
@@ -699,7 +700,7 @@
           <a:bodyPr/>
           <a:lstStyle/>
           <a:p>
-            <a:endParaRPr lang="en-KR"/>
+            <a:endParaRPr lang="x-none"/>
           </a:p>
         </p:txBody>
       </p:sp>
@@ -708,7 +709,7 @@
           <p:cNvPr id="6" name="Slide Number Placeholder 5">
             <a:extLst>
               <a:ext uri="{FF2B5EF4-FFF2-40B4-BE49-F238E27FC236}">
-                <a16:creationId xmlns:a16="http://schemas.microsoft.com/office/drawing/2014/main" id="{10762716-D4DD-4FF4-AFDA-EDDEB854D300}"/>
+                <a16:creationId xmlns:a16="http://schemas.microsoft.com/office/drawing/2014/main" xmlns="" id="{10762716-D4DD-4FF4-AFDA-EDDEB854D300}"/>
               </a:ext>
             </a:extLst>
           </p:cNvPr>
@@ -725,10 +726,10 @@
           <a:lstStyle/>
           <a:p>
             <a:fld id="{E8620052-2744-1545-9BA1-6A64547928C6}" type="slidenum">
-              <a:rPr lang="en-KR" smtClean="0"/>
+              <a:rPr lang="x-none" smtClean="0"/>
               <a:t>‹#›</a:t>
             </a:fld>
-            <a:endParaRPr lang="en-KR"/>
+            <a:endParaRPr lang="x-none"/>
           </a:p>
         </p:txBody>
       </p:sp>
@@ -767,7 +768,7 @@
           <p:cNvPr id="2" name="Title 1">
             <a:extLst>
               <a:ext uri="{FF2B5EF4-FFF2-40B4-BE49-F238E27FC236}">
-                <a16:creationId xmlns:a16="http://schemas.microsoft.com/office/drawing/2014/main" id="{8956F27E-70E7-2FEF-D3C7-89AA9B25A2BE}"/>
+                <a16:creationId xmlns:a16="http://schemas.microsoft.com/office/drawing/2014/main" xmlns="" id="{8956F27E-70E7-2FEF-D3C7-89AA9B25A2BE}"/>
               </a:ext>
             </a:extLst>
           </p:cNvPr>
@@ -787,7 +788,7 @@
               <a:rPr lang="en-US"/>
               <a:t>Click to edit Master title style</a:t>
             </a:r>
-            <a:endParaRPr lang="en-KR"/>
+            <a:endParaRPr lang="x-none"/>
           </a:p>
         </p:txBody>
       </p:sp>
@@ -796,7 +797,7 @@
           <p:cNvPr id="3" name="Content Placeholder 2">
             <a:extLst>
               <a:ext uri="{FF2B5EF4-FFF2-40B4-BE49-F238E27FC236}">
-                <a16:creationId xmlns:a16="http://schemas.microsoft.com/office/drawing/2014/main" id="{86EDF396-B4BD-D48E-95B8-BE9E35B9A810}"/>
+                <a16:creationId xmlns:a16="http://schemas.microsoft.com/office/drawing/2014/main" xmlns="" id="{86EDF396-B4BD-D48E-95B8-BE9E35B9A810}"/>
               </a:ext>
             </a:extLst>
           </p:cNvPr>
@@ -845,7 +846,7 @@
               <a:rPr lang="en-US"/>
               <a:t>Fifth level</a:t>
             </a:r>
-            <a:endParaRPr lang="en-KR"/>
+            <a:endParaRPr lang="x-none"/>
           </a:p>
         </p:txBody>
       </p:sp>
@@ -854,7 +855,7 @@
           <p:cNvPr id="4" name="Date Placeholder 3">
             <a:extLst>
               <a:ext uri="{FF2B5EF4-FFF2-40B4-BE49-F238E27FC236}">
-                <a16:creationId xmlns:a16="http://schemas.microsoft.com/office/drawing/2014/main" id="{90B8B5B1-2513-D0C0-C4A6-10AA9B8BB353}"/>
+                <a16:creationId xmlns:a16="http://schemas.microsoft.com/office/drawing/2014/main" xmlns="" id="{90B8B5B1-2513-D0C0-C4A6-10AA9B8BB353}"/>
               </a:ext>
             </a:extLst>
           </p:cNvPr>
@@ -871,10 +872,10 @@
           <a:lstStyle/>
           <a:p>
             <a:fld id="{42AB81E2-2E7B-B344-9159-A676E4F74E42}" type="datetimeFigureOut">
-              <a:rPr lang="en-KR" smtClean="0"/>
-              <a:t>11/16/23</a:t>
+              <a:rPr lang="x-none" smtClean="0"/>
+              <a:t>2023-11-17</a:t>
             </a:fld>
-            <a:endParaRPr lang="en-KR"/>
+            <a:endParaRPr lang="x-none"/>
           </a:p>
         </p:txBody>
       </p:sp>
@@ -883,7 +884,7 @@
           <p:cNvPr id="5" name="Footer Placeholder 4">
             <a:extLst>
               <a:ext uri="{FF2B5EF4-FFF2-40B4-BE49-F238E27FC236}">
-                <a16:creationId xmlns:a16="http://schemas.microsoft.com/office/drawing/2014/main" id="{B5B4EF03-19D2-BF23-2103-414C17C322E4}"/>
+                <a16:creationId xmlns:a16="http://schemas.microsoft.com/office/drawing/2014/main" xmlns="" id="{B5B4EF03-19D2-BF23-2103-414C17C322E4}"/>
               </a:ext>
             </a:extLst>
           </p:cNvPr>
@@ -899,7 +900,7 @@
           <a:bodyPr/>
           <a:lstStyle/>
           <a:p>
-            <a:endParaRPr lang="en-KR"/>
+            <a:endParaRPr lang="x-none"/>
           </a:p>
         </p:txBody>
       </p:sp>
@@ -908,7 +909,7 @@
           <p:cNvPr id="6" name="Slide Number Placeholder 5">
             <a:extLst>
               <a:ext uri="{FF2B5EF4-FFF2-40B4-BE49-F238E27FC236}">
-                <a16:creationId xmlns:a16="http://schemas.microsoft.com/office/drawing/2014/main" id="{41833304-D123-F138-30E5-B8ED2AD2206D}"/>
+                <a16:creationId xmlns:a16="http://schemas.microsoft.com/office/drawing/2014/main" xmlns="" id="{41833304-D123-F138-30E5-B8ED2AD2206D}"/>
               </a:ext>
             </a:extLst>
           </p:cNvPr>
@@ -925,10 +926,10 @@
           <a:lstStyle/>
           <a:p>
             <a:fld id="{E8620052-2744-1545-9BA1-6A64547928C6}" type="slidenum">
-              <a:rPr lang="en-KR" smtClean="0"/>
+              <a:rPr lang="x-none" smtClean="0"/>
               <a:t>‹#›</a:t>
             </a:fld>
-            <a:endParaRPr lang="en-KR"/>
+            <a:endParaRPr lang="x-none"/>
           </a:p>
         </p:txBody>
       </p:sp>
@@ -967,7 +968,7 @@
           <p:cNvPr id="2" name="Title 1">
             <a:extLst>
               <a:ext uri="{FF2B5EF4-FFF2-40B4-BE49-F238E27FC236}">
-                <a16:creationId xmlns:a16="http://schemas.microsoft.com/office/drawing/2014/main" id="{05FDDC2B-2422-0086-BCAA-C023A70C5E95}"/>
+                <a16:creationId xmlns:a16="http://schemas.microsoft.com/office/drawing/2014/main" xmlns="" id="{05FDDC2B-2422-0086-BCAA-C023A70C5E95}"/>
               </a:ext>
             </a:extLst>
           </p:cNvPr>
@@ -996,7 +997,7 @@
               <a:rPr lang="en-US"/>
               <a:t>Click to edit Master title style</a:t>
             </a:r>
-            <a:endParaRPr lang="en-KR"/>
+            <a:endParaRPr lang="x-none"/>
           </a:p>
         </p:txBody>
       </p:sp>
@@ -1005,7 +1006,7 @@
           <p:cNvPr id="3" name="Text Placeholder 2">
             <a:extLst>
               <a:ext uri="{FF2B5EF4-FFF2-40B4-BE49-F238E27FC236}">
-                <a16:creationId xmlns:a16="http://schemas.microsoft.com/office/drawing/2014/main" id="{CA2ECC70-05E3-EEC8-4A27-FFD2615A4BF0}"/>
+                <a16:creationId xmlns:a16="http://schemas.microsoft.com/office/drawing/2014/main" xmlns="" id="{CA2ECC70-05E3-EEC8-4A27-FFD2615A4BF0}"/>
               </a:ext>
             </a:extLst>
           </p:cNvPr>
@@ -1130,7 +1131,7 @@
           <p:cNvPr id="4" name="Date Placeholder 3">
             <a:extLst>
               <a:ext uri="{FF2B5EF4-FFF2-40B4-BE49-F238E27FC236}">
-                <a16:creationId xmlns:a16="http://schemas.microsoft.com/office/drawing/2014/main" id="{3C8BF486-E15A-B2C3-7FA7-B09B83A20492}"/>
+                <a16:creationId xmlns:a16="http://schemas.microsoft.com/office/drawing/2014/main" xmlns="" id="{3C8BF486-E15A-B2C3-7FA7-B09B83A20492}"/>
               </a:ext>
             </a:extLst>
           </p:cNvPr>
@@ -1147,10 +1148,10 @@
           <a:lstStyle/>
           <a:p>
             <a:fld id="{42AB81E2-2E7B-B344-9159-A676E4F74E42}" type="datetimeFigureOut">
-              <a:rPr lang="en-KR" smtClean="0"/>
-              <a:t>11/16/23</a:t>
+              <a:rPr lang="x-none" smtClean="0"/>
+              <a:t>2023-11-17</a:t>
             </a:fld>
-            <a:endParaRPr lang="en-KR"/>
+            <a:endParaRPr lang="x-none"/>
           </a:p>
         </p:txBody>
       </p:sp>
@@ -1159,7 +1160,7 @@
           <p:cNvPr id="5" name="Footer Placeholder 4">
             <a:extLst>
               <a:ext uri="{FF2B5EF4-FFF2-40B4-BE49-F238E27FC236}">
-                <a16:creationId xmlns:a16="http://schemas.microsoft.com/office/drawing/2014/main" id="{0AC26072-5C19-B9D1-4981-E8A25135DBE1}"/>
+                <a16:creationId xmlns:a16="http://schemas.microsoft.com/office/drawing/2014/main" xmlns="" id="{0AC26072-5C19-B9D1-4981-E8A25135DBE1}"/>
               </a:ext>
             </a:extLst>
           </p:cNvPr>
@@ -1175,7 +1176,7 @@
           <a:bodyPr/>
           <a:lstStyle/>
           <a:p>
-            <a:endParaRPr lang="en-KR"/>
+            <a:endParaRPr lang="x-none"/>
           </a:p>
         </p:txBody>
       </p:sp>
@@ -1184,7 +1185,7 @@
           <p:cNvPr id="6" name="Slide Number Placeholder 5">
             <a:extLst>
               <a:ext uri="{FF2B5EF4-FFF2-40B4-BE49-F238E27FC236}">
-                <a16:creationId xmlns:a16="http://schemas.microsoft.com/office/drawing/2014/main" id="{993C070A-BCE4-064D-A7CF-E95C4D4F9132}"/>
+                <a16:creationId xmlns:a16="http://schemas.microsoft.com/office/drawing/2014/main" xmlns="" id="{993C070A-BCE4-064D-A7CF-E95C4D4F9132}"/>
               </a:ext>
             </a:extLst>
           </p:cNvPr>
@@ -1201,10 +1202,10 @@
           <a:lstStyle/>
           <a:p>
             <a:fld id="{E8620052-2744-1545-9BA1-6A64547928C6}" type="slidenum">
-              <a:rPr lang="en-KR" smtClean="0"/>
+              <a:rPr lang="x-none" smtClean="0"/>
               <a:t>‹#›</a:t>
             </a:fld>
-            <a:endParaRPr lang="en-KR"/>
+            <a:endParaRPr lang="x-none"/>
           </a:p>
         </p:txBody>
       </p:sp>
@@ -1243,7 +1244,7 @@
           <p:cNvPr id="2" name="Title 1">
             <a:extLst>
               <a:ext uri="{FF2B5EF4-FFF2-40B4-BE49-F238E27FC236}">
-                <a16:creationId xmlns:a16="http://schemas.microsoft.com/office/drawing/2014/main" id="{1FF3BA6D-1B1D-BAF9-88F4-216CA2453C13}"/>
+                <a16:creationId xmlns:a16="http://schemas.microsoft.com/office/drawing/2014/main" xmlns="" id="{1FF3BA6D-1B1D-BAF9-88F4-216CA2453C13}"/>
               </a:ext>
             </a:extLst>
           </p:cNvPr>
@@ -1263,7 +1264,7 @@
               <a:rPr lang="en-US"/>
               <a:t>Click to edit Master title style</a:t>
             </a:r>
-            <a:endParaRPr lang="en-KR"/>
+            <a:endParaRPr lang="x-none"/>
           </a:p>
         </p:txBody>
       </p:sp>
@@ -1272,7 +1273,7 @@
           <p:cNvPr id="3" name="Content Placeholder 2">
             <a:extLst>
               <a:ext uri="{FF2B5EF4-FFF2-40B4-BE49-F238E27FC236}">
-                <a16:creationId xmlns:a16="http://schemas.microsoft.com/office/drawing/2014/main" id="{65674CA5-C544-12D1-27A7-778C736AD24A}"/>
+                <a16:creationId xmlns:a16="http://schemas.microsoft.com/office/drawing/2014/main" xmlns="" id="{65674CA5-C544-12D1-27A7-778C736AD24A}"/>
               </a:ext>
             </a:extLst>
           </p:cNvPr>
@@ -1326,7 +1327,7 @@
               <a:rPr lang="en-US"/>
               <a:t>Fifth level</a:t>
             </a:r>
-            <a:endParaRPr lang="en-KR"/>
+            <a:endParaRPr lang="x-none"/>
           </a:p>
         </p:txBody>
       </p:sp>
@@ -1335,7 +1336,7 @@
           <p:cNvPr id="4" name="Content Placeholder 3">
             <a:extLst>
               <a:ext uri="{FF2B5EF4-FFF2-40B4-BE49-F238E27FC236}">
-                <a16:creationId xmlns:a16="http://schemas.microsoft.com/office/drawing/2014/main" id="{2CFAC38F-2F57-2486-5B64-01A03934485F}"/>
+                <a16:creationId xmlns:a16="http://schemas.microsoft.com/office/drawing/2014/main" xmlns="" id="{2CFAC38F-2F57-2486-5B64-01A03934485F}"/>
               </a:ext>
             </a:extLst>
           </p:cNvPr>
@@ -1389,7 +1390,7 @@
               <a:rPr lang="en-US"/>
               <a:t>Fifth level</a:t>
             </a:r>
-            <a:endParaRPr lang="en-KR"/>
+            <a:endParaRPr lang="x-none"/>
           </a:p>
         </p:txBody>
       </p:sp>
@@ -1398,7 +1399,7 @@
           <p:cNvPr id="5" name="Date Placeholder 4">
             <a:extLst>
               <a:ext uri="{FF2B5EF4-FFF2-40B4-BE49-F238E27FC236}">
-                <a16:creationId xmlns:a16="http://schemas.microsoft.com/office/drawing/2014/main" id="{DD936152-7436-70D2-EBB2-4643D0F0DE3F}"/>
+                <a16:creationId xmlns:a16="http://schemas.microsoft.com/office/drawing/2014/main" xmlns="" id="{DD936152-7436-70D2-EBB2-4643D0F0DE3F}"/>
               </a:ext>
             </a:extLst>
           </p:cNvPr>
@@ -1415,10 +1416,10 @@
           <a:lstStyle/>
           <a:p>
             <a:fld id="{42AB81E2-2E7B-B344-9159-A676E4F74E42}" type="datetimeFigureOut">
-              <a:rPr lang="en-KR" smtClean="0"/>
-              <a:t>11/16/23</a:t>
+              <a:rPr lang="x-none" smtClean="0"/>
+              <a:t>2023-11-17</a:t>
             </a:fld>
-            <a:endParaRPr lang="en-KR"/>
+            <a:endParaRPr lang="x-none"/>
           </a:p>
         </p:txBody>
       </p:sp>
@@ -1427,7 +1428,7 @@
           <p:cNvPr id="6" name="Footer Placeholder 5">
             <a:extLst>
               <a:ext uri="{FF2B5EF4-FFF2-40B4-BE49-F238E27FC236}">
-                <a16:creationId xmlns:a16="http://schemas.microsoft.com/office/drawing/2014/main" id="{8BAF6884-AFC8-E35E-6DA0-7EADC8D80D39}"/>
+                <a16:creationId xmlns:a16="http://schemas.microsoft.com/office/drawing/2014/main" xmlns="" id="{8BAF6884-AFC8-E35E-6DA0-7EADC8D80D39}"/>
               </a:ext>
             </a:extLst>
           </p:cNvPr>
@@ -1443,7 +1444,7 @@
           <a:bodyPr/>
           <a:lstStyle/>
           <a:p>
-            <a:endParaRPr lang="en-KR"/>
+            <a:endParaRPr lang="x-none"/>
           </a:p>
         </p:txBody>
       </p:sp>
@@ -1452,7 +1453,7 @@
           <p:cNvPr id="7" name="Slide Number Placeholder 6">
             <a:extLst>
               <a:ext uri="{FF2B5EF4-FFF2-40B4-BE49-F238E27FC236}">
-                <a16:creationId xmlns:a16="http://schemas.microsoft.com/office/drawing/2014/main" id="{EF5557AA-E92D-DADC-193A-FD536F29C39E}"/>
+                <a16:creationId xmlns:a16="http://schemas.microsoft.com/office/drawing/2014/main" xmlns="" id="{EF5557AA-E92D-DADC-193A-FD536F29C39E}"/>
               </a:ext>
             </a:extLst>
           </p:cNvPr>
@@ -1469,10 +1470,10 @@
           <a:lstStyle/>
           <a:p>
             <a:fld id="{E8620052-2744-1545-9BA1-6A64547928C6}" type="slidenum">
-              <a:rPr lang="en-KR" smtClean="0"/>
+              <a:rPr lang="x-none" smtClean="0"/>
               <a:t>‹#›</a:t>
             </a:fld>
-            <a:endParaRPr lang="en-KR"/>
+            <a:endParaRPr lang="x-none"/>
           </a:p>
         </p:txBody>
       </p:sp>
@@ -1511,7 +1512,7 @@
           <p:cNvPr id="2" name="Title 1">
             <a:extLst>
               <a:ext uri="{FF2B5EF4-FFF2-40B4-BE49-F238E27FC236}">
-                <a16:creationId xmlns:a16="http://schemas.microsoft.com/office/drawing/2014/main" id="{9E23FD72-538D-64B4-3EA6-E021FB987EF3}"/>
+                <a16:creationId xmlns:a16="http://schemas.microsoft.com/office/drawing/2014/main" xmlns="" id="{9E23FD72-538D-64B4-3EA6-E021FB987EF3}"/>
               </a:ext>
             </a:extLst>
           </p:cNvPr>
@@ -1536,7 +1537,7 @@
               <a:rPr lang="en-US"/>
               <a:t>Click to edit Master title style</a:t>
             </a:r>
-            <a:endParaRPr lang="en-KR"/>
+            <a:endParaRPr lang="x-none"/>
           </a:p>
         </p:txBody>
       </p:sp>
@@ -1545,7 +1546,7 @@
           <p:cNvPr id="3" name="Text Placeholder 2">
             <a:extLst>
               <a:ext uri="{FF2B5EF4-FFF2-40B4-BE49-F238E27FC236}">
-                <a16:creationId xmlns:a16="http://schemas.microsoft.com/office/drawing/2014/main" id="{331C4A44-4191-32DD-A3AA-2D7F406A8B06}"/>
+                <a16:creationId xmlns:a16="http://schemas.microsoft.com/office/drawing/2014/main" xmlns="" id="{331C4A44-4191-32DD-A3AA-2D7F406A8B06}"/>
               </a:ext>
             </a:extLst>
           </p:cNvPr>
@@ -1616,7 +1617,7 @@
           <p:cNvPr id="4" name="Content Placeholder 3">
             <a:extLst>
               <a:ext uri="{FF2B5EF4-FFF2-40B4-BE49-F238E27FC236}">
-                <a16:creationId xmlns:a16="http://schemas.microsoft.com/office/drawing/2014/main" id="{D693C745-6747-1873-0F98-15ADC0A9BD05}"/>
+                <a16:creationId xmlns:a16="http://schemas.microsoft.com/office/drawing/2014/main" xmlns="" id="{D693C745-6747-1873-0F98-15ADC0A9BD05}"/>
               </a:ext>
             </a:extLst>
           </p:cNvPr>
@@ -1670,7 +1671,7 @@
               <a:rPr lang="en-US"/>
               <a:t>Fifth level</a:t>
             </a:r>
-            <a:endParaRPr lang="en-KR"/>
+            <a:endParaRPr lang="x-none"/>
           </a:p>
         </p:txBody>
       </p:sp>
@@ -1679,7 +1680,7 @@
           <p:cNvPr id="5" name="Text Placeholder 4">
             <a:extLst>
               <a:ext uri="{FF2B5EF4-FFF2-40B4-BE49-F238E27FC236}">
-                <a16:creationId xmlns:a16="http://schemas.microsoft.com/office/drawing/2014/main" id="{0CF38913-7B6D-D73F-E5CB-F27287AE8104}"/>
+                <a16:creationId xmlns:a16="http://schemas.microsoft.com/office/drawing/2014/main" xmlns="" id="{0CF38913-7B6D-D73F-E5CB-F27287AE8104}"/>
               </a:ext>
             </a:extLst>
           </p:cNvPr>
@@ -1750,7 +1751,7 @@
           <p:cNvPr id="6" name="Content Placeholder 5">
             <a:extLst>
               <a:ext uri="{FF2B5EF4-FFF2-40B4-BE49-F238E27FC236}">
-                <a16:creationId xmlns:a16="http://schemas.microsoft.com/office/drawing/2014/main" id="{F7BCA124-52BC-867F-C48C-DDF5B721077B}"/>
+                <a16:creationId xmlns:a16="http://schemas.microsoft.com/office/drawing/2014/main" xmlns="" id="{F7BCA124-52BC-867F-C48C-DDF5B721077B}"/>
               </a:ext>
             </a:extLst>
           </p:cNvPr>
@@ -1804,7 +1805,7 @@
               <a:rPr lang="en-US"/>
               <a:t>Fifth level</a:t>
             </a:r>
-            <a:endParaRPr lang="en-KR"/>
+            <a:endParaRPr lang="x-none"/>
           </a:p>
         </p:txBody>
       </p:sp>
@@ -1813,7 +1814,7 @@
           <p:cNvPr id="7" name="Date Placeholder 6">
             <a:extLst>
               <a:ext uri="{FF2B5EF4-FFF2-40B4-BE49-F238E27FC236}">
-                <a16:creationId xmlns:a16="http://schemas.microsoft.com/office/drawing/2014/main" id="{0076FF61-252D-5168-88CA-1EF7439865D1}"/>
+                <a16:creationId xmlns:a16="http://schemas.microsoft.com/office/drawing/2014/main" xmlns="" id="{0076FF61-252D-5168-88CA-1EF7439865D1}"/>
               </a:ext>
             </a:extLst>
           </p:cNvPr>
@@ -1830,10 +1831,10 @@
           <a:lstStyle/>
           <a:p>
             <a:fld id="{42AB81E2-2E7B-B344-9159-A676E4F74E42}" type="datetimeFigureOut">
-              <a:rPr lang="en-KR" smtClean="0"/>
-              <a:t>11/16/23</a:t>
+              <a:rPr lang="x-none" smtClean="0"/>
+              <a:t>2023-11-17</a:t>
             </a:fld>
-            <a:endParaRPr lang="en-KR"/>
+            <a:endParaRPr lang="x-none"/>
           </a:p>
         </p:txBody>
       </p:sp>
@@ -1842,7 +1843,7 @@
           <p:cNvPr id="8" name="Footer Placeholder 7">
             <a:extLst>
               <a:ext uri="{FF2B5EF4-FFF2-40B4-BE49-F238E27FC236}">
-                <a16:creationId xmlns:a16="http://schemas.microsoft.com/office/drawing/2014/main" id="{27A4CC61-C843-BC4F-B1F6-4064AD060278}"/>
+                <a16:creationId xmlns:a16="http://schemas.microsoft.com/office/drawing/2014/main" xmlns="" id="{27A4CC61-C843-BC4F-B1F6-4064AD060278}"/>
               </a:ext>
             </a:extLst>
           </p:cNvPr>
@@ -1858,7 +1859,7 @@
           <a:bodyPr/>
           <a:lstStyle/>
           <a:p>
-            <a:endParaRPr lang="en-KR"/>
+            <a:endParaRPr lang="x-none"/>
           </a:p>
         </p:txBody>
       </p:sp>
@@ -1867,7 +1868,7 @@
           <p:cNvPr id="9" name="Slide Number Placeholder 8">
             <a:extLst>
               <a:ext uri="{FF2B5EF4-FFF2-40B4-BE49-F238E27FC236}">
-                <a16:creationId xmlns:a16="http://schemas.microsoft.com/office/drawing/2014/main" id="{339DAD52-CF03-8BE4-B5C1-13B19104E333}"/>
+                <a16:creationId xmlns:a16="http://schemas.microsoft.com/office/drawing/2014/main" xmlns="" id="{339DAD52-CF03-8BE4-B5C1-13B19104E333}"/>
               </a:ext>
             </a:extLst>
           </p:cNvPr>
@@ -1884,10 +1885,10 @@
           <a:lstStyle/>
           <a:p>
             <a:fld id="{E8620052-2744-1545-9BA1-6A64547928C6}" type="slidenum">
-              <a:rPr lang="en-KR" smtClean="0"/>
+              <a:rPr lang="x-none" smtClean="0"/>
               <a:t>‹#›</a:t>
             </a:fld>
-            <a:endParaRPr lang="en-KR"/>
+            <a:endParaRPr lang="x-none"/>
           </a:p>
         </p:txBody>
       </p:sp>
@@ -1926,7 +1927,7 @@
           <p:cNvPr id="2" name="Title 1">
             <a:extLst>
               <a:ext uri="{FF2B5EF4-FFF2-40B4-BE49-F238E27FC236}">
-                <a16:creationId xmlns:a16="http://schemas.microsoft.com/office/drawing/2014/main" id="{8E4814B7-4DCD-FB1B-1844-D427738EAAC7}"/>
+                <a16:creationId xmlns:a16="http://schemas.microsoft.com/office/drawing/2014/main" xmlns="" id="{8E4814B7-4DCD-FB1B-1844-D427738EAAC7}"/>
               </a:ext>
             </a:extLst>
           </p:cNvPr>
@@ -1946,7 +1947,7 @@
               <a:rPr lang="en-US"/>
               <a:t>Click to edit Master title style</a:t>
             </a:r>
-            <a:endParaRPr lang="en-KR"/>
+            <a:endParaRPr lang="x-none"/>
           </a:p>
         </p:txBody>
       </p:sp>
@@ -1955,7 +1956,7 @@
           <p:cNvPr id="3" name="Date Placeholder 2">
             <a:extLst>
               <a:ext uri="{FF2B5EF4-FFF2-40B4-BE49-F238E27FC236}">
-                <a16:creationId xmlns:a16="http://schemas.microsoft.com/office/drawing/2014/main" id="{020AA7B1-D35A-B21B-FF1F-51F451CD83D6}"/>
+                <a16:creationId xmlns:a16="http://schemas.microsoft.com/office/drawing/2014/main" xmlns="" id="{020AA7B1-D35A-B21B-FF1F-51F451CD83D6}"/>
               </a:ext>
             </a:extLst>
           </p:cNvPr>
@@ -1972,10 +1973,10 @@
           <a:lstStyle/>
           <a:p>
             <a:fld id="{42AB81E2-2E7B-B344-9159-A676E4F74E42}" type="datetimeFigureOut">
-              <a:rPr lang="en-KR" smtClean="0"/>
-              <a:t>11/16/23</a:t>
+              <a:rPr lang="x-none" smtClean="0"/>
+              <a:t>2023-11-17</a:t>
             </a:fld>
-            <a:endParaRPr lang="en-KR"/>
+            <a:endParaRPr lang="x-none"/>
           </a:p>
         </p:txBody>
       </p:sp>
@@ -1984,7 +1985,7 @@
           <p:cNvPr id="4" name="Footer Placeholder 3">
             <a:extLst>
               <a:ext uri="{FF2B5EF4-FFF2-40B4-BE49-F238E27FC236}">
-                <a16:creationId xmlns:a16="http://schemas.microsoft.com/office/drawing/2014/main" id="{914B3CF7-E8EE-EA4C-BD30-12B8112BA1A9}"/>
+                <a16:creationId xmlns:a16="http://schemas.microsoft.com/office/drawing/2014/main" xmlns="" id="{914B3CF7-E8EE-EA4C-BD30-12B8112BA1A9}"/>
               </a:ext>
             </a:extLst>
           </p:cNvPr>
@@ -2000,7 +2001,7 @@
           <a:bodyPr/>
           <a:lstStyle/>
           <a:p>
-            <a:endParaRPr lang="en-KR"/>
+            <a:endParaRPr lang="x-none"/>
           </a:p>
         </p:txBody>
       </p:sp>
@@ -2009,7 +2010,7 @@
           <p:cNvPr id="5" name="Slide Number Placeholder 4">
             <a:extLst>
               <a:ext uri="{FF2B5EF4-FFF2-40B4-BE49-F238E27FC236}">
-                <a16:creationId xmlns:a16="http://schemas.microsoft.com/office/drawing/2014/main" id="{574BFC09-F3DD-EE4B-5653-E192C36CD0AA}"/>
+                <a16:creationId xmlns:a16="http://schemas.microsoft.com/office/drawing/2014/main" xmlns="" id="{574BFC09-F3DD-EE4B-5653-E192C36CD0AA}"/>
               </a:ext>
             </a:extLst>
           </p:cNvPr>
@@ -2026,10 +2027,10 @@
           <a:lstStyle/>
           <a:p>
             <a:fld id="{E8620052-2744-1545-9BA1-6A64547928C6}" type="slidenum">
-              <a:rPr lang="en-KR" smtClean="0"/>
+              <a:rPr lang="x-none" smtClean="0"/>
               <a:t>‹#›</a:t>
             </a:fld>
-            <a:endParaRPr lang="en-KR"/>
+            <a:endParaRPr lang="x-none"/>
           </a:p>
         </p:txBody>
       </p:sp>
@@ -2068,7 +2069,7 @@
           <p:cNvPr id="2" name="Date Placeholder 1">
             <a:extLst>
               <a:ext uri="{FF2B5EF4-FFF2-40B4-BE49-F238E27FC236}">
-                <a16:creationId xmlns:a16="http://schemas.microsoft.com/office/drawing/2014/main" id="{B05F5D87-4E9F-5BD6-2AC5-B06BD97AF4C9}"/>
+                <a16:creationId xmlns:a16="http://schemas.microsoft.com/office/drawing/2014/main" xmlns="" id="{B05F5D87-4E9F-5BD6-2AC5-B06BD97AF4C9}"/>
               </a:ext>
             </a:extLst>
           </p:cNvPr>
@@ -2085,10 +2086,10 @@
           <a:lstStyle/>
           <a:p>
             <a:fld id="{42AB81E2-2E7B-B344-9159-A676E4F74E42}" type="datetimeFigureOut">
-              <a:rPr lang="en-KR" smtClean="0"/>
-              <a:t>11/16/23</a:t>
+              <a:rPr lang="x-none" smtClean="0"/>
+              <a:t>2023-11-17</a:t>
             </a:fld>
-            <a:endParaRPr lang="en-KR"/>
+            <a:endParaRPr lang="x-none"/>
           </a:p>
         </p:txBody>
       </p:sp>
@@ -2097,7 +2098,7 @@
           <p:cNvPr id="3" name="Footer Placeholder 2">
             <a:extLst>
               <a:ext uri="{FF2B5EF4-FFF2-40B4-BE49-F238E27FC236}">
-                <a16:creationId xmlns:a16="http://schemas.microsoft.com/office/drawing/2014/main" id="{74C6EE76-CA94-93BD-A62C-F92566E0FAD9}"/>
+                <a16:creationId xmlns:a16="http://schemas.microsoft.com/office/drawing/2014/main" xmlns="" id="{74C6EE76-CA94-93BD-A62C-F92566E0FAD9}"/>
               </a:ext>
             </a:extLst>
           </p:cNvPr>
@@ -2113,7 +2114,7 @@
           <a:bodyPr/>
           <a:lstStyle/>
           <a:p>
-            <a:endParaRPr lang="en-KR"/>
+            <a:endParaRPr lang="x-none"/>
           </a:p>
         </p:txBody>
       </p:sp>
@@ -2122,7 +2123,7 @@
           <p:cNvPr id="4" name="Slide Number Placeholder 3">
             <a:extLst>
               <a:ext uri="{FF2B5EF4-FFF2-40B4-BE49-F238E27FC236}">
-                <a16:creationId xmlns:a16="http://schemas.microsoft.com/office/drawing/2014/main" id="{BA1D823A-EEC5-D649-18EB-32E12CBC6E90}"/>
+                <a16:creationId xmlns:a16="http://schemas.microsoft.com/office/drawing/2014/main" xmlns="" id="{BA1D823A-EEC5-D649-18EB-32E12CBC6E90}"/>
               </a:ext>
             </a:extLst>
           </p:cNvPr>
@@ -2139,10 +2140,10 @@
           <a:lstStyle/>
           <a:p>
             <a:fld id="{E8620052-2744-1545-9BA1-6A64547928C6}" type="slidenum">
-              <a:rPr lang="en-KR" smtClean="0"/>
+              <a:rPr lang="x-none" smtClean="0"/>
               <a:t>‹#›</a:t>
             </a:fld>
-            <a:endParaRPr lang="en-KR"/>
+            <a:endParaRPr lang="x-none"/>
           </a:p>
         </p:txBody>
       </p:sp>
@@ -2181,7 +2182,7 @@
           <p:cNvPr id="2" name="Title 1">
             <a:extLst>
               <a:ext uri="{FF2B5EF4-FFF2-40B4-BE49-F238E27FC236}">
-                <a16:creationId xmlns:a16="http://schemas.microsoft.com/office/drawing/2014/main" id="{8DD39684-AA27-579E-E744-049676C3D400}"/>
+                <a16:creationId xmlns:a16="http://schemas.microsoft.com/office/drawing/2014/main" xmlns="" id="{8DD39684-AA27-579E-E744-049676C3D400}"/>
               </a:ext>
             </a:extLst>
           </p:cNvPr>
@@ -2210,7 +2211,7 @@
               <a:rPr lang="en-US"/>
               <a:t>Click to edit Master title style</a:t>
             </a:r>
-            <a:endParaRPr lang="en-KR"/>
+            <a:endParaRPr lang="x-none"/>
           </a:p>
         </p:txBody>
       </p:sp>
@@ -2219,7 +2220,7 @@
           <p:cNvPr id="3" name="Content Placeholder 2">
             <a:extLst>
               <a:ext uri="{FF2B5EF4-FFF2-40B4-BE49-F238E27FC236}">
-                <a16:creationId xmlns:a16="http://schemas.microsoft.com/office/drawing/2014/main" id="{F45C8757-9CA3-9C09-0605-1DB2D28825F7}"/>
+                <a16:creationId xmlns:a16="http://schemas.microsoft.com/office/drawing/2014/main" xmlns="" id="{F45C8757-9CA3-9C09-0605-1DB2D28825F7}"/>
               </a:ext>
             </a:extLst>
           </p:cNvPr>
@@ -2301,7 +2302,7 @@
               <a:rPr lang="en-US"/>
               <a:t>Fifth level</a:t>
             </a:r>
-            <a:endParaRPr lang="en-KR"/>
+            <a:endParaRPr lang="x-none"/>
           </a:p>
         </p:txBody>
       </p:sp>
@@ -2310,7 +2311,7 @@
           <p:cNvPr id="4" name="Text Placeholder 3">
             <a:extLst>
               <a:ext uri="{FF2B5EF4-FFF2-40B4-BE49-F238E27FC236}">
-                <a16:creationId xmlns:a16="http://schemas.microsoft.com/office/drawing/2014/main" id="{CD55A28D-DAAC-56BD-61D5-3D31962A94D3}"/>
+                <a16:creationId xmlns:a16="http://schemas.microsoft.com/office/drawing/2014/main" xmlns="" id="{CD55A28D-DAAC-56BD-61D5-3D31962A94D3}"/>
               </a:ext>
             </a:extLst>
           </p:cNvPr>
@@ -2381,7 +2382,7 @@
           <p:cNvPr id="5" name="Date Placeholder 4">
             <a:extLst>
               <a:ext uri="{FF2B5EF4-FFF2-40B4-BE49-F238E27FC236}">
-                <a16:creationId xmlns:a16="http://schemas.microsoft.com/office/drawing/2014/main" id="{F5F3EA5F-CAC9-E6B0-E2F2-3D69C369B0CB}"/>
+                <a16:creationId xmlns:a16="http://schemas.microsoft.com/office/drawing/2014/main" xmlns="" id="{F5F3EA5F-CAC9-E6B0-E2F2-3D69C369B0CB}"/>
               </a:ext>
             </a:extLst>
           </p:cNvPr>
@@ -2398,10 +2399,10 @@
           <a:lstStyle/>
           <a:p>
             <a:fld id="{42AB81E2-2E7B-B344-9159-A676E4F74E42}" type="datetimeFigureOut">
-              <a:rPr lang="en-KR" smtClean="0"/>
-              <a:t>11/16/23</a:t>
+              <a:rPr lang="x-none" smtClean="0"/>
+              <a:t>2023-11-17</a:t>
             </a:fld>
-            <a:endParaRPr lang="en-KR"/>
+            <a:endParaRPr lang="x-none"/>
           </a:p>
         </p:txBody>
       </p:sp>
@@ -2410,7 +2411,7 @@
           <p:cNvPr id="6" name="Footer Placeholder 5">
             <a:extLst>
               <a:ext uri="{FF2B5EF4-FFF2-40B4-BE49-F238E27FC236}">
-                <a16:creationId xmlns:a16="http://schemas.microsoft.com/office/drawing/2014/main" id="{CEE4F235-5ABB-802B-E893-41942BAAAEB0}"/>
+                <a16:creationId xmlns:a16="http://schemas.microsoft.com/office/drawing/2014/main" xmlns="" id="{CEE4F235-5ABB-802B-E893-41942BAAAEB0}"/>
               </a:ext>
             </a:extLst>
           </p:cNvPr>
@@ -2426,7 +2427,7 @@
           <a:bodyPr/>
           <a:lstStyle/>
           <a:p>
-            <a:endParaRPr lang="en-KR"/>
+            <a:endParaRPr lang="x-none"/>
           </a:p>
         </p:txBody>
       </p:sp>
@@ -2435,7 +2436,7 @@
           <p:cNvPr id="7" name="Slide Number Placeholder 6">
             <a:extLst>
               <a:ext uri="{FF2B5EF4-FFF2-40B4-BE49-F238E27FC236}">
-                <a16:creationId xmlns:a16="http://schemas.microsoft.com/office/drawing/2014/main" id="{E6C17ADE-C867-ECB0-D1C8-0F49FCDB0738}"/>
+                <a16:creationId xmlns:a16="http://schemas.microsoft.com/office/drawing/2014/main" xmlns="" id="{E6C17ADE-C867-ECB0-D1C8-0F49FCDB0738}"/>
               </a:ext>
             </a:extLst>
           </p:cNvPr>
@@ -2452,10 +2453,10 @@
           <a:lstStyle/>
           <a:p>
             <a:fld id="{E8620052-2744-1545-9BA1-6A64547928C6}" type="slidenum">
-              <a:rPr lang="en-KR" smtClean="0"/>
+              <a:rPr lang="x-none" smtClean="0"/>
               <a:t>‹#›</a:t>
             </a:fld>
-            <a:endParaRPr lang="en-KR"/>
+            <a:endParaRPr lang="x-none"/>
           </a:p>
         </p:txBody>
       </p:sp>
@@ -2494,7 +2495,7 @@
           <p:cNvPr id="2" name="Title 1">
             <a:extLst>
               <a:ext uri="{FF2B5EF4-FFF2-40B4-BE49-F238E27FC236}">
-                <a16:creationId xmlns:a16="http://schemas.microsoft.com/office/drawing/2014/main" id="{39620FD7-D7BA-291F-0210-9765F16291F2}"/>
+                <a16:creationId xmlns:a16="http://schemas.microsoft.com/office/drawing/2014/main" xmlns="" id="{39620FD7-D7BA-291F-0210-9765F16291F2}"/>
               </a:ext>
             </a:extLst>
           </p:cNvPr>
@@ -2523,7 +2524,7 @@
               <a:rPr lang="en-US"/>
               <a:t>Click to edit Master title style</a:t>
             </a:r>
-            <a:endParaRPr lang="en-KR"/>
+            <a:endParaRPr lang="x-none"/>
           </a:p>
         </p:txBody>
       </p:sp>
@@ -2532,7 +2533,7 @@
           <p:cNvPr id="3" name="Picture Placeholder 2">
             <a:extLst>
               <a:ext uri="{FF2B5EF4-FFF2-40B4-BE49-F238E27FC236}">
-                <a16:creationId xmlns:a16="http://schemas.microsoft.com/office/drawing/2014/main" id="{49EB5D98-9AA7-7AB0-5D65-0FC8574710E7}"/>
+                <a16:creationId xmlns:a16="http://schemas.microsoft.com/office/drawing/2014/main" xmlns="" id="{49EB5D98-9AA7-7AB0-5D65-0FC8574710E7}"/>
               </a:ext>
             </a:extLst>
           </p:cNvPr>
@@ -2590,7 +2591,7 @@
             </a:lvl9pPr>
           </a:lstStyle>
           <a:p>
-            <a:endParaRPr lang="en-KR"/>
+            <a:endParaRPr lang="x-none"/>
           </a:p>
         </p:txBody>
       </p:sp>
@@ -2599,7 +2600,7 @@
           <p:cNvPr id="4" name="Text Placeholder 3">
             <a:extLst>
               <a:ext uri="{FF2B5EF4-FFF2-40B4-BE49-F238E27FC236}">
-                <a16:creationId xmlns:a16="http://schemas.microsoft.com/office/drawing/2014/main" id="{47830C87-89D5-DBBA-B7BC-91D0A2EF8A9D}"/>
+                <a16:creationId xmlns:a16="http://schemas.microsoft.com/office/drawing/2014/main" xmlns="" id="{47830C87-89D5-DBBA-B7BC-91D0A2EF8A9D}"/>
               </a:ext>
             </a:extLst>
           </p:cNvPr>
@@ -2670,7 +2671,7 @@
           <p:cNvPr id="5" name="Date Placeholder 4">
             <a:extLst>
               <a:ext uri="{FF2B5EF4-FFF2-40B4-BE49-F238E27FC236}">
-                <a16:creationId xmlns:a16="http://schemas.microsoft.com/office/drawing/2014/main" id="{2DBCB6BD-628D-5514-0F93-0E110C9C6E9E}"/>
+                <a16:creationId xmlns:a16="http://schemas.microsoft.com/office/drawing/2014/main" xmlns="" id="{2DBCB6BD-628D-5514-0F93-0E110C9C6E9E}"/>
               </a:ext>
             </a:extLst>
           </p:cNvPr>
@@ -2687,10 +2688,10 @@
           <a:lstStyle/>
           <a:p>
             <a:fld id="{42AB81E2-2E7B-B344-9159-A676E4F74E42}" type="datetimeFigureOut">
-              <a:rPr lang="en-KR" smtClean="0"/>
-              <a:t>11/16/23</a:t>
+              <a:rPr lang="x-none" smtClean="0"/>
+              <a:t>2023-11-17</a:t>
             </a:fld>
-            <a:endParaRPr lang="en-KR"/>
+            <a:endParaRPr lang="x-none"/>
           </a:p>
         </p:txBody>
       </p:sp>
@@ -2699,7 +2700,7 @@
           <p:cNvPr id="6" name="Footer Placeholder 5">
             <a:extLst>
               <a:ext uri="{FF2B5EF4-FFF2-40B4-BE49-F238E27FC236}">
-                <a16:creationId xmlns:a16="http://schemas.microsoft.com/office/drawing/2014/main" id="{B9C3332A-4008-84E3-D801-CEC2AF5CA39E}"/>
+                <a16:creationId xmlns:a16="http://schemas.microsoft.com/office/drawing/2014/main" xmlns="" id="{B9C3332A-4008-84E3-D801-CEC2AF5CA39E}"/>
               </a:ext>
             </a:extLst>
           </p:cNvPr>
@@ -2715,7 +2716,7 @@
           <a:bodyPr/>
           <a:lstStyle/>
           <a:p>
-            <a:endParaRPr lang="en-KR"/>
+            <a:endParaRPr lang="x-none"/>
           </a:p>
         </p:txBody>
       </p:sp>
@@ -2724,7 +2725,7 @@
           <p:cNvPr id="7" name="Slide Number Placeholder 6">
             <a:extLst>
               <a:ext uri="{FF2B5EF4-FFF2-40B4-BE49-F238E27FC236}">
-                <a16:creationId xmlns:a16="http://schemas.microsoft.com/office/drawing/2014/main" id="{3282DBB9-6CE0-A960-C246-1E2919957DD7}"/>
+                <a16:creationId xmlns:a16="http://schemas.microsoft.com/office/drawing/2014/main" xmlns="" id="{3282DBB9-6CE0-A960-C246-1E2919957DD7}"/>
               </a:ext>
             </a:extLst>
           </p:cNvPr>
@@ -2741,10 +2742,10 @@
           <a:lstStyle/>
           <a:p>
             <a:fld id="{E8620052-2744-1545-9BA1-6A64547928C6}" type="slidenum">
-              <a:rPr lang="en-KR" smtClean="0"/>
+              <a:rPr lang="x-none" smtClean="0"/>
               <a:t>‹#›</a:t>
             </a:fld>
-            <a:endParaRPr lang="en-KR"/>
+            <a:endParaRPr lang="x-none"/>
           </a:p>
         </p:txBody>
       </p:sp>
@@ -2788,7 +2789,7 @@
           <p:cNvPr id="2" name="Title Placeholder 1">
             <a:extLst>
               <a:ext uri="{FF2B5EF4-FFF2-40B4-BE49-F238E27FC236}">
-                <a16:creationId xmlns:a16="http://schemas.microsoft.com/office/drawing/2014/main" id="{10A717BC-AD34-CE85-25A6-D233E84E7618}"/>
+                <a16:creationId xmlns:a16="http://schemas.microsoft.com/office/drawing/2014/main" xmlns="" id="{10A717BC-AD34-CE85-25A6-D233E84E7618}"/>
               </a:ext>
             </a:extLst>
           </p:cNvPr>
@@ -2818,7 +2819,7 @@
               <a:rPr lang="en-US"/>
               <a:t>Click to edit Master title style</a:t>
             </a:r>
-            <a:endParaRPr lang="en-KR"/>
+            <a:endParaRPr lang="x-none"/>
           </a:p>
         </p:txBody>
       </p:sp>
@@ -2827,7 +2828,7 @@
           <p:cNvPr id="3" name="Text Placeholder 2">
             <a:extLst>
               <a:ext uri="{FF2B5EF4-FFF2-40B4-BE49-F238E27FC236}">
-                <a16:creationId xmlns:a16="http://schemas.microsoft.com/office/drawing/2014/main" id="{CDDFED04-4525-9F71-44DD-E8F5A3402648}"/>
+                <a16:creationId xmlns:a16="http://schemas.microsoft.com/office/drawing/2014/main" xmlns="" id="{CDDFED04-4525-9F71-44DD-E8F5A3402648}"/>
               </a:ext>
             </a:extLst>
           </p:cNvPr>
@@ -2886,7 +2887,7 @@
               <a:rPr lang="en-US"/>
               <a:t>Fifth level</a:t>
             </a:r>
-            <a:endParaRPr lang="en-KR"/>
+            <a:endParaRPr lang="x-none"/>
           </a:p>
         </p:txBody>
       </p:sp>
@@ -2895,7 +2896,7 @@
           <p:cNvPr id="4" name="Date Placeholder 3">
             <a:extLst>
               <a:ext uri="{FF2B5EF4-FFF2-40B4-BE49-F238E27FC236}">
-                <a16:creationId xmlns:a16="http://schemas.microsoft.com/office/drawing/2014/main" id="{84BDE19D-7C36-6F91-0D8C-48965BF38CF7}"/>
+                <a16:creationId xmlns:a16="http://schemas.microsoft.com/office/drawing/2014/main" xmlns="" id="{84BDE19D-7C36-6F91-0D8C-48965BF38CF7}"/>
               </a:ext>
             </a:extLst>
           </p:cNvPr>
@@ -2930,10 +2931,10 @@
           </a:lstStyle>
           <a:p>
             <a:fld id="{42AB81E2-2E7B-B344-9159-A676E4F74E42}" type="datetimeFigureOut">
-              <a:rPr lang="en-KR" smtClean="0"/>
-              <a:t>11/16/23</a:t>
+              <a:rPr lang="x-none" smtClean="0"/>
+              <a:t>2023-11-17</a:t>
             </a:fld>
-            <a:endParaRPr lang="en-KR"/>
+            <a:endParaRPr lang="x-none"/>
           </a:p>
         </p:txBody>
       </p:sp>
@@ -2942,7 +2943,7 @@
           <p:cNvPr id="5" name="Footer Placeholder 4">
             <a:extLst>
               <a:ext uri="{FF2B5EF4-FFF2-40B4-BE49-F238E27FC236}">
-                <a16:creationId xmlns:a16="http://schemas.microsoft.com/office/drawing/2014/main" id="{177569EB-73AB-5499-3FC8-6399EB4A8F16}"/>
+                <a16:creationId xmlns:a16="http://schemas.microsoft.com/office/drawing/2014/main" xmlns="" id="{177569EB-73AB-5499-3FC8-6399EB4A8F16}"/>
               </a:ext>
             </a:extLst>
           </p:cNvPr>
@@ -2976,7 +2977,7 @@
             </a:lvl1pPr>
           </a:lstStyle>
           <a:p>
-            <a:endParaRPr lang="en-KR"/>
+            <a:endParaRPr lang="x-none"/>
           </a:p>
         </p:txBody>
       </p:sp>
@@ -2985,7 +2986,7 @@
           <p:cNvPr id="6" name="Slide Number Placeholder 5">
             <a:extLst>
               <a:ext uri="{FF2B5EF4-FFF2-40B4-BE49-F238E27FC236}">
-                <a16:creationId xmlns:a16="http://schemas.microsoft.com/office/drawing/2014/main" id="{5F2654BA-C0DD-1B3E-DC44-28BED8B1D591}"/>
+                <a16:creationId xmlns:a16="http://schemas.microsoft.com/office/drawing/2014/main" xmlns="" id="{5F2654BA-C0DD-1B3E-DC44-28BED8B1D591}"/>
               </a:ext>
             </a:extLst>
           </p:cNvPr>
@@ -3020,10 +3021,10 @@
           </a:lstStyle>
           <a:p>
             <a:fld id="{E8620052-2744-1545-9BA1-6A64547928C6}" type="slidenum">
-              <a:rPr lang="en-KR" smtClean="0"/>
+              <a:rPr lang="x-none" smtClean="0"/>
               <a:t>‹#›</a:t>
             </a:fld>
-            <a:endParaRPr lang="en-KR"/>
+            <a:endParaRPr lang="x-none"/>
           </a:p>
         </p:txBody>
       </p:sp>
@@ -3234,7 +3235,7 @@
     </p:bodyStyle>
     <p:otherStyle>
       <a:defPPr>
-        <a:defRPr lang="en-KR"/>
+        <a:defRPr lang="x-none"/>
       </a:defPPr>
       <a:lvl1pPr marL="0" algn="l" defTabSz="914400" rtl="0" eaLnBrk="1" latinLnBrk="0" hangingPunct="1">
         <a:defRPr sz="1800" kern="1200">
@@ -3361,10 +3362,10 @@
           <p:cNvPr id="8" name="Rectangle 7">
             <a:extLst>
               <a:ext uri="{FF2B5EF4-FFF2-40B4-BE49-F238E27FC236}">
-                <a16:creationId xmlns:a16="http://schemas.microsoft.com/office/drawing/2014/main" id="{934F1179-B481-4F9E-BCA3-AFB972070F83}"/>
+                <a16:creationId xmlns:a16="http://schemas.microsoft.com/office/drawing/2014/main" xmlns="" id="{934F1179-B481-4F9E-BCA3-AFB972070F83}"/>
               </a:ext>
               <a:ext uri="{C183D7F6-B498-43B3-948B-1728B52AA6E4}">
-                <adec:decorative xmlns:adec="http://schemas.microsoft.com/office/drawing/2017/decorative" val="1"/>
+                <adec:decorative xmlns:adec="http://schemas.microsoft.com/office/drawing/2017/decorative" xmlns="" val="1"/>
               </a:ext>
             </a:extLst>
           </p:cNvPr>
@@ -3374,7 +3375,7 @@
           <p:nvPr>
             <p:extLst>
               <p:ext uri="{386F3935-93C4-4BCD-93E2-E3B085C9AB24}">
-                <p16:designElem xmlns:p16="http://schemas.microsoft.com/office/powerpoint/2015/main" val="1"/>
+                <p16:designElem xmlns:p16="http://schemas.microsoft.com/office/powerpoint/2015/main" xmlns="" val="1"/>
               </p:ext>
             </p:extLst>
           </p:nvPr>
@@ -3421,10 +3422,10 @@
           <p:cNvPr id="10" name="Right Triangle 9">
             <a:extLst>
               <a:ext uri="{FF2B5EF4-FFF2-40B4-BE49-F238E27FC236}">
-                <a16:creationId xmlns:a16="http://schemas.microsoft.com/office/drawing/2014/main" id="{827DC2C4-B485-428A-BF4A-472D2967F47F}"/>
+                <a16:creationId xmlns:a16="http://schemas.microsoft.com/office/drawing/2014/main" xmlns="" id="{827DC2C4-B485-428A-BF4A-472D2967F47F}"/>
               </a:ext>
               <a:ext uri="{C183D7F6-B498-43B3-948B-1728B52AA6E4}">
-                <adec:decorative xmlns:adec="http://schemas.microsoft.com/office/drawing/2017/decorative" val="1"/>
+                <adec:decorative xmlns:adec="http://schemas.microsoft.com/office/drawing/2017/decorative" xmlns="" val="1"/>
               </a:ext>
             </a:extLst>
           </p:cNvPr>
@@ -3434,7 +3435,7 @@
           <p:nvPr>
             <p:extLst>
               <p:ext uri="{386F3935-93C4-4BCD-93E2-E3B085C9AB24}">
-                <p16:designElem xmlns:p16="http://schemas.microsoft.com/office/powerpoint/2015/main" val="1"/>
+                <p16:designElem xmlns:p16="http://schemas.microsoft.com/office/powerpoint/2015/main" xmlns="" val="1"/>
               </p:ext>
             </p:extLst>
           </p:nvPr>
@@ -3484,10 +3485,10 @@
           <p:cNvPr id="12" name="Rectangle 11">
             <a:extLst>
               <a:ext uri="{FF2B5EF4-FFF2-40B4-BE49-F238E27FC236}">
-                <a16:creationId xmlns:a16="http://schemas.microsoft.com/office/drawing/2014/main" id="{EE04B5EB-F158-4507-90DD-BD23620C7CC9}"/>
+                <a16:creationId xmlns:a16="http://schemas.microsoft.com/office/drawing/2014/main" xmlns="" id="{EE04B5EB-F158-4507-90DD-BD23620C7CC9}"/>
               </a:ext>
               <a:ext uri="{C183D7F6-B498-43B3-948B-1728B52AA6E4}">
-                <adec:decorative xmlns:adec="http://schemas.microsoft.com/office/drawing/2017/decorative" val="1"/>
+                <adec:decorative xmlns:adec="http://schemas.microsoft.com/office/drawing/2017/decorative" xmlns="" val="1"/>
               </a:ext>
             </a:extLst>
           </p:cNvPr>
@@ -3497,7 +3498,7 @@
           <p:nvPr>
             <p:extLst>
               <p:ext uri="{386F3935-93C4-4BCD-93E2-E3B085C9AB24}">
-                <p16:designElem xmlns:p16="http://schemas.microsoft.com/office/powerpoint/2015/main" val="1"/>
+                <p16:designElem xmlns:p16="http://schemas.microsoft.com/office/powerpoint/2015/main" xmlns="" val="1"/>
               </p:ext>
             </p:extLst>
           </p:nvPr>
@@ -3550,7 +3551,7 @@
           <p:cNvPr id="2" name="Title 1">
             <a:extLst>
               <a:ext uri="{FF2B5EF4-FFF2-40B4-BE49-F238E27FC236}">
-                <a16:creationId xmlns:a16="http://schemas.microsoft.com/office/drawing/2014/main" id="{1239B906-7988-A9DD-E848-3CBFD0FCF9C3}"/>
+                <a16:creationId xmlns:a16="http://schemas.microsoft.com/office/drawing/2014/main" xmlns="" id="{1239B906-7988-A9DD-E848-3CBFD0FCF9C3}"/>
               </a:ext>
             </a:extLst>
           </p:cNvPr>
@@ -3586,7 +3587,7 @@
               <a:rPr lang="en-US" altLang="ko-KR" sz="11500" dirty="0"/>
               <a:t>(Git Branch)</a:t>
             </a:r>
-            <a:endParaRPr lang="en-KR" sz="11500" dirty="0"/>
+            <a:endParaRPr lang="x-none" sz="11500" dirty="0"/>
           </a:p>
         </p:txBody>
       </p:sp>
@@ -3595,7 +3596,7 @@
           <p:cNvPr id="3" name="Subtitle 2">
             <a:extLst>
               <a:ext uri="{FF2B5EF4-FFF2-40B4-BE49-F238E27FC236}">
-                <a16:creationId xmlns:a16="http://schemas.microsoft.com/office/drawing/2014/main" id="{DDBF7578-2AE3-1096-BC47-C3327E08CE7C}"/>
+                <a16:creationId xmlns:a16="http://schemas.microsoft.com/office/drawing/2014/main" xmlns="" id="{DDBF7578-2AE3-1096-BC47-C3327E08CE7C}"/>
               </a:ext>
             </a:extLst>
           </p:cNvPr>
@@ -3619,7 +3620,7 @@
           <a:lstStyle/>
           <a:p>
             <a:pPr algn="l"/>
-            <a:endParaRPr lang="en-KR" dirty="0"/>
+            <a:endParaRPr lang="x-none" dirty="0"/>
           </a:p>
         </p:txBody>
       </p:sp>
@@ -3666,7 +3667,7 @@
           <p:cNvPr id="2" name="Title 1">
             <a:extLst>
               <a:ext uri="{FF2B5EF4-FFF2-40B4-BE49-F238E27FC236}">
-                <a16:creationId xmlns:a16="http://schemas.microsoft.com/office/drawing/2014/main" id="{25A7C0B7-D09B-68DF-0F05-5809D1B99646}"/>
+                <a16:creationId xmlns:a16="http://schemas.microsoft.com/office/drawing/2014/main" xmlns="" id="{25A7C0B7-D09B-68DF-0F05-5809D1B99646}"/>
               </a:ext>
             </a:extLst>
           </p:cNvPr>
@@ -3698,14 +3699,14 @@
               <a:t>(</a:t>
             </a:r>
             <a:r>
-              <a:rPr lang="en-KR" sz="3600" dirty="0"/>
+              <a:rPr lang="x-none" sz="3600" dirty="0"/>
               <a:t>Branch</a:t>
             </a:r>
             <a:r>
               <a:rPr lang="en-US" altLang="ko-KR" sz="3600" dirty="0"/>
               <a:t>)</a:t>
             </a:r>
-            <a:endParaRPr lang="en-KR" sz="3600" dirty="0"/>
+            <a:endParaRPr lang="x-none" sz="3600" dirty="0"/>
           </a:p>
         </p:txBody>
       </p:sp>
@@ -3714,7 +3715,7 @@
           <p:cNvPr id="5" name="Picture 4" descr="A group of circles with black lines and green lines&#10;&#10;Description automatically generated">
             <a:extLst>
               <a:ext uri="{FF2B5EF4-FFF2-40B4-BE49-F238E27FC236}">
-                <a16:creationId xmlns:a16="http://schemas.microsoft.com/office/drawing/2014/main" id="{AC6E03AA-1F64-3D80-DF28-CE78ED641DAF}"/>
+                <a16:creationId xmlns:a16="http://schemas.microsoft.com/office/drawing/2014/main" xmlns="" id="{AC6E03AA-1F64-3D80-DF28-CE78ED641DAF}"/>
               </a:ext>
             </a:extLst>
           </p:cNvPr>
@@ -3744,7 +3745,7 @@
           <p:cNvPr id="3" name="Content Placeholder 2">
             <a:extLst>
               <a:ext uri="{FF2B5EF4-FFF2-40B4-BE49-F238E27FC236}">
-                <a16:creationId xmlns:a16="http://schemas.microsoft.com/office/drawing/2014/main" id="{94F8487F-0E7B-80CB-778E-5FD9509D44F6}"/>
+                <a16:creationId xmlns:a16="http://schemas.microsoft.com/office/drawing/2014/main" xmlns="" id="{94F8487F-0E7B-80CB-778E-5FD9509D44F6}"/>
               </a:ext>
             </a:extLst>
           </p:cNvPr>
@@ -3793,6 +3794,78 @@
     <p:extLst>
       <p:ext uri="{BB962C8B-B14F-4D97-AF65-F5344CB8AC3E}">
         <p14:creationId xmlns:p14="http://schemas.microsoft.com/office/powerpoint/2010/main" val="1989476405"/>
+      </p:ext>
+    </p:extLst>
+  </p:cSld>
+  <p:clrMapOvr>
+    <a:masterClrMapping/>
+  </p:clrMapOvr>
+</p:sld>
+</file>
+
+<file path=ppt/slides/slide3.xml><?xml version="1.0" encoding="utf-8"?>
+<p:sld xmlns:a="http://schemas.openxmlformats.org/drawingml/2006/main" xmlns:r="http://schemas.openxmlformats.org/officeDocument/2006/relationships" xmlns:p="http://schemas.openxmlformats.org/presentationml/2006/main">
+  <p:cSld>
+    <p:spTree>
+      <p:nvGrpSpPr>
+        <p:cNvPr id="1" name=""/>
+        <p:cNvGrpSpPr/>
+        <p:nvPr/>
+      </p:nvGrpSpPr>
+      <p:grpSpPr>
+        <a:xfrm>
+          <a:off x="0" y="0"/>
+          <a:ext cx="0" cy="0"/>
+          <a:chOff x="0" y="0"/>
+          <a:chExt cx="0" cy="0"/>
+        </a:xfrm>
+      </p:grpSpPr>
+      <p:sp>
+        <p:nvSpPr>
+          <p:cNvPr id="2" name="제목 1"/>
+          <p:cNvSpPr>
+            <a:spLocks noGrp="1"/>
+          </p:cNvSpPr>
+          <p:nvPr>
+            <p:ph type="title"/>
+          </p:nvPr>
+        </p:nvSpPr>
+        <p:spPr/>
+        <p:txBody>
+          <a:bodyPr/>
+          <a:lstStyle/>
+          <a:p>
+            <a:r>
+              <a:rPr lang="en-US" altLang="ko-KR" dirty="0" smtClean="0"/>
+              <a:t>Thank you</a:t>
+            </a:r>
+            <a:endParaRPr lang="ko-KR" altLang="en-US" dirty="0"/>
+          </a:p>
+        </p:txBody>
+      </p:sp>
+      <p:sp>
+        <p:nvSpPr>
+          <p:cNvPr id="3" name="내용 개체 틀 2"/>
+          <p:cNvSpPr>
+            <a:spLocks noGrp="1"/>
+          </p:cNvSpPr>
+          <p:nvPr>
+            <p:ph idx="1"/>
+          </p:nvPr>
+        </p:nvSpPr>
+        <p:spPr/>
+        <p:txBody>
+          <a:bodyPr/>
+          <a:lstStyle/>
+          <a:p>
+            <a:endParaRPr lang="ko-KR" altLang="en-US" dirty="0"/>
+          </a:p>
+        </p:txBody>
+      </p:sp>
+    </p:spTree>
+    <p:extLst>
+      <p:ext uri="{BB962C8B-B14F-4D97-AF65-F5344CB8AC3E}">
+        <p14:creationId xmlns:p14="http://schemas.microsoft.com/office/powerpoint/2010/main" val="535844054"/>
       </p:ext>
     </p:extLst>
   </p:cSld>
@@ -4091,7 +4164,7 @@
   <a:extraClrSchemeLst/>
   <a:extLst>
     <a:ext uri="{05A4C25C-085E-4340-85A3-A5531E510DB2}">
-      <thm15:themeFamily xmlns:thm15="http://schemas.microsoft.com/office/thememl/2012/main" name="Office Theme" id="{62F939B6-93AF-4DB8-9C6B-D6C7DFDC589F}" vid="{4A3C46E8-61CC-4603-A589-7422A47A8E4A}"/>
+      <thm15:themeFamily xmlns:thm15="http://schemas.microsoft.com/office/thememl/2012/main" xmlns="" name="Office Theme" id="{62F939B6-93AF-4DB8-9C6B-D6C7DFDC589F}" vid="{4A3C46E8-61CC-4603-A589-7422A47A8E4A}"/>
     </a:ext>
   </a:extLst>
 </a:theme>

--- a/week12/branch.pptx
+++ b/week12/branch.pptx
@@ -7,6 +7,7 @@
   <p:sldIdLst>
     <p:sldId id="256" r:id="rId2"/>
     <p:sldId id="257" r:id="rId3"/>
+    <p:sldId id="258" r:id="rId4"/>
   </p:sldIdLst>
   <p:sldSz cx="12192000" cy="6858000"/>
   <p:notesSz cx="6858000" cy="9144000"/>
@@ -262,7 +263,7 @@
           <a:p>
             <a:fld id="{42AB81E2-2E7B-B344-9159-A676E4F74E42}" type="datetimeFigureOut">
               <a:rPr lang="en-KR" smtClean="0"/>
-              <a:t>11/16/23</a:t>
+              <a:t>11/17/2023</a:t>
             </a:fld>
             <a:endParaRPr lang="en-KR"/>
           </a:p>
@@ -462,7 +463,7 @@
           <a:p>
             <a:fld id="{42AB81E2-2E7B-B344-9159-A676E4F74E42}" type="datetimeFigureOut">
               <a:rPr lang="en-KR" smtClean="0"/>
-              <a:t>11/16/23</a:t>
+              <a:t>11/17/2023</a:t>
             </a:fld>
             <a:endParaRPr lang="en-KR"/>
           </a:p>
@@ -672,7 +673,7 @@
           <a:p>
             <a:fld id="{42AB81E2-2E7B-B344-9159-A676E4F74E42}" type="datetimeFigureOut">
               <a:rPr lang="en-KR" smtClean="0"/>
-              <a:t>11/16/23</a:t>
+              <a:t>11/17/2023</a:t>
             </a:fld>
             <a:endParaRPr lang="en-KR"/>
           </a:p>
@@ -872,7 +873,7 @@
           <a:p>
             <a:fld id="{42AB81E2-2E7B-B344-9159-A676E4F74E42}" type="datetimeFigureOut">
               <a:rPr lang="en-KR" smtClean="0"/>
-              <a:t>11/16/23</a:t>
+              <a:t>11/17/2023</a:t>
             </a:fld>
             <a:endParaRPr lang="en-KR"/>
           </a:p>
@@ -1148,7 +1149,7 @@
           <a:p>
             <a:fld id="{42AB81E2-2E7B-B344-9159-A676E4F74E42}" type="datetimeFigureOut">
               <a:rPr lang="en-KR" smtClean="0"/>
-              <a:t>11/16/23</a:t>
+              <a:t>11/17/2023</a:t>
             </a:fld>
             <a:endParaRPr lang="en-KR"/>
           </a:p>
@@ -1416,7 +1417,7 @@
           <a:p>
             <a:fld id="{42AB81E2-2E7B-B344-9159-A676E4F74E42}" type="datetimeFigureOut">
               <a:rPr lang="en-KR" smtClean="0"/>
-              <a:t>11/16/23</a:t>
+              <a:t>11/17/2023</a:t>
             </a:fld>
             <a:endParaRPr lang="en-KR"/>
           </a:p>
@@ -1831,7 +1832,7 @@
           <a:p>
             <a:fld id="{42AB81E2-2E7B-B344-9159-A676E4F74E42}" type="datetimeFigureOut">
               <a:rPr lang="en-KR" smtClean="0"/>
-              <a:t>11/16/23</a:t>
+              <a:t>11/17/2023</a:t>
             </a:fld>
             <a:endParaRPr lang="en-KR"/>
           </a:p>
@@ -1973,7 +1974,7 @@
           <a:p>
             <a:fld id="{42AB81E2-2E7B-B344-9159-A676E4F74E42}" type="datetimeFigureOut">
               <a:rPr lang="en-KR" smtClean="0"/>
-              <a:t>11/16/23</a:t>
+              <a:t>11/17/2023</a:t>
             </a:fld>
             <a:endParaRPr lang="en-KR"/>
           </a:p>
@@ -2086,7 +2087,7 @@
           <a:p>
             <a:fld id="{42AB81E2-2E7B-B344-9159-A676E4F74E42}" type="datetimeFigureOut">
               <a:rPr lang="en-KR" smtClean="0"/>
-              <a:t>11/16/23</a:t>
+              <a:t>11/17/2023</a:t>
             </a:fld>
             <a:endParaRPr lang="en-KR"/>
           </a:p>
@@ -2399,7 +2400,7 @@
           <a:p>
             <a:fld id="{42AB81E2-2E7B-B344-9159-A676E4F74E42}" type="datetimeFigureOut">
               <a:rPr lang="en-KR" smtClean="0"/>
-              <a:t>11/16/23</a:t>
+              <a:t>11/17/2023</a:t>
             </a:fld>
             <a:endParaRPr lang="en-KR"/>
           </a:p>
@@ -2688,7 +2689,7 @@
           <a:p>
             <a:fld id="{42AB81E2-2E7B-B344-9159-A676E4F74E42}" type="datetimeFigureOut">
               <a:rPr lang="en-KR" smtClean="0"/>
-              <a:t>11/16/23</a:t>
+              <a:t>11/17/2023</a:t>
             </a:fld>
             <a:endParaRPr lang="en-KR"/>
           </a:p>
@@ -2931,7 +2932,7 @@
           <a:p>
             <a:fld id="{42AB81E2-2E7B-B344-9159-A676E4F74E42}" type="datetimeFigureOut">
               <a:rPr lang="en-KR" smtClean="0"/>
-              <a:t>11/16/23</a:t>
+              <a:t>11/17/2023</a:t>
             </a:fld>
             <a:endParaRPr lang="en-KR"/>
           </a:p>
@@ -3802,6 +3803,90 @@
 </p:sld>
 </file>
 
+<file path=ppt/slides/slide3.xml><?xml version="1.0" encoding="utf-8"?>
+<p:sld xmlns:a="http://schemas.openxmlformats.org/drawingml/2006/main" xmlns:r="http://schemas.openxmlformats.org/officeDocument/2006/relationships" xmlns:p="http://schemas.openxmlformats.org/presentationml/2006/main">
+  <p:cSld>
+    <p:spTree>
+      <p:nvGrpSpPr>
+        <p:cNvPr id="1" name=""/>
+        <p:cNvGrpSpPr/>
+        <p:nvPr/>
+      </p:nvGrpSpPr>
+      <p:grpSpPr>
+        <a:xfrm>
+          <a:off x="0" y="0"/>
+          <a:ext cx="0" cy="0"/>
+          <a:chOff x="0" y="0"/>
+          <a:chExt cx="0" cy="0"/>
+        </a:xfrm>
+      </p:grpSpPr>
+      <p:sp>
+        <p:nvSpPr>
+          <p:cNvPr id="4" name="제목 3">
+            <a:extLst>
+              <a:ext uri="{FF2B5EF4-FFF2-40B4-BE49-F238E27FC236}">
+                <a16:creationId xmlns:a16="http://schemas.microsoft.com/office/drawing/2014/main" id="{2CB4C974-E745-8FAA-B951-B5966A06EAFB}"/>
+              </a:ext>
+            </a:extLst>
+          </p:cNvPr>
+          <p:cNvSpPr>
+            <a:spLocks noGrp="1"/>
+          </p:cNvSpPr>
+          <p:nvPr>
+            <p:ph type="title"/>
+          </p:nvPr>
+        </p:nvSpPr>
+        <p:spPr/>
+        <p:txBody>
+          <a:bodyPr/>
+          <a:lstStyle/>
+          <a:p>
+            <a:r>
+              <a:rPr lang="en-US" altLang="ko-KR" dirty="0"/>
+              <a:t>Thank You</a:t>
+            </a:r>
+            <a:endParaRPr lang="ko-KR" altLang="en-US" dirty="0"/>
+          </a:p>
+        </p:txBody>
+      </p:sp>
+      <p:sp>
+        <p:nvSpPr>
+          <p:cNvPr id="5" name="텍스트 개체 틀 4">
+            <a:extLst>
+              <a:ext uri="{FF2B5EF4-FFF2-40B4-BE49-F238E27FC236}">
+                <a16:creationId xmlns:a16="http://schemas.microsoft.com/office/drawing/2014/main" id="{A8ABDC72-3BA7-A348-94B7-35B9867E4410}"/>
+              </a:ext>
+            </a:extLst>
+          </p:cNvPr>
+          <p:cNvSpPr>
+            <a:spLocks noGrp="1"/>
+          </p:cNvSpPr>
+          <p:nvPr>
+            <p:ph type="body" idx="1"/>
+          </p:nvPr>
+        </p:nvSpPr>
+        <p:spPr/>
+        <p:txBody>
+          <a:bodyPr/>
+          <a:lstStyle/>
+          <a:p>
+            <a:endParaRPr lang="ko-KR" altLang="en-US"/>
+          </a:p>
+        </p:txBody>
+      </p:sp>
+    </p:spTree>
+    <p:extLst>
+      <p:ext uri="{BB962C8B-B14F-4D97-AF65-F5344CB8AC3E}">
+        <p14:creationId xmlns:p14="http://schemas.microsoft.com/office/powerpoint/2010/main" val="3188810703"/>
+      </p:ext>
+    </p:extLst>
+  </p:cSld>
+  <p:clrMapOvr>
+    <a:masterClrMapping/>
+  </p:clrMapOvr>
+</p:sld>
+</file>
+
 <file path=ppt/theme/theme1.xml><?xml version="1.0" encoding="utf-8"?>
 <a:theme xmlns:a="http://schemas.openxmlformats.org/drawingml/2006/main" name="Office Theme">
   <a:themeElements>

--- a/week12/branch.pptx
+++ b/week12/branch.pptx
@@ -7,6 +7,7 @@
   <p:sldIdLst>
     <p:sldId id="256" r:id="rId2"/>
     <p:sldId id="257" r:id="rId3"/>
+    <p:sldId id="258" r:id="rId4"/>
   </p:sldIdLst>
   <p:sldSz cx="12192000" cy="6858000"/>
   <p:notesSz cx="6858000" cy="9144000"/>
@@ -262,7 +263,7 @@
           <a:p>
             <a:fld id="{42AB81E2-2E7B-B344-9159-A676E4F74E42}" type="datetimeFigureOut">
               <a:rPr lang="en-KR" smtClean="0"/>
-              <a:t>11/16/23</a:t>
+              <a:t>11/17/2023</a:t>
             </a:fld>
             <a:endParaRPr lang="en-KR"/>
           </a:p>
@@ -462,7 +463,7 @@
           <a:p>
             <a:fld id="{42AB81E2-2E7B-B344-9159-A676E4F74E42}" type="datetimeFigureOut">
               <a:rPr lang="en-KR" smtClean="0"/>
-              <a:t>11/16/23</a:t>
+              <a:t>11/17/2023</a:t>
             </a:fld>
             <a:endParaRPr lang="en-KR"/>
           </a:p>
@@ -672,7 +673,7 @@
           <a:p>
             <a:fld id="{42AB81E2-2E7B-B344-9159-A676E4F74E42}" type="datetimeFigureOut">
               <a:rPr lang="en-KR" smtClean="0"/>
-              <a:t>11/16/23</a:t>
+              <a:t>11/17/2023</a:t>
             </a:fld>
             <a:endParaRPr lang="en-KR"/>
           </a:p>
@@ -872,7 +873,7 @@
           <a:p>
             <a:fld id="{42AB81E2-2E7B-B344-9159-A676E4F74E42}" type="datetimeFigureOut">
               <a:rPr lang="en-KR" smtClean="0"/>
-              <a:t>11/16/23</a:t>
+              <a:t>11/17/2023</a:t>
             </a:fld>
             <a:endParaRPr lang="en-KR"/>
           </a:p>
@@ -1148,7 +1149,7 @@
           <a:p>
             <a:fld id="{42AB81E2-2E7B-B344-9159-A676E4F74E42}" type="datetimeFigureOut">
               <a:rPr lang="en-KR" smtClean="0"/>
-              <a:t>11/16/23</a:t>
+              <a:t>11/17/2023</a:t>
             </a:fld>
             <a:endParaRPr lang="en-KR"/>
           </a:p>
@@ -1416,7 +1417,7 @@
           <a:p>
             <a:fld id="{42AB81E2-2E7B-B344-9159-A676E4F74E42}" type="datetimeFigureOut">
               <a:rPr lang="en-KR" smtClean="0"/>
-              <a:t>11/16/23</a:t>
+              <a:t>11/17/2023</a:t>
             </a:fld>
             <a:endParaRPr lang="en-KR"/>
           </a:p>
@@ -1831,7 +1832,7 @@
           <a:p>
             <a:fld id="{42AB81E2-2E7B-B344-9159-A676E4F74E42}" type="datetimeFigureOut">
               <a:rPr lang="en-KR" smtClean="0"/>
-              <a:t>11/16/23</a:t>
+              <a:t>11/17/2023</a:t>
             </a:fld>
             <a:endParaRPr lang="en-KR"/>
           </a:p>
@@ -1973,7 +1974,7 @@
           <a:p>
             <a:fld id="{42AB81E2-2E7B-B344-9159-A676E4F74E42}" type="datetimeFigureOut">
               <a:rPr lang="en-KR" smtClean="0"/>
-              <a:t>11/16/23</a:t>
+              <a:t>11/17/2023</a:t>
             </a:fld>
             <a:endParaRPr lang="en-KR"/>
           </a:p>
@@ -2086,7 +2087,7 @@
           <a:p>
             <a:fld id="{42AB81E2-2E7B-B344-9159-A676E4F74E42}" type="datetimeFigureOut">
               <a:rPr lang="en-KR" smtClean="0"/>
-              <a:t>11/16/23</a:t>
+              <a:t>11/17/2023</a:t>
             </a:fld>
             <a:endParaRPr lang="en-KR"/>
           </a:p>
@@ -2399,7 +2400,7 @@
           <a:p>
             <a:fld id="{42AB81E2-2E7B-B344-9159-A676E4F74E42}" type="datetimeFigureOut">
               <a:rPr lang="en-KR" smtClean="0"/>
-              <a:t>11/16/23</a:t>
+              <a:t>11/17/2023</a:t>
             </a:fld>
             <a:endParaRPr lang="en-KR"/>
           </a:p>
@@ -2688,7 +2689,7 @@
           <a:p>
             <a:fld id="{42AB81E2-2E7B-B344-9159-A676E4F74E42}" type="datetimeFigureOut">
               <a:rPr lang="en-KR" smtClean="0"/>
-              <a:t>11/16/23</a:t>
+              <a:t>11/17/2023</a:t>
             </a:fld>
             <a:endParaRPr lang="en-KR"/>
           </a:p>
@@ -2931,7 +2932,7 @@
           <a:p>
             <a:fld id="{42AB81E2-2E7B-B344-9159-A676E4F74E42}" type="datetimeFigureOut">
               <a:rPr lang="en-KR" smtClean="0"/>
-              <a:t>11/16/23</a:t>
+              <a:t>11/17/2023</a:t>
             </a:fld>
             <a:endParaRPr lang="en-KR"/>
           </a:p>
@@ -3802,6 +3803,90 @@
 </p:sld>
 </file>
 
+<file path=ppt/slides/slide3.xml><?xml version="1.0" encoding="utf-8"?>
+<p:sld xmlns:a="http://schemas.openxmlformats.org/drawingml/2006/main" xmlns:r="http://schemas.openxmlformats.org/officeDocument/2006/relationships" xmlns:p="http://schemas.openxmlformats.org/presentationml/2006/main">
+  <p:cSld>
+    <p:spTree>
+      <p:nvGrpSpPr>
+        <p:cNvPr id="1" name=""/>
+        <p:cNvGrpSpPr/>
+        <p:nvPr/>
+      </p:nvGrpSpPr>
+      <p:grpSpPr>
+        <a:xfrm>
+          <a:off x="0" y="0"/>
+          <a:ext cx="0" cy="0"/>
+          <a:chOff x="0" y="0"/>
+          <a:chExt cx="0" cy="0"/>
+        </a:xfrm>
+      </p:grpSpPr>
+      <p:sp>
+        <p:nvSpPr>
+          <p:cNvPr id="2" name="제목 1">
+            <a:extLst>
+              <a:ext uri="{FF2B5EF4-FFF2-40B4-BE49-F238E27FC236}">
+                <a16:creationId xmlns:a16="http://schemas.microsoft.com/office/drawing/2014/main" id="{BEB0A3D5-789F-0C69-4D0C-00317E54FA97}"/>
+              </a:ext>
+            </a:extLst>
+          </p:cNvPr>
+          <p:cNvSpPr>
+            <a:spLocks noGrp="1"/>
+          </p:cNvSpPr>
+          <p:nvPr>
+            <p:ph type="title"/>
+          </p:nvPr>
+        </p:nvSpPr>
+        <p:spPr/>
+        <p:txBody>
+          <a:bodyPr/>
+          <a:lstStyle/>
+          <a:p>
+            <a:r>
+              <a:rPr lang="en-US" altLang="ko-KR" dirty="0"/>
+              <a:t>Thank You</a:t>
+            </a:r>
+            <a:endParaRPr lang="ko-KR" altLang="en-US" dirty="0"/>
+          </a:p>
+        </p:txBody>
+      </p:sp>
+      <p:sp>
+        <p:nvSpPr>
+          <p:cNvPr id="3" name="내용 개체 틀 2">
+            <a:extLst>
+              <a:ext uri="{FF2B5EF4-FFF2-40B4-BE49-F238E27FC236}">
+                <a16:creationId xmlns:a16="http://schemas.microsoft.com/office/drawing/2014/main" id="{5EC83F18-F673-57C2-36BF-8AF27E2C5C5D}"/>
+              </a:ext>
+            </a:extLst>
+          </p:cNvPr>
+          <p:cNvSpPr>
+            <a:spLocks noGrp="1"/>
+          </p:cNvSpPr>
+          <p:nvPr>
+            <p:ph idx="1"/>
+          </p:nvPr>
+        </p:nvSpPr>
+        <p:spPr/>
+        <p:txBody>
+          <a:bodyPr/>
+          <a:lstStyle/>
+          <a:p>
+            <a:endParaRPr lang="ko-KR" altLang="en-US"/>
+          </a:p>
+        </p:txBody>
+      </p:sp>
+    </p:spTree>
+    <p:extLst>
+      <p:ext uri="{BB962C8B-B14F-4D97-AF65-F5344CB8AC3E}">
+        <p14:creationId xmlns:p14="http://schemas.microsoft.com/office/powerpoint/2010/main" val="1827700151"/>
+      </p:ext>
+    </p:extLst>
+  </p:cSld>
+  <p:clrMapOvr>
+    <a:masterClrMapping/>
+  </p:clrMapOvr>
+</p:sld>
+</file>
+
 <file path=ppt/theme/theme1.xml><?xml version="1.0" encoding="utf-8"?>
 <a:theme xmlns:a="http://schemas.openxmlformats.org/drawingml/2006/main" name="Office Theme">
   <a:themeElements>

--- a/week12/branch.pptx
+++ b/week12/branch.pptx
@@ -7,6 +7,7 @@
   <p:sldIdLst>
     <p:sldId id="256" r:id="rId2"/>
     <p:sldId id="257" r:id="rId3"/>
+    <p:sldId id="258" r:id="rId4"/>
   </p:sldIdLst>
   <p:sldSz cx="12192000" cy="6858000"/>
   <p:notesSz cx="6858000" cy="9144000"/>
@@ -262,7 +263,7 @@
           <a:p>
             <a:fld id="{42AB81E2-2E7B-B344-9159-A676E4F74E42}" type="datetimeFigureOut">
               <a:rPr lang="en-KR" smtClean="0"/>
-              <a:t>11/16/23</a:t>
+              <a:t>11/17/2023</a:t>
             </a:fld>
             <a:endParaRPr lang="en-KR"/>
           </a:p>
@@ -462,7 +463,7 @@
           <a:p>
             <a:fld id="{42AB81E2-2E7B-B344-9159-A676E4F74E42}" type="datetimeFigureOut">
               <a:rPr lang="en-KR" smtClean="0"/>
-              <a:t>11/16/23</a:t>
+              <a:t>11/17/2023</a:t>
             </a:fld>
             <a:endParaRPr lang="en-KR"/>
           </a:p>
@@ -672,7 +673,7 @@
           <a:p>
             <a:fld id="{42AB81E2-2E7B-B344-9159-A676E4F74E42}" type="datetimeFigureOut">
               <a:rPr lang="en-KR" smtClean="0"/>
-              <a:t>11/16/23</a:t>
+              <a:t>11/17/2023</a:t>
             </a:fld>
             <a:endParaRPr lang="en-KR"/>
           </a:p>
@@ -872,7 +873,7 @@
           <a:p>
             <a:fld id="{42AB81E2-2E7B-B344-9159-A676E4F74E42}" type="datetimeFigureOut">
               <a:rPr lang="en-KR" smtClean="0"/>
-              <a:t>11/16/23</a:t>
+              <a:t>11/17/2023</a:t>
             </a:fld>
             <a:endParaRPr lang="en-KR"/>
           </a:p>
@@ -1148,7 +1149,7 @@
           <a:p>
             <a:fld id="{42AB81E2-2E7B-B344-9159-A676E4F74E42}" type="datetimeFigureOut">
               <a:rPr lang="en-KR" smtClean="0"/>
-              <a:t>11/16/23</a:t>
+              <a:t>11/17/2023</a:t>
             </a:fld>
             <a:endParaRPr lang="en-KR"/>
           </a:p>
@@ -1416,7 +1417,7 @@
           <a:p>
             <a:fld id="{42AB81E2-2E7B-B344-9159-A676E4F74E42}" type="datetimeFigureOut">
               <a:rPr lang="en-KR" smtClean="0"/>
-              <a:t>11/16/23</a:t>
+              <a:t>11/17/2023</a:t>
             </a:fld>
             <a:endParaRPr lang="en-KR"/>
           </a:p>
@@ -1831,7 +1832,7 @@
           <a:p>
             <a:fld id="{42AB81E2-2E7B-B344-9159-A676E4F74E42}" type="datetimeFigureOut">
               <a:rPr lang="en-KR" smtClean="0"/>
-              <a:t>11/16/23</a:t>
+              <a:t>11/17/2023</a:t>
             </a:fld>
             <a:endParaRPr lang="en-KR"/>
           </a:p>
@@ -1973,7 +1974,7 @@
           <a:p>
             <a:fld id="{42AB81E2-2E7B-B344-9159-A676E4F74E42}" type="datetimeFigureOut">
               <a:rPr lang="en-KR" smtClean="0"/>
-              <a:t>11/16/23</a:t>
+              <a:t>11/17/2023</a:t>
             </a:fld>
             <a:endParaRPr lang="en-KR"/>
           </a:p>
@@ -2086,7 +2087,7 @@
           <a:p>
             <a:fld id="{42AB81E2-2E7B-B344-9159-A676E4F74E42}" type="datetimeFigureOut">
               <a:rPr lang="en-KR" smtClean="0"/>
-              <a:t>11/16/23</a:t>
+              <a:t>11/17/2023</a:t>
             </a:fld>
             <a:endParaRPr lang="en-KR"/>
           </a:p>
@@ -2399,7 +2400,7 @@
           <a:p>
             <a:fld id="{42AB81E2-2E7B-B344-9159-A676E4F74E42}" type="datetimeFigureOut">
               <a:rPr lang="en-KR" smtClean="0"/>
-              <a:t>11/16/23</a:t>
+              <a:t>11/17/2023</a:t>
             </a:fld>
             <a:endParaRPr lang="en-KR"/>
           </a:p>
@@ -2688,7 +2689,7 @@
           <a:p>
             <a:fld id="{42AB81E2-2E7B-B344-9159-A676E4F74E42}" type="datetimeFigureOut">
               <a:rPr lang="en-KR" smtClean="0"/>
-              <a:t>11/16/23</a:t>
+              <a:t>11/17/2023</a:t>
             </a:fld>
             <a:endParaRPr lang="en-KR"/>
           </a:p>
@@ -2931,7 +2932,7 @@
           <a:p>
             <a:fld id="{42AB81E2-2E7B-B344-9159-A676E4F74E42}" type="datetimeFigureOut">
               <a:rPr lang="en-KR" smtClean="0"/>
-              <a:t>11/16/23</a:t>
+              <a:t>11/17/2023</a:t>
             </a:fld>
             <a:endParaRPr lang="en-KR"/>
           </a:p>
@@ -3802,6 +3803,90 @@
 </p:sld>
 </file>
 
+<file path=ppt/slides/slide3.xml><?xml version="1.0" encoding="utf-8"?>
+<p:sld xmlns:a="http://schemas.openxmlformats.org/drawingml/2006/main" xmlns:r="http://schemas.openxmlformats.org/officeDocument/2006/relationships" xmlns:p="http://schemas.openxmlformats.org/presentationml/2006/main">
+  <p:cSld>
+    <p:spTree>
+      <p:nvGrpSpPr>
+        <p:cNvPr id="1" name=""/>
+        <p:cNvGrpSpPr/>
+        <p:nvPr/>
+      </p:nvGrpSpPr>
+      <p:grpSpPr>
+        <a:xfrm>
+          <a:off x="0" y="0"/>
+          <a:ext cx="0" cy="0"/>
+          <a:chOff x="0" y="0"/>
+          <a:chExt cx="0" cy="0"/>
+        </a:xfrm>
+      </p:grpSpPr>
+      <p:sp>
+        <p:nvSpPr>
+          <p:cNvPr id="2" name="제목 1">
+            <a:extLst>
+              <a:ext uri="{FF2B5EF4-FFF2-40B4-BE49-F238E27FC236}">
+                <a16:creationId xmlns:a16="http://schemas.microsoft.com/office/drawing/2014/main" id="{6FFBFBD3-C6B9-2769-82C3-2B03BD150F82}"/>
+              </a:ext>
+            </a:extLst>
+          </p:cNvPr>
+          <p:cNvSpPr>
+            <a:spLocks noGrp="1"/>
+          </p:cNvSpPr>
+          <p:nvPr>
+            <p:ph type="title"/>
+          </p:nvPr>
+        </p:nvSpPr>
+        <p:spPr/>
+        <p:txBody>
+          <a:bodyPr/>
+          <a:lstStyle/>
+          <a:p>
+            <a:r>
+              <a:rPr lang="en-US" altLang="ko-KR" dirty="0"/>
+              <a:t>Thank You</a:t>
+            </a:r>
+            <a:endParaRPr lang="ko-KR" altLang="en-US" dirty="0"/>
+          </a:p>
+        </p:txBody>
+      </p:sp>
+      <p:sp>
+        <p:nvSpPr>
+          <p:cNvPr id="3" name="내용 개체 틀 2">
+            <a:extLst>
+              <a:ext uri="{FF2B5EF4-FFF2-40B4-BE49-F238E27FC236}">
+                <a16:creationId xmlns:a16="http://schemas.microsoft.com/office/drawing/2014/main" id="{40E57874-D61E-3BED-70F8-17DA7F42DC1C}"/>
+              </a:ext>
+            </a:extLst>
+          </p:cNvPr>
+          <p:cNvSpPr>
+            <a:spLocks noGrp="1"/>
+          </p:cNvSpPr>
+          <p:nvPr>
+            <p:ph idx="1"/>
+          </p:nvPr>
+        </p:nvSpPr>
+        <p:spPr/>
+        <p:txBody>
+          <a:bodyPr/>
+          <a:lstStyle/>
+          <a:p>
+            <a:endParaRPr lang="ko-KR" altLang="en-US"/>
+          </a:p>
+        </p:txBody>
+      </p:sp>
+    </p:spTree>
+    <p:extLst>
+      <p:ext uri="{BB962C8B-B14F-4D97-AF65-F5344CB8AC3E}">
+        <p14:creationId xmlns:p14="http://schemas.microsoft.com/office/powerpoint/2010/main" val="4125764095"/>
+      </p:ext>
+    </p:extLst>
+  </p:cSld>
+  <p:clrMapOvr>
+    <a:masterClrMapping/>
+  </p:clrMapOvr>
+</p:sld>
+</file>
+
 <file path=ppt/theme/theme1.xml><?xml version="1.0" encoding="utf-8"?>
 <a:theme xmlns:a="http://schemas.openxmlformats.org/drawingml/2006/main" name="Office Theme">
   <a:themeElements>

--- a/week12/branch.pptx
+++ b/week12/branch.pptx
@@ -7,6 +7,7 @@
   <p:sldIdLst>
     <p:sldId id="256" r:id="rId2"/>
     <p:sldId id="257" r:id="rId3"/>
+    <p:sldId id="258" r:id="rId4"/>
   </p:sldIdLst>
   <p:sldSz cx="12192000" cy="6858000"/>
   <p:notesSz cx="6858000" cy="9144000"/>
@@ -262,7 +263,7 @@
           <a:p>
             <a:fld id="{42AB81E2-2E7B-B344-9159-A676E4F74E42}" type="datetimeFigureOut">
               <a:rPr lang="en-KR" smtClean="0"/>
-              <a:t>11/16/23</a:t>
+              <a:t>11/17/23</a:t>
             </a:fld>
             <a:endParaRPr lang="en-KR"/>
           </a:p>
@@ -462,7 +463,7 @@
           <a:p>
             <a:fld id="{42AB81E2-2E7B-B344-9159-A676E4F74E42}" type="datetimeFigureOut">
               <a:rPr lang="en-KR" smtClean="0"/>
-              <a:t>11/16/23</a:t>
+              <a:t>11/17/23</a:t>
             </a:fld>
             <a:endParaRPr lang="en-KR"/>
           </a:p>
@@ -672,7 +673,7 @@
           <a:p>
             <a:fld id="{42AB81E2-2E7B-B344-9159-A676E4F74E42}" type="datetimeFigureOut">
               <a:rPr lang="en-KR" smtClean="0"/>
-              <a:t>11/16/23</a:t>
+              <a:t>11/17/23</a:t>
             </a:fld>
             <a:endParaRPr lang="en-KR"/>
           </a:p>
@@ -872,7 +873,7 @@
           <a:p>
             <a:fld id="{42AB81E2-2E7B-B344-9159-A676E4F74E42}" type="datetimeFigureOut">
               <a:rPr lang="en-KR" smtClean="0"/>
-              <a:t>11/16/23</a:t>
+              <a:t>11/17/23</a:t>
             </a:fld>
             <a:endParaRPr lang="en-KR"/>
           </a:p>
@@ -1148,7 +1149,7 @@
           <a:p>
             <a:fld id="{42AB81E2-2E7B-B344-9159-A676E4F74E42}" type="datetimeFigureOut">
               <a:rPr lang="en-KR" smtClean="0"/>
-              <a:t>11/16/23</a:t>
+              <a:t>11/17/23</a:t>
             </a:fld>
             <a:endParaRPr lang="en-KR"/>
           </a:p>
@@ -1416,7 +1417,7 @@
           <a:p>
             <a:fld id="{42AB81E2-2E7B-B344-9159-A676E4F74E42}" type="datetimeFigureOut">
               <a:rPr lang="en-KR" smtClean="0"/>
-              <a:t>11/16/23</a:t>
+              <a:t>11/17/23</a:t>
             </a:fld>
             <a:endParaRPr lang="en-KR"/>
           </a:p>
@@ -1831,7 +1832,7 @@
           <a:p>
             <a:fld id="{42AB81E2-2E7B-B344-9159-A676E4F74E42}" type="datetimeFigureOut">
               <a:rPr lang="en-KR" smtClean="0"/>
-              <a:t>11/16/23</a:t>
+              <a:t>11/17/23</a:t>
             </a:fld>
             <a:endParaRPr lang="en-KR"/>
           </a:p>
@@ -1973,7 +1974,7 @@
           <a:p>
             <a:fld id="{42AB81E2-2E7B-B344-9159-A676E4F74E42}" type="datetimeFigureOut">
               <a:rPr lang="en-KR" smtClean="0"/>
-              <a:t>11/16/23</a:t>
+              <a:t>11/17/23</a:t>
             </a:fld>
             <a:endParaRPr lang="en-KR"/>
           </a:p>
@@ -2086,7 +2087,7 @@
           <a:p>
             <a:fld id="{42AB81E2-2E7B-B344-9159-A676E4F74E42}" type="datetimeFigureOut">
               <a:rPr lang="en-KR" smtClean="0"/>
-              <a:t>11/16/23</a:t>
+              <a:t>11/17/23</a:t>
             </a:fld>
             <a:endParaRPr lang="en-KR"/>
           </a:p>
@@ -2399,7 +2400,7 @@
           <a:p>
             <a:fld id="{42AB81E2-2E7B-B344-9159-A676E4F74E42}" type="datetimeFigureOut">
               <a:rPr lang="en-KR" smtClean="0"/>
-              <a:t>11/16/23</a:t>
+              <a:t>11/17/23</a:t>
             </a:fld>
             <a:endParaRPr lang="en-KR"/>
           </a:p>
@@ -2688,7 +2689,7 @@
           <a:p>
             <a:fld id="{42AB81E2-2E7B-B344-9159-A676E4F74E42}" type="datetimeFigureOut">
               <a:rPr lang="en-KR" smtClean="0"/>
-              <a:t>11/16/23</a:t>
+              <a:t>11/17/23</a:t>
             </a:fld>
             <a:endParaRPr lang="en-KR"/>
           </a:p>
@@ -2931,7 +2932,7 @@
           <a:p>
             <a:fld id="{42AB81E2-2E7B-B344-9159-A676E4F74E42}" type="datetimeFigureOut">
               <a:rPr lang="en-KR" smtClean="0"/>
-              <a:t>11/16/23</a:t>
+              <a:t>11/17/23</a:t>
             </a:fld>
             <a:endParaRPr lang="en-KR"/>
           </a:p>
@@ -3802,6 +3803,93 @@
 </p:sld>
 </file>
 
+<file path=ppt/slides/slide3.xml><?xml version="1.0" encoding="utf-8"?>
+<p:sld xmlns:a="http://schemas.openxmlformats.org/drawingml/2006/main" xmlns:r="http://schemas.openxmlformats.org/officeDocument/2006/relationships" xmlns:p="http://schemas.openxmlformats.org/presentationml/2006/main">
+  <p:cSld>
+    <p:spTree>
+      <p:nvGrpSpPr>
+        <p:cNvPr id="1" name=""/>
+        <p:cNvGrpSpPr/>
+        <p:nvPr/>
+      </p:nvGrpSpPr>
+      <p:grpSpPr>
+        <a:xfrm>
+          <a:off x="0" y="0"/>
+          <a:ext cx="0" cy="0"/>
+          <a:chOff x="0" y="0"/>
+          <a:chExt cx="0" cy="0"/>
+        </a:xfrm>
+      </p:grpSpPr>
+      <p:sp>
+        <p:nvSpPr>
+          <p:cNvPr id="3" name="내용 개체 틀 2">
+            <a:extLst>
+              <a:ext uri="{FF2B5EF4-FFF2-40B4-BE49-F238E27FC236}">
+                <a16:creationId xmlns:a16="http://schemas.microsoft.com/office/drawing/2014/main" id="{E4B51FFF-F545-62E1-8F02-4CC8569FDD25}"/>
+              </a:ext>
+            </a:extLst>
+          </p:cNvPr>
+          <p:cNvSpPr>
+            <a:spLocks noGrp="1"/>
+          </p:cNvSpPr>
+          <p:nvPr>
+            <p:ph idx="1"/>
+          </p:nvPr>
+        </p:nvSpPr>
+        <p:spPr>
+          <a:xfrm>
+            <a:off x="838200" y="779489"/>
+            <a:ext cx="10515600" cy="5397474"/>
+          </a:xfrm>
+        </p:spPr>
+        <p:txBody>
+          <a:bodyPr>
+            <a:normAutofit/>
+          </a:bodyPr>
+          <a:lstStyle/>
+          <a:p>
+            <a:pPr marL="0" indent="0" algn="ctr">
+              <a:buNone/>
+            </a:pPr>
+            <a:endParaRPr kumimoji="1" lang="en-US" altLang="ko-KR" sz="10000" dirty="0"/>
+          </a:p>
+          <a:p>
+            <a:pPr marL="0" indent="0" algn="ctr">
+              <a:buNone/>
+            </a:pPr>
+            <a:r>
+              <a:rPr kumimoji="1" lang="en-US" altLang="ko-KR" sz="13000" dirty="0">
+                <a:solidFill>
+                  <a:srgbClr val="FF8AD8"/>
+                </a:solidFill>
+                <a:latin typeface="BM KIRANGHAERANG OTF" panose="020B0600000101010101" pitchFamily="34" charset="-127"/>
+                <a:ea typeface="BM KIRANGHAERANG OTF" panose="020B0600000101010101" pitchFamily="34" charset="-127"/>
+              </a:rPr>
+              <a:t>Thank you</a:t>
+            </a:r>
+            <a:endParaRPr kumimoji="1" lang="ko-KR" altLang="en-US" sz="13000" dirty="0">
+              <a:solidFill>
+                <a:srgbClr val="FF8AD8"/>
+              </a:solidFill>
+              <a:latin typeface="BM KIRANGHAERANG OTF" panose="020B0600000101010101" pitchFamily="34" charset="-127"/>
+              <a:ea typeface="BM KIRANGHAERANG OTF" panose="020B0600000101010101" pitchFamily="34" charset="-127"/>
+            </a:endParaRPr>
+          </a:p>
+        </p:txBody>
+      </p:sp>
+    </p:spTree>
+    <p:extLst>
+      <p:ext uri="{BB962C8B-B14F-4D97-AF65-F5344CB8AC3E}">
+        <p14:creationId xmlns:p14="http://schemas.microsoft.com/office/powerpoint/2010/main" val="2173900520"/>
+      </p:ext>
+    </p:extLst>
+  </p:cSld>
+  <p:clrMapOvr>
+    <a:masterClrMapping/>
+  </p:clrMapOvr>
+</p:sld>
+</file>
+
 <file path=ppt/theme/theme1.xml><?xml version="1.0" encoding="utf-8"?>
 <a:theme xmlns:a="http://schemas.openxmlformats.org/drawingml/2006/main" name="Office Theme">
   <a:themeElements>

--- a/week12/branch.pptx
+++ b/week12/branch.pptx
@@ -3833,10 +3833,10 @@
               <a:defRPr/>
             </a:pPr>
             <a:r>
-              <a:rPr lang="ko-KR" altLang="en-US"/>
-              <a:t/>
-            </a:r>
-            <a:endParaRPr lang="ko-KR" altLang="en-US"/>
+              <a:rPr lang="en-US" altLang="ko-KR"/>
+              <a:t>Thank You</a:t>
+            </a:r>
+            <a:endParaRPr lang="en-US" altLang="ko-KR"/>
           </a:p>
         </p:txBody>
       </p:sp>

--- a/week12/branch.pptx
+++ b/week12/branch.pptx
@@ -7,6 +7,7 @@
   <p:sldIdLst>
     <p:sldId id="256" r:id="rId2"/>
     <p:sldId id="257" r:id="rId3"/>
+    <p:sldId id="258" r:id="rId4"/>
   </p:sldIdLst>
   <p:sldSz cx="12192000" cy="6858000"/>
   <p:notesSz cx="6858000" cy="9144000"/>
@@ -113,6 +114,43 @@
 </p:presentation>
 </file>
 
+<file path=ppt/changesInfos/changesInfo1.xml><?xml version="1.0" encoding="utf-8"?>
+<pc:chgInfo xmlns:a="http://schemas.openxmlformats.org/drawingml/2006/main" xmlns:r="http://schemas.openxmlformats.org/officeDocument/2006/relationships" xmlns:ac="http://schemas.microsoft.com/office/drawing/2013/main/command" xmlns:pc="http://schemas.microsoft.com/office/powerpoint/2013/main/command">
+  <pc:docChgLst>
+    <pc:chgData name="윤서 김" userId="de3f97e59533c650" providerId="LiveId" clId="{DE5E05CD-1FFD-495D-9071-BD924CDED040}"/>
+    <pc:docChg chg="custSel addSld modSld">
+      <pc:chgData name="윤서 김" userId="de3f97e59533c650" providerId="LiveId" clId="{DE5E05CD-1FFD-495D-9071-BD924CDED040}" dt="2023-11-17T06:54:40.336" v="24" actId="1076"/>
+      <pc:docMkLst>
+        <pc:docMk/>
+      </pc:docMkLst>
+      <pc:sldChg chg="delSp modSp new mod">
+        <pc:chgData name="윤서 김" userId="de3f97e59533c650" providerId="LiveId" clId="{DE5E05CD-1FFD-495D-9071-BD924CDED040}" dt="2023-11-17T06:54:40.336" v="24" actId="1076"/>
+        <pc:sldMkLst>
+          <pc:docMk/>
+          <pc:sldMk cId="2050236588" sldId="258"/>
+        </pc:sldMkLst>
+        <pc:spChg chg="del">
+          <ac:chgData name="윤서 김" userId="de3f97e59533c650" providerId="LiveId" clId="{DE5E05CD-1FFD-495D-9071-BD924CDED040}" dt="2023-11-17T06:54:15.687" v="17" actId="478"/>
+          <ac:spMkLst>
+            <pc:docMk/>
+            <pc:sldMk cId="2050236588" sldId="258"/>
+            <ac:spMk id="2" creationId="{73F85566-0B71-1ED0-F91E-F4CD72BE5CC9}"/>
+          </ac:spMkLst>
+        </pc:spChg>
+        <pc:spChg chg="mod">
+          <ac:chgData name="윤서 김" userId="de3f97e59533c650" providerId="LiveId" clId="{DE5E05CD-1FFD-495D-9071-BD924CDED040}" dt="2023-11-17T06:54:40.336" v="24" actId="1076"/>
+          <ac:spMkLst>
+            <pc:docMk/>
+            <pc:sldMk cId="2050236588" sldId="258"/>
+            <ac:spMk id="3" creationId="{DA0418D3-722E-C218-0DC1-41D6C849AA11}"/>
+          </ac:spMkLst>
+        </pc:spChg>
+      </pc:sldChg>
+    </pc:docChg>
+  </pc:docChgLst>
+</pc:chgInfo>
+</file>
+
 <file path=ppt/slideLayouts/slideLayout1.xml><?xml version="1.0" encoding="utf-8"?>
 <p:sldLayout xmlns:a="http://schemas.openxmlformats.org/drawingml/2006/main" xmlns:r="http://schemas.openxmlformats.org/officeDocument/2006/relationships" xmlns:p="http://schemas.openxmlformats.org/presentationml/2006/main" type="title" preserve="1">
   <p:cSld name="Title Slide">
@@ -262,7 +300,7 @@
           <a:p>
             <a:fld id="{42AB81E2-2E7B-B344-9159-A676E4F74E42}" type="datetimeFigureOut">
               <a:rPr lang="en-KR" smtClean="0"/>
-              <a:t>11/16/23</a:t>
+              <a:t>11/17/2023</a:t>
             </a:fld>
             <a:endParaRPr lang="en-KR"/>
           </a:p>
@@ -462,7 +500,7 @@
           <a:p>
             <a:fld id="{42AB81E2-2E7B-B344-9159-A676E4F74E42}" type="datetimeFigureOut">
               <a:rPr lang="en-KR" smtClean="0"/>
-              <a:t>11/16/23</a:t>
+              <a:t>11/17/2023</a:t>
             </a:fld>
             <a:endParaRPr lang="en-KR"/>
           </a:p>
@@ -672,7 +710,7 @@
           <a:p>
             <a:fld id="{42AB81E2-2E7B-B344-9159-A676E4F74E42}" type="datetimeFigureOut">
               <a:rPr lang="en-KR" smtClean="0"/>
-              <a:t>11/16/23</a:t>
+              <a:t>11/17/2023</a:t>
             </a:fld>
             <a:endParaRPr lang="en-KR"/>
           </a:p>
@@ -872,7 +910,7 @@
           <a:p>
             <a:fld id="{42AB81E2-2E7B-B344-9159-A676E4F74E42}" type="datetimeFigureOut">
               <a:rPr lang="en-KR" smtClean="0"/>
-              <a:t>11/16/23</a:t>
+              <a:t>11/17/2023</a:t>
             </a:fld>
             <a:endParaRPr lang="en-KR"/>
           </a:p>
@@ -1148,7 +1186,7 @@
           <a:p>
             <a:fld id="{42AB81E2-2E7B-B344-9159-A676E4F74E42}" type="datetimeFigureOut">
               <a:rPr lang="en-KR" smtClean="0"/>
-              <a:t>11/16/23</a:t>
+              <a:t>11/17/2023</a:t>
             </a:fld>
             <a:endParaRPr lang="en-KR"/>
           </a:p>
@@ -1416,7 +1454,7 @@
           <a:p>
             <a:fld id="{42AB81E2-2E7B-B344-9159-A676E4F74E42}" type="datetimeFigureOut">
               <a:rPr lang="en-KR" smtClean="0"/>
-              <a:t>11/16/23</a:t>
+              <a:t>11/17/2023</a:t>
             </a:fld>
             <a:endParaRPr lang="en-KR"/>
           </a:p>
@@ -1831,7 +1869,7 @@
           <a:p>
             <a:fld id="{42AB81E2-2E7B-B344-9159-A676E4F74E42}" type="datetimeFigureOut">
               <a:rPr lang="en-KR" smtClean="0"/>
-              <a:t>11/16/23</a:t>
+              <a:t>11/17/2023</a:t>
             </a:fld>
             <a:endParaRPr lang="en-KR"/>
           </a:p>
@@ -1973,7 +2011,7 @@
           <a:p>
             <a:fld id="{42AB81E2-2E7B-B344-9159-A676E4F74E42}" type="datetimeFigureOut">
               <a:rPr lang="en-KR" smtClean="0"/>
-              <a:t>11/16/23</a:t>
+              <a:t>11/17/2023</a:t>
             </a:fld>
             <a:endParaRPr lang="en-KR"/>
           </a:p>
@@ -2086,7 +2124,7 @@
           <a:p>
             <a:fld id="{42AB81E2-2E7B-B344-9159-A676E4F74E42}" type="datetimeFigureOut">
               <a:rPr lang="en-KR" smtClean="0"/>
-              <a:t>11/16/23</a:t>
+              <a:t>11/17/2023</a:t>
             </a:fld>
             <a:endParaRPr lang="en-KR"/>
           </a:p>
@@ -2399,7 +2437,7 @@
           <a:p>
             <a:fld id="{42AB81E2-2E7B-B344-9159-A676E4F74E42}" type="datetimeFigureOut">
               <a:rPr lang="en-KR" smtClean="0"/>
-              <a:t>11/16/23</a:t>
+              <a:t>11/17/2023</a:t>
             </a:fld>
             <a:endParaRPr lang="en-KR"/>
           </a:p>
@@ -2688,7 +2726,7 @@
           <a:p>
             <a:fld id="{42AB81E2-2E7B-B344-9159-A676E4F74E42}" type="datetimeFigureOut">
               <a:rPr lang="en-KR" smtClean="0"/>
-              <a:t>11/16/23</a:t>
+              <a:t>11/17/2023</a:t>
             </a:fld>
             <a:endParaRPr lang="en-KR"/>
           </a:p>
@@ -2931,7 +2969,7 @@
           <a:p>
             <a:fld id="{42AB81E2-2E7B-B344-9159-A676E4F74E42}" type="datetimeFigureOut">
               <a:rPr lang="en-KR" smtClean="0"/>
-              <a:t>11/16/23</a:t>
+              <a:t>11/17/2023</a:t>
             </a:fld>
             <a:endParaRPr lang="en-KR"/>
           </a:p>
@@ -3802,6 +3840,73 @@
 </p:sld>
 </file>
 
+<file path=ppt/slides/slide3.xml><?xml version="1.0" encoding="utf-8"?>
+<p:sld xmlns:a="http://schemas.openxmlformats.org/drawingml/2006/main" xmlns:r="http://schemas.openxmlformats.org/officeDocument/2006/relationships" xmlns:p="http://schemas.openxmlformats.org/presentationml/2006/main">
+  <p:cSld>
+    <p:spTree>
+      <p:nvGrpSpPr>
+        <p:cNvPr id="1" name=""/>
+        <p:cNvGrpSpPr/>
+        <p:nvPr/>
+      </p:nvGrpSpPr>
+      <p:grpSpPr>
+        <a:xfrm>
+          <a:off x="0" y="0"/>
+          <a:ext cx="0" cy="0"/>
+          <a:chOff x="0" y="0"/>
+          <a:chExt cx="0" cy="0"/>
+        </a:xfrm>
+      </p:grpSpPr>
+      <p:sp>
+        <p:nvSpPr>
+          <p:cNvPr id="3" name="내용 개체 틀 2">
+            <a:extLst>
+              <a:ext uri="{FF2B5EF4-FFF2-40B4-BE49-F238E27FC236}">
+                <a16:creationId xmlns:a16="http://schemas.microsoft.com/office/drawing/2014/main" id="{DA0418D3-722E-C218-0DC1-41D6C849AA11}"/>
+              </a:ext>
+            </a:extLst>
+          </p:cNvPr>
+          <p:cNvSpPr>
+            <a:spLocks noGrp="1"/>
+          </p:cNvSpPr>
+          <p:nvPr>
+            <p:ph idx="1"/>
+          </p:nvPr>
+        </p:nvSpPr>
+        <p:spPr>
+          <a:xfrm>
+            <a:off x="5024217" y="3182021"/>
+            <a:ext cx="2143565" cy="493957"/>
+          </a:xfrm>
+        </p:spPr>
+        <p:txBody>
+          <a:bodyPr/>
+          <a:lstStyle/>
+          <a:p>
+            <a:pPr marL="0" indent="0">
+              <a:buNone/>
+            </a:pPr>
+            <a:r>
+              <a:rPr lang="en-US" altLang="ko-KR" dirty="0"/>
+              <a:t>  THANK YOU</a:t>
+            </a:r>
+            <a:endParaRPr lang="ko-KR" altLang="en-US" dirty="0"/>
+          </a:p>
+        </p:txBody>
+      </p:sp>
+    </p:spTree>
+    <p:extLst>
+      <p:ext uri="{BB962C8B-B14F-4D97-AF65-F5344CB8AC3E}">
+        <p14:creationId xmlns:p14="http://schemas.microsoft.com/office/powerpoint/2010/main" val="2050236588"/>
+      </p:ext>
+    </p:extLst>
+  </p:cSld>
+  <p:clrMapOvr>
+    <a:masterClrMapping/>
+  </p:clrMapOvr>
+</p:sld>
+</file>
+
 <file path=ppt/theme/theme1.xml><?xml version="1.0" encoding="utf-8"?>
 <a:theme xmlns:a="http://schemas.openxmlformats.org/drawingml/2006/main" name="Office Theme">
   <a:themeElements>

--- a/week12/branch.pptx
+++ b/week12/branch.pptx
@@ -7,6 +7,7 @@
   <p:sldIdLst>
     <p:sldId id="256" r:id="rId2"/>
     <p:sldId id="257" r:id="rId3"/>
+    <p:sldId id="258" r:id="rId4"/>
   </p:sldIdLst>
   <p:sldSz cx="12192000" cy="6858000"/>
   <p:notesSz cx="6858000" cy="9144000"/>
@@ -113,6 +114,35 @@
 </p:presentation>
 </file>
 
+<file path=ppt/changesInfos/changesInfo1.xml><?xml version="1.0" encoding="utf-8"?>
+<pc:chgInfo xmlns:a="http://schemas.openxmlformats.org/drawingml/2006/main" xmlns:r="http://schemas.openxmlformats.org/officeDocument/2006/relationships" xmlns:ac="http://schemas.microsoft.com/office/drawing/2013/main/command" xmlns:pc="http://schemas.microsoft.com/office/powerpoint/2013/main/command">
+  <pc:docChgLst>
+    <pc:chgData name="동수 이" userId="1e0160bb8418f1fe" providerId="LiveId" clId="{F2DEB822-4300-4353-9D20-FEF9B8D57C1B}"/>
+    <pc:docChg chg="addSld modSld">
+      <pc:chgData name="동수 이" userId="1e0160bb8418f1fe" providerId="LiveId" clId="{F2DEB822-4300-4353-9D20-FEF9B8D57C1B}" dt="2023-11-17T15:08:21.963" v="11" actId="20577"/>
+      <pc:docMkLst>
+        <pc:docMk/>
+      </pc:docMkLst>
+      <pc:sldChg chg="modSp new mod">
+        <pc:chgData name="동수 이" userId="1e0160bb8418f1fe" providerId="LiveId" clId="{F2DEB822-4300-4353-9D20-FEF9B8D57C1B}" dt="2023-11-17T15:08:21.963" v="11" actId="20577"/>
+        <pc:sldMkLst>
+          <pc:docMk/>
+          <pc:sldMk cId="2703640662" sldId="258"/>
+        </pc:sldMkLst>
+        <pc:spChg chg="mod">
+          <ac:chgData name="동수 이" userId="1e0160bb8418f1fe" providerId="LiveId" clId="{F2DEB822-4300-4353-9D20-FEF9B8D57C1B}" dt="2023-11-17T15:08:21.963" v="11" actId="20577"/>
+          <ac:spMkLst>
+            <pc:docMk/>
+            <pc:sldMk cId="2703640662" sldId="258"/>
+            <ac:spMk id="2" creationId="{BC60B349-A11B-623B-2CCC-278DDFF21509}"/>
+          </ac:spMkLst>
+        </pc:spChg>
+      </pc:sldChg>
+    </pc:docChg>
+  </pc:docChgLst>
+</pc:chgInfo>
+</file>
+
 <file path=ppt/slideLayouts/slideLayout1.xml><?xml version="1.0" encoding="utf-8"?>
 <p:sldLayout xmlns:a="http://schemas.openxmlformats.org/drawingml/2006/main" xmlns:r="http://schemas.openxmlformats.org/officeDocument/2006/relationships" xmlns:p="http://schemas.openxmlformats.org/presentationml/2006/main" type="title" preserve="1">
   <p:cSld name="Title Slide">
@@ -262,7 +292,7 @@
           <a:p>
             <a:fld id="{42AB81E2-2E7B-B344-9159-A676E4F74E42}" type="datetimeFigureOut">
               <a:rPr lang="en-KR" smtClean="0"/>
-              <a:t>11/16/23</a:t>
+              <a:t>11/18/2023</a:t>
             </a:fld>
             <a:endParaRPr lang="en-KR"/>
           </a:p>
@@ -462,7 +492,7 @@
           <a:p>
             <a:fld id="{42AB81E2-2E7B-B344-9159-A676E4F74E42}" type="datetimeFigureOut">
               <a:rPr lang="en-KR" smtClean="0"/>
-              <a:t>11/16/23</a:t>
+              <a:t>11/18/2023</a:t>
             </a:fld>
             <a:endParaRPr lang="en-KR"/>
           </a:p>
@@ -672,7 +702,7 @@
           <a:p>
             <a:fld id="{42AB81E2-2E7B-B344-9159-A676E4F74E42}" type="datetimeFigureOut">
               <a:rPr lang="en-KR" smtClean="0"/>
-              <a:t>11/16/23</a:t>
+              <a:t>11/18/2023</a:t>
             </a:fld>
             <a:endParaRPr lang="en-KR"/>
           </a:p>
@@ -872,7 +902,7 @@
           <a:p>
             <a:fld id="{42AB81E2-2E7B-B344-9159-A676E4F74E42}" type="datetimeFigureOut">
               <a:rPr lang="en-KR" smtClean="0"/>
-              <a:t>11/16/23</a:t>
+              <a:t>11/18/2023</a:t>
             </a:fld>
             <a:endParaRPr lang="en-KR"/>
           </a:p>
@@ -1148,7 +1178,7 @@
           <a:p>
             <a:fld id="{42AB81E2-2E7B-B344-9159-A676E4F74E42}" type="datetimeFigureOut">
               <a:rPr lang="en-KR" smtClean="0"/>
-              <a:t>11/16/23</a:t>
+              <a:t>11/18/2023</a:t>
             </a:fld>
             <a:endParaRPr lang="en-KR"/>
           </a:p>
@@ -1416,7 +1446,7 @@
           <a:p>
             <a:fld id="{42AB81E2-2E7B-B344-9159-A676E4F74E42}" type="datetimeFigureOut">
               <a:rPr lang="en-KR" smtClean="0"/>
-              <a:t>11/16/23</a:t>
+              <a:t>11/18/2023</a:t>
             </a:fld>
             <a:endParaRPr lang="en-KR"/>
           </a:p>
@@ -1831,7 +1861,7 @@
           <a:p>
             <a:fld id="{42AB81E2-2E7B-B344-9159-A676E4F74E42}" type="datetimeFigureOut">
               <a:rPr lang="en-KR" smtClean="0"/>
-              <a:t>11/16/23</a:t>
+              <a:t>11/18/2023</a:t>
             </a:fld>
             <a:endParaRPr lang="en-KR"/>
           </a:p>
@@ -1973,7 +2003,7 @@
           <a:p>
             <a:fld id="{42AB81E2-2E7B-B344-9159-A676E4F74E42}" type="datetimeFigureOut">
               <a:rPr lang="en-KR" smtClean="0"/>
-              <a:t>11/16/23</a:t>
+              <a:t>11/18/2023</a:t>
             </a:fld>
             <a:endParaRPr lang="en-KR"/>
           </a:p>
@@ -2086,7 +2116,7 @@
           <a:p>
             <a:fld id="{42AB81E2-2E7B-B344-9159-A676E4F74E42}" type="datetimeFigureOut">
               <a:rPr lang="en-KR" smtClean="0"/>
-              <a:t>11/16/23</a:t>
+              <a:t>11/18/2023</a:t>
             </a:fld>
             <a:endParaRPr lang="en-KR"/>
           </a:p>
@@ -2399,7 +2429,7 @@
           <a:p>
             <a:fld id="{42AB81E2-2E7B-B344-9159-A676E4F74E42}" type="datetimeFigureOut">
               <a:rPr lang="en-KR" smtClean="0"/>
-              <a:t>11/16/23</a:t>
+              <a:t>11/18/2023</a:t>
             </a:fld>
             <a:endParaRPr lang="en-KR"/>
           </a:p>
@@ -2688,7 +2718,7 @@
           <a:p>
             <a:fld id="{42AB81E2-2E7B-B344-9159-A676E4F74E42}" type="datetimeFigureOut">
               <a:rPr lang="en-KR" smtClean="0"/>
-              <a:t>11/16/23</a:t>
+              <a:t>11/18/2023</a:t>
             </a:fld>
             <a:endParaRPr lang="en-KR"/>
           </a:p>
@@ -2931,7 +2961,7 @@
           <a:p>
             <a:fld id="{42AB81E2-2E7B-B344-9159-A676E4F74E42}" type="datetimeFigureOut">
               <a:rPr lang="en-KR" smtClean="0"/>
-              <a:t>11/16/23</a:t>
+              <a:t>11/18/2023</a:t>
             </a:fld>
             <a:endParaRPr lang="en-KR"/>
           </a:p>
@@ -3802,6 +3832,90 @@
 </p:sld>
 </file>
 
+<file path=ppt/slides/slide3.xml><?xml version="1.0" encoding="utf-8"?>
+<p:sld xmlns:a="http://schemas.openxmlformats.org/drawingml/2006/main" xmlns:r="http://schemas.openxmlformats.org/officeDocument/2006/relationships" xmlns:p="http://schemas.openxmlformats.org/presentationml/2006/main">
+  <p:cSld>
+    <p:spTree>
+      <p:nvGrpSpPr>
+        <p:cNvPr id="1" name=""/>
+        <p:cNvGrpSpPr/>
+        <p:nvPr/>
+      </p:nvGrpSpPr>
+      <p:grpSpPr>
+        <a:xfrm>
+          <a:off x="0" y="0"/>
+          <a:ext cx="0" cy="0"/>
+          <a:chOff x="0" y="0"/>
+          <a:chExt cx="0" cy="0"/>
+        </a:xfrm>
+      </p:grpSpPr>
+      <p:sp>
+        <p:nvSpPr>
+          <p:cNvPr id="2" name="제목 1">
+            <a:extLst>
+              <a:ext uri="{FF2B5EF4-FFF2-40B4-BE49-F238E27FC236}">
+                <a16:creationId xmlns:a16="http://schemas.microsoft.com/office/drawing/2014/main" id="{BC60B349-A11B-623B-2CCC-278DDFF21509}"/>
+              </a:ext>
+            </a:extLst>
+          </p:cNvPr>
+          <p:cNvSpPr>
+            <a:spLocks noGrp="1"/>
+          </p:cNvSpPr>
+          <p:nvPr>
+            <p:ph type="title"/>
+          </p:nvPr>
+        </p:nvSpPr>
+        <p:spPr/>
+        <p:txBody>
+          <a:bodyPr/>
+          <a:lstStyle/>
+          <a:p>
+            <a:r>
+              <a:rPr lang="en-US" altLang="ko-KR"/>
+              <a:t>Thank you</a:t>
+            </a:r>
+            <a:endParaRPr lang="ko-KR" altLang="en-US"/>
+          </a:p>
+        </p:txBody>
+      </p:sp>
+      <p:sp>
+        <p:nvSpPr>
+          <p:cNvPr id="3" name="내용 개체 틀 2">
+            <a:extLst>
+              <a:ext uri="{FF2B5EF4-FFF2-40B4-BE49-F238E27FC236}">
+                <a16:creationId xmlns:a16="http://schemas.microsoft.com/office/drawing/2014/main" id="{DFC7BD81-A3BE-C8A0-BB17-B82016DD2C3C}"/>
+              </a:ext>
+            </a:extLst>
+          </p:cNvPr>
+          <p:cNvSpPr>
+            <a:spLocks noGrp="1"/>
+          </p:cNvSpPr>
+          <p:nvPr>
+            <p:ph idx="1"/>
+          </p:nvPr>
+        </p:nvSpPr>
+        <p:spPr/>
+        <p:txBody>
+          <a:bodyPr/>
+          <a:lstStyle/>
+          <a:p>
+            <a:endParaRPr lang="ko-KR" altLang="en-US"/>
+          </a:p>
+        </p:txBody>
+      </p:sp>
+    </p:spTree>
+    <p:extLst>
+      <p:ext uri="{BB962C8B-B14F-4D97-AF65-F5344CB8AC3E}">
+        <p14:creationId xmlns:p14="http://schemas.microsoft.com/office/powerpoint/2010/main" val="2703640662"/>
+      </p:ext>
+    </p:extLst>
+  </p:cSld>
+  <p:clrMapOvr>
+    <a:masterClrMapping/>
+  </p:clrMapOvr>
+</p:sld>
+</file>
+
 <file path=ppt/theme/theme1.xml><?xml version="1.0" encoding="utf-8"?>
 <a:theme xmlns:a="http://schemas.openxmlformats.org/drawingml/2006/main" name="Office Theme">
   <a:themeElements>

--- a/week12/branch.pptx
+++ b/week12/branch.pptx
@@ -118,13 +118,13 @@
 <pc:chgInfo xmlns:a="http://schemas.openxmlformats.org/drawingml/2006/main" xmlns:r="http://schemas.openxmlformats.org/officeDocument/2006/relationships" xmlns:ac="http://schemas.microsoft.com/office/drawing/2013/main/command" xmlns:pc="http://schemas.microsoft.com/office/powerpoint/2013/main/command">
   <pc:docChgLst>
     <pc:chgData name="동수 이" userId="1e0160bb8418f1fe" providerId="LiveId" clId="{F2DEB822-4300-4353-9D20-FEF9B8D57C1B}"/>
-    <pc:docChg chg="addSld modSld">
-      <pc:chgData name="동수 이" userId="1e0160bb8418f1fe" providerId="LiveId" clId="{F2DEB822-4300-4353-9D20-FEF9B8D57C1B}" dt="2023-11-17T15:08:21.963" v="11" actId="20577"/>
+    <pc:docChg chg="custSel addSld modSld">
+      <pc:chgData name="동수 이" userId="1e0160bb8418f1fe" providerId="LiveId" clId="{F2DEB822-4300-4353-9D20-FEF9B8D57C1B}" dt="2023-11-17T15:28:45.652" v="13" actId="478"/>
       <pc:docMkLst>
         <pc:docMk/>
       </pc:docMkLst>
-      <pc:sldChg chg="modSp new mod">
-        <pc:chgData name="동수 이" userId="1e0160bb8418f1fe" providerId="LiveId" clId="{F2DEB822-4300-4353-9D20-FEF9B8D57C1B}" dt="2023-11-17T15:08:21.963" v="11" actId="20577"/>
+      <pc:sldChg chg="delSp modSp new mod">
+        <pc:chgData name="동수 이" userId="1e0160bb8418f1fe" providerId="LiveId" clId="{F2DEB822-4300-4353-9D20-FEF9B8D57C1B}" dt="2023-11-17T15:28:45.652" v="13" actId="478"/>
         <pc:sldMkLst>
           <pc:docMk/>
           <pc:sldMk cId="2703640662" sldId="258"/>
@@ -135,6 +135,14 @@
             <pc:docMk/>
             <pc:sldMk cId="2703640662" sldId="258"/>
             <ac:spMk id="2" creationId="{BC60B349-A11B-623B-2CCC-278DDFF21509}"/>
+          </ac:spMkLst>
+        </pc:spChg>
+        <pc:spChg chg="del mod">
+          <ac:chgData name="동수 이" userId="1e0160bb8418f1fe" providerId="LiveId" clId="{F2DEB822-4300-4353-9D20-FEF9B8D57C1B}" dt="2023-11-17T15:28:45.652" v="13" actId="478"/>
+          <ac:spMkLst>
+            <pc:docMk/>
+            <pc:sldMk cId="2703640662" sldId="258"/>
+            <ac:spMk id="3" creationId="{DFC7BD81-A3BE-C8A0-BB17-B82016DD2C3C}"/>
           </ac:spMkLst>
         </pc:spChg>
       </pc:sldChg>
@@ -3871,35 +3879,10 @@
           <a:lstStyle/>
           <a:p>
             <a:r>
-              <a:rPr lang="en-US" altLang="ko-KR"/>
+              <a:rPr lang="en-US" altLang="ko-KR" dirty="0"/>
               <a:t>Thank you</a:t>
             </a:r>
-            <a:endParaRPr lang="ko-KR" altLang="en-US"/>
-          </a:p>
-        </p:txBody>
-      </p:sp>
-      <p:sp>
-        <p:nvSpPr>
-          <p:cNvPr id="3" name="내용 개체 틀 2">
-            <a:extLst>
-              <a:ext uri="{FF2B5EF4-FFF2-40B4-BE49-F238E27FC236}">
-                <a16:creationId xmlns:a16="http://schemas.microsoft.com/office/drawing/2014/main" id="{DFC7BD81-A3BE-C8A0-BB17-B82016DD2C3C}"/>
-              </a:ext>
-            </a:extLst>
-          </p:cNvPr>
-          <p:cNvSpPr>
-            <a:spLocks noGrp="1"/>
-          </p:cNvSpPr>
-          <p:nvPr>
-            <p:ph idx="1"/>
-          </p:nvPr>
-        </p:nvSpPr>
-        <p:spPr/>
-        <p:txBody>
-          <a:bodyPr/>
-          <a:lstStyle/>
-          <a:p>
-            <a:endParaRPr lang="ko-KR" altLang="en-US"/>
+            <a:endParaRPr lang="ko-KR" altLang="en-US" dirty="0"/>
           </a:p>
         </p:txBody>
       </p:sp>

--- a/week12/branch.pptx
+++ b/week12/branch.pptx
@@ -7,6 +7,7 @@
   <p:sldIdLst>
     <p:sldId id="256" r:id="rId2"/>
     <p:sldId id="257" r:id="rId3"/>
+    <p:sldId id="258" r:id="rId4"/>
   </p:sldIdLst>
   <p:sldSz cx="12192000" cy="6858000"/>
   <p:notesSz cx="6858000" cy="9144000"/>
@@ -113,6 +114,35 @@
 </p:presentation>
 </file>
 
+<file path=ppt/changesInfos/changesInfo1.xml><?xml version="1.0" encoding="utf-8"?>
+<pc:chgInfo xmlns:a="http://schemas.openxmlformats.org/drawingml/2006/main" xmlns:r="http://schemas.openxmlformats.org/officeDocument/2006/relationships" xmlns:ac="http://schemas.microsoft.com/office/drawing/2013/main/command" xmlns:pc="http://schemas.microsoft.com/office/powerpoint/2013/main/command">
+  <pc:docChgLst>
+    <pc:chgData name="준서 박" userId="c62e1c4adc5e7cf7" providerId="LiveId" clId="{AC1C528A-8469-4327-A82A-01CFCF71E911}"/>
+    <pc:docChg chg="addSld modSld">
+      <pc:chgData name="준서 박" userId="c62e1c4adc5e7cf7" providerId="LiveId" clId="{AC1C528A-8469-4327-A82A-01CFCF71E911}" dt="2023-11-18T02:08:50.031" v="11" actId="20577"/>
+      <pc:docMkLst>
+        <pc:docMk/>
+      </pc:docMkLst>
+      <pc:sldChg chg="modSp new mod">
+        <pc:chgData name="준서 박" userId="c62e1c4adc5e7cf7" providerId="LiveId" clId="{AC1C528A-8469-4327-A82A-01CFCF71E911}" dt="2023-11-18T02:08:50.031" v="11" actId="20577"/>
+        <pc:sldMkLst>
+          <pc:docMk/>
+          <pc:sldMk cId="570229159" sldId="258"/>
+        </pc:sldMkLst>
+        <pc:spChg chg="mod">
+          <ac:chgData name="준서 박" userId="c62e1c4adc5e7cf7" providerId="LiveId" clId="{AC1C528A-8469-4327-A82A-01CFCF71E911}" dt="2023-11-18T02:08:50.031" v="11" actId="20577"/>
+          <ac:spMkLst>
+            <pc:docMk/>
+            <pc:sldMk cId="570229159" sldId="258"/>
+            <ac:spMk id="2" creationId="{3881C6A7-7BCE-7DC2-6937-804E43824ABD}"/>
+          </ac:spMkLst>
+        </pc:spChg>
+      </pc:sldChg>
+    </pc:docChg>
+  </pc:docChgLst>
+</pc:chgInfo>
+</file>
+
 <file path=ppt/slideLayouts/slideLayout1.xml><?xml version="1.0" encoding="utf-8"?>
 <p:sldLayout xmlns:a="http://schemas.openxmlformats.org/drawingml/2006/main" xmlns:r="http://schemas.openxmlformats.org/officeDocument/2006/relationships" xmlns:p="http://schemas.openxmlformats.org/presentationml/2006/main" type="title" preserve="1">
   <p:cSld name="Title Slide">
@@ -262,7 +292,7 @@
           <a:p>
             <a:fld id="{42AB81E2-2E7B-B344-9159-A676E4F74E42}" type="datetimeFigureOut">
               <a:rPr lang="en-KR" smtClean="0"/>
-              <a:t>11/16/23</a:t>
+              <a:t>11/18/2023</a:t>
             </a:fld>
             <a:endParaRPr lang="en-KR"/>
           </a:p>
@@ -462,7 +492,7 @@
           <a:p>
             <a:fld id="{42AB81E2-2E7B-B344-9159-A676E4F74E42}" type="datetimeFigureOut">
               <a:rPr lang="en-KR" smtClean="0"/>
-              <a:t>11/16/23</a:t>
+              <a:t>11/18/2023</a:t>
             </a:fld>
             <a:endParaRPr lang="en-KR"/>
           </a:p>
@@ -672,7 +702,7 @@
           <a:p>
             <a:fld id="{42AB81E2-2E7B-B344-9159-A676E4F74E42}" type="datetimeFigureOut">
               <a:rPr lang="en-KR" smtClean="0"/>
-              <a:t>11/16/23</a:t>
+              <a:t>11/18/2023</a:t>
             </a:fld>
             <a:endParaRPr lang="en-KR"/>
           </a:p>
@@ -872,7 +902,7 @@
           <a:p>
             <a:fld id="{42AB81E2-2E7B-B344-9159-A676E4F74E42}" type="datetimeFigureOut">
               <a:rPr lang="en-KR" smtClean="0"/>
-              <a:t>11/16/23</a:t>
+              <a:t>11/18/2023</a:t>
             </a:fld>
             <a:endParaRPr lang="en-KR"/>
           </a:p>
@@ -1148,7 +1178,7 @@
           <a:p>
             <a:fld id="{42AB81E2-2E7B-B344-9159-A676E4F74E42}" type="datetimeFigureOut">
               <a:rPr lang="en-KR" smtClean="0"/>
-              <a:t>11/16/23</a:t>
+              <a:t>11/18/2023</a:t>
             </a:fld>
             <a:endParaRPr lang="en-KR"/>
           </a:p>
@@ -1416,7 +1446,7 @@
           <a:p>
             <a:fld id="{42AB81E2-2E7B-B344-9159-A676E4F74E42}" type="datetimeFigureOut">
               <a:rPr lang="en-KR" smtClean="0"/>
-              <a:t>11/16/23</a:t>
+              <a:t>11/18/2023</a:t>
             </a:fld>
             <a:endParaRPr lang="en-KR"/>
           </a:p>
@@ -1831,7 +1861,7 @@
           <a:p>
             <a:fld id="{42AB81E2-2E7B-B344-9159-A676E4F74E42}" type="datetimeFigureOut">
               <a:rPr lang="en-KR" smtClean="0"/>
-              <a:t>11/16/23</a:t>
+              <a:t>11/18/2023</a:t>
             </a:fld>
             <a:endParaRPr lang="en-KR"/>
           </a:p>
@@ -1973,7 +2003,7 @@
           <a:p>
             <a:fld id="{42AB81E2-2E7B-B344-9159-A676E4F74E42}" type="datetimeFigureOut">
               <a:rPr lang="en-KR" smtClean="0"/>
-              <a:t>11/16/23</a:t>
+              <a:t>11/18/2023</a:t>
             </a:fld>
             <a:endParaRPr lang="en-KR"/>
           </a:p>
@@ -2086,7 +2116,7 @@
           <a:p>
             <a:fld id="{42AB81E2-2E7B-B344-9159-A676E4F74E42}" type="datetimeFigureOut">
               <a:rPr lang="en-KR" smtClean="0"/>
-              <a:t>11/16/23</a:t>
+              <a:t>11/18/2023</a:t>
             </a:fld>
             <a:endParaRPr lang="en-KR"/>
           </a:p>
@@ -2399,7 +2429,7 @@
           <a:p>
             <a:fld id="{42AB81E2-2E7B-B344-9159-A676E4F74E42}" type="datetimeFigureOut">
               <a:rPr lang="en-KR" smtClean="0"/>
-              <a:t>11/16/23</a:t>
+              <a:t>11/18/2023</a:t>
             </a:fld>
             <a:endParaRPr lang="en-KR"/>
           </a:p>
@@ -2688,7 +2718,7 @@
           <a:p>
             <a:fld id="{42AB81E2-2E7B-B344-9159-A676E4F74E42}" type="datetimeFigureOut">
               <a:rPr lang="en-KR" smtClean="0"/>
-              <a:t>11/16/23</a:t>
+              <a:t>11/18/2023</a:t>
             </a:fld>
             <a:endParaRPr lang="en-KR"/>
           </a:p>
@@ -2931,7 +2961,7 @@
           <a:p>
             <a:fld id="{42AB81E2-2E7B-B344-9159-A676E4F74E42}" type="datetimeFigureOut">
               <a:rPr lang="en-KR" smtClean="0"/>
-              <a:t>11/16/23</a:t>
+              <a:t>11/18/2023</a:t>
             </a:fld>
             <a:endParaRPr lang="en-KR"/>
           </a:p>
@@ -3475,7 +3505,7 @@
           <a:lstStyle/>
           <a:p>
             <a:pPr algn="ctr"/>
-            <a:endParaRPr lang="en-US" dirty="0"/>
+            <a:endParaRPr lang="en-US"/>
           </a:p>
         </p:txBody>
       </p:sp>
@@ -3575,18 +3605,18 @@
           <a:p>
             <a:pPr algn="l"/>
             <a:r>
-              <a:rPr lang="ko-KR" altLang="en-US" sz="11500" dirty="0"/>
+              <a:rPr lang="ko-KR" altLang="en-US" sz="11500"/>
               <a:t>깃 </a:t>
             </a:r>
             <a:r>
-              <a:rPr lang="ko-KR" altLang="en-US" sz="11500" dirty="0" err="1"/>
+              <a:rPr lang="ko-KR" altLang="en-US" sz="11500" err="1"/>
               <a:t>브랜치</a:t>
             </a:r>
             <a:r>
-              <a:rPr lang="en-US" altLang="ko-KR" sz="11500" dirty="0"/>
+              <a:rPr lang="en-US" altLang="ko-KR" sz="11500"/>
               <a:t>(Git Branch)</a:t>
             </a:r>
-            <a:endParaRPr lang="en-KR" sz="11500" dirty="0"/>
+            <a:endParaRPr lang="en-KR" sz="11500"/>
           </a:p>
         </p:txBody>
       </p:sp>
@@ -3619,7 +3649,7 @@
           <a:lstStyle/>
           <a:p>
             <a:pPr algn="l"/>
-            <a:endParaRPr lang="en-KR" dirty="0"/>
+            <a:endParaRPr lang="en-KR"/>
           </a:p>
         </p:txBody>
       </p:sp>
@@ -3690,22 +3720,22 @@
           <a:lstStyle/>
           <a:p>
             <a:r>
-              <a:rPr lang="ko-KR" altLang="en-US" sz="3600" dirty="0" err="1"/>
+              <a:rPr lang="ko-KR" altLang="en-US" sz="3600" err="1"/>
               <a:t>브랜치</a:t>
             </a:r>
             <a:r>
-              <a:rPr lang="en-US" altLang="ko-KR" sz="3600" dirty="0"/>
+              <a:rPr lang="en-US" altLang="ko-KR" sz="3600"/>
               <a:t>(</a:t>
             </a:r>
             <a:r>
-              <a:rPr lang="en-KR" sz="3600" dirty="0"/>
+              <a:rPr lang="en-KR" sz="3600"/>
               <a:t>Branch</a:t>
             </a:r>
             <a:r>
-              <a:rPr lang="en-US" altLang="ko-KR" sz="3600" dirty="0"/>
+              <a:rPr lang="en-US" altLang="ko-KR" sz="3600"/>
               <a:t>)</a:t>
             </a:r>
-            <a:endParaRPr lang="en-KR" sz="3600" dirty="0"/>
+            <a:endParaRPr lang="en-KR" sz="3600"/>
           </a:p>
         </p:txBody>
       </p:sp>
@@ -3768,24 +3798,24 @@
           <a:lstStyle/>
           <a:p>
             <a:r>
-              <a:rPr lang="ko-KR" altLang="en-US" sz="1600" dirty="0"/>
+              <a:rPr lang="ko-KR" altLang="en-US" sz="1600"/>
               <a:t>독립된 작업 공간</a:t>
             </a:r>
-            <a:endParaRPr lang="en-US" altLang="ko-KR" sz="1600" dirty="0"/>
-          </a:p>
-          <a:p>
-            <a:r>
-              <a:rPr lang="ko-KR" altLang="en-US" sz="1600" dirty="0"/>
+            <a:endParaRPr lang="en-US" altLang="ko-KR" sz="1600"/>
+          </a:p>
+          <a:p>
+            <a:r>
+              <a:rPr lang="ko-KR" altLang="en-US" sz="1600"/>
               <a:t>식당에 비유하면 주방 한 켠에 있는 조리실험실 같은 공간</a:t>
             </a:r>
-            <a:endParaRPr lang="en-US" altLang="ko-KR" sz="1600" dirty="0"/>
-          </a:p>
-          <a:p>
-            <a:r>
-              <a:rPr lang="ko-KR" altLang="en-US" sz="1600" dirty="0"/>
+            <a:endParaRPr lang="en-US" altLang="ko-KR" sz="1600"/>
+          </a:p>
+          <a:p>
+            <a:r>
+              <a:rPr lang="ko-KR" altLang="en-US" sz="1600"/>
               <a:t>지금 작업하던 내용을 그대로 유지한채 새로운 개발이 가능</a:t>
             </a:r>
-            <a:endParaRPr lang="en-US" altLang="ko-KR" sz="1600" dirty="0"/>
+            <a:endParaRPr lang="en-US" altLang="ko-KR" sz="1600"/>
           </a:p>
         </p:txBody>
       </p:sp>
@@ -3793,6 +3823,90 @@
     <p:extLst>
       <p:ext uri="{BB962C8B-B14F-4D97-AF65-F5344CB8AC3E}">
         <p14:creationId xmlns:p14="http://schemas.microsoft.com/office/powerpoint/2010/main" val="1989476405"/>
+      </p:ext>
+    </p:extLst>
+  </p:cSld>
+  <p:clrMapOvr>
+    <a:masterClrMapping/>
+  </p:clrMapOvr>
+</p:sld>
+</file>
+
+<file path=ppt/slides/slide3.xml><?xml version="1.0" encoding="utf-8"?>
+<p:sld xmlns:a="http://schemas.openxmlformats.org/drawingml/2006/main" xmlns:r="http://schemas.openxmlformats.org/officeDocument/2006/relationships" xmlns:p="http://schemas.openxmlformats.org/presentationml/2006/main">
+  <p:cSld>
+    <p:spTree>
+      <p:nvGrpSpPr>
+        <p:cNvPr id="1" name=""/>
+        <p:cNvGrpSpPr/>
+        <p:nvPr/>
+      </p:nvGrpSpPr>
+      <p:grpSpPr>
+        <a:xfrm>
+          <a:off x="0" y="0"/>
+          <a:ext cx="0" cy="0"/>
+          <a:chOff x="0" y="0"/>
+          <a:chExt cx="0" cy="0"/>
+        </a:xfrm>
+      </p:grpSpPr>
+      <p:sp>
+        <p:nvSpPr>
+          <p:cNvPr id="2" name="제목 1">
+            <a:extLst>
+              <a:ext uri="{FF2B5EF4-FFF2-40B4-BE49-F238E27FC236}">
+                <a16:creationId xmlns:a16="http://schemas.microsoft.com/office/drawing/2014/main" id="{3881C6A7-7BCE-7DC2-6937-804E43824ABD}"/>
+              </a:ext>
+            </a:extLst>
+          </p:cNvPr>
+          <p:cNvSpPr>
+            <a:spLocks noGrp="1"/>
+          </p:cNvSpPr>
+          <p:nvPr>
+            <p:ph type="title"/>
+          </p:nvPr>
+        </p:nvSpPr>
+        <p:spPr/>
+        <p:txBody>
+          <a:bodyPr/>
+          <a:lstStyle/>
+          <a:p>
+            <a:r>
+              <a:rPr lang="en-US" altLang="ko-KR"/>
+              <a:t>Thank You</a:t>
+            </a:r>
+            <a:endParaRPr lang="ko-KR" altLang="en-US"/>
+          </a:p>
+        </p:txBody>
+      </p:sp>
+      <p:sp>
+        <p:nvSpPr>
+          <p:cNvPr id="3" name="내용 개체 틀 2">
+            <a:extLst>
+              <a:ext uri="{FF2B5EF4-FFF2-40B4-BE49-F238E27FC236}">
+                <a16:creationId xmlns:a16="http://schemas.microsoft.com/office/drawing/2014/main" id="{627EA3BD-D395-EDC0-DCB6-1AB2D876C236}"/>
+              </a:ext>
+            </a:extLst>
+          </p:cNvPr>
+          <p:cNvSpPr>
+            <a:spLocks noGrp="1"/>
+          </p:cNvSpPr>
+          <p:nvPr>
+            <p:ph idx="1"/>
+          </p:nvPr>
+        </p:nvSpPr>
+        <p:spPr/>
+        <p:txBody>
+          <a:bodyPr/>
+          <a:lstStyle/>
+          <a:p>
+            <a:endParaRPr lang="ko-KR" altLang="en-US"/>
+          </a:p>
+        </p:txBody>
+      </p:sp>
+    </p:spTree>
+    <p:extLst>
+      <p:ext uri="{BB962C8B-B14F-4D97-AF65-F5344CB8AC3E}">
+        <p14:creationId xmlns:p14="http://schemas.microsoft.com/office/powerpoint/2010/main" val="570229159"/>
       </p:ext>
     </p:extLst>
   </p:cSld>

--- a/week12/branch.pptx
+++ b/week12/branch.pptx
@@ -7,6 +7,7 @@
   <p:sldIdLst>
     <p:sldId id="256" r:id="rId2"/>
     <p:sldId id="257" r:id="rId3"/>
+    <p:sldId id="258" r:id="rId4"/>
   </p:sldIdLst>
   <p:sldSz cx="12192000" cy="6858000"/>
   <p:notesSz cx="6858000" cy="9144000"/>
@@ -113,6 +114,35 @@
 </p:presentation>
 </file>
 
+<file path=ppt/changesInfos/changesInfo1.xml><?xml version="1.0" encoding="utf-8"?>
+<pc:chgInfo xmlns:a="http://schemas.openxmlformats.org/drawingml/2006/main" xmlns:r="http://schemas.openxmlformats.org/officeDocument/2006/relationships" xmlns:ac="http://schemas.microsoft.com/office/drawing/2013/main/command" xmlns:pc="http://schemas.microsoft.com/office/powerpoint/2013/main/command">
+  <pc:docChgLst>
+    <pc:chgData name="준서 박" userId="c62e1c4adc5e7cf7" providerId="LiveId" clId="{AC1C528A-8469-4327-A82A-01CFCF71E911}"/>
+    <pc:docChg chg="addSld modSld">
+      <pc:chgData name="준서 박" userId="c62e1c4adc5e7cf7" providerId="LiveId" clId="{AC1C528A-8469-4327-A82A-01CFCF71E911}" dt="2023-11-18T02:23:02.704" v="17" actId="20577"/>
+      <pc:docMkLst>
+        <pc:docMk/>
+      </pc:docMkLst>
+      <pc:sldChg chg="modSp new mod">
+        <pc:chgData name="준서 박" userId="c62e1c4adc5e7cf7" providerId="LiveId" clId="{AC1C528A-8469-4327-A82A-01CFCF71E911}" dt="2023-11-18T02:23:02.704" v="17" actId="20577"/>
+        <pc:sldMkLst>
+          <pc:docMk/>
+          <pc:sldMk cId="773336010" sldId="258"/>
+        </pc:sldMkLst>
+        <pc:spChg chg="mod">
+          <ac:chgData name="준서 박" userId="c62e1c4adc5e7cf7" providerId="LiveId" clId="{AC1C528A-8469-4327-A82A-01CFCF71E911}" dt="2023-11-18T02:23:02.704" v="17" actId="20577"/>
+          <ac:spMkLst>
+            <pc:docMk/>
+            <pc:sldMk cId="773336010" sldId="258"/>
+            <ac:spMk id="2" creationId="{CB7F7214-2E85-D029-7E3F-F8DDC130B04E}"/>
+          </ac:spMkLst>
+        </pc:spChg>
+      </pc:sldChg>
+    </pc:docChg>
+  </pc:docChgLst>
+</pc:chgInfo>
+</file>
+
 <file path=ppt/slideLayouts/slideLayout1.xml><?xml version="1.0" encoding="utf-8"?>
 <p:sldLayout xmlns:a="http://schemas.openxmlformats.org/drawingml/2006/main" xmlns:r="http://schemas.openxmlformats.org/officeDocument/2006/relationships" xmlns:p="http://schemas.openxmlformats.org/presentationml/2006/main" type="title" preserve="1">
   <p:cSld name="Title Slide">
@@ -262,7 +292,7 @@
           <a:p>
             <a:fld id="{42AB81E2-2E7B-B344-9159-A676E4F74E42}" type="datetimeFigureOut">
               <a:rPr lang="en-KR" smtClean="0"/>
-              <a:t>11/16/23</a:t>
+              <a:t>11/18/2023</a:t>
             </a:fld>
             <a:endParaRPr lang="en-KR"/>
           </a:p>
@@ -462,7 +492,7 @@
           <a:p>
             <a:fld id="{42AB81E2-2E7B-B344-9159-A676E4F74E42}" type="datetimeFigureOut">
               <a:rPr lang="en-KR" smtClean="0"/>
-              <a:t>11/16/23</a:t>
+              <a:t>11/18/2023</a:t>
             </a:fld>
             <a:endParaRPr lang="en-KR"/>
           </a:p>
@@ -672,7 +702,7 @@
           <a:p>
             <a:fld id="{42AB81E2-2E7B-B344-9159-A676E4F74E42}" type="datetimeFigureOut">
               <a:rPr lang="en-KR" smtClean="0"/>
-              <a:t>11/16/23</a:t>
+              <a:t>11/18/2023</a:t>
             </a:fld>
             <a:endParaRPr lang="en-KR"/>
           </a:p>
@@ -872,7 +902,7 @@
           <a:p>
             <a:fld id="{42AB81E2-2E7B-B344-9159-A676E4F74E42}" type="datetimeFigureOut">
               <a:rPr lang="en-KR" smtClean="0"/>
-              <a:t>11/16/23</a:t>
+              <a:t>11/18/2023</a:t>
             </a:fld>
             <a:endParaRPr lang="en-KR"/>
           </a:p>
@@ -1148,7 +1178,7 @@
           <a:p>
             <a:fld id="{42AB81E2-2E7B-B344-9159-A676E4F74E42}" type="datetimeFigureOut">
               <a:rPr lang="en-KR" smtClean="0"/>
-              <a:t>11/16/23</a:t>
+              <a:t>11/18/2023</a:t>
             </a:fld>
             <a:endParaRPr lang="en-KR"/>
           </a:p>
@@ -1416,7 +1446,7 @@
           <a:p>
             <a:fld id="{42AB81E2-2E7B-B344-9159-A676E4F74E42}" type="datetimeFigureOut">
               <a:rPr lang="en-KR" smtClean="0"/>
-              <a:t>11/16/23</a:t>
+              <a:t>11/18/2023</a:t>
             </a:fld>
             <a:endParaRPr lang="en-KR"/>
           </a:p>
@@ -1831,7 +1861,7 @@
           <a:p>
             <a:fld id="{42AB81E2-2E7B-B344-9159-A676E4F74E42}" type="datetimeFigureOut">
               <a:rPr lang="en-KR" smtClean="0"/>
-              <a:t>11/16/23</a:t>
+              <a:t>11/18/2023</a:t>
             </a:fld>
             <a:endParaRPr lang="en-KR"/>
           </a:p>
@@ -1973,7 +2003,7 @@
           <a:p>
             <a:fld id="{42AB81E2-2E7B-B344-9159-A676E4F74E42}" type="datetimeFigureOut">
               <a:rPr lang="en-KR" smtClean="0"/>
-              <a:t>11/16/23</a:t>
+              <a:t>11/18/2023</a:t>
             </a:fld>
             <a:endParaRPr lang="en-KR"/>
           </a:p>
@@ -2086,7 +2116,7 @@
           <a:p>
             <a:fld id="{42AB81E2-2E7B-B344-9159-A676E4F74E42}" type="datetimeFigureOut">
               <a:rPr lang="en-KR" smtClean="0"/>
-              <a:t>11/16/23</a:t>
+              <a:t>11/18/2023</a:t>
             </a:fld>
             <a:endParaRPr lang="en-KR"/>
           </a:p>
@@ -2399,7 +2429,7 @@
           <a:p>
             <a:fld id="{42AB81E2-2E7B-B344-9159-A676E4F74E42}" type="datetimeFigureOut">
               <a:rPr lang="en-KR" smtClean="0"/>
-              <a:t>11/16/23</a:t>
+              <a:t>11/18/2023</a:t>
             </a:fld>
             <a:endParaRPr lang="en-KR"/>
           </a:p>
@@ -2688,7 +2718,7 @@
           <a:p>
             <a:fld id="{42AB81E2-2E7B-B344-9159-A676E4F74E42}" type="datetimeFigureOut">
               <a:rPr lang="en-KR" smtClean="0"/>
-              <a:t>11/16/23</a:t>
+              <a:t>11/18/2023</a:t>
             </a:fld>
             <a:endParaRPr lang="en-KR"/>
           </a:p>
@@ -2931,7 +2961,7 @@
           <a:p>
             <a:fld id="{42AB81E2-2E7B-B344-9159-A676E4F74E42}" type="datetimeFigureOut">
               <a:rPr lang="en-KR" smtClean="0"/>
-              <a:t>11/16/23</a:t>
+              <a:t>11/18/2023</a:t>
             </a:fld>
             <a:endParaRPr lang="en-KR"/>
           </a:p>
@@ -3802,6 +3832,90 @@
 </p:sld>
 </file>
 
+<file path=ppt/slides/slide3.xml><?xml version="1.0" encoding="utf-8"?>
+<p:sld xmlns:a="http://schemas.openxmlformats.org/drawingml/2006/main" xmlns:r="http://schemas.openxmlformats.org/officeDocument/2006/relationships" xmlns:p="http://schemas.openxmlformats.org/presentationml/2006/main">
+  <p:cSld>
+    <p:spTree>
+      <p:nvGrpSpPr>
+        <p:cNvPr id="1" name=""/>
+        <p:cNvGrpSpPr/>
+        <p:nvPr/>
+      </p:nvGrpSpPr>
+      <p:grpSpPr>
+        <a:xfrm>
+          <a:off x="0" y="0"/>
+          <a:ext cx="0" cy="0"/>
+          <a:chOff x="0" y="0"/>
+          <a:chExt cx="0" cy="0"/>
+        </a:xfrm>
+      </p:grpSpPr>
+      <p:sp>
+        <p:nvSpPr>
+          <p:cNvPr id="2" name="제목 1">
+            <a:extLst>
+              <a:ext uri="{FF2B5EF4-FFF2-40B4-BE49-F238E27FC236}">
+                <a16:creationId xmlns:a16="http://schemas.microsoft.com/office/drawing/2014/main" id="{CB7F7214-2E85-D029-7E3F-F8DDC130B04E}"/>
+              </a:ext>
+            </a:extLst>
+          </p:cNvPr>
+          <p:cNvSpPr>
+            <a:spLocks noGrp="1"/>
+          </p:cNvSpPr>
+          <p:nvPr>
+            <p:ph type="title"/>
+          </p:nvPr>
+        </p:nvSpPr>
+        <p:spPr/>
+        <p:txBody>
+          <a:bodyPr/>
+          <a:lstStyle/>
+          <a:p>
+            <a:r>
+              <a:rPr lang="en-US" altLang="ko-KR"/>
+              <a:t>Thank You</a:t>
+            </a:r>
+            <a:endParaRPr lang="ko-KR" altLang="en-US"/>
+          </a:p>
+        </p:txBody>
+      </p:sp>
+      <p:sp>
+        <p:nvSpPr>
+          <p:cNvPr id="3" name="내용 개체 틀 2">
+            <a:extLst>
+              <a:ext uri="{FF2B5EF4-FFF2-40B4-BE49-F238E27FC236}">
+                <a16:creationId xmlns:a16="http://schemas.microsoft.com/office/drawing/2014/main" id="{0FCF2699-21AB-4445-6476-41433ABA1A61}"/>
+              </a:ext>
+            </a:extLst>
+          </p:cNvPr>
+          <p:cNvSpPr>
+            <a:spLocks noGrp="1"/>
+          </p:cNvSpPr>
+          <p:nvPr>
+            <p:ph idx="1"/>
+          </p:nvPr>
+        </p:nvSpPr>
+        <p:spPr/>
+        <p:txBody>
+          <a:bodyPr/>
+          <a:lstStyle/>
+          <a:p>
+            <a:endParaRPr lang="ko-KR" altLang="en-US"/>
+          </a:p>
+        </p:txBody>
+      </p:sp>
+    </p:spTree>
+    <p:extLst>
+      <p:ext uri="{BB962C8B-B14F-4D97-AF65-F5344CB8AC3E}">
+        <p14:creationId xmlns:p14="http://schemas.microsoft.com/office/powerpoint/2010/main" val="773336010"/>
+      </p:ext>
+    </p:extLst>
+  </p:cSld>
+  <p:clrMapOvr>
+    <a:masterClrMapping/>
+  </p:clrMapOvr>
+</p:sld>
+</file>
+
 <file path=ppt/theme/theme1.xml><?xml version="1.0" encoding="utf-8"?>
 <a:theme xmlns:a="http://schemas.openxmlformats.org/drawingml/2006/main" name="Office Theme">
   <a:themeElements>
